--- a/articulo 1 XAI/Presentación/Presentacion XAI cafee.pptx
+++ b/articulo 1 XAI/Presentación/Presentacion XAI cafee.pptx
@@ -5,55 +5,57 @@
     <p:sldMasterId id="2147483660" r:id="rId1"/>
   </p:sldMasterIdLst>
   <p:notesMasterIdLst>
-    <p:notesMasterId r:id="rId27"/>
+    <p:notesMasterId r:id="rId29"/>
   </p:notesMasterIdLst>
   <p:sldIdLst>
     <p:sldId id="303" r:id="rId2"/>
     <p:sldId id="263" r:id="rId3"/>
     <p:sldId id="258" r:id="rId4"/>
     <p:sldId id="257" r:id="rId5"/>
-    <p:sldId id="332" r:id="rId6"/>
-    <p:sldId id="333" r:id="rId7"/>
+    <p:sldId id="333" r:id="rId6"/>
+    <p:sldId id="337" r:id="rId7"/>
     <p:sldId id="320" r:id="rId8"/>
     <p:sldId id="318" r:id="rId9"/>
-    <p:sldId id="334" r:id="rId10"/>
-    <p:sldId id="335" r:id="rId11"/>
-    <p:sldId id="321" r:id="rId12"/>
-    <p:sldId id="280" r:id="rId13"/>
-    <p:sldId id="324" r:id="rId14"/>
-    <p:sldId id="327" r:id="rId15"/>
-    <p:sldId id="325" r:id="rId16"/>
-    <p:sldId id="326" r:id="rId17"/>
-    <p:sldId id="328" r:id="rId18"/>
-    <p:sldId id="306" r:id="rId19"/>
-    <p:sldId id="317" r:id="rId20"/>
-    <p:sldId id="329" r:id="rId21"/>
-    <p:sldId id="330" r:id="rId22"/>
-    <p:sldId id="331" r:id="rId23"/>
-    <p:sldId id="299" r:id="rId24"/>
-    <p:sldId id="300" r:id="rId25"/>
-    <p:sldId id="308" r:id="rId26"/>
+    <p:sldId id="336" r:id="rId10"/>
+    <p:sldId id="338" r:id="rId11"/>
+    <p:sldId id="334" r:id="rId12"/>
+    <p:sldId id="339" r:id="rId13"/>
+    <p:sldId id="321" r:id="rId14"/>
+    <p:sldId id="280" r:id="rId15"/>
+    <p:sldId id="324" r:id="rId16"/>
+    <p:sldId id="327" r:id="rId17"/>
+    <p:sldId id="325" r:id="rId18"/>
+    <p:sldId id="326" r:id="rId19"/>
+    <p:sldId id="328" r:id="rId20"/>
+    <p:sldId id="306" r:id="rId21"/>
+    <p:sldId id="317" r:id="rId22"/>
+    <p:sldId id="329" r:id="rId23"/>
+    <p:sldId id="330" r:id="rId24"/>
+    <p:sldId id="331" r:id="rId25"/>
+    <p:sldId id="299" r:id="rId26"/>
+    <p:sldId id="300" r:id="rId27"/>
+    <p:sldId id="308" r:id="rId28"/>
   </p:sldIdLst>
   <p:sldSz cx="18288000" cy="10288588"/>
   <p:notesSz cx="6858000" cy="9144000"/>
   <p:embeddedFontLst>
     <p:embeddedFont>
       <p:font typeface="Cambria Math" panose="02040503050406030204" pitchFamily="18" charset="0"/>
-      <p:regular r:id="rId28"/>
+      <p:regular r:id="rId30"/>
     </p:embeddedFont>
     <p:embeddedFont>
       <p:font typeface="Candara" panose="020E0502030303020204" pitchFamily="34" charset="0"/>
-      <p:regular r:id="rId29"/>
-      <p:bold r:id="rId30"/>
-      <p:italic r:id="rId31"/>
-      <p:boldItalic r:id="rId32"/>
+      <p:regular r:id="rId31"/>
+      <p:bold r:id="rId32"/>
+      <p:italic r:id="rId33"/>
+      <p:boldItalic r:id="rId34"/>
     </p:embeddedFont>
     <p:embeddedFont>
       <p:font typeface="DIN" panose="020B0604020202020204" charset="0"/>
-      <p:regular r:id="rId33"/>
-      <p:bold r:id="rId34"/>
-      <p:italic r:id="rId35"/>
-      <p:boldItalic r:id="rId36"/>
+      <p:regular r:id="rId35"/>
+      <p:bold r:id="rId36"/>
+      <p:italic r:id="rId37"/>
+      <p:boldItalic r:id="rId38"/>
     </p:embeddedFont>
   </p:embeddedFontLst>
   <p:defaultTextStyle>
@@ -159,6 +161,248 @@
 </p:presentation>
 </file>
 
+<file path=ppt/revisionInfo.xml><?xml version="1.0" encoding="utf-8"?>
+<p1510:revInfo xmlns:a="http://schemas.openxmlformats.org/drawingml/2006/main" xmlns:r="http://schemas.openxmlformats.org/officeDocument/2006/relationships" xmlns:p1510="http://schemas.microsoft.com/office/powerpoint/2015/10/main">
+  <p1510:revLst>
+    <p1510:client id="{61B78C06-3064-4BA3-A5B5-5B1559E6CA4F}" v="17" dt="2024-09-02T11:43:13.902"/>
+  </p1510:revLst>
+</p1510:revInfo>
+</file>
+
+<file path=ppt/changesInfos/changesInfo1.xml><?xml version="1.0" encoding="utf-8"?>
+<pc:chgInfo xmlns:a="http://schemas.openxmlformats.org/drawingml/2006/main" xmlns:r="http://schemas.openxmlformats.org/officeDocument/2006/relationships" xmlns:ac="http://schemas.microsoft.com/office/drawing/2013/main/command" xmlns:pc="http://schemas.microsoft.com/office/powerpoint/2013/main/command">
+  <pc:docChgLst>
+    <pc:chgData name="Gonzalez Moyano, Ricardo" userId="5b44e8b1-3a70-41c8-8d8a-36b87a296b66" providerId="ADAL" clId="{61B78C06-3064-4BA3-A5B5-5B1559E6CA4F}"/>
+    <pc:docChg chg="undo custSel addSld delSld modSld sldOrd">
+      <pc:chgData name="Gonzalez Moyano, Ricardo" userId="5b44e8b1-3a70-41c8-8d8a-36b87a296b66" providerId="ADAL" clId="{61B78C06-3064-4BA3-A5B5-5B1559E6CA4F}" dt="2024-09-02T11:50:41.054" v="449" actId="1076"/>
+      <pc:docMkLst>
+        <pc:docMk/>
+      </pc:docMkLst>
+      <pc:sldChg chg="modSp mod ord">
+        <pc:chgData name="Gonzalez Moyano, Ricardo" userId="5b44e8b1-3a70-41c8-8d8a-36b87a296b66" providerId="ADAL" clId="{61B78C06-3064-4BA3-A5B5-5B1559E6CA4F}" dt="2024-09-02T11:46:29.032" v="390" actId="948"/>
+        <pc:sldMkLst>
+          <pc:docMk/>
+          <pc:sldMk cId="2265105320" sldId="318"/>
+        </pc:sldMkLst>
+        <pc:spChg chg="mod">
+          <ac:chgData name="Gonzalez Moyano, Ricardo" userId="5b44e8b1-3a70-41c8-8d8a-36b87a296b66" providerId="ADAL" clId="{61B78C06-3064-4BA3-A5B5-5B1559E6CA4F}" dt="2024-09-02T11:46:29.032" v="390" actId="948"/>
+          <ac:spMkLst>
+            <pc:docMk/>
+            <pc:sldMk cId="2265105320" sldId="318"/>
+            <ac:spMk id="3" creationId="{F2F9E890-B6DE-48DE-8F6A-A85504366140}"/>
+          </ac:spMkLst>
+        </pc:spChg>
+      </pc:sldChg>
+      <pc:sldChg chg="modSp mod">
+        <pc:chgData name="Gonzalez Moyano, Ricardo" userId="5b44e8b1-3a70-41c8-8d8a-36b87a296b66" providerId="ADAL" clId="{61B78C06-3064-4BA3-A5B5-5B1559E6CA4F}" dt="2024-09-02T11:50:16.166" v="445" actId="1076"/>
+        <pc:sldMkLst>
+          <pc:docMk/>
+          <pc:sldMk cId="1059917120" sldId="324"/>
+        </pc:sldMkLst>
+        <pc:spChg chg="mod">
+          <ac:chgData name="Gonzalez Moyano, Ricardo" userId="5b44e8b1-3a70-41c8-8d8a-36b87a296b66" providerId="ADAL" clId="{61B78C06-3064-4BA3-A5B5-5B1559E6CA4F}" dt="2024-09-02T11:50:16.166" v="445" actId="1076"/>
+          <ac:spMkLst>
+            <pc:docMk/>
+            <pc:sldMk cId="1059917120" sldId="324"/>
+            <ac:spMk id="10" creationId="{FC2E9B4F-E1DF-DD39-D5D6-16B2900B7822}"/>
+          </ac:spMkLst>
+        </pc:spChg>
+      </pc:sldChg>
+      <pc:sldChg chg="modSp mod">
+        <pc:chgData name="Gonzalez Moyano, Ricardo" userId="5b44e8b1-3a70-41c8-8d8a-36b87a296b66" providerId="ADAL" clId="{61B78C06-3064-4BA3-A5B5-5B1559E6CA4F}" dt="2024-09-02T11:50:41.054" v="449" actId="1076"/>
+        <pc:sldMkLst>
+          <pc:docMk/>
+          <pc:sldMk cId="2054883912" sldId="325"/>
+        </pc:sldMkLst>
+        <pc:spChg chg="mod">
+          <ac:chgData name="Gonzalez Moyano, Ricardo" userId="5b44e8b1-3a70-41c8-8d8a-36b87a296b66" providerId="ADAL" clId="{61B78C06-3064-4BA3-A5B5-5B1559E6CA4F}" dt="2024-09-02T11:50:37.740" v="448" actId="1076"/>
+          <ac:spMkLst>
+            <pc:docMk/>
+            <pc:sldMk cId="2054883912" sldId="325"/>
+            <ac:spMk id="2" creationId="{86BA8BD2-2360-47C4-A428-A34D4F1BE424}"/>
+          </ac:spMkLst>
+        </pc:spChg>
+        <pc:spChg chg="mod">
+          <ac:chgData name="Gonzalez Moyano, Ricardo" userId="5b44e8b1-3a70-41c8-8d8a-36b87a296b66" providerId="ADAL" clId="{61B78C06-3064-4BA3-A5B5-5B1559E6CA4F}" dt="2024-09-02T11:50:41.054" v="449" actId="1076"/>
+          <ac:spMkLst>
+            <pc:docMk/>
+            <pc:sldMk cId="2054883912" sldId="325"/>
+            <ac:spMk id="3" creationId="{4494177C-73C9-19D2-B33F-3A421F270BD1}"/>
+          </ac:spMkLst>
+        </pc:spChg>
+      </pc:sldChg>
+      <pc:sldChg chg="modSp mod">
+        <pc:chgData name="Gonzalez Moyano, Ricardo" userId="5b44e8b1-3a70-41c8-8d8a-36b87a296b66" providerId="ADAL" clId="{61B78C06-3064-4BA3-A5B5-5B1559E6CA4F}" dt="2024-09-02T11:50:32.535" v="446" actId="1076"/>
+        <pc:sldMkLst>
+          <pc:docMk/>
+          <pc:sldMk cId="2197805425" sldId="327"/>
+        </pc:sldMkLst>
+        <pc:spChg chg="mod">
+          <ac:chgData name="Gonzalez Moyano, Ricardo" userId="5b44e8b1-3a70-41c8-8d8a-36b87a296b66" providerId="ADAL" clId="{61B78C06-3064-4BA3-A5B5-5B1559E6CA4F}" dt="2024-09-02T11:50:32.535" v="446" actId="1076"/>
+          <ac:spMkLst>
+            <pc:docMk/>
+            <pc:sldMk cId="2197805425" sldId="327"/>
+            <ac:spMk id="3" creationId="{4494177C-73C9-19D2-B33F-3A421F270BD1}"/>
+          </ac:spMkLst>
+        </pc:spChg>
+      </pc:sldChg>
+      <pc:sldChg chg="del">
+        <pc:chgData name="Gonzalez Moyano, Ricardo" userId="5b44e8b1-3a70-41c8-8d8a-36b87a296b66" providerId="ADAL" clId="{61B78C06-3064-4BA3-A5B5-5B1559E6CA4F}" dt="2024-09-02T08:55:37.039" v="0" actId="2696"/>
+        <pc:sldMkLst>
+          <pc:docMk/>
+          <pc:sldMk cId="3804825781" sldId="332"/>
+        </pc:sldMkLst>
+      </pc:sldChg>
+      <pc:sldChg chg="modSp mod">
+        <pc:chgData name="Gonzalez Moyano, Ricardo" userId="5b44e8b1-3a70-41c8-8d8a-36b87a296b66" providerId="ADAL" clId="{61B78C06-3064-4BA3-A5B5-5B1559E6CA4F}" dt="2024-09-02T09:59:41.794" v="73" actId="20577"/>
+        <pc:sldMkLst>
+          <pc:docMk/>
+          <pc:sldMk cId="3370441884" sldId="333"/>
+        </pc:sldMkLst>
+        <pc:spChg chg="mod">
+          <ac:chgData name="Gonzalez Moyano, Ricardo" userId="5b44e8b1-3a70-41c8-8d8a-36b87a296b66" providerId="ADAL" clId="{61B78C06-3064-4BA3-A5B5-5B1559E6CA4F}" dt="2024-09-02T09:59:41.794" v="73" actId="20577"/>
+          <ac:spMkLst>
+            <pc:docMk/>
+            <pc:sldMk cId="3370441884" sldId="333"/>
+            <ac:spMk id="3" creationId="{F2F9E890-B6DE-48DE-8F6A-A85504366140}"/>
+          </ac:spMkLst>
+        </pc:spChg>
+      </pc:sldChg>
+      <pc:sldChg chg="addSp delSp modSp mod">
+        <pc:chgData name="Gonzalez Moyano, Ricardo" userId="5b44e8b1-3a70-41c8-8d8a-36b87a296b66" providerId="ADAL" clId="{61B78C06-3064-4BA3-A5B5-5B1559E6CA4F}" dt="2024-09-02T11:43:09.393" v="374"/>
+        <pc:sldMkLst>
+          <pc:docMk/>
+          <pc:sldMk cId="330661727" sldId="334"/>
+        </pc:sldMkLst>
+        <pc:spChg chg="add mod">
+          <ac:chgData name="Gonzalez Moyano, Ricardo" userId="5b44e8b1-3a70-41c8-8d8a-36b87a296b66" providerId="ADAL" clId="{61B78C06-3064-4BA3-A5B5-5B1559E6CA4F}" dt="2024-09-02T11:43:09.393" v="374"/>
+          <ac:spMkLst>
+            <pc:docMk/>
+            <pc:sldMk cId="330661727" sldId="334"/>
+            <ac:spMk id="3" creationId="{DBE322D2-E919-4ED2-DD3E-BF7D2B7EF39D}"/>
+          </ac:spMkLst>
+        </pc:spChg>
+        <pc:spChg chg="del mod">
+          <ac:chgData name="Gonzalez Moyano, Ricardo" userId="5b44e8b1-3a70-41c8-8d8a-36b87a296b66" providerId="ADAL" clId="{61B78C06-3064-4BA3-A5B5-5B1559E6CA4F}" dt="2024-09-02T11:43:08.410" v="373" actId="478"/>
+          <ac:spMkLst>
+            <pc:docMk/>
+            <pc:sldMk cId="330661727" sldId="334"/>
+            <ac:spMk id="11" creationId="{69537818-1D26-F354-3BFC-26FAE23CDE3A}"/>
+          </ac:spMkLst>
+        </pc:spChg>
+        <pc:spChg chg="mod">
+          <ac:chgData name="Gonzalez Moyano, Ricardo" userId="5b44e8b1-3a70-41c8-8d8a-36b87a296b66" providerId="ADAL" clId="{61B78C06-3064-4BA3-A5B5-5B1559E6CA4F}" dt="2024-09-02T11:28:18.909" v="344" actId="20577"/>
+          <ac:spMkLst>
+            <pc:docMk/>
+            <pc:sldMk cId="330661727" sldId="334"/>
+            <ac:spMk id="16" creationId="{6BED3FB9-4FD3-12F9-6FFE-ACF0F320D934}"/>
+          </ac:spMkLst>
+        </pc:spChg>
+      </pc:sldChg>
+      <pc:sldChg chg="del">
+        <pc:chgData name="Gonzalez Moyano, Ricardo" userId="5b44e8b1-3a70-41c8-8d8a-36b87a296b66" providerId="ADAL" clId="{61B78C06-3064-4BA3-A5B5-5B1559E6CA4F}" dt="2024-09-02T11:29:02.457" v="346" actId="2696"/>
+        <pc:sldMkLst>
+          <pc:docMk/>
+          <pc:sldMk cId="2357454629" sldId="335"/>
+        </pc:sldMkLst>
+      </pc:sldChg>
+      <pc:sldChg chg="add ord">
+        <pc:chgData name="Gonzalez Moyano, Ricardo" userId="5b44e8b1-3a70-41c8-8d8a-36b87a296b66" providerId="ADAL" clId="{61B78C06-3064-4BA3-A5B5-5B1559E6CA4F}" dt="2024-09-02T10:01:12.434" v="76"/>
+        <pc:sldMkLst>
+          <pc:docMk/>
+          <pc:sldMk cId="582248287" sldId="336"/>
+        </pc:sldMkLst>
+      </pc:sldChg>
+      <pc:sldChg chg="add">
+        <pc:chgData name="Gonzalez Moyano, Ricardo" userId="5b44e8b1-3a70-41c8-8d8a-36b87a296b66" providerId="ADAL" clId="{61B78C06-3064-4BA3-A5B5-5B1559E6CA4F}" dt="2024-09-02T10:02:45.229" v="79" actId="2890"/>
+        <pc:sldMkLst>
+          <pc:docMk/>
+          <pc:sldMk cId="1727311440" sldId="337"/>
+        </pc:sldMkLst>
+      </pc:sldChg>
+      <pc:sldChg chg="addSp modSp add mod">
+        <pc:chgData name="Gonzalez Moyano, Ricardo" userId="5b44e8b1-3a70-41c8-8d8a-36b87a296b66" providerId="ADAL" clId="{61B78C06-3064-4BA3-A5B5-5B1559E6CA4F}" dt="2024-09-02T10:59:04.395" v="263" actId="14100"/>
+        <pc:sldMkLst>
+          <pc:docMk/>
+          <pc:sldMk cId="680328324" sldId="338"/>
+        </pc:sldMkLst>
+        <pc:spChg chg="mod">
+          <ac:chgData name="Gonzalez Moyano, Ricardo" userId="5b44e8b1-3a70-41c8-8d8a-36b87a296b66" providerId="ADAL" clId="{61B78C06-3064-4BA3-A5B5-5B1559E6CA4F}" dt="2024-09-02T10:41:37.953" v="229" actId="20577"/>
+          <ac:spMkLst>
+            <pc:docMk/>
+            <pc:sldMk cId="680328324" sldId="338"/>
+            <ac:spMk id="3" creationId="{F2F9E890-B6DE-48DE-8F6A-A85504366140}"/>
+          </ac:spMkLst>
+        </pc:spChg>
+        <pc:picChg chg="add mod">
+          <ac:chgData name="Gonzalez Moyano, Ricardo" userId="5b44e8b1-3a70-41c8-8d8a-36b87a296b66" providerId="ADAL" clId="{61B78C06-3064-4BA3-A5B5-5B1559E6CA4F}" dt="2024-09-02T10:58:52.547" v="261" actId="1076"/>
+          <ac:picMkLst>
+            <pc:docMk/>
+            <pc:sldMk cId="680328324" sldId="338"/>
+            <ac:picMk id="8" creationId="{C0225E17-1CA2-D2C8-1E9C-29C9BAB9023B}"/>
+          </ac:picMkLst>
+        </pc:picChg>
+        <pc:picChg chg="add mod">
+          <ac:chgData name="Gonzalez Moyano, Ricardo" userId="5b44e8b1-3a70-41c8-8d8a-36b87a296b66" providerId="ADAL" clId="{61B78C06-3064-4BA3-A5B5-5B1559E6CA4F}" dt="2024-09-02T10:59:04.395" v="263" actId="14100"/>
+          <ac:picMkLst>
+            <pc:docMk/>
+            <pc:sldMk cId="680328324" sldId="338"/>
+            <ac:picMk id="10" creationId="{D8F0629C-2A7E-C704-828C-D2E9C7963E75}"/>
+          </ac:picMkLst>
+        </pc:picChg>
+      </pc:sldChg>
+      <pc:sldChg chg="addSp delSp modSp add mod">
+        <pc:chgData name="Gonzalez Moyano, Ricardo" userId="5b44e8b1-3a70-41c8-8d8a-36b87a296b66" providerId="ADAL" clId="{61B78C06-3064-4BA3-A5B5-5B1559E6CA4F}" dt="2024-09-02T11:49:47.869" v="443" actId="20577"/>
+        <pc:sldMkLst>
+          <pc:docMk/>
+          <pc:sldMk cId="2641603861" sldId="339"/>
+        </pc:sldMkLst>
+        <pc:spChg chg="add mod">
+          <ac:chgData name="Gonzalez Moyano, Ricardo" userId="5b44e8b1-3a70-41c8-8d8a-36b87a296b66" providerId="ADAL" clId="{61B78C06-3064-4BA3-A5B5-5B1559E6CA4F}" dt="2024-09-02T11:43:13.902" v="376"/>
+          <ac:spMkLst>
+            <pc:docMk/>
+            <pc:sldMk cId="2641603861" sldId="339"/>
+            <ac:spMk id="4" creationId="{1E71AD7E-9688-E857-0CCE-11327E705E37}"/>
+          </ac:spMkLst>
+        </pc:spChg>
+        <pc:spChg chg="del">
+          <ac:chgData name="Gonzalez Moyano, Ricardo" userId="5b44e8b1-3a70-41c8-8d8a-36b87a296b66" providerId="ADAL" clId="{61B78C06-3064-4BA3-A5B5-5B1559E6CA4F}" dt="2024-09-02T11:43:13.020" v="375" actId="478"/>
+          <ac:spMkLst>
+            <pc:docMk/>
+            <pc:sldMk cId="2641603861" sldId="339"/>
+            <ac:spMk id="11" creationId="{69537818-1D26-F354-3BFC-26FAE23CDE3A}"/>
+          </ac:spMkLst>
+        </pc:spChg>
+        <pc:spChg chg="mod">
+          <ac:chgData name="Gonzalez Moyano, Ricardo" userId="5b44e8b1-3a70-41c8-8d8a-36b87a296b66" providerId="ADAL" clId="{61B78C06-3064-4BA3-A5B5-5B1559E6CA4F}" dt="2024-09-02T11:49:47.869" v="443" actId="20577"/>
+          <ac:spMkLst>
+            <pc:docMk/>
+            <pc:sldMk cId="2641603861" sldId="339"/>
+            <ac:spMk id="16" creationId="{6BED3FB9-4FD3-12F9-6FFE-ACF0F320D934}"/>
+          </ac:spMkLst>
+        </pc:spChg>
+        <pc:picChg chg="add mod">
+          <ac:chgData name="Gonzalez Moyano, Ricardo" userId="5b44e8b1-3a70-41c8-8d8a-36b87a296b66" providerId="ADAL" clId="{61B78C06-3064-4BA3-A5B5-5B1559E6CA4F}" dt="2024-09-02T11:44:00.855" v="377" actId="1076"/>
+          <ac:picMkLst>
+            <pc:docMk/>
+            <pc:sldMk cId="2641603861" sldId="339"/>
+            <ac:picMk id="3" creationId="{6D294989-C14B-F01E-0268-82AFCF00EF15}"/>
+          </ac:picMkLst>
+        </pc:picChg>
+        <pc:picChg chg="del">
+          <ac:chgData name="Gonzalez Moyano, Ricardo" userId="5b44e8b1-3a70-41c8-8d8a-36b87a296b66" providerId="ADAL" clId="{61B78C06-3064-4BA3-A5B5-5B1559E6CA4F}" dt="2024-09-02T11:32:26.747" v="350" actId="478"/>
+          <ac:picMkLst>
+            <pc:docMk/>
+            <pc:sldMk cId="2641603861" sldId="339"/>
+            <ac:picMk id="13" creationId="{BE6530E3-3E81-A902-D80D-C50F91FDE002}"/>
+          </ac:picMkLst>
+        </pc:picChg>
+      </pc:sldChg>
+    </pc:docChg>
+  </pc:docChgLst>
+</pc:chgInfo>
+</file>
+
 <file path=ppt/notesMasters/notesMaster1.xml><?xml version="1.0" encoding="utf-8"?>
 <p:notesMaster xmlns:a="http://schemas.openxmlformats.org/drawingml/2006/main" xmlns:r="http://schemas.openxmlformats.org/officeDocument/2006/relationships" xmlns:p="http://schemas.openxmlformats.org/presentationml/2006/main">
   <p:cSld>
@@ -241,7 +485,7 @@
           <a:p>
             <a:fld id="{2DB79FB7-5658-4FB3-B98D-B463C580F970}" type="datetimeFigureOut">
               <a:rPr lang="es-ES" smtClean="0"/>
-              <a:t>01/09/2024</a:t>
+              <a:t>02/09/2024</a:t>
             </a:fld>
             <a:endParaRPr lang="es-ES"/>
           </a:p>
@@ -654,22 +898,40 @@
               <a:defRPr/>
             </a:pPr>
             <a:r>
+              <a:rPr lang="es-ES" dirty="0"/>
+              <a:t>Deterministicness: </a:t>
+            </a:r>
+            <a:r>
               <a:rPr lang="es-ES" sz="1800" dirty="0">
                 <a:effectLst/>
                 <a:latin typeface="Calibri" panose="020F0502020204030204" pitchFamily="34" charset="0"/>
                 <a:ea typeface="Calibri" panose="020F0502020204030204" pitchFamily="34" charset="0"/>
                 <a:cs typeface="Times New Roman" panose="02020603050405020304" pitchFamily="18" charset="0"/>
               </a:rPr>
-              <a:t>En este caso, como hemos dicho, se escoge EAT como modelo, también limitando el número de nodos hoja como se hacía con CART. En este caso, como función de pérdidas se escoge el MSE y, de este modo, al sustituir la función de perdidas en la fórmula de los </a:t>
-            </a:r>
-            <a:r>
-              <a:rPr lang="es-ES" sz="1800" dirty="0" err="1">
-                <a:effectLst/>
-                <a:latin typeface="Calibri" panose="020F0502020204030204" pitchFamily="34" charset="0"/>
-                <a:ea typeface="Calibri" panose="020F0502020204030204" pitchFamily="34" charset="0"/>
-                <a:cs typeface="Times New Roman" panose="02020603050405020304" pitchFamily="18" charset="0"/>
-              </a:rPr>
-              <a:t>pseudo-residuos</a:t>
+              <a:t> que contiene a todas las observaciones.</a:t>
+            </a:r>
+          </a:p>
+          <a:p>
+            <a:pPr marL="0" marR="0" lvl="0" indent="0" algn="l" defTabSz="1371600" rtl="0" eaLnBrk="1" fontAlgn="auto" latinLnBrk="0" hangingPunct="1">
+              <a:lnSpc>
+                <a:spcPct val="100000"/>
+              </a:lnSpc>
+              <a:spcBef>
+                <a:spcPts val="0"/>
+              </a:spcBef>
+              <a:spcAft>
+                <a:spcPts val="0"/>
+              </a:spcAft>
+              <a:buClrTx/>
+              <a:buSzTx/>
+              <a:buFontTx/>
+              <a:buNone/>
+              <a:tabLst/>
+              <a:defRPr/>
+            </a:pPr>
+            <a:r>
+              <a:rPr lang="en-GB" dirty="0"/>
+              <a:t>Free Disposability:</a:t>
             </a:r>
             <a:r>
               <a:rPr lang="es-ES" sz="1800" dirty="0">
@@ -678,16 +940,30 @@
                 <a:ea typeface="Calibri" panose="020F0502020204030204" pitchFamily="34" charset="0"/>
                 <a:cs typeface="Times New Roman" panose="02020603050405020304" pitchFamily="18" charset="0"/>
               </a:rPr>
-              <a:t> nos queda que estos son la diferencia entre el valor real y el valor observado. Es importante darse cuenta de que como la función de perdidas va a envolver los datos por arriba, la predicción siempre será mayor o igual que el valor real, por lo que los valores de </a:t>
-            </a:r>
-            <a:r>
-              <a:rPr lang="es-ES" sz="1800" dirty="0" err="1">
-                <a:effectLst/>
-                <a:latin typeface="Calibri" panose="020F0502020204030204" pitchFamily="34" charset="0"/>
-                <a:ea typeface="Calibri" panose="020F0502020204030204" pitchFamily="34" charset="0"/>
-                <a:cs typeface="Times New Roman" panose="02020603050405020304" pitchFamily="18" charset="0"/>
-              </a:rPr>
-              <a:t>pseudo-residuos</a:t>
+              <a:t> que siempre es posible hacerlo peor</a:t>
+            </a:r>
+          </a:p>
+          <a:p>
+            <a:pPr marL="0" marR="0" lvl="0" indent="0" algn="l" defTabSz="1371600" rtl="0" eaLnBrk="1" fontAlgn="auto" latinLnBrk="0" hangingPunct="1">
+              <a:lnSpc>
+                <a:spcPct val="100000"/>
+              </a:lnSpc>
+              <a:spcBef>
+                <a:spcPts val="0"/>
+              </a:spcBef>
+              <a:spcAft>
+                <a:spcPts val="0"/>
+              </a:spcAft>
+              <a:buClrTx/>
+              <a:buSzTx/>
+              <a:buFontTx/>
+              <a:buNone/>
+              <a:tabLst/>
+              <a:defRPr/>
+            </a:pPr>
+            <a:r>
+              <a:rPr lang="en-GB" dirty="0"/>
+              <a:t>Convexity:</a:t>
             </a:r>
             <a:r>
               <a:rPr lang="es-ES" sz="1800" dirty="0">
@@ -696,7 +972,7 @@
                 <a:ea typeface="Calibri" panose="020F0502020204030204" pitchFamily="34" charset="0"/>
                 <a:cs typeface="Times New Roman" panose="02020603050405020304" pitchFamily="18" charset="0"/>
               </a:rPr>
-              <a:t> siempre serán negativos o cero. </a:t>
+              <a:t> que la función en cóncava </a:t>
             </a:r>
           </a:p>
         </p:txBody>
@@ -718,7 +994,7 @@
           <a:p>
             <a:fld id="{CA6CDE8D-5C8C-4CEB-8086-70F298F6BBD0}" type="slidenum">
               <a:rPr lang="es-ES" smtClean="0"/>
-              <a:t>13</a:t>
+              <a:t>12</a:t>
             </a:fld>
             <a:endParaRPr lang="es-ES"/>
           </a:p>
@@ -727,7 +1003,7 @@
     </p:spTree>
     <p:extLst>
       <p:ext uri="{BB962C8B-B14F-4D97-AF65-F5344CB8AC3E}">
-        <p14:creationId xmlns:p14="http://schemas.microsoft.com/office/powerpoint/2010/main" val="949884267"/>
+        <p14:creationId xmlns:p14="http://schemas.microsoft.com/office/powerpoint/2010/main" val="3998710986"/>
       </p:ext>
     </p:extLst>
   </p:cSld>
@@ -872,7 +1148,7 @@
     </p:spTree>
     <p:extLst>
       <p:ext uri="{BB962C8B-B14F-4D97-AF65-F5344CB8AC3E}">
-        <p14:creationId xmlns:p14="http://schemas.microsoft.com/office/powerpoint/2010/main" val="1155460949"/>
+        <p14:creationId xmlns:p14="http://schemas.microsoft.com/office/powerpoint/2010/main" val="542614095"/>
       </p:ext>
     </p:extLst>
   </p:cSld>
@@ -1017,7 +1293,7 @@
     </p:spTree>
     <p:extLst>
       <p:ext uri="{BB962C8B-B14F-4D97-AF65-F5344CB8AC3E}">
-        <p14:creationId xmlns:p14="http://schemas.microsoft.com/office/powerpoint/2010/main" val="1764142830"/>
+        <p14:creationId xmlns:p14="http://schemas.microsoft.com/office/powerpoint/2010/main" val="949884267"/>
       </p:ext>
     </p:extLst>
   </p:cSld>
@@ -1162,7 +1438,7 @@
     </p:spTree>
     <p:extLst>
       <p:ext uri="{BB962C8B-B14F-4D97-AF65-F5344CB8AC3E}">
-        <p14:creationId xmlns:p14="http://schemas.microsoft.com/office/powerpoint/2010/main" val="945148138"/>
+        <p14:creationId xmlns:p14="http://schemas.microsoft.com/office/powerpoint/2010/main" val="1155460949"/>
       </p:ext>
     </p:extLst>
   </p:cSld>
@@ -1307,7 +1583,7 @@
     </p:spTree>
     <p:extLst>
       <p:ext uri="{BB962C8B-B14F-4D97-AF65-F5344CB8AC3E}">
-        <p14:creationId xmlns:p14="http://schemas.microsoft.com/office/powerpoint/2010/main" val="2277142057"/>
+        <p14:creationId xmlns:p14="http://schemas.microsoft.com/office/powerpoint/2010/main" val="1764142830"/>
       </p:ext>
     </p:extLst>
   </p:cSld>
@@ -1361,6 +1637,296 @@
           <a:bodyPr/>
           <a:lstStyle/>
           <a:p>
+            <a:pPr marL="0" marR="0" lvl="0" indent="0" algn="l" defTabSz="1371600" rtl="0" eaLnBrk="1" fontAlgn="auto" latinLnBrk="0" hangingPunct="1">
+              <a:lnSpc>
+                <a:spcPct val="100000"/>
+              </a:lnSpc>
+              <a:spcBef>
+                <a:spcPts val="0"/>
+              </a:spcBef>
+              <a:spcAft>
+                <a:spcPts val="0"/>
+              </a:spcAft>
+              <a:buClrTx/>
+              <a:buSzTx/>
+              <a:buFontTx/>
+              <a:buNone/>
+              <a:tabLst/>
+              <a:defRPr/>
+            </a:pPr>
+            <a:r>
+              <a:rPr lang="es-ES" sz="1800" dirty="0">
+                <a:effectLst/>
+                <a:latin typeface="Calibri" panose="020F0502020204030204" pitchFamily="34" charset="0"/>
+                <a:ea typeface="Calibri" panose="020F0502020204030204" pitchFamily="34" charset="0"/>
+                <a:cs typeface="Times New Roman" panose="02020603050405020304" pitchFamily="18" charset="0"/>
+              </a:rPr>
+              <a:t>En este caso, como hemos dicho, se escoge EAT como modelo, también limitando el número de nodos hoja como se hacía con CART. En este caso, como función de pérdidas se escoge el MSE y, de este modo, al sustituir la función de perdidas en la fórmula de los </a:t>
+            </a:r>
+            <a:r>
+              <a:rPr lang="es-ES" sz="1800" dirty="0" err="1">
+                <a:effectLst/>
+                <a:latin typeface="Calibri" panose="020F0502020204030204" pitchFamily="34" charset="0"/>
+                <a:ea typeface="Calibri" panose="020F0502020204030204" pitchFamily="34" charset="0"/>
+                <a:cs typeface="Times New Roman" panose="02020603050405020304" pitchFamily="18" charset="0"/>
+              </a:rPr>
+              <a:t>pseudo-residuos</a:t>
+            </a:r>
+            <a:r>
+              <a:rPr lang="es-ES" sz="1800" dirty="0">
+                <a:effectLst/>
+                <a:latin typeface="Calibri" panose="020F0502020204030204" pitchFamily="34" charset="0"/>
+                <a:ea typeface="Calibri" panose="020F0502020204030204" pitchFamily="34" charset="0"/>
+                <a:cs typeface="Times New Roman" panose="02020603050405020304" pitchFamily="18" charset="0"/>
+              </a:rPr>
+              <a:t> nos queda que estos son la diferencia entre el valor real y el valor observado. Es importante darse cuenta de que como la función de perdidas va a envolver los datos por arriba, la predicción siempre será mayor o igual que el valor real, por lo que los valores de </a:t>
+            </a:r>
+            <a:r>
+              <a:rPr lang="es-ES" sz="1800" dirty="0" err="1">
+                <a:effectLst/>
+                <a:latin typeface="Calibri" panose="020F0502020204030204" pitchFamily="34" charset="0"/>
+                <a:ea typeface="Calibri" panose="020F0502020204030204" pitchFamily="34" charset="0"/>
+                <a:cs typeface="Times New Roman" panose="02020603050405020304" pitchFamily="18" charset="0"/>
+              </a:rPr>
+              <a:t>pseudo-residuos</a:t>
+            </a:r>
+            <a:r>
+              <a:rPr lang="es-ES" sz="1800" dirty="0">
+                <a:effectLst/>
+                <a:latin typeface="Calibri" panose="020F0502020204030204" pitchFamily="34" charset="0"/>
+                <a:ea typeface="Calibri" panose="020F0502020204030204" pitchFamily="34" charset="0"/>
+                <a:cs typeface="Times New Roman" panose="02020603050405020304" pitchFamily="18" charset="0"/>
+              </a:rPr>
+              <a:t> siempre serán negativos o cero. </a:t>
+            </a:r>
+          </a:p>
+        </p:txBody>
+      </p:sp>
+      <p:sp>
+        <p:nvSpPr>
+          <p:cNvPr id="4" name="Marcador de número de diapositiva 3"/>
+          <p:cNvSpPr>
+            <a:spLocks noGrp="1"/>
+          </p:cNvSpPr>
+          <p:nvPr>
+            <p:ph type="sldNum" sz="quarter" idx="5"/>
+          </p:nvPr>
+        </p:nvSpPr>
+        <p:spPr/>
+        <p:txBody>
+          <a:bodyPr/>
+          <a:lstStyle/>
+          <a:p>
+            <a:fld id="{CA6CDE8D-5C8C-4CEB-8086-70F298F6BBD0}" type="slidenum">
+              <a:rPr lang="es-ES" smtClean="0"/>
+              <a:t>18</a:t>
+            </a:fld>
+            <a:endParaRPr lang="es-ES"/>
+          </a:p>
+        </p:txBody>
+      </p:sp>
+    </p:spTree>
+    <p:extLst>
+      <p:ext uri="{BB962C8B-B14F-4D97-AF65-F5344CB8AC3E}">
+        <p14:creationId xmlns:p14="http://schemas.microsoft.com/office/powerpoint/2010/main" val="945148138"/>
+      </p:ext>
+    </p:extLst>
+  </p:cSld>
+  <p:clrMapOvr>
+    <a:masterClrMapping/>
+  </p:clrMapOvr>
+</p:notes>
+</file>
+
+<file path=ppt/notesSlides/notesSlide16.xml><?xml version="1.0" encoding="utf-8"?>
+<p:notes xmlns:a="http://schemas.openxmlformats.org/drawingml/2006/main" xmlns:r="http://schemas.openxmlformats.org/officeDocument/2006/relationships" xmlns:p="http://schemas.openxmlformats.org/presentationml/2006/main">
+  <p:cSld>
+    <p:spTree>
+      <p:nvGrpSpPr>
+        <p:cNvPr id="1" name=""/>
+        <p:cNvGrpSpPr/>
+        <p:nvPr/>
+      </p:nvGrpSpPr>
+      <p:grpSpPr>
+        <a:xfrm>
+          <a:off x="0" y="0"/>
+          <a:ext cx="0" cy="0"/>
+          <a:chOff x="0" y="0"/>
+          <a:chExt cx="0" cy="0"/>
+        </a:xfrm>
+      </p:grpSpPr>
+      <p:sp>
+        <p:nvSpPr>
+          <p:cNvPr id="2" name="Marcador de imagen de diapositiva 1"/>
+          <p:cNvSpPr>
+            <a:spLocks noGrp="1" noRot="1" noChangeAspect="1"/>
+          </p:cNvSpPr>
+          <p:nvPr>
+            <p:ph type="sldImg"/>
+          </p:nvPr>
+        </p:nvSpPr>
+        <p:spPr/>
+      </p:sp>
+      <p:sp>
+        <p:nvSpPr>
+          <p:cNvPr id="3" name="Marcador de notas 2"/>
+          <p:cNvSpPr>
+            <a:spLocks noGrp="1"/>
+          </p:cNvSpPr>
+          <p:nvPr>
+            <p:ph type="body" idx="1"/>
+          </p:nvPr>
+        </p:nvSpPr>
+        <p:spPr/>
+        <p:txBody>
+          <a:bodyPr/>
+          <a:lstStyle/>
+          <a:p>
+            <a:pPr marL="0" marR="0" lvl="0" indent="0" algn="l" defTabSz="1371600" rtl="0" eaLnBrk="1" fontAlgn="auto" latinLnBrk="0" hangingPunct="1">
+              <a:lnSpc>
+                <a:spcPct val="100000"/>
+              </a:lnSpc>
+              <a:spcBef>
+                <a:spcPts val="0"/>
+              </a:spcBef>
+              <a:spcAft>
+                <a:spcPts val="0"/>
+              </a:spcAft>
+              <a:buClrTx/>
+              <a:buSzTx/>
+              <a:buFontTx/>
+              <a:buNone/>
+              <a:tabLst/>
+              <a:defRPr/>
+            </a:pPr>
+            <a:r>
+              <a:rPr lang="es-ES" sz="1800" dirty="0">
+                <a:effectLst/>
+                <a:latin typeface="Calibri" panose="020F0502020204030204" pitchFamily="34" charset="0"/>
+                <a:ea typeface="Calibri" panose="020F0502020204030204" pitchFamily="34" charset="0"/>
+                <a:cs typeface="Times New Roman" panose="02020603050405020304" pitchFamily="18" charset="0"/>
+              </a:rPr>
+              <a:t>En este caso, como hemos dicho, se escoge EAT como modelo, también limitando el número de nodos hoja como se hacía con CART. En este caso, como función de pérdidas se escoge el MSE y, de este modo, al sustituir la función de perdidas en la fórmula de los </a:t>
+            </a:r>
+            <a:r>
+              <a:rPr lang="es-ES" sz="1800" dirty="0" err="1">
+                <a:effectLst/>
+                <a:latin typeface="Calibri" panose="020F0502020204030204" pitchFamily="34" charset="0"/>
+                <a:ea typeface="Calibri" panose="020F0502020204030204" pitchFamily="34" charset="0"/>
+                <a:cs typeface="Times New Roman" panose="02020603050405020304" pitchFamily="18" charset="0"/>
+              </a:rPr>
+              <a:t>pseudo-residuos</a:t>
+            </a:r>
+            <a:r>
+              <a:rPr lang="es-ES" sz="1800" dirty="0">
+                <a:effectLst/>
+                <a:latin typeface="Calibri" panose="020F0502020204030204" pitchFamily="34" charset="0"/>
+                <a:ea typeface="Calibri" panose="020F0502020204030204" pitchFamily="34" charset="0"/>
+                <a:cs typeface="Times New Roman" panose="02020603050405020304" pitchFamily="18" charset="0"/>
+              </a:rPr>
+              <a:t> nos queda que estos son la diferencia entre el valor real y el valor observado. Es importante darse cuenta de que como la función de perdidas va a envolver los datos por arriba, la predicción siempre será mayor o igual que el valor real, por lo que los valores de </a:t>
+            </a:r>
+            <a:r>
+              <a:rPr lang="es-ES" sz="1800" dirty="0" err="1">
+                <a:effectLst/>
+                <a:latin typeface="Calibri" panose="020F0502020204030204" pitchFamily="34" charset="0"/>
+                <a:ea typeface="Calibri" panose="020F0502020204030204" pitchFamily="34" charset="0"/>
+                <a:cs typeface="Times New Roman" panose="02020603050405020304" pitchFamily="18" charset="0"/>
+              </a:rPr>
+              <a:t>pseudo-residuos</a:t>
+            </a:r>
+            <a:r>
+              <a:rPr lang="es-ES" sz="1800" dirty="0">
+                <a:effectLst/>
+                <a:latin typeface="Calibri" panose="020F0502020204030204" pitchFamily="34" charset="0"/>
+                <a:ea typeface="Calibri" panose="020F0502020204030204" pitchFamily="34" charset="0"/>
+                <a:cs typeface="Times New Roman" panose="02020603050405020304" pitchFamily="18" charset="0"/>
+              </a:rPr>
+              <a:t> siempre serán negativos o cero. </a:t>
+            </a:r>
+          </a:p>
+        </p:txBody>
+      </p:sp>
+      <p:sp>
+        <p:nvSpPr>
+          <p:cNvPr id="4" name="Marcador de número de diapositiva 3"/>
+          <p:cNvSpPr>
+            <a:spLocks noGrp="1"/>
+          </p:cNvSpPr>
+          <p:nvPr>
+            <p:ph type="sldNum" sz="quarter" idx="5"/>
+          </p:nvPr>
+        </p:nvSpPr>
+        <p:spPr/>
+        <p:txBody>
+          <a:bodyPr/>
+          <a:lstStyle/>
+          <a:p>
+            <a:fld id="{CA6CDE8D-5C8C-4CEB-8086-70F298F6BBD0}" type="slidenum">
+              <a:rPr lang="es-ES" smtClean="0"/>
+              <a:t>19</a:t>
+            </a:fld>
+            <a:endParaRPr lang="es-ES"/>
+          </a:p>
+        </p:txBody>
+      </p:sp>
+    </p:spTree>
+    <p:extLst>
+      <p:ext uri="{BB962C8B-B14F-4D97-AF65-F5344CB8AC3E}">
+        <p14:creationId xmlns:p14="http://schemas.microsoft.com/office/powerpoint/2010/main" val="2277142057"/>
+      </p:ext>
+    </p:extLst>
+  </p:cSld>
+  <p:clrMapOvr>
+    <a:masterClrMapping/>
+  </p:clrMapOvr>
+</p:notes>
+</file>
+
+<file path=ppt/notesSlides/notesSlide17.xml><?xml version="1.0" encoding="utf-8"?>
+<p:notes xmlns:a="http://schemas.openxmlformats.org/drawingml/2006/main" xmlns:r="http://schemas.openxmlformats.org/officeDocument/2006/relationships" xmlns:p="http://schemas.openxmlformats.org/presentationml/2006/main">
+  <p:cSld>
+    <p:spTree>
+      <p:nvGrpSpPr>
+        <p:cNvPr id="1" name=""/>
+        <p:cNvGrpSpPr/>
+        <p:nvPr/>
+      </p:nvGrpSpPr>
+      <p:grpSpPr>
+        <a:xfrm>
+          <a:off x="0" y="0"/>
+          <a:ext cx="0" cy="0"/>
+          <a:chOff x="0" y="0"/>
+          <a:chExt cx="0" cy="0"/>
+        </a:xfrm>
+      </p:grpSpPr>
+      <p:sp>
+        <p:nvSpPr>
+          <p:cNvPr id="2" name="Marcador de imagen de diapositiva 1"/>
+          <p:cNvSpPr>
+            <a:spLocks noGrp="1" noRot="1" noChangeAspect="1"/>
+          </p:cNvSpPr>
+          <p:nvPr>
+            <p:ph type="sldImg"/>
+          </p:nvPr>
+        </p:nvSpPr>
+        <p:spPr/>
+      </p:sp>
+      <p:sp>
+        <p:nvSpPr>
+          <p:cNvPr id="3" name="Marcador de notas 2"/>
+          <p:cNvSpPr>
+            <a:spLocks noGrp="1"/>
+          </p:cNvSpPr>
+          <p:nvPr>
+            <p:ph type="body" idx="1"/>
+          </p:nvPr>
+        </p:nvSpPr>
+        <p:spPr/>
+        <p:txBody>
+          <a:bodyPr/>
+          <a:lstStyle/>
+          <a:p>
             <a:pPr algn="just">
               <a:lnSpc>
                 <a:spcPct val="107000"/>
@@ -1395,7 +1961,7 @@
           <a:p>
             <a:fld id="{CA6CDE8D-5C8C-4CEB-8086-70F298F6BBD0}" type="slidenum">
               <a:rPr lang="es-ES" smtClean="0"/>
-              <a:t>24</a:t>
+              <a:t>26</a:t>
             </a:fld>
             <a:endParaRPr lang="es-ES"/>
           </a:p>
@@ -1616,7 +2182,7 @@
     </p:spTree>
     <p:extLst>
       <p:ext uri="{BB962C8B-B14F-4D97-AF65-F5344CB8AC3E}">
-        <p14:creationId xmlns:p14="http://schemas.microsoft.com/office/powerpoint/2010/main" val="2982114173"/>
+        <p14:creationId xmlns:p14="http://schemas.microsoft.com/office/powerpoint/2010/main" val="3737229048"/>
       </p:ext>
     </p:extLst>
   </p:cSld>
@@ -1722,7 +2288,7 @@
     </p:spTree>
     <p:extLst>
       <p:ext uri="{BB962C8B-B14F-4D97-AF65-F5344CB8AC3E}">
-        <p14:creationId xmlns:p14="http://schemas.microsoft.com/office/powerpoint/2010/main" val="3737229048"/>
+        <p14:creationId xmlns:p14="http://schemas.microsoft.com/office/powerpoint/2010/main" val="4200510672"/>
       </p:ext>
     </p:extLst>
   </p:cSld>
@@ -2076,83 +2642,12 @@
               <a:tabLst/>
               <a:defRPr/>
             </a:pPr>
-            <a:r>
-              <a:rPr lang="es-ES" dirty="0"/>
-              <a:t>Deterministicness: </a:t>
-            </a:r>
-            <a:r>
-              <a:rPr lang="es-ES" sz="1800" dirty="0">
-                <a:effectLst/>
-                <a:latin typeface="Calibri" panose="020F0502020204030204" pitchFamily="34" charset="0"/>
-                <a:ea typeface="Calibri" panose="020F0502020204030204" pitchFamily="34" charset="0"/>
-                <a:cs typeface="Times New Roman" panose="02020603050405020304" pitchFamily="18" charset="0"/>
-              </a:rPr>
-              <a:t> que contiene a todas las observaciones.</a:t>
-            </a:r>
-          </a:p>
-          <a:p>
-            <a:pPr marL="0" marR="0" lvl="0" indent="0" algn="l" defTabSz="1371600" rtl="0" eaLnBrk="1" fontAlgn="auto" latinLnBrk="0" hangingPunct="1">
-              <a:lnSpc>
-                <a:spcPct val="100000"/>
-              </a:lnSpc>
-              <a:spcBef>
-                <a:spcPts val="0"/>
-              </a:spcBef>
-              <a:spcAft>
-                <a:spcPts val="0"/>
-              </a:spcAft>
-              <a:buClrTx/>
-              <a:buSzTx/>
-              <a:buFontTx/>
-              <a:buNone/>
-              <a:tabLst/>
-              <a:defRPr/>
-            </a:pPr>
-            <a:r>
-              <a:rPr lang="en-GB" dirty="0"/>
-              <a:t>Free Disposability:</a:t>
-            </a:r>
-            <a:r>
-              <a:rPr lang="es-ES" sz="1800" dirty="0">
-                <a:effectLst/>
-                <a:latin typeface="Calibri" panose="020F0502020204030204" pitchFamily="34" charset="0"/>
-                <a:ea typeface="Calibri" panose="020F0502020204030204" pitchFamily="34" charset="0"/>
-                <a:cs typeface="Times New Roman" panose="02020603050405020304" pitchFamily="18" charset="0"/>
-              </a:rPr>
-              <a:t> que siempre es posible hacerlo peor</a:t>
-            </a:r>
-          </a:p>
-          <a:p>
-            <a:pPr marL="0" marR="0" lvl="0" indent="0" algn="l" defTabSz="1371600" rtl="0" eaLnBrk="1" fontAlgn="auto" latinLnBrk="0" hangingPunct="1">
-              <a:lnSpc>
-                <a:spcPct val="100000"/>
-              </a:lnSpc>
-              <a:spcBef>
-                <a:spcPts val="0"/>
-              </a:spcBef>
-              <a:spcAft>
-                <a:spcPts val="0"/>
-              </a:spcAft>
-              <a:buClrTx/>
-              <a:buSzTx/>
-              <a:buFontTx/>
-              <a:buNone/>
-              <a:tabLst/>
-              <a:defRPr/>
-            </a:pPr>
-            <a:r>
-              <a:rPr lang="en-GB" dirty="0"/>
-              <a:t>Convexity:</a:t>
-            </a:r>
-            <a:r>
-              <a:rPr lang="es-ES" sz="1800" dirty="0">
-                <a:effectLst/>
-                <a:latin typeface="Calibri" panose="020F0502020204030204" pitchFamily="34" charset="0"/>
-                <a:ea typeface="Calibri" panose="020F0502020204030204" pitchFamily="34" charset="0"/>
-                <a:cs typeface="Times New Roman" panose="02020603050405020304" pitchFamily="18" charset="0"/>
-              </a:rPr>
-              <a:t> que la función en cóncava </a:t>
-            </a:r>
+            <a:endParaRPr lang="es-ES" sz="1800" dirty="0">
+              <a:effectLst/>
+              <a:latin typeface="Calibri" panose="020F0502020204030204" pitchFamily="34" charset="0"/>
+              <a:ea typeface="Calibri" panose="020F0502020204030204" pitchFamily="34" charset="0"/>
+              <a:cs typeface="Times New Roman" panose="02020603050405020304" pitchFamily="18" charset="0"/>
+            </a:endParaRPr>
           </a:p>
         </p:txBody>
       </p:sp>
@@ -2182,7 +2677,7 @@
     </p:spTree>
     <p:extLst>
       <p:ext uri="{BB962C8B-B14F-4D97-AF65-F5344CB8AC3E}">
-        <p14:creationId xmlns:p14="http://schemas.microsoft.com/office/powerpoint/2010/main" val="1386286804"/>
+        <p14:creationId xmlns:p14="http://schemas.microsoft.com/office/powerpoint/2010/main" val="1797660148"/>
       </p:ext>
     </p:extLst>
   </p:cSld>
@@ -2253,83 +2748,12 @@
               <a:tabLst/>
               <a:defRPr/>
             </a:pPr>
-            <a:r>
-              <a:rPr lang="es-ES" dirty="0"/>
-              <a:t>Deterministicness: </a:t>
-            </a:r>
-            <a:r>
-              <a:rPr lang="es-ES" sz="1800" dirty="0">
-                <a:effectLst/>
-                <a:latin typeface="Calibri" panose="020F0502020204030204" pitchFamily="34" charset="0"/>
-                <a:ea typeface="Calibri" panose="020F0502020204030204" pitchFamily="34" charset="0"/>
-                <a:cs typeface="Times New Roman" panose="02020603050405020304" pitchFamily="18" charset="0"/>
-              </a:rPr>
-              <a:t> que contiene a todas las observaciones.</a:t>
-            </a:r>
-          </a:p>
-          <a:p>
-            <a:pPr marL="0" marR="0" lvl="0" indent="0" algn="l" defTabSz="1371600" rtl="0" eaLnBrk="1" fontAlgn="auto" latinLnBrk="0" hangingPunct="1">
-              <a:lnSpc>
-                <a:spcPct val="100000"/>
-              </a:lnSpc>
-              <a:spcBef>
-                <a:spcPts val="0"/>
-              </a:spcBef>
-              <a:spcAft>
-                <a:spcPts val="0"/>
-              </a:spcAft>
-              <a:buClrTx/>
-              <a:buSzTx/>
-              <a:buFontTx/>
-              <a:buNone/>
-              <a:tabLst/>
-              <a:defRPr/>
-            </a:pPr>
-            <a:r>
-              <a:rPr lang="en-GB" dirty="0"/>
-              <a:t>Free Disposability:</a:t>
-            </a:r>
-            <a:r>
-              <a:rPr lang="es-ES" sz="1800" dirty="0">
-                <a:effectLst/>
-                <a:latin typeface="Calibri" panose="020F0502020204030204" pitchFamily="34" charset="0"/>
-                <a:ea typeface="Calibri" panose="020F0502020204030204" pitchFamily="34" charset="0"/>
-                <a:cs typeface="Times New Roman" panose="02020603050405020304" pitchFamily="18" charset="0"/>
-              </a:rPr>
-              <a:t> que siempre es posible hacerlo peor</a:t>
-            </a:r>
-          </a:p>
-          <a:p>
-            <a:pPr marL="0" marR="0" lvl="0" indent="0" algn="l" defTabSz="1371600" rtl="0" eaLnBrk="1" fontAlgn="auto" latinLnBrk="0" hangingPunct="1">
-              <a:lnSpc>
-                <a:spcPct val="100000"/>
-              </a:lnSpc>
-              <a:spcBef>
-                <a:spcPts val="0"/>
-              </a:spcBef>
-              <a:spcAft>
-                <a:spcPts val="0"/>
-              </a:spcAft>
-              <a:buClrTx/>
-              <a:buSzTx/>
-              <a:buFontTx/>
-              <a:buNone/>
-              <a:tabLst/>
-              <a:defRPr/>
-            </a:pPr>
-            <a:r>
-              <a:rPr lang="en-GB" dirty="0"/>
-              <a:t>Convexity:</a:t>
-            </a:r>
-            <a:r>
-              <a:rPr lang="es-ES" sz="1800" dirty="0">
-                <a:effectLst/>
-                <a:latin typeface="Calibri" panose="020F0502020204030204" pitchFamily="34" charset="0"/>
-                <a:ea typeface="Calibri" panose="020F0502020204030204" pitchFamily="34" charset="0"/>
-                <a:cs typeface="Times New Roman" panose="02020603050405020304" pitchFamily="18" charset="0"/>
-              </a:rPr>
-              <a:t> que la función en cóncava </a:t>
-            </a:r>
+            <a:endParaRPr lang="es-ES" sz="1800" dirty="0">
+              <a:effectLst/>
+              <a:latin typeface="Calibri" panose="020F0502020204030204" pitchFamily="34" charset="0"/>
+              <a:ea typeface="Calibri" panose="020F0502020204030204" pitchFamily="34" charset="0"/>
+              <a:cs typeface="Times New Roman" panose="02020603050405020304" pitchFamily="18" charset="0"/>
+            </a:endParaRPr>
           </a:p>
         </p:txBody>
       </p:sp>
@@ -2359,7 +2783,7 @@
     </p:spTree>
     <p:extLst>
       <p:ext uri="{BB962C8B-B14F-4D97-AF65-F5344CB8AC3E}">
-        <p14:creationId xmlns:p14="http://schemas.microsoft.com/office/powerpoint/2010/main" val="3421153624"/>
+        <p14:creationId xmlns:p14="http://schemas.microsoft.com/office/powerpoint/2010/main" val="1712778961"/>
       </p:ext>
     </p:extLst>
   </p:cSld>
@@ -2431,22 +2855,40 @@
               <a:defRPr/>
             </a:pPr>
             <a:r>
+              <a:rPr lang="es-ES" dirty="0"/>
+              <a:t>Deterministicness: </a:t>
+            </a:r>
+            <a:r>
               <a:rPr lang="es-ES" sz="1800" dirty="0">
                 <a:effectLst/>
                 <a:latin typeface="Calibri" panose="020F0502020204030204" pitchFamily="34" charset="0"/>
                 <a:ea typeface="Calibri" panose="020F0502020204030204" pitchFamily="34" charset="0"/>
                 <a:cs typeface="Times New Roman" panose="02020603050405020304" pitchFamily="18" charset="0"/>
               </a:rPr>
-              <a:t>En este caso, como hemos dicho, se escoge EAT como modelo, también limitando el número de nodos hoja como se hacía con CART. En este caso, como función de pérdidas se escoge el MSE y, de este modo, al sustituir la función de perdidas en la fórmula de los </a:t>
-            </a:r>
-            <a:r>
-              <a:rPr lang="es-ES" sz="1800" dirty="0" err="1">
-                <a:effectLst/>
-                <a:latin typeface="Calibri" panose="020F0502020204030204" pitchFamily="34" charset="0"/>
-                <a:ea typeface="Calibri" panose="020F0502020204030204" pitchFamily="34" charset="0"/>
-                <a:cs typeface="Times New Roman" panose="02020603050405020304" pitchFamily="18" charset="0"/>
-              </a:rPr>
-              <a:t>pseudo-residuos</a:t>
+              <a:t> que contiene a todas las observaciones.</a:t>
+            </a:r>
+          </a:p>
+          <a:p>
+            <a:pPr marL="0" marR="0" lvl="0" indent="0" algn="l" defTabSz="1371600" rtl="0" eaLnBrk="1" fontAlgn="auto" latinLnBrk="0" hangingPunct="1">
+              <a:lnSpc>
+                <a:spcPct val="100000"/>
+              </a:lnSpc>
+              <a:spcBef>
+                <a:spcPts val="0"/>
+              </a:spcBef>
+              <a:spcAft>
+                <a:spcPts val="0"/>
+              </a:spcAft>
+              <a:buClrTx/>
+              <a:buSzTx/>
+              <a:buFontTx/>
+              <a:buNone/>
+              <a:tabLst/>
+              <a:defRPr/>
+            </a:pPr>
+            <a:r>
+              <a:rPr lang="en-GB" dirty="0"/>
+              <a:t>Free Disposability:</a:t>
             </a:r>
             <a:r>
               <a:rPr lang="es-ES" sz="1800" dirty="0">
@@ -2455,16 +2897,30 @@
                 <a:ea typeface="Calibri" panose="020F0502020204030204" pitchFamily="34" charset="0"/>
                 <a:cs typeface="Times New Roman" panose="02020603050405020304" pitchFamily="18" charset="0"/>
               </a:rPr>
-              <a:t> nos queda que estos son la diferencia entre el valor real y el valor observado. Es importante darse cuenta de que como la función de perdidas va a envolver los datos por arriba, la predicción siempre será mayor o igual que el valor real, por lo que los valores de </a:t>
-            </a:r>
-            <a:r>
-              <a:rPr lang="es-ES" sz="1800" dirty="0" err="1">
-                <a:effectLst/>
-                <a:latin typeface="Calibri" panose="020F0502020204030204" pitchFamily="34" charset="0"/>
-                <a:ea typeface="Calibri" panose="020F0502020204030204" pitchFamily="34" charset="0"/>
-                <a:cs typeface="Times New Roman" panose="02020603050405020304" pitchFamily="18" charset="0"/>
-              </a:rPr>
-              <a:t>pseudo-residuos</a:t>
+              <a:t> que siempre es posible hacerlo peor</a:t>
+            </a:r>
+          </a:p>
+          <a:p>
+            <a:pPr marL="0" marR="0" lvl="0" indent="0" algn="l" defTabSz="1371600" rtl="0" eaLnBrk="1" fontAlgn="auto" latinLnBrk="0" hangingPunct="1">
+              <a:lnSpc>
+                <a:spcPct val="100000"/>
+              </a:lnSpc>
+              <a:spcBef>
+                <a:spcPts val="0"/>
+              </a:spcBef>
+              <a:spcAft>
+                <a:spcPts val="0"/>
+              </a:spcAft>
+              <a:buClrTx/>
+              <a:buSzTx/>
+              <a:buFontTx/>
+              <a:buNone/>
+              <a:tabLst/>
+              <a:defRPr/>
+            </a:pPr>
+            <a:r>
+              <a:rPr lang="en-GB" dirty="0"/>
+              <a:t>Convexity:</a:t>
             </a:r>
             <a:r>
               <a:rPr lang="es-ES" sz="1800" dirty="0">
@@ -2473,7 +2929,7 @@
                 <a:ea typeface="Calibri" panose="020F0502020204030204" pitchFamily="34" charset="0"/>
                 <a:cs typeface="Times New Roman" panose="02020603050405020304" pitchFamily="18" charset="0"/>
               </a:rPr>
-              <a:t> siempre serán negativos o cero. </a:t>
+              <a:t> que la función en cóncava </a:t>
             </a:r>
           </a:p>
         </p:txBody>
@@ -2495,7 +2951,7 @@
           <a:p>
             <a:fld id="{CA6CDE8D-5C8C-4CEB-8086-70F298F6BBD0}" type="slidenum">
               <a:rPr lang="es-ES" smtClean="0"/>
-              <a:t>12</a:t>
+              <a:t>11</a:t>
             </a:fld>
             <a:endParaRPr lang="es-ES"/>
           </a:p>
@@ -2504,7 +2960,7 @@
     </p:spTree>
     <p:extLst>
       <p:ext uri="{BB962C8B-B14F-4D97-AF65-F5344CB8AC3E}">
-        <p14:creationId xmlns:p14="http://schemas.microsoft.com/office/powerpoint/2010/main" val="542614095"/>
+        <p14:creationId xmlns:p14="http://schemas.microsoft.com/office/powerpoint/2010/main" val="1386286804"/>
       </p:ext>
     </p:extLst>
   </p:cSld>
@@ -7704,31 +8160,116 @@
             <p:ph type="title"/>
           </p:nvPr>
         </p:nvSpPr>
+        <p:spPr/>
+        <p:txBody>
+          <a:bodyPr/>
+          <a:lstStyle/>
+          <a:p>
+            <a:r>
+              <a:rPr lang="en-AU" dirty="0"/>
+              <a:t>Introduction</a:t>
+            </a:r>
+          </a:p>
+        </p:txBody>
+      </p:sp>
+      <p:sp>
+        <p:nvSpPr>
+          <p:cNvPr id="3" name="Marcador de contenido 2">
+            <a:extLst>
+              <a:ext uri="{FF2B5EF4-FFF2-40B4-BE49-F238E27FC236}">
+                <a16:creationId xmlns:a16="http://schemas.microsoft.com/office/drawing/2014/main" id="{F2F9E890-B6DE-48DE-8F6A-A85504366140}"/>
+              </a:ext>
+            </a:extLst>
+          </p:cNvPr>
+          <p:cNvSpPr>
+            <a:spLocks noGrp="1"/>
+          </p:cNvSpPr>
+          <p:nvPr>
+            <p:ph idx="1"/>
+          </p:nvPr>
+        </p:nvSpPr>
         <p:spPr>
           <a:xfrm>
-            <a:off x="1257300" y="547773"/>
-            <a:ext cx="15773400" cy="1988651"/>
+            <a:off x="1257300" y="2993880"/>
+            <a:ext cx="16595985" cy="5850074"/>
           </a:xfrm>
         </p:spPr>
         <p:txBody>
-          <a:bodyPr anchor="ctr">
+          <a:bodyPr>
             <a:normAutofit/>
           </a:bodyPr>
           <a:lstStyle/>
           <a:p>
             <a:r>
-              <a:rPr lang="en-AU" dirty="0"/>
-              <a:t>Introduction</a:t>
-            </a:r>
-          </a:p>
-        </p:txBody>
-      </p:sp>
-      <p:sp>
-        <p:nvSpPr>
-          <p:cNvPr id="11" name="Marcador de pie de página 3">
+              <a:rPr lang="es-ES" dirty="0" err="1"/>
+              <a:t>Types</a:t>
+            </a:r>
+            <a:r>
+              <a:rPr lang="es-ES" dirty="0"/>
+              <a:t> </a:t>
+            </a:r>
+            <a:r>
+              <a:rPr lang="es-ES" dirty="0" err="1"/>
+              <a:t>of</a:t>
+            </a:r>
+            <a:r>
+              <a:rPr lang="es-ES" dirty="0"/>
+              <a:t> machine </a:t>
+            </a:r>
+            <a:r>
+              <a:rPr lang="es-ES" dirty="0" err="1"/>
+              <a:t>learning</a:t>
+            </a:r>
+            <a:r>
+              <a:rPr lang="es-ES" dirty="0"/>
+              <a:t>:</a:t>
+            </a:r>
+          </a:p>
+          <a:p>
+            <a:pPr marL="0" indent="0" algn="ctr">
+              <a:buNone/>
+            </a:pPr>
+            <a:r>
+              <a:rPr lang="es-ES" dirty="0" err="1"/>
+              <a:t>Supervised</a:t>
+            </a:r>
+            <a:r>
+              <a:rPr lang="es-ES" dirty="0"/>
+              <a:t> </a:t>
+            </a:r>
+            <a:r>
+              <a:rPr lang="es-ES" dirty="0" err="1"/>
+              <a:t>Learning</a:t>
+            </a:r>
+            <a:r>
+              <a:rPr lang="es-ES" dirty="0"/>
+              <a:t>			</a:t>
+            </a:r>
+            <a:r>
+              <a:rPr lang="es-ES" dirty="0" err="1"/>
+              <a:t>Unsupervised</a:t>
+            </a:r>
+            <a:r>
+              <a:rPr lang="es-ES" dirty="0"/>
+              <a:t> </a:t>
+            </a:r>
+            <a:r>
+              <a:rPr lang="es-ES" dirty="0" err="1"/>
+              <a:t>Learning</a:t>
+            </a:r>
+            <a:r>
+              <a:rPr lang="es-ES" dirty="0"/>
+              <a:t> </a:t>
+            </a:r>
+          </a:p>
+        </p:txBody>
+      </p:sp>
+      <p:sp>
+        <p:nvSpPr>
+          <p:cNvPr id="4" name="Marcador de pie de página 3">
             <a:extLst>
               <a:ext uri="{FF2B5EF4-FFF2-40B4-BE49-F238E27FC236}">
-                <a16:creationId xmlns:a16="http://schemas.microsoft.com/office/drawing/2014/main" id="{69537818-1D26-F354-3BFC-26FAE23CDE3A}"/>
+                <a16:creationId xmlns:a16="http://schemas.microsoft.com/office/drawing/2014/main" id="{81FA2410-67CF-428A-9DF6-97A560DA85A1}"/>
               </a:ext>
             </a:extLst>
           </p:cNvPr>
@@ -7739,34 +8280,33 @@
             <p:ph type="ftr" sz="quarter" idx="11"/>
           </p:nvPr>
         </p:nvSpPr>
-        <p:spPr>
-          <a:xfrm>
-            <a:off x="1653085" y="9628939"/>
-            <a:ext cx="13031905" cy="547772"/>
-          </a:xfrm>
-        </p:spPr>
-        <p:txBody>
-          <a:bodyPr anchor="ctr">
-            <a:normAutofit/>
-          </a:bodyPr>
+        <p:spPr/>
+        <p:txBody>
+          <a:bodyPr/>
           <a:lstStyle/>
           <a:p>
-            <a:pPr>
+            <a:pPr algn="ctr">
               <a:lnSpc>
-                <a:spcPct val="90000"/>
+                <a:spcPct val="150000"/>
               </a:lnSpc>
               <a:spcAft>
                 <a:spcPts val="800"/>
               </a:spcAft>
             </a:pPr>
             <a:r>
-              <a:rPr lang="en-US" sz="1500" b="1" kern="100">
+              <a:rPr lang="en-US" sz="1800" b="1" kern="100" dirty="0">
                 <a:effectLst/>
+                <a:latin typeface="Times New Roman" panose="02020603050405020304" pitchFamily="18" charset="0"/>
+                <a:ea typeface="Aptos" panose="020B0004020202020204" pitchFamily="34" charset="0"/>
+                <a:cs typeface="Times New Roman" panose="02020603050405020304" pitchFamily="18" charset="0"/>
               </a:rPr>
               <a:t>A novel approach for efficiency evaluation through the integration of standard Machine Learning classification models and Data Envelopment Analysis</a:t>
             </a:r>
-            <a:endParaRPr lang="es-ES" sz="1500" kern="100">
+            <a:endParaRPr lang="es-ES" sz="1600" kern="100" dirty="0">
               <a:effectLst/>
+              <a:latin typeface="Times New Roman" panose="02020603050405020304" pitchFamily="18" charset="0"/>
+              <a:ea typeface="Aptos" panose="020B0004020202020204" pitchFamily="34" charset="0"/>
+              <a:cs typeface="Times New Roman" panose="02020603050405020304" pitchFamily="18" charset="0"/>
             </a:endParaRPr>
           </a:p>
         </p:txBody>
@@ -7787,33 +8327,17 @@
             <p:ph type="sldNum" sz="quarter" idx="12"/>
           </p:nvPr>
         </p:nvSpPr>
-        <p:spPr>
-          <a:xfrm>
-            <a:off x="264428" y="9628939"/>
-            <a:ext cx="1134184" cy="547772"/>
-          </a:xfrm>
-        </p:spPr>
-        <p:txBody>
-          <a:bodyPr anchor="ctr">
-            <a:normAutofit/>
-          </a:bodyPr>
+        <p:spPr/>
+        <p:txBody>
+          <a:bodyPr/>
           <a:lstStyle/>
           <a:p>
-            <a:pPr>
-              <a:spcAft>
-                <a:spcPts val="600"/>
-              </a:spcAft>
-            </a:pPr>
             <a:fld id="{DBFF9636-A71C-488A-89F8-02E08556F10C}" type="slidenum">
               <a:rPr lang="es-ES" smtClean="0"/>
-              <a:pPr>
-                <a:spcAft>
-                  <a:spcPts val="600"/>
-                </a:spcAft>
-              </a:pPr>
+              <a:pPr/>
               <a:t>10</a:t>
             </a:fld>
-            <a:endParaRPr lang="es-ES"/>
+            <a:endParaRPr lang="es-ES" dirty="0"/>
           </a:p>
         </p:txBody>
       </p:sp>
@@ -7886,10 +8410,82 @@
           </a:p>
         </p:txBody>
       </p:sp>
+      <p:pic>
+        <p:nvPicPr>
+          <p:cNvPr id="8" name="Imagen 7" descr="Gráfico, Gráfico de dispersión&#10;&#10;Descripción generada automáticamente">
+            <a:extLst>
+              <a:ext uri="{FF2B5EF4-FFF2-40B4-BE49-F238E27FC236}">
+                <a16:creationId xmlns:a16="http://schemas.microsoft.com/office/drawing/2014/main" id="{C0225E17-1CA2-D2C8-1E9C-29C9BAB9023B}"/>
+              </a:ext>
+            </a:extLst>
+          </p:cNvPr>
+          <p:cNvPicPr>
+            <a:picLocks noChangeAspect="1"/>
+          </p:cNvPicPr>
+          <p:nvPr/>
+        </p:nvPicPr>
+        <p:blipFill>
+          <a:blip r:embed="rId3">
+            <a:extLst>
+              <a:ext uri="{28A0092B-C50C-407E-A947-70E740481C1C}">
+                <a14:useLocalDpi xmlns:a14="http://schemas.microsoft.com/office/drawing/2010/main" val="0"/>
+              </a:ext>
+            </a:extLst>
+          </a:blip>
+          <a:stretch>
+            <a:fillRect/>
+          </a:stretch>
+        </p:blipFill>
+        <p:spPr>
+          <a:xfrm>
+            <a:off x="1257300" y="4436837"/>
+            <a:ext cx="7380747" cy="4942342"/>
+          </a:xfrm>
+          <a:prstGeom prst="rect">
+            <a:avLst/>
+          </a:prstGeom>
+        </p:spPr>
+      </p:pic>
+      <p:pic>
+        <p:nvPicPr>
+          <p:cNvPr id="10" name="Imagen 9" descr="Gráfico, Gráfico de dispersión&#10;&#10;Descripción generada automáticamente">
+            <a:extLst>
+              <a:ext uri="{FF2B5EF4-FFF2-40B4-BE49-F238E27FC236}">
+                <a16:creationId xmlns:a16="http://schemas.microsoft.com/office/drawing/2014/main" id="{D8F0629C-2A7E-C704-828C-D2E9C7963E75}"/>
+              </a:ext>
+            </a:extLst>
+          </p:cNvPr>
+          <p:cNvPicPr>
+            <a:picLocks noChangeAspect="1"/>
+          </p:cNvPicPr>
+          <p:nvPr/>
+        </p:nvPicPr>
+        <p:blipFill>
+          <a:blip r:embed="rId4">
+            <a:extLst>
+              <a:ext uri="{28A0092B-C50C-407E-A947-70E740481C1C}">
+                <a14:useLocalDpi xmlns:a14="http://schemas.microsoft.com/office/drawing/2010/main" val="0"/>
+              </a:ext>
+            </a:extLst>
+          </a:blip>
+          <a:stretch>
+            <a:fillRect/>
+          </a:stretch>
+        </p:blipFill>
+        <p:spPr>
+          <a:xfrm>
+            <a:off x="9649953" y="4436837"/>
+            <a:ext cx="7537957" cy="4407117"/>
+          </a:xfrm>
+          <a:prstGeom prst="rect">
+            <a:avLst/>
+          </a:prstGeom>
+        </p:spPr>
+      </p:pic>
     </p:spTree>
     <p:extLst>
       <p:ext uri="{BB962C8B-B14F-4D97-AF65-F5344CB8AC3E}">
-        <p14:creationId xmlns:p14="http://schemas.microsoft.com/office/powerpoint/2010/main" val="2357454629"/>
+        <p14:creationId xmlns:p14="http://schemas.microsoft.com/office/powerpoint/2010/main" val="680328324"/>
       </p:ext>
     </p:extLst>
   </p:cSld>
@@ -7921,7 +8517,7 @@
           <p:cNvPr id="2" name="Título 1">
             <a:extLst>
               <a:ext uri="{FF2B5EF4-FFF2-40B4-BE49-F238E27FC236}">
-                <a16:creationId xmlns:a16="http://schemas.microsoft.com/office/drawing/2014/main" id="{76689CA8-E0FB-B1B4-82B6-48FE8BB6C9EF}"/>
+                <a16:creationId xmlns:a16="http://schemas.microsoft.com/office/drawing/2014/main" id="{90750DB4-7407-420E-84B6-A10D2F3B9D3E}"/>
               </a:ext>
             </a:extLst>
           </p:cNvPr>
@@ -7929,55 +8525,71 @@
             <a:spLocks noGrp="1"/>
           </p:cNvSpPr>
           <p:nvPr>
-            <p:ph type="ctrTitle"/>
-          </p:nvPr>
-        </p:nvSpPr>
-        <p:spPr/>
-        <p:txBody>
-          <a:bodyPr/>
+            <p:ph type="title"/>
+          </p:nvPr>
+        </p:nvSpPr>
+        <p:spPr>
+          <a:xfrm>
+            <a:off x="1257300" y="547773"/>
+            <a:ext cx="15773400" cy="1988651"/>
+          </a:xfrm>
+        </p:spPr>
+        <p:txBody>
+          <a:bodyPr anchor="ctr">
+            <a:normAutofit/>
+          </a:bodyPr>
           <a:lstStyle/>
           <a:p>
             <a:r>
-              <a:rPr lang="en-GB" dirty="0"/>
-              <a:t>Methodology</a:t>
-            </a:r>
-          </a:p>
-        </p:txBody>
-      </p:sp>
-      <p:sp>
-        <p:nvSpPr>
-          <p:cNvPr id="3" name="Subtítulo 2">
+              <a:rPr lang="en-AU" dirty="0"/>
+              <a:t>Introduction</a:t>
+            </a:r>
+          </a:p>
+        </p:txBody>
+      </p:sp>
+      <p:pic>
+        <p:nvPicPr>
+          <p:cNvPr id="13" name="Imagen 12" descr="Gráfico, Gráfico de dispersión&#10;&#10;Descripción generada automáticamente">
             <a:extLst>
               <a:ext uri="{FF2B5EF4-FFF2-40B4-BE49-F238E27FC236}">
-                <a16:creationId xmlns:a16="http://schemas.microsoft.com/office/drawing/2014/main" id="{EC9EC8A6-CC12-FC4C-481E-FE2514D5FF5A}"/>
+                <a16:creationId xmlns:a16="http://schemas.microsoft.com/office/drawing/2014/main" id="{BE6530E3-3E81-A902-D80D-C50F91FDE002}"/>
               </a:ext>
             </a:extLst>
           </p:cNvPr>
-          <p:cNvSpPr>
-            <a:spLocks noGrp="1"/>
-          </p:cNvSpPr>
-          <p:nvPr>
-            <p:ph type="subTitle" idx="1"/>
-          </p:nvPr>
-        </p:nvSpPr>
-        <p:spPr/>
-        <p:txBody>
-          <a:bodyPr/>
-          <a:lstStyle/>
-          <a:p>
-            <a:r>
-              <a:rPr lang="en-GB" dirty="0"/>
-              <a:t>Single input - output example</a:t>
-            </a:r>
-          </a:p>
-        </p:txBody>
-      </p:sp>
-      <p:sp>
-        <p:nvSpPr>
-          <p:cNvPr id="4" name="Marcador de pie de página 3">
+          <p:cNvPicPr>
+            <a:picLocks noChangeAspect="1"/>
+          </p:cNvPicPr>
+          <p:nvPr/>
+        </p:nvPicPr>
+        <p:blipFill>
+          <a:blip r:embed="rId3" cstate="print">
+            <a:extLst>
+              <a:ext uri="{28A0092B-C50C-407E-A947-70E740481C1C}">
+                <a14:useLocalDpi xmlns:a14="http://schemas.microsoft.com/office/drawing/2010/main" val="0"/>
+              </a:ext>
+            </a:extLst>
+          </a:blip>
+          <a:stretch>
+            <a:fillRect/>
+          </a:stretch>
+        </p:blipFill>
+        <p:spPr>
+          <a:xfrm>
+            <a:off x="8665281" y="2818674"/>
+            <a:ext cx="9004157" cy="6528015"/>
+          </a:xfrm>
+          <a:prstGeom prst="rect">
+            <a:avLst/>
+          </a:prstGeom>
+          <a:noFill/>
+        </p:spPr>
+      </p:pic>
+      <p:sp>
+        <p:nvSpPr>
+          <p:cNvPr id="5" name="Marcador de número de diapositiva 4">
             <a:extLst>
               <a:ext uri="{FF2B5EF4-FFF2-40B4-BE49-F238E27FC236}">
-                <a16:creationId xmlns:a16="http://schemas.microsoft.com/office/drawing/2014/main" id="{B4BE54DF-455C-F151-5BDA-84A3340CF64B}"/>
+                <a16:creationId xmlns:a16="http://schemas.microsoft.com/office/drawing/2014/main" id="{D760CE8D-9EC8-4E3A-9555-8CAAD8E66448}"/>
               </a:ext>
             </a:extLst>
           </p:cNvPr>
@@ -7985,10 +8597,398 @@
             <a:spLocks noGrp="1"/>
           </p:cNvSpPr>
           <p:nvPr>
+            <p:ph type="sldNum" sz="quarter" idx="12"/>
+          </p:nvPr>
+        </p:nvSpPr>
+        <p:spPr>
+          <a:xfrm>
+            <a:off x="264428" y="9628939"/>
+            <a:ext cx="1134184" cy="547772"/>
+          </a:xfrm>
+        </p:spPr>
+        <p:txBody>
+          <a:bodyPr anchor="ctr">
+            <a:normAutofit/>
+          </a:bodyPr>
+          <a:lstStyle/>
+          <a:p>
+            <a:pPr>
+              <a:spcAft>
+                <a:spcPts val="600"/>
+              </a:spcAft>
+            </a:pPr>
+            <a:fld id="{DBFF9636-A71C-488A-89F8-02E08556F10C}" type="slidenum">
+              <a:rPr lang="es-ES" smtClean="0"/>
+              <a:pPr>
+                <a:spcAft>
+                  <a:spcPts val="600"/>
+                </a:spcAft>
+              </a:pPr>
+              <a:t>11</a:t>
+            </a:fld>
+            <a:endParaRPr lang="es-ES"/>
+          </a:p>
+        </p:txBody>
+      </p:sp>
+      <p:sp>
+        <p:nvSpPr>
+          <p:cNvPr id="6" name="Rectangle 2">
+            <a:extLst>
+              <a:ext uri="{FF2B5EF4-FFF2-40B4-BE49-F238E27FC236}">
+                <a16:creationId xmlns:a16="http://schemas.microsoft.com/office/drawing/2014/main" id="{D42C99F7-B18C-5766-7C71-09326CDDA514}"/>
+              </a:ext>
+            </a:extLst>
+          </p:cNvPr>
+          <p:cNvSpPr>
+            <a:spLocks noChangeArrowheads="1"/>
+          </p:cNvSpPr>
+          <p:nvPr/>
+        </p:nvSpPr>
+        <p:spPr bwMode="auto">
+          <a:xfrm>
+            <a:off x="0" y="0"/>
+            <a:ext cx="18288000" cy="0"/>
+          </a:xfrm>
+          <a:prstGeom prst="rect">
+            <a:avLst/>
+          </a:prstGeom>
+          <a:noFill/>
+          <a:ln>
+            <a:noFill/>
+          </a:ln>
+          <a:effectLst/>
+          <a:extLst>
+            <a:ext uri="{909E8E84-426E-40DD-AFC4-6F175D3DCCD1}">
+              <a14:hiddenFill xmlns:a14="http://schemas.microsoft.com/office/drawing/2010/main">
+                <a:solidFill>
+                  <a:schemeClr val="accent1"/>
+                </a:solidFill>
+              </a14:hiddenFill>
+            </a:ext>
+            <a:ext uri="{91240B29-F687-4F45-9708-019B960494DF}">
+              <a14:hiddenLine xmlns:a14="http://schemas.microsoft.com/office/drawing/2010/main" w="9525">
+                <a:solidFill>
+                  <a:schemeClr val="tx1"/>
+                </a:solidFill>
+                <a:miter lim="800000"/>
+                <a:headEnd/>
+                <a:tailEnd/>
+              </a14:hiddenLine>
+            </a:ext>
+            <a:ext uri="{AF507438-7753-43E0-B8FC-AC1667EBCBE1}">
+              <a14:hiddenEffects xmlns:a14="http://schemas.microsoft.com/office/drawing/2010/main">
+                <a:effectLst>
+                  <a:outerShdw dist="35921" dir="2700000" algn="ctr" rotWithShape="0">
+                    <a:schemeClr val="bg2"/>
+                  </a:outerShdw>
+                </a:effectLst>
+              </a14:hiddenEffects>
+            </a:ext>
+          </a:extLst>
+        </p:spPr>
+        <p:txBody>
+          <a:bodyPr vert="horz" wrap="none" lIns="91440" tIns="45720" rIns="91440" bIns="45720" numCol="1" anchor="ctr" anchorCtr="0" compatLnSpc="1">
+            <a:prstTxWarp prst="textNoShape">
+              <a:avLst/>
+            </a:prstTxWarp>
+            <a:spAutoFit/>
+          </a:bodyPr>
+          <a:lstStyle/>
+          <a:p>
+            <a:endParaRPr lang="es-ES"/>
+          </a:p>
+        </p:txBody>
+      </p:sp>
+      <mc:AlternateContent xmlns:mc="http://schemas.openxmlformats.org/markup-compatibility/2006">
+        <mc:Choice xmlns:a14="http://schemas.microsoft.com/office/drawing/2010/main" Requires="a14">
+          <p:sp>
+            <p:nvSpPr>
+              <p:cNvPr id="16" name="Marcador de contenido 2">
+                <a:extLst>
+                  <a:ext uri="{FF2B5EF4-FFF2-40B4-BE49-F238E27FC236}">
+                    <a16:creationId xmlns:a16="http://schemas.microsoft.com/office/drawing/2014/main" id="{6BED3FB9-4FD3-12F9-6FFE-ACF0F320D934}"/>
+                  </a:ext>
+                </a:extLst>
+              </p:cNvPr>
+              <p:cNvSpPr>
+                <a:spLocks noGrp="1"/>
+              </p:cNvSpPr>
+              <p:nvPr>
+                <p:ph idx="1"/>
+              </p:nvPr>
+            </p:nvSpPr>
+            <p:spPr>
+              <a:xfrm>
+                <a:off x="423111" y="3084196"/>
+                <a:ext cx="8720889" cy="5850074"/>
+              </a:xfrm>
+            </p:spPr>
+            <p:txBody>
+              <a:bodyPr>
+                <a:normAutofit/>
+              </a:bodyPr>
+              <a:lstStyle/>
+              <a:p>
+                <a:pPr>
+                  <a:lnSpc>
+                    <a:spcPct val="150000"/>
+                  </a:lnSpc>
+                </a:pPr>
+                <a:r>
+                  <a:rPr lang="es-ES" dirty="0"/>
+                  <a:t>Support Vector Machines.</a:t>
+                </a:r>
+              </a:p>
+              <a:p>
+                <a:pPr lvl="1">
+                  <a:lnSpc>
+                    <a:spcPct val="150000"/>
+                  </a:lnSpc>
+                </a:pPr>
+                <a:r>
+                  <a:rPr lang="es-ES" dirty="0"/>
+                  <a:t>Tries </a:t>
+                </a:r>
+                <a:r>
+                  <a:rPr lang="es-ES" dirty="0" err="1"/>
+                  <a:t>to</a:t>
+                </a:r>
+                <a:r>
+                  <a:rPr lang="es-ES" dirty="0"/>
+                  <a:t> </a:t>
+                </a:r>
+                <a:r>
+                  <a:rPr lang="es-ES" dirty="0" err="1"/>
+                  <a:t>find</a:t>
+                </a:r>
+                <a:r>
+                  <a:rPr lang="es-ES" dirty="0"/>
+                  <a:t> </a:t>
+                </a:r>
+                <a:r>
+                  <a:rPr lang="es-ES" dirty="0" err="1"/>
+                  <a:t>the</a:t>
+                </a:r>
+                <a:r>
+                  <a:rPr lang="es-ES" dirty="0"/>
+                  <a:t> </a:t>
+                </a:r>
+                <a:r>
+                  <a:rPr lang="es-ES" dirty="0" err="1"/>
+                  <a:t>best</a:t>
+                </a:r>
+                <a:r>
+                  <a:rPr lang="es-ES" dirty="0"/>
+                  <a:t> </a:t>
+                </a:r>
+                <a:r>
+                  <a:rPr lang="es-ES" dirty="0" err="1"/>
+                  <a:t>hyperplane</a:t>
+                </a:r>
+                <a:r>
+                  <a:rPr lang="es-ES" dirty="0"/>
+                  <a:t>.</a:t>
+                </a:r>
+              </a:p>
+              <a:p>
+                <a:pPr lvl="1">
+                  <a:lnSpc>
+                    <a:spcPct val="150000"/>
+                  </a:lnSpc>
+                </a:pPr>
+                <a:r>
+                  <a:rPr lang="es-ES" dirty="0" err="1"/>
+                  <a:t>Depends</a:t>
+                </a:r>
+                <a:r>
+                  <a:rPr lang="es-ES" dirty="0"/>
+                  <a:t> </a:t>
+                </a:r>
+                <a:r>
+                  <a:rPr lang="es-ES" dirty="0" err="1"/>
+                  <a:t>on</a:t>
+                </a:r>
+                <a:r>
+                  <a:rPr lang="es-ES" dirty="0"/>
+                  <a:t>:</a:t>
+                </a:r>
+              </a:p>
+              <a:p>
+                <a:pPr lvl="2">
+                  <a:lnSpc>
+                    <a:spcPct val="150000"/>
+                  </a:lnSpc>
+                </a:pPr>
+                <a:r>
+                  <a:rPr lang="es-ES" dirty="0" err="1"/>
+                  <a:t>selection</a:t>
+                </a:r>
+                <a:r>
+                  <a:rPr lang="es-ES" dirty="0"/>
+                  <a:t> </a:t>
+                </a:r>
+                <a:r>
+                  <a:rPr lang="es-ES" dirty="0" err="1"/>
+                  <a:t>of</a:t>
+                </a:r>
+                <a:r>
+                  <a:rPr lang="es-ES" dirty="0"/>
+                  <a:t> </a:t>
+                </a:r>
+                <a:r>
+                  <a:rPr lang="es-ES" dirty="0" err="1"/>
+                  <a:t>hyperparameters</a:t>
+                </a:r>
+                <a:endParaRPr lang="es-ES" dirty="0"/>
+              </a:p>
+              <a:p>
+                <a:pPr marL="1371600" lvl="2" indent="0">
+                  <a:lnSpc>
+                    <a:spcPct val="150000"/>
+                  </a:lnSpc>
+                  <a:buNone/>
+                </a:pPr>
+                <a:r>
+                  <a:rPr lang="es-ES" dirty="0"/>
+                  <a:t>	</a:t>
+                </a:r>
+                <a:r>
+                  <a:rPr lang="es-ES" dirty="0" err="1"/>
+                  <a:t>regularization</a:t>
+                </a:r>
+                <a:r>
+                  <a:rPr lang="es-ES" dirty="0"/>
+                  <a:t> </a:t>
+                </a:r>
+                <a:r>
+                  <a:rPr lang="es-ES" dirty="0" err="1"/>
+                  <a:t>parameter</a:t>
+                </a:r>
+                <a:r>
+                  <a:rPr lang="es-ES" dirty="0"/>
+                  <a:t> (</a:t>
+                </a:r>
+                <a14:m>
+                  <m:oMath xmlns:m="http://schemas.openxmlformats.org/officeDocument/2006/math">
+                    <m:r>
+                      <a:rPr lang="es-ES" b="0" i="1" smtClean="0">
+                        <a:latin typeface="Cambria Math" panose="02040503050406030204" pitchFamily="18" charset="0"/>
+                      </a:rPr>
+                      <m:t>𝐶</m:t>
+                    </m:r>
+                  </m:oMath>
+                </a14:m>
+                <a:r>
+                  <a:rPr lang="es-ES" dirty="0"/>
+                  <a:t>)</a:t>
+                </a:r>
+              </a:p>
+              <a:p>
+                <a:pPr marL="1371600" lvl="2" indent="0">
+                  <a:lnSpc>
+                    <a:spcPct val="150000"/>
+                  </a:lnSpc>
+                  <a:buNone/>
+                </a:pPr>
+                <a:r>
+                  <a:rPr lang="es-ES" dirty="0"/>
+                  <a:t>	</a:t>
+                </a:r>
+                <a:r>
+                  <a:rPr lang="es-ES" dirty="0" err="1"/>
+                  <a:t>Kernel</a:t>
+                </a:r>
+                <a:r>
+                  <a:rPr lang="es-ES" dirty="0"/>
+                  <a:t> </a:t>
+                </a:r>
+                <a:r>
+                  <a:rPr lang="es-ES" dirty="0" err="1"/>
+                  <a:t>function</a:t>
+                </a:r>
+                <a:r>
+                  <a:rPr lang="es-ES" dirty="0"/>
+                  <a:t> </a:t>
+                </a:r>
+              </a:p>
+              <a:p>
+                <a:pPr marL="1371600" lvl="2" indent="0">
+                  <a:buNone/>
+                </a:pPr>
+                <a:endParaRPr lang="es-ES" dirty="0"/>
+              </a:p>
+              <a:p>
+                <a:endParaRPr lang="en-GB" dirty="0"/>
+              </a:p>
+            </p:txBody>
+          </p:sp>
+        </mc:Choice>
+        <mc:Fallback>
+          <p:sp>
+            <p:nvSpPr>
+              <p:cNvPr id="16" name="Marcador de contenido 2">
+                <a:extLst>
+                  <a:ext uri="{FF2B5EF4-FFF2-40B4-BE49-F238E27FC236}">
+                    <a16:creationId xmlns:a16="http://schemas.microsoft.com/office/drawing/2014/main" id="{6BED3FB9-4FD3-12F9-6FFE-ACF0F320D934}"/>
+                  </a:ext>
+                </a:extLst>
+              </p:cNvPr>
+              <p:cNvSpPr>
+                <a:spLocks noGrp="1" noRot="1" noChangeAspect="1" noMove="1" noResize="1" noEditPoints="1" noAdjustHandles="1" noChangeArrowheads="1" noChangeShapeType="1" noTextEdit="1"/>
+              </p:cNvSpPr>
+              <p:nvPr>
+                <p:ph idx="1"/>
+              </p:nvPr>
+            </p:nvSpPr>
+            <p:spPr>
+              <a:xfrm>
+                <a:off x="423111" y="3084196"/>
+                <a:ext cx="8720889" cy="5850074"/>
+              </a:xfrm>
+              <a:blipFill>
+                <a:blip r:embed="rId4"/>
+                <a:stretch>
+                  <a:fillRect l="-2446"/>
+                </a:stretch>
+              </a:blipFill>
+            </p:spPr>
+            <p:txBody>
+              <a:bodyPr/>
+              <a:lstStyle/>
+              <a:p>
+                <a:r>
+                  <a:rPr lang="es-ES">
+                    <a:noFill/>
+                  </a:rPr>
+                  <a:t> </a:t>
+                </a:r>
+              </a:p>
+            </p:txBody>
+          </p:sp>
+        </mc:Fallback>
+      </mc:AlternateContent>
+      <p:sp>
+        <p:nvSpPr>
+          <p:cNvPr id="3" name="Marcador de pie de página 3">
+            <a:extLst>
+              <a:ext uri="{FF2B5EF4-FFF2-40B4-BE49-F238E27FC236}">
+                <a16:creationId xmlns:a16="http://schemas.microsoft.com/office/drawing/2014/main" id="{DBE322D2-E919-4ED2-DD3E-BF7D2B7EF39D}"/>
+              </a:ext>
+            </a:extLst>
+          </p:cNvPr>
+          <p:cNvSpPr>
+            <a:spLocks noGrp="1"/>
+          </p:cNvSpPr>
+          <p:nvPr>
             <p:ph type="ftr" sz="quarter" idx="11"/>
           </p:nvPr>
         </p:nvSpPr>
-        <p:spPr/>
+        <p:spPr>
+          <a:xfrm>
+            <a:off x="1653085" y="9628939"/>
+            <a:ext cx="13031905" cy="547772"/>
+          </a:xfrm>
+        </p:spPr>
         <p:txBody>
           <a:bodyPr/>
           <a:lstStyle/>
@@ -8019,40 +9019,10 @@
           </a:p>
         </p:txBody>
       </p:sp>
-      <p:sp>
-        <p:nvSpPr>
-          <p:cNvPr id="5" name="Marcador de número de diapositiva 4">
-            <a:extLst>
-              <a:ext uri="{FF2B5EF4-FFF2-40B4-BE49-F238E27FC236}">
-                <a16:creationId xmlns:a16="http://schemas.microsoft.com/office/drawing/2014/main" id="{0A211459-F8C1-7C82-00F8-90AE29AF5C35}"/>
-              </a:ext>
-            </a:extLst>
-          </p:cNvPr>
-          <p:cNvSpPr>
-            <a:spLocks noGrp="1"/>
-          </p:cNvSpPr>
-          <p:nvPr>
-            <p:ph type="sldNum" sz="quarter" idx="12"/>
-          </p:nvPr>
-        </p:nvSpPr>
-        <p:spPr/>
-        <p:txBody>
-          <a:bodyPr/>
-          <a:lstStyle/>
-          <a:p>
-            <a:fld id="{DBFF9636-A71C-488A-89F8-02E08556F10C}" type="slidenum">
-              <a:rPr lang="es-ES" smtClean="0"/>
-              <a:pPr/>
-              <a:t>11</a:t>
-            </a:fld>
-            <a:endParaRPr lang="es-ES" dirty="0"/>
-          </a:p>
-        </p:txBody>
-      </p:sp>
     </p:spTree>
     <p:extLst>
       <p:ext uri="{BB962C8B-B14F-4D97-AF65-F5344CB8AC3E}">
-        <p14:creationId xmlns:p14="http://schemas.microsoft.com/office/powerpoint/2010/main" val="673475911"/>
+        <p14:creationId xmlns:p14="http://schemas.microsoft.com/office/powerpoint/2010/main" val="330661727"/>
       </p:ext>
     </p:extLst>
   </p:cSld>
@@ -8084,7 +9054,7 @@
           <p:cNvPr id="2" name="Título 1">
             <a:extLst>
               <a:ext uri="{FF2B5EF4-FFF2-40B4-BE49-F238E27FC236}">
-                <a16:creationId xmlns:a16="http://schemas.microsoft.com/office/drawing/2014/main" id="{86BA8BD2-2360-47C4-A428-A34D4F1BE424}"/>
+                <a16:creationId xmlns:a16="http://schemas.microsoft.com/office/drawing/2014/main" id="{90750DB4-7407-420E-84B6-A10D2F3B9D3E}"/>
               </a:ext>
             </a:extLst>
           </p:cNvPr>
@@ -8095,24 +9065,291 @@
             <p:ph type="title"/>
           </p:nvPr>
         </p:nvSpPr>
-        <p:spPr/>
-        <p:txBody>
-          <a:bodyPr/>
+        <p:spPr>
+          <a:xfrm>
+            <a:off x="1257300" y="547773"/>
+            <a:ext cx="15773400" cy="1988651"/>
+          </a:xfrm>
+        </p:spPr>
+        <p:txBody>
+          <a:bodyPr anchor="ctr">
+            <a:normAutofit/>
+          </a:bodyPr>
           <a:lstStyle/>
           <a:p>
             <a:r>
-              <a:rPr lang="en-GB" dirty="0"/>
-              <a:t>Single input - output example</a:t>
-            </a:r>
-          </a:p>
-        </p:txBody>
-      </p:sp>
+              <a:rPr lang="en-AU" dirty="0"/>
+              <a:t>Introduction</a:t>
+            </a:r>
+          </a:p>
+        </p:txBody>
+      </p:sp>
+      <p:sp>
+        <p:nvSpPr>
+          <p:cNvPr id="5" name="Marcador de número de diapositiva 4">
+            <a:extLst>
+              <a:ext uri="{FF2B5EF4-FFF2-40B4-BE49-F238E27FC236}">
+                <a16:creationId xmlns:a16="http://schemas.microsoft.com/office/drawing/2014/main" id="{D760CE8D-9EC8-4E3A-9555-8CAAD8E66448}"/>
+              </a:ext>
+            </a:extLst>
+          </p:cNvPr>
+          <p:cNvSpPr>
+            <a:spLocks noGrp="1"/>
+          </p:cNvSpPr>
+          <p:nvPr>
+            <p:ph type="sldNum" sz="quarter" idx="12"/>
+          </p:nvPr>
+        </p:nvSpPr>
+        <p:spPr>
+          <a:xfrm>
+            <a:off x="264428" y="9628939"/>
+            <a:ext cx="1134184" cy="547772"/>
+          </a:xfrm>
+        </p:spPr>
+        <p:txBody>
+          <a:bodyPr anchor="ctr">
+            <a:normAutofit/>
+          </a:bodyPr>
+          <a:lstStyle/>
+          <a:p>
+            <a:pPr>
+              <a:spcAft>
+                <a:spcPts val="600"/>
+              </a:spcAft>
+            </a:pPr>
+            <a:fld id="{DBFF9636-A71C-488A-89F8-02E08556F10C}" type="slidenum">
+              <a:rPr lang="es-ES" smtClean="0"/>
+              <a:pPr>
+                <a:spcAft>
+                  <a:spcPts val="600"/>
+                </a:spcAft>
+              </a:pPr>
+              <a:t>12</a:t>
+            </a:fld>
+            <a:endParaRPr lang="es-ES"/>
+          </a:p>
+        </p:txBody>
+      </p:sp>
+      <p:sp>
+        <p:nvSpPr>
+          <p:cNvPr id="6" name="Rectangle 2">
+            <a:extLst>
+              <a:ext uri="{FF2B5EF4-FFF2-40B4-BE49-F238E27FC236}">
+                <a16:creationId xmlns:a16="http://schemas.microsoft.com/office/drawing/2014/main" id="{D42C99F7-B18C-5766-7C71-09326CDDA514}"/>
+              </a:ext>
+            </a:extLst>
+          </p:cNvPr>
+          <p:cNvSpPr>
+            <a:spLocks noChangeArrowheads="1"/>
+          </p:cNvSpPr>
+          <p:nvPr/>
+        </p:nvSpPr>
+        <p:spPr bwMode="auto">
+          <a:xfrm>
+            <a:off x="0" y="0"/>
+            <a:ext cx="18288000" cy="0"/>
+          </a:xfrm>
+          <a:prstGeom prst="rect">
+            <a:avLst/>
+          </a:prstGeom>
+          <a:noFill/>
+          <a:ln>
+            <a:noFill/>
+          </a:ln>
+          <a:effectLst/>
+          <a:extLst>
+            <a:ext uri="{909E8E84-426E-40DD-AFC4-6F175D3DCCD1}">
+              <a14:hiddenFill xmlns:a14="http://schemas.microsoft.com/office/drawing/2010/main">
+                <a:solidFill>
+                  <a:schemeClr val="accent1"/>
+                </a:solidFill>
+              </a14:hiddenFill>
+            </a:ext>
+            <a:ext uri="{91240B29-F687-4F45-9708-019B960494DF}">
+              <a14:hiddenLine xmlns:a14="http://schemas.microsoft.com/office/drawing/2010/main" w="9525">
+                <a:solidFill>
+                  <a:schemeClr val="tx1"/>
+                </a:solidFill>
+                <a:miter lim="800000"/>
+                <a:headEnd/>
+                <a:tailEnd/>
+              </a14:hiddenLine>
+            </a:ext>
+            <a:ext uri="{AF507438-7753-43E0-B8FC-AC1667EBCBE1}">
+              <a14:hiddenEffects xmlns:a14="http://schemas.microsoft.com/office/drawing/2010/main">
+                <a:effectLst>
+                  <a:outerShdw dist="35921" dir="2700000" algn="ctr" rotWithShape="0">
+                    <a:schemeClr val="bg2"/>
+                  </a:outerShdw>
+                </a:effectLst>
+              </a14:hiddenEffects>
+            </a:ext>
+          </a:extLst>
+        </p:spPr>
+        <p:txBody>
+          <a:bodyPr vert="horz" wrap="none" lIns="91440" tIns="45720" rIns="91440" bIns="45720" numCol="1" anchor="ctr" anchorCtr="0" compatLnSpc="1">
+            <a:prstTxWarp prst="textNoShape">
+              <a:avLst/>
+            </a:prstTxWarp>
+            <a:spAutoFit/>
+          </a:bodyPr>
+          <a:lstStyle/>
+          <a:p>
+            <a:endParaRPr lang="es-ES"/>
+          </a:p>
+        </p:txBody>
+      </p:sp>
+      <p:sp>
+        <p:nvSpPr>
+          <p:cNvPr id="16" name="Marcador de contenido 2">
+            <a:extLst>
+              <a:ext uri="{FF2B5EF4-FFF2-40B4-BE49-F238E27FC236}">
+                <a16:creationId xmlns:a16="http://schemas.microsoft.com/office/drawing/2014/main" id="{6BED3FB9-4FD3-12F9-6FFE-ACF0F320D934}"/>
+              </a:ext>
+            </a:extLst>
+          </p:cNvPr>
+          <p:cNvSpPr>
+            <a:spLocks noGrp="1"/>
+          </p:cNvSpPr>
+          <p:nvPr>
+            <p:ph idx="1"/>
+          </p:nvPr>
+        </p:nvSpPr>
+        <p:spPr>
+          <a:xfrm>
+            <a:off x="423111" y="2763628"/>
+            <a:ext cx="9042165" cy="6170642"/>
+          </a:xfrm>
+        </p:spPr>
+        <p:txBody>
+          <a:bodyPr>
+            <a:normAutofit lnSpcReduction="10000"/>
+          </a:bodyPr>
+          <a:lstStyle/>
+          <a:p>
+            <a:pPr>
+              <a:lnSpc>
+                <a:spcPct val="150000"/>
+              </a:lnSpc>
+            </a:pPr>
+            <a:r>
+              <a:rPr lang="es-ES" dirty="0"/>
+              <a:t>Neuronal Network.</a:t>
+            </a:r>
+          </a:p>
+          <a:p>
+            <a:pPr lvl="1">
+              <a:lnSpc>
+                <a:spcPct val="150000"/>
+              </a:lnSpc>
+            </a:pPr>
+            <a:r>
+              <a:rPr lang="en-US" dirty="0"/>
+              <a:t>Iterative process known as backpropagation.</a:t>
+            </a:r>
+          </a:p>
+          <a:p>
+            <a:pPr lvl="1">
+              <a:lnSpc>
+                <a:spcPct val="150000"/>
+              </a:lnSpc>
+            </a:pPr>
+            <a:r>
+              <a:rPr lang="es-ES" dirty="0"/>
+              <a:t> </a:t>
+            </a:r>
+            <a:r>
+              <a:rPr lang="es-ES" dirty="0" err="1"/>
+              <a:t>Hypermarameters</a:t>
+            </a:r>
+            <a:r>
+              <a:rPr lang="es-ES" dirty="0"/>
+              <a:t> </a:t>
+            </a:r>
+            <a:r>
+              <a:rPr lang="es-ES" dirty="0" err="1"/>
+              <a:t>wich</a:t>
+            </a:r>
+            <a:r>
+              <a:rPr lang="es-ES" dirty="0"/>
+              <a:t> determines </a:t>
+            </a:r>
+            <a:r>
+              <a:rPr lang="es-ES" dirty="0" err="1"/>
+              <a:t>network</a:t>
+            </a:r>
+            <a:r>
+              <a:rPr lang="es-ES" dirty="0"/>
+              <a:t> </a:t>
+            </a:r>
+            <a:r>
+              <a:rPr lang="es-ES" dirty="0" err="1"/>
+              <a:t>structure</a:t>
+            </a:r>
+            <a:r>
+              <a:rPr lang="es-ES" dirty="0"/>
+              <a:t>.</a:t>
+            </a:r>
+          </a:p>
+          <a:p>
+            <a:pPr lvl="1">
+              <a:lnSpc>
+                <a:spcPct val="150000"/>
+              </a:lnSpc>
+            </a:pPr>
+            <a:r>
+              <a:rPr lang="en-US" dirty="0"/>
+              <a:t>Variables which determine how the network is trained.</a:t>
+            </a:r>
+            <a:endParaRPr lang="es-ES" dirty="0"/>
+          </a:p>
+          <a:p>
+            <a:endParaRPr lang="en-GB" dirty="0"/>
+          </a:p>
+        </p:txBody>
+      </p:sp>
+      <p:pic>
+        <p:nvPicPr>
+          <p:cNvPr id="3" name="Imagen 2" descr="Diagrama&#10;&#10;Descripción generada automáticamente">
+            <a:extLst>
+              <a:ext uri="{FF2B5EF4-FFF2-40B4-BE49-F238E27FC236}">
+                <a16:creationId xmlns:a16="http://schemas.microsoft.com/office/drawing/2014/main" id="{6D294989-C14B-F01E-0268-82AFCF00EF15}"/>
+              </a:ext>
+            </a:extLst>
+          </p:cNvPr>
+          <p:cNvPicPr>
+            <a:picLocks noChangeAspect="1"/>
+          </p:cNvPicPr>
+          <p:nvPr/>
+        </p:nvPicPr>
+        <p:blipFill>
+          <a:blip r:embed="rId3">
+            <a:extLst>
+              <a:ext uri="{28A0092B-C50C-407E-A947-70E740481C1C}">
+                <a14:useLocalDpi xmlns:a14="http://schemas.microsoft.com/office/drawing/2010/main" val="0"/>
+              </a:ext>
+            </a:extLst>
+          </a:blip>
+          <a:stretch>
+            <a:fillRect/>
+          </a:stretch>
+        </p:blipFill>
+        <p:spPr>
+          <a:xfrm>
+            <a:off x="9144000" y="2763628"/>
+            <a:ext cx="8525438" cy="6170642"/>
+          </a:xfrm>
+          <a:prstGeom prst="rect">
+            <a:avLst/>
+          </a:prstGeom>
+        </p:spPr>
+      </p:pic>
       <p:sp>
         <p:nvSpPr>
           <p:cNvPr id="4" name="Marcador de pie de página 3">
             <a:extLst>
               <a:ext uri="{FF2B5EF4-FFF2-40B4-BE49-F238E27FC236}">
-                <a16:creationId xmlns:a16="http://schemas.microsoft.com/office/drawing/2014/main" id="{32E9E3CC-AACD-421E-ADF4-8100E3695283}"/>
+                <a16:creationId xmlns:a16="http://schemas.microsoft.com/office/drawing/2014/main" id="{1E71AD7E-9688-E857-0CCE-11327E705E37}"/>
               </a:ext>
             </a:extLst>
           </p:cNvPr>
@@ -8123,7 +9360,12 @@
             <p:ph type="ftr" sz="quarter" idx="11"/>
           </p:nvPr>
         </p:nvSpPr>
-        <p:spPr/>
+        <p:spPr>
+          <a:xfrm>
+            <a:off x="1653085" y="9628939"/>
+            <a:ext cx="13031905" cy="547772"/>
+          </a:xfrm>
+        </p:spPr>
         <p:txBody>
           <a:bodyPr/>
           <a:lstStyle/>
@@ -8143,6 +9385,274 @@
                 <a:ea typeface="Aptos" panose="020B0004020202020204" pitchFamily="34" charset="0"/>
                 <a:cs typeface="Times New Roman" panose="02020603050405020304" pitchFamily="18" charset="0"/>
               </a:rPr>
+              <a:t>A novel approach for efficiency evaluation through the integration of standard Machine Learning classification models and Data Envelopment Analysis</a:t>
+            </a:r>
+            <a:endParaRPr lang="es-ES" sz="1600" kern="100" dirty="0">
+              <a:effectLst/>
+              <a:latin typeface="Times New Roman" panose="02020603050405020304" pitchFamily="18" charset="0"/>
+              <a:ea typeface="Aptos" panose="020B0004020202020204" pitchFamily="34" charset="0"/>
+              <a:cs typeface="Times New Roman" panose="02020603050405020304" pitchFamily="18" charset="0"/>
+            </a:endParaRPr>
+          </a:p>
+        </p:txBody>
+      </p:sp>
+    </p:spTree>
+    <p:extLst>
+      <p:ext uri="{BB962C8B-B14F-4D97-AF65-F5344CB8AC3E}">
+        <p14:creationId xmlns:p14="http://schemas.microsoft.com/office/powerpoint/2010/main" val="2641603861"/>
+      </p:ext>
+    </p:extLst>
+  </p:cSld>
+  <p:clrMapOvr>
+    <a:masterClrMapping/>
+  </p:clrMapOvr>
+</p:sld>
+</file>
+
+<file path=ppt/slides/slide13.xml><?xml version="1.0" encoding="utf-8"?>
+<p:sld xmlns:a="http://schemas.openxmlformats.org/drawingml/2006/main" xmlns:r="http://schemas.openxmlformats.org/officeDocument/2006/relationships" xmlns:p="http://schemas.openxmlformats.org/presentationml/2006/main">
+  <p:cSld>
+    <p:spTree>
+      <p:nvGrpSpPr>
+        <p:cNvPr id="1" name=""/>
+        <p:cNvGrpSpPr/>
+        <p:nvPr/>
+      </p:nvGrpSpPr>
+      <p:grpSpPr>
+        <a:xfrm>
+          <a:off x="0" y="0"/>
+          <a:ext cx="0" cy="0"/>
+          <a:chOff x="0" y="0"/>
+          <a:chExt cx="0" cy="0"/>
+        </a:xfrm>
+      </p:grpSpPr>
+      <p:sp>
+        <p:nvSpPr>
+          <p:cNvPr id="2" name="Título 1">
+            <a:extLst>
+              <a:ext uri="{FF2B5EF4-FFF2-40B4-BE49-F238E27FC236}">
+                <a16:creationId xmlns:a16="http://schemas.microsoft.com/office/drawing/2014/main" id="{76689CA8-E0FB-B1B4-82B6-48FE8BB6C9EF}"/>
+              </a:ext>
+            </a:extLst>
+          </p:cNvPr>
+          <p:cNvSpPr>
+            <a:spLocks noGrp="1"/>
+          </p:cNvSpPr>
+          <p:nvPr>
+            <p:ph type="ctrTitle"/>
+          </p:nvPr>
+        </p:nvSpPr>
+        <p:spPr/>
+        <p:txBody>
+          <a:bodyPr/>
+          <a:lstStyle/>
+          <a:p>
+            <a:r>
+              <a:rPr lang="en-GB" dirty="0"/>
+              <a:t>Methodology</a:t>
+            </a:r>
+          </a:p>
+        </p:txBody>
+      </p:sp>
+      <p:sp>
+        <p:nvSpPr>
+          <p:cNvPr id="3" name="Subtítulo 2">
+            <a:extLst>
+              <a:ext uri="{FF2B5EF4-FFF2-40B4-BE49-F238E27FC236}">
+                <a16:creationId xmlns:a16="http://schemas.microsoft.com/office/drawing/2014/main" id="{EC9EC8A6-CC12-FC4C-481E-FE2514D5FF5A}"/>
+              </a:ext>
+            </a:extLst>
+          </p:cNvPr>
+          <p:cNvSpPr>
+            <a:spLocks noGrp="1"/>
+          </p:cNvSpPr>
+          <p:nvPr>
+            <p:ph type="subTitle" idx="1"/>
+          </p:nvPr>
+        </p:nvSpPr>
+        <p:spPr/>
+        <p:txBody>
+          <a:bodyPr/>
+          <a:lstStyle/>
+          <a:p>
+            <a:r>
+              <a:rPr lang="en-GB" dirty="0"/>
+              <a:t>Single input - output example</a:t>
+            </a:r>
+          </a:p>
+        </p:txBody>
+      </p:sp>
+      <p:sp>
+        <p:nvSpPr>
+          <p:cNvPr id="4" name="Marcador de pie de página 3">
+            <a:extLst>
+              <a:ext uri="{FF2B5EF4-FFF2-40B4-BE49-F238E27FC236}">
+                <a16:creationId xmlns:a16="http://schemas.microsoft.com/office/drawing/2014/main" id="{B4BE54DF-455C-F151-5BDA-84A3340CF64B}"/>
+              </a:ext>
+            </a:extLst>
+          </p:cNvPr>
+          <p:cNvSpPr>
+            <a:spLocks noGrp="1"/>
+          </p:cNvSpPr>
+          <p:nvPr>
+            <p:ph type="ftr" sz="quarter" idx="11"/>
+          </p:nvPr>
+        </p:nvSpPr>
+        <p:spPr/>
+        <p:txBody>
+          <a:bodyPr/>
+          <a:lstStyle/>
+          <a:p>
+            <a:pPr algn="ctr">
+              <a:lnSpc>
+                <a:spcPct val="150000"/>
+              </a:lnSpc>
+              <a:spcAft>
+                <a:spcPts val="800"/>
+              </a:spcAft>
+            </a:pPr>
+            <a:r>
+              <a:rPr lang="en-US" sz="1800" b="1" kern="100" dirty="0">
+                <a:effectLst/>
+                <a:latin typeface="Times New Roman" panose="02020603050405020304" pitchFamily="18" charset="0"/>
+                <a:ea typeface="Aptos" panose="020B0004020202020204" pitchFamily="34" charset="0"/>
+                <a:cs typeface="Times New Roman" panose="02020603050405020304" pitchFamily="18" charset="0"/>
+              </a:rPr>
+              <a:t>A novel approach for efficiency evaluation through the integration of standard Machine Learning classification models and Data Envelopment Analysis</a:t>
+            </a:r>
+            <a:endParaRPr lang="es-ES" sz="1600" kern="100" dirty="0">
+              <a:effectLst/>
+              <a:latin typeface="Times New Roman" panose="02020603050405020304" pitchFamily="18" charset="0"/>
+              <a:ea typeface="Aptos" panose="020B0004020202020204" pitchFamily="34" charset="0"/>
+              <a:cs typeface="Times New Roman" panose="02020603050405020304" pitchFamily="18" charset="0"/>
+            </a:endParaRPr>
+          </a:p>
+        </p:txBody>
+      </p:sp>
+      <p:sp>
+        <p:nvSpPr>
+          <p:cNvPr id="5" name="Marcador de número de diapositiva 4">
+            <a:extLst>
+              <a:ext uri="{FF2B5EF4-FFF2-40B4-BE49-F238E27FC236}">
+                <a16:creationId xmlns:a16="http://schemas.microsoft.com/office/drawing/2014/main" id="{0A211459-F8C1-7C82-00F8-90AE29AF5C35}"/>
+              </a:ext>
+            </a:extLst>
+          </p:cNvPr>
+          <p:cNvSpPr>
+            <a:spLocks noGrp="1"/>
+          </p:cNvSpPr>
+          <p:nvPr>
+            <p:ph type="sldNum" sz="quarter" idx="12"/>
+          </p:nvPr>
+        </p:nvSpPr>
+        <p:spPr/>
+        <p:txBody>
+          <a:bodyPr/>
+          <a:lstStyle/>
+          <a:p>
+            <a:fld id="{DBFF9636-A71C-488A-89F8-02E08556F10C}" type="slidenum">
+              <a:rPr lang="es-ES" smtClean="0"/>
+              <a:pPr/>
+              <a:t>13</a:t>
+            </a:fld>
+            <a:endParaRPr lang="es-ES" dirty="0"/>
+          </a:p>
+        </p:txBody>
+      </p:sp>
+    </p:spTree>
+    <p:extLst>
+      <p:ext uri="{BB962C8B-B14F-4D97-AF65-F5344CB8AC3E}">
+        <p14:creationId xmlns:p14="http://schemas.microsoft.com/office/powerpoint/2010/main" val="673475911"/>
+      </p:ext>
+    </p:extLst>
+  </p:cSld>
+  <p:clrMapOvr>
+    <a:masterClrMapping/>
+  </p:clrMapOvr>
+</p:sld>
+</file>
+
+<file path=ppt/slides/slide14.xml><?xml version="1.0" encoding="utf-8"?>
+<p:sld xmlns:a="http://schemas.openxmlformats.org/drawingml/2006/main" xmlns:r="http://schemas.openxmlformats.org/officeDocument/2006/relationships" xmlns:p="http://schemas.openxmlformats.org/presentationml/2006/main">
+  <p:cSld>
+    <p:spTree>
+      <p:nvGrpSpPr>
+        <p:cNvPr id="1" name=""/>
+        <p:cNvGrpSpPr/>
+        <p:nvPr/>
+      </p:nvGrpSpPr>
+      <p:grpSpPr>
+        <a:xfrm>
+          <a:off x="0" y="0"/>
+          <a:ext cx="0" cy="0"/>
+          <a:chOff x="0" y="0"/>
+          <a:chExt cx="0" cy="0"/>
+        </a:xfrm>
+      </p:grpSpPr>
+      <p:sp>
+        <p:nvSpPr>
+          <p:cNvPr id="2" name="Título 1">
+            <a:extLst>
+              <a:ext uri="{FF2B5EF4-FFF2-40B4-BE49-F238E27FC236}">
+                <a16:creationId xmlns:a16="http://schemas.microsoft.com/office/drawing/2014/main" id="{86BA8BD2-2360-47C4-A428-A34D4F1BE424}"/>
+              </a:ext>
+            </a:extLst>
+          </p:cNvPr>
+          <p:cNvSpPr>
+            <a:spLocks noGrp="1"/>
+          </p:cNvSpPr>
+          <p:nvPr>
+            <p:ph type="title"/>
+          </p:nvPr>
+        </p:nvSpPr>
+        <p:spPr/>
+        <p:txBody>
+          <a:bodyPr/>
+          <a:lstStyle/>
+          <a:p>
+            <a:r>
+              <a:rPr lang="en-GB" dirty="0"/>
+              <a:t>Single input - output example</a:t>
+            </a:r>
+          </a:p>
+        </p:txBody>
+      </p:sp>
+      <p:sp>
+        <p:nvSpPr>
+          <p:cNvPr id="4" name="Marcador de pie de página 3">
+            <a:extLst>
+              <a:ext uri="{FF2B5EF4-FFF2-40B4-BE49-F238E27FC236}">
+                <a16:creationId xmlns:a16="http://schemas.microsoft.com/office/drawing/2014/main" id="{32E9E3CC-AACD-421E-ADF4-8100E3695283}"/>
+              </a:ext>
+            </a:extLst>
+          </p:cNvPr>
+          <p:cNvSpPr>
+            <a:spLocks noGrp="1"/>
+          </p:cNvSpPr>
+          <p:nvPr>
+            <p:ph type="ftr" sz="quarter" idx="11"/>
+          </p:nvPr>
+        </p:nvSpPr>
+        <p:spPr/>
+        <p:txBody>
+          <a:bodyPr/>
+          <a:lstStyle/>
+          <a:p>
+            <a:pPr algn="ctr">
+              <a:lnSpc>
+                <a:spcPct val="150000"/>
+              </a:lnSpc>
+              <a:spcAft>
+                <a:spcPts val="800"/>
+              </a:spcAft>
+            </a:pPr>
+            <a:r>
+              <a:rPr lang="en-US" sz="1800" b="1" kern="100" dirty="0">
+                <a:effectLst/>
+                <a:latin typeface="Times New Roman" panose="02020603050405020304" pitchFamily="18" charset="0"/>
+                <a:ea typeface="Aptos" panose="020B0004020202020204" pitchFamily="34" charset="0"/>
+                <a:cs typeface="Times New Roman" panose="02020603050405020304" pitchFamily="18" charset="0"/>
+              </a:rPr>
               <a:t>A </a:t>
             </a:r>
             <a:r>
@@ -8194,7 +9704,7 @@
             <a:fld id="{DBFF9636-A71C-488A-89F8-02E08556F10C}" type="slidenum">
               <a:rPr lang="es-ES" smtClean="0"/>
               <a:pPr/>
-              <a:t>12</a:t>
+              <a:t>14</a:t>
             </a:fld>
             <a:endParaRPr lang="es-ES" dirty="0"/>
           </a:p>
@@ -8950,7 +10460,7 @@
 </p:sld>
 </file>
 
-<file path=ppt/slides/slide13.xml><?xml version="1.0" encoding="utf-8"?>
+<file path=ppt/slides/slide15.xml><?xml version="1.0" encoding="utf-8"?>
 <p:sld xmlns:a="http://schemas.openxmlformats.org/drawingml/2006/main" xmlns:r="http://schemas.openxmlformats.org/officeDocument/2006/relationships" xmlns:p="http://schemas.openxmlformats.org/presentationml/2006/main">
   <p:cSld>
     <p:spTree>
@@ -9082,7 +10592,7 @@
                   <a:spcPts val="600"/>
                 </a:spcAft>
               </a:pPr>
-              <a:t>13</a:t>
+              <a:t>15</a:t>
             </a:fld>
             <a:endParaRPr lang="es-ES"/>
           </a:p>
@@ -9106,8 +10616,8 @@
         </p:nvSpPr>
         <p:spPr>
           <a:xfrm>
-            <a:off x="1257300" y="2738438"/>
-            <a:ext cx="7772400" cy="6527800"/>
+            <a:off x="1257300" y="3201974"/>
+            <a:ext cx="7772400" cy="5435643"/>
           </a:xfrm>
         </p:spPr>
         <p:txBody>
@@ -9224,7 +10734,7 @@
 </p:sld>
 </file>
 
-<file path=ppt/slides/slide14.xml><?xml version="1.0" encoding="utf-8"?>
+<file path=ppt/slides/slide16.xml><?xml version="1.0" encoding="utf-8"?>
 <p:sld xmlns:a="http://schemas.openxmlformats.org/drawingml/2006/main" xmlns:r="http://schemas.openxmlformats.org/officeDocument/2006/relationships" xmlns:p="http://schemas.openxmlformats.org/presentationml/2006/main">
   <p:cSld>
     <p:spTree>
@@ -9259,7 +10769,7 @@
         </p:nvSpPr>
         <p:spPr>
           <a:xfrm>
-            <a:off x="1257300" y="2738860"/>
+            <a:off x="1257300" y="3095809"/>
             <a:ext cx="7772400" cy="6528015"/>
           </a:xfrm>
         </p:spPr>
@@ -9369,7 +10879,7 @@
                   <a:spcPts val="600"/>
                 </a:spcAft>
               </a:pPr>
-              <a:t>14</a:t>
+              <a:t>16</a:t>
             </a:fld>
             <a:endParaRPr lang="es-ES"/>
           </a:p>
@@ -9497,7 +11007,7 @@
 </p:sld>
 </file>
 
-<file path=ppt/slides/slide15.xml><?xml version="1.0" encoding="utf-8"?>
+<file path=ppt/slides/slide17.xml><?xml version="1.0" encoding="utf-8"?>
 <p:sld xmlns:a="http://schemas.openxmlformats.org/drawingml/2006/main" xmlns:r="http://schemas.openxmlformats.org/officeDocument/2006/relationships" xmlns:p="http://schemas.openxmlformats.org/presentationml/2006/main">
   <p:cSld>
     <p:spTree>
@@ -9573,7 +11083,7 @@
         </p:nvSpPr>
         <p:spPr>
           <a:xfrm>
-            <a:off x="1257300" y="2738860"/>
+            <a:off x="1257300" y="3100924"/>
             <a:ext cx="7772400" cy="6528015"/>
           </a:xfrm>
         </p:spPr>
@@ -9683,7 +11193,7 @@
                   <a:spcPts val="600"/>
                 </a:spcAft>
               </a:pPr>
-              <a:t>15</a:t>
+              <a:t>17</a:t>
             </a:fld>
             <a:endParaRPr lang="es-ES"/>
           </a:p>
@@ -9770,7 +11280,7 @@
 </p:sld>
 </file>
 
-<file path=ppt/slides/slide16.xml><?xml version="1.0" encoding="utf-8"?>
+<file path=ppt/slides/slide18.xml><?xml version="1.0" encoding="utf-8"?>
 <p:sld xmlns:a="http://schemas.openxmlformats.org/drawingml/2006/main" xmlns:r="http://schemas.openxmlformats.org/officeDocument/2006/relationships" xmlns:p="http://schemas.openxmlformats.org/presentationml/2006/main">
   <p:cSld>
     <p:spTree>
@@ -9956,7 +11466,7 @@
                   <a:spcPts val="600"/>
                 </a:spcAft>
               </a:pPr>
-              <a:t>16</a:t>
+              <a:t>18</a:t>
             </a:fld>
             <a:endParaRPr lang="es-ES"/>
           </a:p>
@@ -10043,7 +11553,7 @@
 </p:sld>
 </file>
 
-<file path=ppt/slides/slide17.xml><?xml version="1.0" encoding="utf-8"?>
+<file path=ppt/slides/slide19.xml><?xml version="1.0" encoding="utf-8"?>
 <p:sld xmlns:a="http://schemas.openxmlformats.org/drawingml/2006/main" xmlns:r="http://schemas.openxmlformats.org/officeDocument/2006/relationships" xmlns:p="http://schemas.openxmlformats.org/presentationml/2006/main">
   <p:cSld>
     <p:spTree>
@@ -10238,7 +11748,7 @@
                   <a:spcPts val="600"/>
                 </a:spcAft>
               </a:pPr>
-              <a:t>17</a:t>
+              <a:t>19</a:t>
             </a:fld>
             <a:endParaRPr lang="es-ES"/>
           </a:p>
@@ -10316,456 +11826,6 @@
     <p:extLst>
       <p:ext uri="{BB962C8B-B14F-4D97-AF65-F5344CB8AC3E}">
         <p14:creationId xmlns:p14="http://schemas.microsoft.com/office/powerpoint/2010/main" val="2615375903"/>
-      </p:ext>
-    </p:extLst>
-  </p:cSld>
-  <p:clrMapOvr>
-    <a:masterClrMapping/>
-  </p:clrMapOvr>
-</p:sld>
-</file>
-
-<file path=ppt/slides/slide18.xml><?xml version="1.0" encoding="utf-8"?>
-<p:sld xmlns:a="http://schemas.openxmlformats.org/drawingml/2006/main" xmlns:r="http://schemas.openxmlformats.org/officeDocument/2006/relationships" xmlns:p="http://schemas.openxmlformats.org/presentationml/2006/main">
-  <p:cSld>
-    <p:spTree>
-      <p:nvGrpSpPr>
-        <p:cNvPr id="1" name=""/>
-        <p:cNvGrpSpPr/>
-        <p:nvPr/>
-      </p:nvGrpSpPr>
-      <p:grpSpPr>
-        <a:xfrm>
-          <a:off x="0" y="0"/>
-          <a:ext cx="0" cy="0"/>
-          <a:chOff x="0" y="0"/>
-          <a:chExt cx="0" cy="0"/>
-        </a:xfrm>
-      </p:grpSpPr>
-      <p:sp>
-        <p:nvSpPr>
-          <p:cNvPr id="2" name="Título 1">
-            <a:extLst>
-              <a:ext uri="{FF2B5EF4-FFF2-40B4-BE49-F238E27FC236}">
-                <a16:creationId xmlns:a16="http://schemas.microsoft.com/office/drawing/2014/main" id="{2F7626E3-0388-9608-3847-B8CEC112678B}"/>
-              </a:ext>
-            </a:extLst>
-          </p:cNvPr>
-          <p:cNvSpPr>
-            <a:spLocks noGrp="1"/>
-          </p:cNvSpPr>
-          <p:nvPr>
-            <p:ph type="ctrTitle"/>
-          </p:nvPr>
-        </p:nvSpPr>
-        <p:spPr/>
-        <p:txBody>
-          <a:bodyPr/>
-          <a:lstStyle/>
-          <a:p>
-            <a:r>
-              <a:rPr lang="en-US" sz="8800" b="1" dirty="0">
-                <a:effectLst/>
-                <a:latin typeface="Times New Roman" panose="02020603050405020304" pitchFamily="18" charset="0"/>
-                <a:ea typeface="Aptos" panose="020B0004020202020204" pitchFamily="34" charset="0"/>
-              </a:rPr>
-              <a:t>An empirical application</a:t>
-            </a:r>
-            <a:endParaRPr lang="en-GB" dirty="0"/>
-          </a:p>
-        </p:txBody>
-      </p:sp>
-      <p:sp>
-        <p:nvSpPr>
-          <p:cNvPr id="3" name="Subtítulo 2">
-            <a:extLst>
-              <a:ext uri="{FF2B5EF4-FFF2-40B4-BE49-F238E27FC236}">
-                <a16:creationId xmlns:a16="http://schemas.microsoft.com/office/drawing/2014/main" id="{36619A00-8555-1F56-5114-7E37288780D1}"/>
-              </a:ext>
-            </a:extLst>
-          </p:cNvPr>
-          <p:cNvSpPr>
-            <a:spLocks noGrp="1"/>
-          </p:cNvSpPr>
-          <p:nvPr>
-            <p:ph type="subTitle" idx="1"/>
-          </p:nvPr>
-        </p:nvSpPr>
-        <p:spPr/>
-        <p:txBody>
-          <a:bodyPr/>
-          <a:lstStyle/>
-          <a:p>
-            <a:r>
-              <a:rPr lang="en-US" b="1" dirty="0">
-                <a:latin typeface="Times New Roman" panose="02020603050405020304" pitchFamily="18" charset="0"/>
-                <a:ea typeface="Aptos" panose="020B0004020202020204" pitchFamily="34" charset="0"/>
-              </a:rPr>
-              <a:t>T</a:t>
-            </a:r>
-            <a:r>
-              <a:rPr lang="en-US" sz="3600" b="1" dirty="0">
-                <a:effectLst/>
-                <a:latin typeface="Times New Roman" panose="02020603050405020304" pitchFamily="18" charset="0"/>
-                <a:ea typeface="Aptos" panose="020B0004020202020204" pitchFamily="34" charset="0"/>
-              </a:rPr>
-              <a:t>he efficiency assessment of the Spanish educational sector</a:t>
-            </a:r>
-            <a:endParaRPr lang="en-GB" dirty="0"/>
-          </a:p>
-        </p:txBody>
-      </p:sp>
-      <p:sp>
-        <p:nvSpPr>
-          <p:cNvPr id="4" name="Marcador de pie de página 3">
-            <a:extLst>
-              <a:ext uri="{FF2B5EF4-FFF2-40B4-BE49-F238E27FC236}">
-                <a16:creationId xmlns:a16="http://schemas.microsoft.com/office/drawing/2014/main" id="{6FA23063-CED7-6B45-8B5E-953BB1742DC6}"/>
-              </a:ext>
-            </a:extLst>
-          </p:cNvPr>
-          <p:cNvSpPr>
-            <a:spLocks noGrp="1"/>
-          </p:cNvSpPr>
-          <p:nvPr>
-            <p:ph type="ftr" sz="quarter" idx="11"/>
-          </p:nvPr>
-        </p:nvSpPr>
-        <p:spPr/>
-        <p:txBody>
-          <a:bodyPr/>
-          <a:lstStyle/>
-          <a:p>
-            <a:pPr algn="ctr">
-              <a:lnSpc>
-                <a:spcPct val="150000"/>
-              </a:lnSpc>
-              <a:spcAft>
-                <a:spcPts val="800"/>
-              </a:spcAft>
-            </a:pPr>
-            <a:r>
-              <a:rPr lang="en-US" sz="1800" b="1" kern="100" dirty="0">
-                <a:effectLst/>
-                <a:latin typeface="Times New Roman" panose="02020603050405020304" pitchFamily="18" charset="0"/>
-                <a:ea typeface="Aptos" panose="020B0004020202020204" pitchFamily="34" charset="0"/>
-                <a:cs typeface="Times New Roman" panose="02020603050405020304" pitchFamily="18" charset="0"/>
-              </a:rPr>
-              <a:t>A novel approach for efficiency evaluation through the integration of standard Machine Learning classification models and Data Envelopment Analysis</a:t>
-            </a:r>
-            <a:endParaRPr lang="es-ES" sz="1600" kern="100" dirty="0">
-              <a:effectLst/>
-              <a:latin typeface="Times New Roman" panose="02020603050405020304" pitchFamily="18" charset="0"/>
-              <a:ea typeface="Aptos" panose="020B0004020202020204" pitchFamily="34" charset="0"/>
-              <a:cs typeface="Times New Roman" panose="02020603050405020304" pitchFamily="18" charset="0"/>
-            </a:endParaRPr>
-          </a:p>
-        </p:txBody>
-      </p:sp>
-      <p:sp>
-        <p:nvSpPr>
-          <p:cNvPr id="5" name="Marcador de número de diapositiva 4">
-            <a:extLst>
-              <a:ext uri="{FF2B5EF4-FFF2-40B4-BE49-F238E27FC236}">
-                <a16:creationId xmlns:a16="http://schemas.microsoft.com/office/drawing/2014/main" id="{2EC2EDA7-1224-188B-553C-E559B86C96D4}"/>
-              </a:ext>
-            </a:extLst>
-          </p:cNvPr>
-          <p:cNvSpPr>
-            <a:spLocks noGrp="1"/>
-          </p:cNvSpPr>
-          <p:nvPr>
-            <p:ph type="sldNum" sz="quarter" idx="12"/>
-          </p:nvPr>
-        </p:nvSpPr>
-        <p:spPr/>
-        <p:txBody>
-          <a:bodyPr/>
-          <a:lstStyle/>
-          <a:p>
-            <a:fld id="{DBFF9636-A71C-488A-89F8-02E08556F10C}" type="slidenum">
-              <a:rPr lang="es-ES" smtClean="0"/>
-              <a:pPr/>
-              <a:t>18</a:t>
-            </a:fld>
-            <a:endParaRPr lang="es-ES" dirty="0"/>
-          </a:p>
-        </p:txBody>
-      </p:sp>
-    </p:spTree>
-    <p:extLst>
-      <p:ext uri="{BB962C8B-B14F-4D97-AF65-F5344CB8AC3E}">
-        <p14:creationId xmlns:p14="http://schemas.microsoft.com/office/powerpoint/2010/main" val="3071165109"/>
-      </p:ext>
-    </p:extLst>
-  </p:cSld>
-  <p:clrMapOvr>
-    <a:masterClrMapping/>
-  </p:clrMapOvr>
-</p:sld>
-</file>
-
-<file path=ppt/slides/slide19.xml><?xml version="1.0" encoding="utf-8"?>
-<p:sld xmlns:a="http://schemas.openxmlformats.org/drawingml/2006/main" xmlns:r="http://schemas.openxmlformats.org/officeDocument/2006/relationships" xmlns:p="http://schemas.openxmlformats.org/presentationml/2006/main">
-  <p:cSld>
-    <p:spTree>
-      <p:nvGrpSpPr>
-        <p:cNvPr id="1" name=""/>
-        <p:cNvGrpSpPr/>
-        <p:nvPr/>
-      </p:nvGrpSpPr>
-      <p:grpSpPr>
-        <a:xfrm>
-          <a:off x="0" y="0"/>
-          <a:ext cx="0" cy="0"/>
-          <a:chOff x="0" y="0"/>
-          <a:chExt cx="0" cy="0"/>
-        </a:xfrm>
-      </p:grpSpPr>
-      <p:sp>
-        <p:nvSpPr>
-          <p:cNvPr id="2" name="Título 1">
-            <a:extLst>
-              <a:ext uri="{FF2B5EF4-FFF2-40B4-BE49-F238E27FC236}">
-                <a16:creationId xmlns:a16="http://schemas.microsoft.com/office/drawing/2014/main" id="{8DA03B8B-503C-2AD5-0C58-C6F2AD684972}"/>
-              </a:ext>
-            </a:extLst>
-          </p:cNvPr>
-          <p:cNvSpPr>
-            <a:spLocks noGrp="1"/>
-          </p:cNvSpPr>
-          <p:nvPr>
-            <p:ph type="title"/>
-          </p:nvPr>
-        </p:nvSpPr>
-        <p:spPr/>
-        <p:txBody>
-          <a:bodyPr/>
-          <a:lstStyle/>
-          <a:p>
-            <a:r>
-              <a:rPr lang="en-US" b="1" dirty="0">
-                <a:latin typeface="Times New Roman" panose="02020603050405020304" pitchFamily="18" charset="0"/>
-                <a:ea typeface="Aptos" panose="020B0004020202020204" pitchFamily="34" charset="0"/>
-              </a:rPr>
-              <a:t>T</a:t>
-            </a:r>
-            <a:r>
-              <a:rPr lang="en-US" sz="6600" b="1" dirty="0">
-                <a:effectLst/>
-                <a:latin typeface="Times New Roman" panose="02020603050405020304" pitchFamily="18" charset="0"/>
-                <a:ea typeface="Aptos" panose="020B0004020202020204" pitchFamily="34" charset="0"/>
-              </a:rPr>
-              <a:t>he efficiency assessment of the Spanish educational sector</a:t>
-            </a:r>
-            <a:endParaRPr lang="en-GB" dirty="0"/>
-          </a:p>
-        </p:txBody>
-      </p:sp>
-      <p:sp>
-        <p:nvSpPr>
-          <p:cNvPr id="4" name="Marcador de pie de página 3">
-            <a:extLst>
-              <a:ext uri="{FF2B5EF4-FFF2-40B4-BE49-F238E27FC236}">
-                <a16:creationId xmlns:a16="http://schemas.microsoft.com/office/drawing/2014/main" id="{87703923-EE12-C293-D06F-AFF34520FABA}"/>
-              </a:ext>
-            </a:extLst>
-          </p:cNvPr>
-          <p:cNvSpPr>
-            <a:spLocks noGrp="1"/>
-          </p:cNvSpPr>
-          <p:nvPr>
-            <p:ph type="ftr" sz="quarter" idx="11"/>
-          </p:nvPr>
-        </p:nvSpPr>
-        <p:spPr/>
-        <p:txBody>
-          <a:bodyPr/>
-          <a:lstStyle/>
-          <a:p>
-            <a:pPr algn="ctr">
-              <a:lnSpc>
-                <a:spcPct val="150000"/>
-              </a:lnSpc>
-              <a:spcAft>
-                <a:spcPts val="800"/>
-              </a:spcAft>
-            </a:pPr>
-            <a:r>
-              <a:rPr lang="en-US" sz="1800" b="1" kern="100" dirty="0">
-                <a:effectLst/>
-                <a:latin typeface="Times New Roman" panose="02020603050405020304" pitchFamily="18" charset="0"/>
-                <a:ea typeface="Aptos" panose="020B0004020202020204" pitchFamily="34" charset="0"/>
-                <a:cs typeface="Times New Roman" panose="02020603050405020304" pitchFamily="18" charset="0"/>
-              </a:rPr>
-              <a:t>A novel approach for efficiency evaluation through the integration of standard Machine Learning classification models and Data Envelopment Analysis</a:t>
-            </a:r>
-            <a:endParaRPr lang="es-ES" sz="1600" kern="100" dirty="0">
-              <a:effectLst/>
-              <a:latin typeface="Times New Roman" panose="02020603050405020304" pitchFamily="18" charset="0"/>
-              <a:ea typeface="Aptos" panose="020B0004020202020204" pitchFamily="34" charset="0"/>
-              <a:cs typeface="Times New Roman" panose="02020603050405020304" pitchFamily="18" charset="0"/>
-            </a:endParaRPr>
-          </a:p>
-        </p:txBody>
-      </p:sp>
-      <p:sp>
-        <p:nvSpPr>
-          <p:cNvPr id="5" name="Marcador de número de diapositiva 4">
-            <a:extLst>
-              <a:ext uri="{FF2B5EF4-FFF2-40B4-BE49-F238E27FC236}">
-                <a16:creationId xmlns:a16="http://schemas.microsoft.com/office/drawing/2014/main" id="{0C3F2C01-39A2-4C46-9D03-67A37C26B66E}"/>
-              </a:ext>
-            </a:extLst>
-          </p:cNvPr>
-          <p:cNvSpPr>
-            <a:spLocks noGrp="1"/>
-          </p:cNvSpPr>
-          <p:nvPr>
-            <p:ph type="sldNum" sz="quarter" idx="12"/>
-          </p:nvPr>
-        </p:nvSpPr>
-        <p:spPr/>
-        <p:txBody>
-          <a:bodyPr/>
-          <a:lstStyle/>
-          <a:p>
-            <a:fld id="{DBFF9636-A71C-488A-89F8-02E08556F10C}" type="slidenum">
-              <a:rPr lang="es-ES" smtClean="0"/>
-              <a:pPr/>
-              <a:t>19</a:t>
-            </a:fld>
-            <a:endParaRPr lang="es-ES" dirty="0"/>
-          </a:p>
-        </p:txBody>
-      </p:sp>
-      <p:sp>
-        <p:nvSpPr>
-          <p:cNvPr id="3" name="Marcador de contenido 2">
-            <a:extLst>
-              <a:ext uri="{FF2B5EF4-FFF2-40B4-BE49-F238E27FC236}">
-                <a16:creationId xmlns:a16="http://schemas.microsoft.com/office/drawing/2014/main" id="{6DFA8D77-6114-5058-4500-99FF53E70859}"/>
-              </a:ext>
-            </a:extLst>
-          </p:cNvPr>
-          <p:cNvSpPr>
-            <a:spLocks noGrp="1"/>
-          </p:cNvSpPr>
-          <p:nvPr>
-            <p:ph idx="1"/>
-          </p:nvPr>
-        </p:nvSpPr>
-        <p:spPr>
-          <a:xfrm>
-            <a:off x="831520" y="3097269"/>
-            <a:ext cx="16595985" cy="5850074"/>
-          </a:xfrm>
-        </p:spPr>
-        <p:txBody>
-          <a:bodyPr>
-            <a:normAutofit/>
-          </a:bodyPr>
-          <a:lstStyle/>
-          <a:p>
-            <a:r>
-              <a:rPr lang="es-ES" dirty="0"/>
-              <a:t>A </a:t>
-            </a:r>
-            <a:r>
-              <a:rPr lang="es-ES" dirty="0" err="1"/>
-              <a:t>dataset</a:t>
-            </a:r>
-            <a:r>
-              <a:rPr lang="es-ES" dirty="0"/>
-              <a:t> </a:t>
-            </a:r>
-            <a:r>
-              <a:rPr lang="es-ES" dirty="0" err="1"/>
-              <a:t>obtained</a:t>
-            </a:r>
-            <a:r>
-              <a:rPr lang="es-ES" dirty="0"/>
-              <a:t> </a:t>
-            </a:r>
-            <a:r>
-              <a:rPr lang="es-ES" dirty="0" err="1"/>
-              <a:t>from</a:t>
-            </a:r>
-            <a:r>
-              <a:rPr lang="es-ES" dirty="0"/>
-              <a:t> </a:t>
-            </a:r>
-            <a:r>
-              <a:rPr lang="es-ES" dirty="0" err="1"/>
-              <a:t>the</a:t>
-            </a:r>
-            <a:r>
-              <a:rPr lang="es-ES" dirty="0"/>
-              <a:t> </a:t>
-            </a:r>
-            <a:r>
-              <a:rPr lang="es-ES" dirty="0" err="1"/>
-              <a:t>Programme</a:t>
-            </a:r>
-            <a:r>
-              <a:rPr lang="es-ES" dirty="0"/>
-              <a:t> </a:t>
-            </a:r>
-            <a:r>
-              <a:rPr lang="es-ES" dirty="0" err="1"/>
-              <a:t>for</a:t>
-            </a:r>
-            <a:r>
-              <a:rPr lang="es-ES" dirty="0"/>
-              <a:t> International </a:t>
-            </a:r>
-            <a:r>
-              <a:rPr lang="es-ES" dirty="0" err="1"/>
-              <a:t>Student</a:t>
-            </a:r>
-            <a:r>
-              <a:rPr lang="es-ES" dirty="0"/>
-              <a:t> </a:t>
-            </a:r>
-            <a:r>
-              <a:rPr lang="es-ES" dirty="0" err="1"/>
-              <a:t>Assessment</a:t>
-            </a:r>
-            <a:r>
-              <a:rPr lang="es-ES" dirty="0"/>
-              <a:t> (PISA).</a:t>
-            </a:r>
-          </a:p>
-          <a:p>
-            <a:r>
-              <a:rPr lang="en-US" dirty="0"/>
-              <a:t>The dataset utilized encompasses data from the year 2018, comprising anonymized records from 999 Spanish schools randomly selected by the OECD.</a:t>
-            </a:r>
-          </a:p>
-          <a:p>
-            <a:r>
-              <a:rPr lang="en-GB" dirty="0"/>
-              <a:t>Input variables: EDUQUAL, ESCS and TSRATIO.</a:t>
-            </a:r>
-          </a:p>
-          <a:p>
-            <a:r>
-              <a:rPr lang="en-GB" dirty="0"/>
-              <a:t>Output variables: PVMATH, PVREAD and PVSCIE.</a:t>
-            </a:r>
-          </a:p>
-          <a:p>
-            <a:r>
-              <a:rPr lang="en-GB" dirty="0"/>
-              <a:t>Contextual variables: REGION and SCHLTYPE.</a:t>
-            </a:r>
-          </a:p>
-        </p:txBody>
-      </p:sp>
-    </p:spTree>
-    <p:extLst>
-      <p:ext uri="{BB962C8B-B14F-4D97-AF65-F5344CB8AC3E}">
-        <p14:creationId xmlns:p14="http://schemas.microsoft.com/office/powerpoint/2010/main" val="842433755"/>
       </p:ext>
     </p:extLst>
   </p:cSld>
@@ -11039,7 +12099,7 @@
           <p:cNvPr id="2" name="Título 1">
             <a:extLst>
               <a:ext uri="{FF2B5EF4-FFF2-40B4-BE49-F238E27FC236}">
-                <a16:creationId xmlns:a16="http://schemas.microsoft.com/office/drawing/2014/main" id="{8DA03B8B-503C-2AD5-0C58-C6F2AD684972}"/>
+                <a16:creationId xmlns:a16="http://schemas.microsoft.com/office/drawing/2014/main" id="{2F7626E3-0388-9608-3847-B8CEC112678B}"/>
               </a:ext>
             </a:extLst>
           </p:cNvPr>
@@ -11047,7 +12107,40 @@
             <a:spLocks noGrp="1"/>
           </p:cNvSpPr>
           <p:nvPr>
-            <p:ph type="title"/>
+            <p:ph type="ctrTitle"/>
+          </p:nvPr>
+        </p:nvSpPr>
+        <p:spPr/>
+        <p:txBody>
+          <a:bodyPr/>
+          <a:lstStyle/>
+          <a:p>
+            <a:r>
+              <a:rPr lang="en-US" sz="8800" b="1" dirty="0">
+                <a:effectLst/>
+                <a:latin typeface="Times New Roman" panose="02020603050405020304" pitchFamily="18" charset="0"/>
+                <a:ea typeface="Aptos" panose="020B0004020202020204" pitchFamily="34" charset="0"/>
+              </a:rPr>
+              <a:t>An empirical application</a:t>
+            </a:r>
+            <a:endParaRPr lang="en-GB" dirty="0"/>
+          </a:p>
+        </p:txBody>
+      </p:sp>
+      <p:sp>
+        <p:nvSpPr>
+          <p:cNvPr id="3" name="Subtítulo 2">
+            <a:extLst>
+              <a:ext uri="{FF2B5EF4-FFF2-40B4-BE49-F238E27FC236}">
+                <a16:creationId xmlns:a16="http://schemas.microsoft.com/office/drawing/2014/main" id="{36619A00-8555-1F56-5114-7E37288780D1}"/>
+              </a:ext>
+            </a:extLst>
+          </p:cNvPr>
+          <p:cNvSpPr>
+            <a:spLocks noGrp="1"/>
+          </p:cNvSpPr>
+          <p:nvPr>
+            <p:ph type="subTitle" idx="1"/>
           </p:nvPr>
         </p:nvSpPr>
         <p:spPr/>
@@ -11063,7 +12156,7 @@
               <a:t>T</a:t>
             </a:r>
             <a:r>
-              <a:rPr lang="en-US" sz="6600" b="1" dirty="0">
+              <a:rPr lang="en-US" sz="3600" b="1" dirty="0">
                 <a:effectLst/>
                 <a:latin typeface="Times New Roman" panose="02020603050405020304" pitchFamily="18" charset="0"/>
                 <a:ea typeface="Aptos" panose="020B0004020202020204" pitchFamily="34" charset="0"/>
@@ -11079,7 +12172,7 @@
           <p:cNvPr id="4" name="Marcador de pie de página 3">
             <a:extLst>
               <a:ext uri="{FF2B5EF4-FFF2-40B4-BE49-F238E27FC236}">
-                <a16:creationId xmlns:a16="http://schemas.microsoft.com/office/drawing/2014/main" id="{87703923-EE12-C293-D06F-AFF34520FABA}"/>
+                <a16:creationId xmlns:a16="http://schemas.microsoft.com/office/drawing/2014/main" id="{6FA23063-CED7-6B45-8B5E-953BB1742DC6}"/>
               </a:ext>
             </a:extLst>
           </p:cNvPr>
@@ -11126,6 +12219,153 @@
           <p:cNvPr id="5" name="Marcador de número de diapositiva 4">
             <a:extLst>
               <a:ext uri="{FF2B5EF4-FFF2-40B4-BE49-F238E27FC236}">
+                <a16:creationId xmlns:a16="http://schemas.microsoft.com/office/drawing/2014/main" id="{2EC2EDA7-1224-188B-553C-E559B86C96D4}"/>
+              </a:ext>
+            </a:extLst>
+          </p:cNvPr>
+          <p:cNvSpPr>
+            <a:spLocks noGrp="1"/>
+          </p:cNvSpPr>
+          <p:nvPr>
+            <p:ph type="sldNum" sz="quarter" idx="12"/>
+          </p:nvPr>
+        </p:nvSpPr>
+        <p:spPr/>
+        <p:txBody>
+          <a:bodyPr/>
+          <a:lstStyle/>
+          <a:p>
+            <a:fld id="{DBFF9636-A71C-488A-89F8-02E08556F10C}" type="slidenum">
+              <a:rPr lang="es-ES" smtClean="0"/>
+              <a:pPr/>
+              <a:t>20</a:t>
+            </a:fld>
+            <a:endParaRPr lang="es-ES" dirty="0"/>
+          </a:p>
+        </p:txBody>
+      </p:sp>
+    </p:spTree>
+    <p:extLst>
+      <p:ext uri="{BB962C8B-B14F-4D97-AF65-F5344CB8AC3E}">
+        <p14:creationId xmlns:p14="http://schemas.microsoft.com/office/powerpoint/2010/main" val="3071165109"/>
+      </p:ext>
+    </p:extLst>
+  </p:cSld>
+  <p:clrMapOvr>
+    <a:masterClrMapping/>
+  </p:clrMapOvr>
+</p:sld>
+</file>
+
+<file path=ppt/slides/slide21.xml><?xml version="1.0" encoding="utf-8"?>
+<p:sld xmlns:a="http://schemas.openxmlformats.org/drawingml/2006/main" xmlns:r="http://schemas.openxmlformats.org/officeDocument/2006/relationships" xmlns:p="http://schemas.openxmlformats.org/presentationml/2006/main">
+  <p:cSld>
+    <p:spTree>
+      <p:nvGrpSpPr>
+        <p:cNvPr id="1" name=""/>
+        <p:cNvGrpSpPr/>
+        <p:nvPr/>
+      </p:nvGrpSpPr>
+      <p:grpSpPr>
+        <a:xfrm>
+          <a:off x="0" y="0"/>
+          <a:ext cx="0" cy="0"/>
+          <a:chOff x="0" y="0"/>
+          <a:chExt cx="0" cy="0"/>
+        </a:xfrm>
+      </p:grpSpPr>
+      <p:sp>
+        <p:nvSpPr>
+          <p:cNvPr id="2" name="Título 1">
+            <a:extLst>
+              <a:ext uri="{FF2B5EF4-FFF2-40B4-BE49-F238E27FC236}">
+                <a16:creationId xmlns:a16="http://schemas.microsoft.com/office/drawing/2014/main" id="{8DA03B8B-503C-2AD5-0C58-C6F2AD684972}"/>
+              </a:ext>
+            </a:extLst>
+          </p:cNvPr>
+          <p:cNvSpPr>
+            <a:spLocks noGrp="1"/>
+          </p:cNvSpPr>
+          <p:nvPr>
+            <p:ph type="title"/>
+          </p:nvPr>
+        </p:nvSpPr>
+        <p:spPr/>
+        <p:txBody>
+          <a:bodyPr/>
+          <a:lstStyle/>
+          <a:p>
+            <a:r>
+              <a:rPr lang="en-US" b="1" dirty="0">
+                <a:latin typeface="Times New Roman" panose="02020603050405020304" pitchFamily="18" charset="0"/>
+                <a:ea typeface="Aptos" panose="020B0004020202020204" pitchFamily="34" charset="0"/>
+              </a:rPr>
+              <a:t>T</a:t>
+            </a:r>
+            <a:r>
+              <a:rPr lang="en-US" sz="6600" b="1" dirty="0">
+                <a:effectLst/>
+                <a:latin typeface="Times New Roman" panose="02020603050405020304" pitchFamily="18" charset="0"/>
+                <a:ea typeface="Aptos" panose="020B0004020202020204" pitchFamily="34" charset="0"/>
+              </a:rPr>
+              <a:t>he efficiency assessment of the Spanish educational sector</a:t>
+            </a:r>
+            <a:endParaRPr lang="en-GB" dirty="0"/>
+          </a:p>
+        </p:txBody>
+      </p:sp>
+      <p:sp>
+        <p:nvSpPr>
+          <p:cNvPr id="4" name="Marcador de pie de página 3">
+            <a:extLst>
+              <a:ext uri="{FF2B5EF4-FFF2-40B4-BE49-F238E27FC236}">
+                <a16:creationId xmlns:a16="http://schemas.microsoft.com/office/drawing/2014/main" id="{87703923-EE12-C293-D06F-AFF34520FABA}"/>
+              </a:ext>
+            </a:extLst>
+          </p:cNvPr>
+          <p:cNvSpPr>
+            <a:spLocks noGrp="1"/>
+          </p:cNvSpPr>
+          <p:nvPr>
+            <p:ph type="ftr" sz="quarter" idx="11"/>
+          </p:nvPr>
+        </p:nvSpPr>
+        <p:spPr/>
+        <p:txBody>
+          <a:bodyPr/>
+          <a:lstStyle/>
+          <a:p>
+            <a:pPr algn="ctr">
+              <a:lnSpc>
+                <a:spcPct val="150000"/>
+              </a:lnSpc>
+              <a:spcAft>
+                <a:spcPts val="800"/>
+              </a:spcAft>
+            </a:pPr>
+            <a:r>
+              <a:rPr lang="en-US" sz="1800" b="1" kern="100" dirty="0">
+                <a:effectLst/>
+                <a:latin typeface="Times New Roman" panose="02020603050405020304" pitchFamily="18" charset="0"/>
+                <a:ea typeface="Aptos" panose="020B0004020202020204" pitchFamily="34" charset="0"/>
+                <a:cs typeface="Times New Roman" panose="02020603050405020304" pitchFamily="18" charset="0"/>
+              </a:rPr>
+              <a:t>A novel approach for efficiency evaluation through the integration of standard Machine Learning classification models and Data Envelopment Analysis</a:t>
+            </a:r>
+            <a:endParaRPr lang="es-ES" sz="1600" kern="100" dirty="0">
+              <a:effectLst/>
+              <a:latin typeface="Times New Roman" panose="02020603050405020304" pitchFamily="18" charset="0"/>
+              <a:ea typeface="Aptos" panose="020B0004020202020204" pitchFamily="34" charset="0"/>
+              <a:cs typeface="Times New Roman" panose="02020603050405020304" pitchFamily="18" charset="0"/>
+            </a:endParaRPr>
+          </a:p>
+        </p:txBody>
+      </p:sp>
+      <p:sp>
+        <p:nvSpPr>
+          <p:cNvPr id="5" name="Marcador de número de diapositiva 4">
+            <a:extLst>
+              <a:ext uri="{FF2B5EF4-FFF2-40B4-BE49-F238E27FC236}">
                 <a16:creationId xmlns:a16="http://schemas.microsoft.com/office/drawing/2014/main" id="{0C3F2C01-39A2-4C46-9D03-67A37C26B66E}"/>
               </a:ext>
             </a:extLst>
@@ -11145,7 +12385,277 @@
             <a:fld id="{DBFF9636-A71C-488A-89F8-02E08556F10C}" type="slidenum">
               <a:rPr lang="es-ES" smtClean="0"/>
               <a:pPr/>
-              <a:t>20</a:t>
+              <a:t>21</a:t>
+            </a:fld>
+            <a:endParaRPr lang="es-ES" dirty="0"/>
+          </a:p>
+        </p:txBody>
+      </p:sp>
+      <p:sp>
+        <p:nvSpPr>
+          <p:cNvPr id="3" name="Marcador de contenido 2">
+            <a:extLst>
+              <a:ext uri="{FF2B5EF4-FFF2-40B4-BE49-F238E27FC236}">
+                <a16:creationId xmlns:a16="http://schemas.microsoft.com/office/drawing/2014/main" id="{6DFA8D77-6114-5058-4500-99FF53E70859}"/>
+              </a:ext>
+            </a:extLst>
+          </p:cNvPr>
+          <p:cNvSpPr>
+            <a:spLocks noGrp="1"/>
+          </p:cNvSpPr>
+          <p:nvPr>
+            <p:ph idx="1"/>
+          </p:nvPr>
+        </p:nvSpPr>
+        <p:spPr>
+          <a:xfrm>
+            <a:off x="831520" y="3097269"/>
+            <a:ext cx="16595985" cy="5850074"/>
+          </a:xfrm>
+        </p:spPr>
+        <p:txBody>
+          <a:bodyPr>
+            <a:normAutofit/>
+          </a:bodyPr>
+          <a:lstStyle/>
+          <a:p>
+            <a:r>
+              <a:rPr lang="es-ES" dirty="0"/>
+              <a:t>A </a:t>
+            </a:r>
+            <a:r>
+              <a:rPr lang="es-ES" dirty="0" err="1"/>
+              <a:t>dataset</a:t>
+            </a:r>
+            <a:r>
+              <a:rPr lang="es-ES" dirty="0"/>
+              <a:t> </a:t>
+            </a:r>
+            <a:r>
+              <a:rPr lang="es-ES" dirty="0" err="1"/>
+              <a:t>obtained</a:t>
+            </a:r>
+            <a:r>
+              <a:rPr lang="es-ES" dirty="0"/>
+              <a:t> </a:t>
+            </a:r>
+            <a:r>
+              <a:rPr lang="es-ES" dirty="0" err="1"/>
+              <a:t>from</a:t>
+            </a:r>
+            <a:r>
+              <a:rPr lang="es-ES" dirty="0"/>
+              <a:t> </a:t>
+            </a:r>
+            <a:r>
+              <a:rPr lang="es-ES" dirty="0" err="1"/>
+              <a:t>the</a:t>
+            </a:r>
+            <a:r>
+              <a:rPr lang="es-ES" dirty="0"/>
+              <a:t> </a:t>
+            </a:r>
+            <a:r>
+              <a:rPr lang="es-ES" dirty="0" err="1"/>
+              <a:t>Programme</a:t>
+            </a:r>
+            <a:r>
+              <a:rPr lang="es-ES" dirty="0"/>
+              <a:t> </a:t>
+            </a:r>
+            <a:r>
+              <a:rPr lang="es-ES" dirty="0" err="1"/>
+              <a:t>for</a:t>
+            </a:r>
+            <a:r>
+              <a:rPr lang="es-ES" dirty="0"/>
+              <a:t> International </a:t>
+            </a:r>
+            <a:r>
+              <a:rPr lang="es-ES" dirty="0" err="1"/>
+              <a:t>Student</a:t>
+            </a:r>
+            <a:r>
+              <a:rPr lang="es-ES" dirty="0"/>
+              <a:t> </a:t>
+            </a:r>
+            <a:r>
+              <a:rPr lang="es-ES" dirty="0" err="1"/>
+              <a:t>Assessment</a:t>
+            </a:r>
+            <a:r>
+              <a:rPr lang="es-ES" dirty="0"/>
+              <a:t> (PISA).</a:t>
+            </a:r>
+          </a:p>
+          <a:p>
+            <a:r>
+              <a:rPr lang="en-US" dirty="0"/>
+              <a:t>The dataset utilized encompasses data from the year 2018, comprising anonymized records from 999 Spanish schools randomly selected by the OECD.</a:t>
+            </a:r>
+          </a:p>
+          <a:p>
+            <a:r>
+              <a:rPr lang="en-GB" dirty="0"/>
+              <a:t>Input variables: EDUQUAL, ESCS and TSRATIO.</a:t>
+            </a:r>
+          </a:p>
+          <a:p>
+            <a:r>
+              <a:rPr lang="en-GB" dirty="0"/>
+              <a:t>Output variables: PVMATH, PVREAD and PVSCIE.</a:t>
+            </a:r>
+          </a:p>
+          <a:p>
+            <a:r>
+              <a:rPr lang="en-GB" dirty="0"/>
+              <a:t>Contextual variables: REGION and SCHLTYPE.</a:t>
+            </a:r>
+          </a:p>
+        </p:txBody>
+      </p:sp>
+    </p:spTree>
+    <p:extLst>
+      <p:ext uri="{BB962C8B-B14F-4D97-AF65-F5344CB8AC3E}">
+        <p14:creationId xmlns:p14="http://schemas.microsoft.com/office/powerpoint/2010/main" val="842433755"/>
+      </p:ext>
+    </p:extLst>
+  </p:cSld>
+  <p:clrMapOvr>
+    <a:masterClrMapping/>
+  </p:clrMapOvr>
+</p:sld>
+</file>
+
+<file path=ppt/slides/slide22.xml><?xml version="1.0" encoding="utf-8"?>
+<p:sld xmlns:a="http://schemas.openxmlformats.org/drawingml/2006/main" xmlns:r="http://schemas.openxmlformats.org/officeDocument/2006/relationships" xmlns:p="http://schemas.openxmlformats.org/presentationml/2006/main">
+  <p:cSld>
+    <p:spTree>
+      <p:nvGrpSpPr>
+        <p:cNvPr id="1" name=""/>
+        <p:cNvGrpSpPr/>
+        <p:nvPr/>
+      </p:nvGrpSpPr>
+      <p:grpSpPr>
+        <a:xfrm>
+          <a:off x="0" y="0"/>
+          <a:ext cx="0" cy="0"/>
+          <a:chOff x="0" y="0"/>
+          <a:chExt cx="0" cy="0"/>
+        </a:xfrm>
+      </p:grpSpPr>
+      <p:sp>
+        <p:nvSpPr>
+          <p:cNvPr id="2" name="Título 1">
+            <a:extLst>
+              <a:ext uri="{FF2B5EF4-FFF2-40B4-BE49-F238E27FC236}">
+                <a16:creationId xmlns:a16="http://schemas.microsoft.com/office/drawing/2014/main" id="{8DA03B8B-503C-2AD5-0C58-C6F2AD684972}"/>
+              </a:ext>
+            </a:extLst>
+          </p:cNvPr>
+          <p:cNvSpPr>
+            <a:spLocks noGrp="1"/>
+          </p:cNvSpPr>
+          <p:nvPr>
+            <p:ph type="title"/>
+          </p:nvPr>
+        </p:nvSpPr>
+        <p:spPr/>
+        <p:txBody>
+          <a:bodyPr/>
+          <a:lstStyle/>
+          <a:p>
+            <a:r>
+              <a:rPr lang="en-US" b="1" dirty="0">
+                <a:latin typeface="Times New Roman" panose="02020603050405020304" pitchFamily="18" charset="0"/>
+                <a:ea typeface="Aptos" panose="020B0004020202020204" pitchFamily="34" charset="0"/>
+              </a:rPr>
+              <a:t>T</a:t>
+            </a:r>
+            <a:r>
+              <a:rPr lang="en-US" sz="6600" b="1" dirty="0">
+                <a:effectLst/>
+                <a:latin typeface="Times New Roman" panose="02020603050405020304" pitchFamily="18" charset="0"/>
+                <a:ea typeface="Aptos" panose="020B0004020202020204" pitchFamily="34" charset="0"/>
+              </a:rPr>
+              <a:t>he efficiency assessment of the Spanish educational sector</a:t>
+            </a:r>
+            <a:endParaRPr lang="en-GB" dirty="0"/>
+          </a:p>
+        </p:txBody>
+      </p:sp>
+      <p:sp>
+        <p:nvSpPr>
+          <p:cNvPr id="4" name="Marcador de pie de página 3">
+            <a:extLst>
+              <a:ext uri="{FF2B5EF4-FFF2-40B4-BE49-F238E27FC236}">
+                <a16:creationId xmlns:a16="http://schemas.microsoft.com/office/drawing/2014/main" id="{87703923-EE12-C293-D06F-AFF34520FABA}"/>
+              </a:ext>
+            </a:extLst>
+          </p:cNvPr>
+          <p:cNvSpPr>
+            <a:spLocks noGrp="1"/>
+          </p:cNvSpPr>
+          <p:nvPr>
+            <p:ph type="ftr" sz="quarter" idx="11"/>
+          </p:nvPr>
+        </p:nvSpPr>
+        <p:spPr/>
+        <p:txBody>
+          <a:bodyPr/>
+          <a:lstStyle/>
+          <a:p>
+            <a:pPr algn="ctr">
+              <a:lnSpc>
+                <a:spcPct val="150000"/>
+              </a:lnSpc>
+              <a:spcAft>
+                <a:spcPts val="800"/>
+              </a:spcAft>
+            </a:pPr>
+            <a:r>
+              <a:rPr lang="en-US" sz="1800" b="1" kern="100" dirty="0">
+                <a:effectLst/>
+                <a:latin typeface="Times New Roman" panose="02020603050405020304" pitchFamily="18" charset="0"/>
+                <a:ea typeface="Aptos" panose="020B0004020202020204" pitchFamily="34" charset="0"/>
+                <a:cs typeface="Times New Roman" panose="02020603050405020304" pitchFamily="18" charset="0"/>
+              </a:rPr>
+              <a:t>A novel approach for efficiency evaluation through the integration of standard Machine Learning classification models and Data Envelopment Analysis</a:t>
+            </a:r>
+            <a:endParaRPr lang="es-ES" sz="1600" kern="100" dirty="0">
+              <a:effectLst/>
+              <a:latin typeface="Times New Roman" panose="02020603050405020304" pitchFamily="18" charset="0"/>
+              <a:ea typeface="Aptos" panose="020B0004020202020204" pitchFamily="34" charset="0"/>
+              <a:cs typeface="Times New Roman" panose="02020603050405020304" pitchFamily="18" charset="0"/>
+            </a:endParaRPr>
+          </a:p>
+        </p:txBody>
+      </p:sp>
+      <p:sp>
+        <p:nvSpPr>
+          <p:cNvPr id="5" name="Marcador de número de diapositiva 4">
+            <a:extLst>
+              <a:ext uri="{FF2B5EF4-FFF2-40B4-BE49-F238E27FC236}">
+                <a16:creationId xmlns:a16="http://schemas.microsoft.com/office/drawing/2014/main" id="{0C3F2C01-39A2-4C46-9D03-67A37C26B66E}"/>
+              </a:ext>
+            </a:extLst>
+          </p:cNvPr>
+          <p:cNvSpPr>
+            <a:spLocks noGrp="1"/>
+          </p:cNvSpPr>
+          <p:nvPr>
+            <p:ph type="sldNum" sz="quarter" idx="12"/>
+          </p:nvPr>
+        </p:nvSpPr>
+        <p:spPr/>
+        <p:txBody>
+          <a:bodyPr/>
+          <a:lstStyle/>
+          <a:p>
+            <a:fld id="{DBFF9636-A71C-488A-89F8-02E08556F10C}" type="slidenum">
+              <a:rPr lang="es-ES" smtClean="0"/>
+              <a:pPr/>
+              <a:t>22</a:t>
             </a:fld>
             <a:endParaRPr lang="es-ES" dirty="0"/>
           </a:p>
@@ -11194,7 +12704,7 @@
 </p:sld>
 </file>
 
-<file path=ppt/slides/slide21.xml><?xml version="1.0" encoding="utf-8"?>
+<file path=ppt/slides/slide23.xml><?xml version="1.0" encoding="utf-8"?>
 <p:sld xmlns:a="http://schemas.openxmlformats.org/drawingml/2006/main" xmlns:r="http://schemas.openxmlformats.org/officeDocument/2006/relationships" xmlns:p="http://schemas.openxmlformats.org/presentationml/2006/main">
   <p:cSld>
     <p:spTree>
@@ -11322,7 +12832,7 @@
             <a:fld id="{DBFF9636-A71C-488A-89F8-02E08556F10C}" type="slidenum">
               <a:rPr lang="es-ES" smtClean="0"/>
               <a:pPr/>
-              <a:t>21</a:t>
+              <a:t>23</a:t>
             </a:fld>
             <a:endParaRPr lang="es-ES" dirty="0"/>
           </a:p>
@@ -11371,7 +12881,7 @@
 </p:sld>
 </file>
 
-<file path=ppt/slides/slide22.xml><?xml version="1.0" encoding="utf-8"?>
+<file path=ppt/slides/slide24.xml><?xml version="1.0" encoding="utf-8"?>
 <p:sld xmlns:a="http://schemas.openxmlformats.org/drawingml/2006/main" xmlns:r="http://schemas.openxmlformats.org/officeDocument/2006/relationships" xmlns:p="http://schemas.openxmlformats.org/presentationml/2006/main">
   <p:cSld>
     <p:spTree>
@@ -11499,7 +13009,7 @@
             <a:fld id="{DBFF9636-A71C-488A-89F8-02E08556F10C}" type="slidenum">
               <a:rPr lang="es-ES" smtClean="0"/>
               <a:pPr/>
-              <a:t>22</a:t>
+              <a:t>24</a:t>
             </a:fld>
             <a:endParaRPr lang="es-ES" dirty="0"/>
           </a:p>
@@ -12160,7 +13670,7 @@
 </p:sld>
 </file>
 
-<file path=ppt/slides/slide23.xml><?xml version="1.0" encoding="utf-8"?>
+<file path=ppt/slides/slide25.xml><?xml version="1.0" encoding="utf-8"?>
 <p:sld xmlns:a="http://schemas.openxmlformats.org/drawingml/2006/main" xmlns:r="http://schemas.openxmlformats.org/officeDocument/2006/relationships" xmlns:p="http://schemas.openxmlformats.org/presentationml/2006/main">
   <p:cSld>
     <p:spTree>
@@ -12257,7 +13767,7 @@
             <a:fld id="{DBFF9636-A71C-488A-89F8-02E08556F10C}" type="slidenum">
               <a:rPr lang="es-ES" smtClean="0"/>
               <a:pPr/>
-              <a:t>23</a:t>
+              <a:t>25</a:t>
             </a:fld>
             <a:endParaRPr lang="es-ES" dirty="0"/>
           </a:p>
@@ -12328,7 +13838,7 @@
 </p:sld>
 </file>
 
-<file path=ppt/slides/slide24.xml><?xml version="1.0" encoding="utf-8"?>
+<file path=ppt/slides/slide26.xml><?xml version="1.0" encoding="utf-8"?>
 <p:sld xmlns:a="http://schemas.openxmlformats.org/drawingml/2006/main" xmlns:r="http://schemas.openxmlformats.org/officeDocument/2006/relationships" xmlns:p="http://schemas.openxmlformats.org/presentationml/2006/main">
   <p:cSld>
     <p:spTree>
@@ -12397,7 +13907,7 @@
             <a:fld id="{DBFF9636-A71C-488A-89F8-02E08556F10C}" type="slidenum">
               <a:rPr lang="es-ES" smtClean="0"/>
               <a:pPr/>
-              <a:t>24</a:t>
+              <a:t>26</a:t>
             </a:fld>
             <a:endParaRPr lang="es-ES" dirty="0"/>
           </a:p>
@@ -12756,7 +14266,7 @@
 </p:sld>
 </file>
 
-<file path=ppt/slides/slide25.xml><?xml version="1.0" encoding="utf-8"?>
+<file path=ppt/slides/slide27.xml><?xml version="1.0" encoding="utf-8"?>
 <p:sld xmlns:a="http://schemas.openxmlformats.org/drawingml/2006/main" xmlns:r="http://schemas.openxmlformats.org/officeDocument/2006/relationships" xmlns:p="http://schemas.openxmlformats.org/presentationml/2006/main">
   <p:cSld>
     <p:spTree>
@@ -13365,42 +14875,39 @@
           <a:lstStyle/>
           <a:p>
             <a:r>
+              <a:rPr lang="en-GB" dirty="0"/>
+              <a:t>We propose Machine Learning techniques </a:t>
+            </a:r>
+            <a:r>
               <a:rPr lang="en-US" dirty="0"/>
-              <a:t>Data Envelopment Analysis (DEA) is one of the main techniques to measure efficiency</a:t>
-            </a:r>
-            <a:r>
-              <a:rPr lang="en-GB" dirty="0"/>
-              <a:t>.</a:t>
-            </a:r>
+              <a:t>to enhance the capabilities of DEA.</a:t>
+            </a:r>
+            <a:endParaRPr lang="en-GB" dirty="0"/>
+          </a:p>
+          <a:p>
+            <a:endParaRPr lang="en-US" dirty="0"/>
           </a:p>
           <a:p>
             <a:r>
               <a:rPr lang="en-US" dirty="0"/>
-              <a:t>Traditional DEA approaches may encounter limitations in capturing the intricate patterns and structures inherent in complex datasets.</a:t>
-            </a:r>
-          </a:p>
-          <a:p>
-            <a:r>
-              <a:rPr lang="en-US" dirty="0" err="1"/>
-              <a:t>Potencial</a:t>
-            </a:r>
+              <a:t>Two predominant streams of research:</a:t>
+            </a:r>
+          </a:p>
+          <a:p>
+            <a:endParaRPr lang="en-US" dirty="0"/>
+          </a:p>
+          <a:p>
+            <a:pPr lvl="1"/>
             <a:r>
               <a:rPr lang="en-US" dirty="0"/>
-              <a:t> overfitting.</a:t>
-            </a:r>
-            <a:r>
-              <a:rPr lang="en-GB" dirty="0"/>
-              <a:t> </a:t>
-            </a:r>
+              <a:t>Adapting existing ML techniques to ensure that the predictive function.</a:t>
+            </a:r>
+          </a:p>
+          <a:p>
+            <a:pPr lvl="1"/>
             <a:r>
               <a:rPr lang="en-US" dirty="0"/>
-              <a:t>Dealing with high-dimensional datasets or when the number of DMUs is relatively small compared to the number of inputs and outputs</a:t>
-            </a:r>
-          </a:p>
-          <a:p>
-            <a:r>
-              <a:rPr lang="en-US" dirty="0"/>
-              <a:t>Traditional DEA is its deterministic nature.</a:t>
+              <a:t>A two-stage approach to integrate DEA with ML techniques.</a:t>
             </a:r>
           </a:p>
         </p:txBody>
@@ -13554,7 +15061,7 @@
     </p:spTree>
     <p:extLst>
       <p:ext uri="{BB962C8B-B14F-4D97-AF65-F5344CB8AC3E}">
-        <p14:creationId xmlns:p14="http://schemas.microsoft.com/office/powerpoint/2010/main" val="3804825781"/>
+        <p14:creationId xmlns:p14="http://schemas.microsoft.com/office/powerpoint/2010/main" val="3370441884"/>
       </p:ext>
     </p:extLst>
   </p:cSld>
@@ -13639,11 +15146,39 @@
           <a:p>
             <a:r>
               <a:rPr lang="en-GB" dirty="0"/>
-              <a:t>We propose </a:t>
-            </a:r>
+              <a:t>We propose Machine Learning techniques </a:t>
+            </a:r>
+            <a:r>
+              <a:rPr lang="en-US" dirty="0"/>
+              <a:t>to enhance the capabilities of DEA.</a:t>
+            </a:r>
+            <a:endParaRPr lang="en-GB" dirty="0"/>
           </a:p>
           <a:p>
             <a:endParaRPr lang="en-US" dirty="0"/>
+          </a:p>
+          <a:p>
+            <a:r>
+              <a:rPr lang="en-US" dirty="0"/>
+              <a:t>Two predominant streams of research:</a:t>
+            </a:r>
+          </a:p>
+          <a:p>
+            <a:endParaRPr lang="en-US" dirty="0"/>
+          </a:p>
+          <a:p>
+            <a:pPr lvl="1"/>
+            <a:r>
+              <a:rPr lang="en-US" dirty="0"/>
+              <a:t>Adapting existing ML techniques to ensure that the predictive function.</a:t>
+            </a:r>
+          </a:p>
+          <a:p>
+            <a:pPr lvl="1"/>
+            <a:r>
+              <a:rPr lang="en-US" dirty="0"/>
+              <a:t>A two-stage approach to integrate DEA with ML techniques.</a:t>
+            </a:r>
           </a:p>
         </p:txBody>
       </p:sp>
@@ -13796,7 +15331,7 @@
     </p:spTree>
     <p:extLst>
       <p:ext uri="{BB962C8B-B14F-4D97-AF65-F5344CB8AC3E}">
-        <p14:creationId xmlns:p14="http://schemas.microsoft.com/office/powerpoint/2010/main" val="3370441884"/>
+        <p14:creationId xmlns:p14="http://schemas.microsoft.com/office/powerpoint/2010/main" val="1727311440"/>
       </p:ext>
     </p:extLst>
   </p:cSld>
@@ -14903,8 +16438,8 @@
           </a:p>
         </p:txBody>
       </p:sp>
-      <mc:AlternateContent xmlns:mc="http://schemas.openxmlformats.org/markup-compatibility/2006" xmlns:a14="http://schemas.microsoft.com/office/drawing/2010/main">
-        <mc:Choice Requires="a14">
+      <mc:AlternateContent xmlns:mc="http://schemas.openxmlformats.org/markup-compatibility/2006">
+        <mc:Choice xmlns:a14="http://schemas.microsoft.com/office/drawing/2010/main" Requires="a14">
           <p:sp>
             <p:nvSpPr>
               <p:cNvPr id="3" name="Marcador de contenido 2">
@@ -15062,7 +16597,7 @@
             </p:txBody>
           </p:sp>
         </mc:Choice>
-        <mc:Fallback xmlns="">
+        <mc:Fallback>
           <p:sp>
             <p:nvSpPr>
               <p:cNvPr id="3" name="Marcador de contenido 2">
@@ -15487,71 +17022,93 @@
             <p:ph type="title"/>
           </p:nvPr>
         </p:nvSpPr>
+        <p:spPr/>
+        <p:txBody>
+          <a:bodyPr/>
+          <a:lstStyle/>
+          <a:p>
+            <a:r>
+              <a:rPr lang="en-AU" dirty="0"/>
+              <a:t>Introduction</a:t>
+            </a:r>
+          </a:p>
+        </p:txBody>
+      </p:sp>
+      <p:sp>
+        <p:nvSpPr>
+          <p:cNvPr id="3" name="Marcador de contenido 2">
+            <a:extLst>
+              <a:ext uri="{FF2B5EF4-FFF2-40B4-BE49-F238E27FC236}">
+                <a16:creationId xmlns:a16="http://schemas.microsoft.com/office/drawing/2014/main" id="{F2F9E890-B6DE-48DE-8F6A-A85504366140}"/>
+              </a:ext>
+            </a:extLst>
+          </p:cNvPr>
+          <p:cNvSpPr>
+            <a:spLocks noGrp="1"/>
+          </p:cNvSpPr>
+          <p:nvPr>
+            <p:ph idx="1"/>
+          </p:nvPr>
+        </p:nvSpPr>
         <p:spPr>
           <a:xfrm>
-            <a:off x="1257300" y="547773"/>
-            <a:ext cx="15773400" cy="1988651"/>
+            <a:off x="1257300" y="3382494"/>
+            <a:ext cx="16595985" cy="5850074"/>
           </a:xfrm>
         </p:spPr>
         <p:txBody>
-          <a:bodyPr anchor="ctr">
+          <a:bodyPr>
             <a:normAutofit/>
           </a:bodyPr>
           <a:lstStyle/>
           <a:p>
             <a:r>
-              <a:rPr lang="en-AU" dirty="0"/>
-              <a:t>Introduction</a:t>
-            </a:r>
-          </a:p>
-        </p:txBody>
-      </p:sp>
-      <p:pic>
-        <p:nvPicPr>
-          <p:cNvPr id="13" name="Imagen 12" descr="Gráfico, Gráfico de dispersión&#10;&#10;Descripción generada automáticamente">
+              <a:rPr lang="en-GB" dirty="0"/>
+              <a:t>We propose Machine Learning techniques </a:t>
+            </a:r>
+            <a:r>
+              <a:rPr lang="en-US" dirty="0"/>
+              <a:t>to enhance the capabilities of DEA.</a:t>
+            </a:r>
+            <a:endParaRPr lang="en-GB" dirty="0"/>
+          </a:p>
+          <a:p>
+            <a:endParaRPr lang="en-US" dirty="0"/>
+          </a:p>
+          <a:p>
+            <a:r>
+              <a:rPr lang="en-US" dirty="0"/>
+              <a:t>Two predominant streams of research:</a:t>
+            </a:r>
+          </a:p>
+          <a:p>
+            <a:endParaRPr lang="en-US" dirty="0"/>
+          </a:p>
+          <a:p>
+            <a:pPr lvl="1"/>
+            <a:r>
+              <a:rPr lang="en-US" dirty="0"/>
+              <a:t>Adapting existing ML techniques to ensure that the predictive function.</a:t>
+            </a:r>
+          </a:p>
+          <a:p>
+            <a:pPr lvl="1"/>
+            <a:r>
+              <a:rPr lang="en-US" dirty="0"/>
+              <a:t>A two-stage approach to integrate DEA with ML techniques.</a:t>
+            </a:r>
+          </a:p>
+        </p:txBody>
+      </p:sp>
+      <p:sp>
+        <p:nvSpPr>
+          <p:cNvPr id="4" name="Marcador de pie de página 3">
             <a:extLst>
               <a:ext uri="{FF2B5EF4-FFF2-40B4-BE49-F238E27FC236}">
-                <a16:creationId xmlns:a16="http://schemas.microsoft.com/office/drawing/2014/main" id="{BE6530E3-3E81-A902-D80D-C50F91FDE002}"/>
+                <a16:creationId xmlns:a16="http://schemas.microsoft.com/office/drawing/2014/main" id="{81FA2410-67CF-428A-9DF6-97A560DA85A1}"/>
               </a:ext>
             </a:extLst>
           </p:cNvPr>
-          <p:cNvPicPr>
-            <a:picLocks noChangeAspect="1"/>
-          </p:cNvPicPr>
-          <p:nvPr/>
-        </p:nvPicPr>
-        <p:blipFill>
-          <a:blip r:embed="rId3" cstate="print">
-            <a:extLst>
-              <a:ext uri="{28A0092B-C50C-407E-A947-70E740481C1C}">
-                <a14:useLocalDpi xmlns:a14="http://schemas.microsoft.com/office/drawing/2010/main" val="0"/>
-              </a:ext>
-            </a:extLst>
-          </a:blip>
-          <a:stretch>
-            <a:fillRect/>
-          </a:stretch>
-        </p:blipFill>
-        <p:spPr>
-          <a:xfrm>
-            <a:off x="8665281" y="2818674"/>
-            <a:ext cx="9004157" cy="6528015"/>
-          </a:xfrm>
-          <a:prstGeom prst="rect">
-            <a:avLst/>
-          </a:prstGeom>
-          <a:noFill/>
-        </p:spPr>
-      </p:pic>
-      <p:sp>
-        <p:nvSpPr>
-          <p:cNvPr id="11" name="Marcador de pie de página 3">
-            <a:extLst>
-              <a:ext uri="{FF2B5EF4-FFF2-40B4-BE49-F238E27FC236}">
-                <a16:creationId xmlns:a16="http://schemas.microsoft.com/office/drawing/2014/main" id="{69537818-1D26-F354-3BFC-26FAE23CDE3A}"/>
-              </a:ext>
-            </a:extLst>
-          </p:cNvPr>
           <p:cNvSpPr>
             <a:spLocks noGrp="1"/>
           </p:cNvSpPr>
@@ -15559,34 +17116,33 @@
             <p:ph type="ftr" sz="quarter" idx="11"/>
           </p:nvPr>
         </p:nvSpPr>
-        <p:spPr>
-          <a:xfrm>
-            <a:off x="1653085" y="9628939"/>
-            <a:ext cx="13031905" cy="547772"/>
-          </a:xfrm>
-        </p:spPr>
-        <p:txBody>
-          <a:bodyPr anchor="ctr">
-            <a:normAutofit/>
-          </a:bodyPr>
+        <p:spPr/>
+        <p:txBody>
+          <a:bodyPr/>
           <a:lstStyle/>
           <a:p>
-            <a:pPr>
+            <a:pPr algn="ctr">
               <a:lnSpc>
-                <a:spcPct val="90000"/>
+                <a:spcPct val="150000"/>
               </a:lnSpc>
               <a:spcAft>
                 <a:spcPts val="800"/>
               </a:spcAft>
             </a:pPr>
             <a:r>
-              <a:rPr lang="en-US" sz="1500" b="1" kern="100">
+              <a:rPr lang="en-US" sz="1800" b="1" kern="100" dirty="0">
                 <a:effectLst/>
+                <a:latin typeface="Times New Roman" panose="02020603050405020304" pitchFamily="18" charset="0"/>
+                <a:ea typeface="Aptos" panose="020B0004020202020204" pitchFamily="34" charset="0"/>
+                <a:cs typeface="Times New Roman" panose="02020603050405020304" pitchFamily="18" charset="0"/>
               </a:rPr>
               <a:t>A novel approach for efficiency evaluation through the integration of standard Machine Learning classification models and Data Envelopment Analysis</a:t>
             </a:r>
-            <a:endParaRPr lang="es-ES" sz="1500" kern="100">
+            <a:endParaRPr lang="es-ES" sz="1600" kern="100" dirty="0">
               <a:effectLst/>
+              <a:latin typeface="Times New Roman" panose="02020603050405020304" pitchFamily="18" charset="0"/>
+              <a:ea typeface="Aptos" panose="020B0004020202020204" pitchFamily="34" charset="0"/>
+              <a:cs typeface="Times New Roman" panose="02020603050405020304" pitchFamily="18" charset="0"/>
             </a:endParaRPr>
           </a:p>
         </p:txBody>
@@ -15607,33 +17163,17 @@
             <p:ph type="sldNum" sz="quarter" idx="12"/>
           </p:nvPr>
         </p:nvSpPr>
-        <p:spPr>
-          <a:xfrm>
-            <a:off x="264428" y="9628939"/>
-            <a:ext cx="1134184" cy="547772"/>
-          </a:xfrm>
-        </p:spPr>
-        <p:txBody>
-          <a:bodyPr anchor="ctr">
-            <a:normAutofit/>
-          </a:bodyPr>
+        <p:spPr/>
+        <p:txBody>
+          <a:bodyPr/>
           <a:lstStyle/>
           <a:p>
-            <a:pPr>
-              <a:spcAft>
-                <a:spcPts val="600"/>
-              </a:spcAft>
-            </a:pPr>
             <a:fld id="{DBFF9636-A71C-488A-89F8-02E08556F10C}" type="slidenum">
               <a:rPr lang="es-ES" smtClean="0"/>
-              <a:pPr>
-                <a:spcAft>
-                  <a:spcPts val="600"/>
-                </a:spcAft>
-              </a:pPr>
+              <a:pPr/>
               <a:t>9</a:t>
             </a:fld>
-            <a:endParaRPr lang="es-ES"/>
+            <a:endParaRPr lang="es-ES" dirty="0"/>
           </a:p>
         </p:txBody>
       </p:sp>
@@ -15706,213 +17246,10 @@
           </a:p>
         </p:txBody>
       </p:sp>
-      <mc:AlternateContent xmlns:mc="http://schemas.openxmlformats.org/markup-compatibility/2006">
-        <mc:Choice xmlns:a14="http://schemas.microsoft.com/office/drawing/2010/main" Requires="a14">
-          <p:sp>
-            <p:nvSpPr>
-              <p:cNvPr id="16" name="Marcador de contenido 2">
-                <a:extLst>
-                  <a:ext uri="{FF2B5EF4-FFF2-40B4-BE49-F238E27FC236}">
-                    <a16:creationId xmlns:a16="http://schemas.microsoft.com/office/drawing/2014/main" id="{6BED3FB9-4FD3-12F9-6FFE-ACF0F320D934}"/>
-                  </a:ext>
-                </a:extLst>
-              </p:cNvPr>
-              <p:cNvSpPr>
-                <a:spLocks noGrp="1"/>
-              </p:cNvSpPr>
-              <p:nvPr>
-                <p:ph idx="1"/>
-              </p:nvPr>
-            </p:nvSpPr>
-            <p:spPr>
-              <a:xfrm>
-                <a:off x="423111" y="3084196"/>
-                <a:ext cx="8720889" cy="5850074"/>
-              </a:xfrm>
-            </p:spPr>
-            <p:txBody>
-              <a:bodyPr>
-                <a:normAutofit/>
-              </a:bodyPr>
-              <a:lstStyle/>
-              <a:p>
-                <a:r>
-                  <a:rPr lang="en-GB" dirty="0"/>
-                  <a:t>Estimation of production frontiers</a:t>
-                </a:r>
-              </a:p>
-              <a:p>
-                <a:r>
-                  <a:rPr lang="en-GB" dirty="0"/>
-                  <a:t>Technology:</a:t>
-                </a:r>
-              </a:p>
-              <a:p>
-                <a:r>
-                  <a:rPr lang="en-GB" dirty="0"/>
-                  <a:t>Usual Axioms </a:t>
-                </a:r>
-              </a:p>
-              <a:p>
-                <a:pPr lvl="1"/>
-                <a:r>
-                  <a:rPr lang="es-ES" dirty="0"/>
-                  <a:t>Deterministicness (</a:t>
-                </a:r>
-                <a14:m>
-                  <m:oMath xmlns:m="http://schemas.openxmlformats.org/officeDocument/2006/math">
-                    <m:r>
-                      <a:rPr lang="es-ES" b="0" i="1" smtClean="0">
-                        <a:latin typeface="Cambria Math" panose="02040503050406030204" pitchFamily="18" charset="0"/>
-                      </a:rPr>
-                      <m:t>𝑓</m:t>
-                    </m:r>
-                    <m:d>
-                      <m:dPr>
-                        <m:ctrlPr>
-                          <a:rPr lang="es-ES" b="0" i="1" smtClean="0">
-                            <a:latin typeface="Cambria Math" panose="02040503050406030204" pitchFamily="18" charset="0"/>
-                          </a:rPr>
-                        </m:ctrlPr>
-                      </m:dPr>
-                      <m:e>
-                        <m:sSub>
-                          <m:sSubPr>
-                            <m:ctrlPr>
-                              <a:rPr lang="es-ES" b="0" i="1" smtClean="0">
-                                <a:latin typeface="Cambria Math" panose="02040503050406030204" pitchFamily="18" charset="0"/>
-                              </a:rPr>
-                            </m:ctrlPr>
-                          </m:sSubPr>
-                          <m:e>
-                            <m:r>
-                              <a:rPr lang="es-ES" b="1" i="1" smtClean="0">
-                                <a:latin typeface="Cambria Math" panose="02040503050406030204" pitchFamily="18" charset="0"/>
-                              </a:rPr>
-                              <m:t>𝒙</m:t>
-                            </m:r>
-                          </m:e>
-                          <m:sub>
-                            <m:r>
-                              <a:rPr lang="es-ES" b="0" i="1" smtClean="0">
-                                <a:latin typeface="Cambria Math" panose="02040503050406030204" pitchFamily="18" charset="0"/>
-                              </a:rPr>
-                              <m:t>𝑖</m:t>
-                            </m:r>
-                          </m:sub>
-                        </m:sSub>
-                      </m:e>
-                    </m:d>
-                    <m:r>
-                      <a:rPr lang="es-ES" b="0" i="1" smtClean="0">
-                        <a:latin typeface="Cambria Math" panose="02040503050406030204" pitchFamily="18" charset="0"/>
-                      </a:rPr>
-                      <m:t>≥ </m:t>
-                    </m:r>
-                    <m:sSub>
-                      <m:sSubPr>
-                        <m:ctrlPr>
-                          <a:rPr lang="es-ES" i="1">
-                            <a:latin typeface="Cambria Math" panose="02040503050406030204" pitchFamily="18" charset="0"/>
-                          </a:rPr>
-                        </m:ctrlPr>
-                      </m:sSubPr>
-                      <m:e>
-                        <m:r>
-                          <a:rPr lang="es-ES" b="1" i="1" smtClean="0">
-                            <a:latin typeface="Cambria Math" panose="02040503050406030204" pitchFamily="18" charset="0"/>
-                          </a:rPr>
-                          <m:t>𝒚</m:t>
-                        </m:r>
-                      </m:e>
-                      <m:sub>
-                        <m:r>
-                          <a:rPr lang="es-ES" i="1">
-                            <a:latin typeface="Cambria Math" panose="02040503050406030204" pitchFamily="18" charset="0"/>
-                          </a:rPr>
-                          <m:t>𝑖</m:t>
-                        </m:r>
-                      </m:sub>
-                    </m:sSub>
-                    <m:r>
-                      <a:rPr lang="es-ES" i="1">
-                        <a:latin typeface="Cambria Math" panose="02040503050406030204" pitchFamily="18" charset="0"/>
-                      </a:rPr>
-                      <m:t> </m:t>
-                    </m:r>
-                  </m:oMath>
-                </a14:m>
-                <a:r>
-                  <a:rPr lang="es-ES" dirty="0"/>
-                  <a:t>)</a:t>
-                </a:r>
-                <a:endParaRPr lang="en-GB" dirty="0"/>
-              </a:p>
-              <a:p>
-                <a:pPr lvl="1"/>
-                <a:r>
-                  <a:rPr lang="en-GB" dirty="0"/>
-                  <a:t>Free Disposability set (monotonic function)</a:t>
-                </a:r>
-              </a:p>
-              <a:p>
-                <a:pPr lvl="1"/>
-                <a:r>
-                  <a:rPr lang="en-GB" dirty="0"/>
-                  <a:t>Convexity set (concave function)</a:t>
-                </a:r>
-              </a:p>
-            </p:txBody>
-          </p:sp>
-        </mc:Choice>
-        <mc:Fallback>
-          <p:sp>
-            <p:nvSpPr>
-              <p:cNvPr id="16" name="Marcador de contenido 2">
-                <a:extLst>
-                  <a:ext uri="{FF2B5EF4-FFF2-40B4-BE49-F238E27FC236}">
-                    <a16:creationId xmlns:a16="http://schemas.microsoft.com/office/drawing/2014/main" id="{6BED3FB9-4FD3-12F9-6FFE-ACF0F320D934}"/>
-                  </a:ext>
-                </a:extLst>
-              </p:cNvPr>
-              <p:cNvSpPr>
-                <a:spLocks noGrp="1" noRot="1" noChangeAspect="1" noMove="1" noResize="1" noEditPoints="1" noAdjustHandles="1" noChangeArrowheads="1" noChangeShapeType="1" noTextEdit="1"/>
-              </p:cNvSpPr>
-              <p:nvPr>
-                <p:ph idx="1"/>
-              </p:nvPr>
-            </p:nvSpPr>
-            <p:spPr>
-              <a:xfrm>
-                <a:off x="423111" y="3084196"/>
-                <a:ext cx="8720889" cy="5850074"/>
-              </a:xfrm>
-              <a:blipFill>
-                <a:blip r:embed="rId4"/>
-                <a:stretch>
-                  <a:fillRect l="-2446" t="-3229" r="-1398"/>
-                </a:stretch>
-              </a:blipFill>
-            </p:spPr>
-            <p:txBody>
-              <a:bodyPr/>
-              <a:lstStyle/>
-              <a:p>
-                <a:r>
-                  <a:rPr lang="es-ES">
-                    <a:noFill/>
-                  </a:rPr>
-                  <a:t> </a:t>
-                </a:r>
-              </a:p>
-            </p:txBody>
-          </p:sp>
-        </mc:Fallback>
-      </mc:AlternateContent>
     </p:spTree>
     <p:extLst>
       <p:ext uri="{BB962C8B-B14F-4D97-AF65-F5344CB8AC3E}">
-        <p14:creationId xmlns:p14="http://schemas.microsoft.com/office/powerpoint/2010/main" val="330661727"/>
+        <p14:creationId xmlns:p14="http://schemas.microsoft.com/office/powerpoint/2010/main" val="582248287"/>
       </p:ext>
     </p:extLst>
   </p:cSld>

--- a/articulo 1 XAI/Presentación/Presentacion XAI cafee.pptx
+++ b/articulo 1 XAI/Presentación/Presentacion XAI cafee.pptx
@@ -5,7 +5,7 @@
     <p:sldMasterId id="2147483660" r:id="rId1"/>
   </p:sldMasterIdLst>
   <p:notesMasterIdLst>
-    <p:notesMasterId r:id="rId29"/>
+    <p:notesMasterId r:id="rId28"/>
   </p:notesMasterIdLst>
   <p:sldIdLst>
     <p:sldId id="303" r:id="rId2"/>
@@ -13,49 +13,48 @@
     <p:sldId id="258" r:id="rId4"/>
     <p:sldId id="257" r:id="rId5"/>
     <p:sldId id="333" r:id="rId6"/>
-    <p:sldId id="337" r:id="rId7"/>
-    <p:sldId id="320" r:id="rId8"/>
-    <p:sldId id="318" r:id="rId9"/>
-    <p:sldId id="336" r:id="rId10"/>
-    <p:sldId id="338" r:id="rId11"/>
-    <p:sldId id="334" r:id="rId12"/>
-    <p:sldId id="339" r:id="rId13"/>
-    <p:sldId id="321" r:id="rId14"/>
-    <p:sldId id="280" r:id="rId15"/>
-    <p:sldId id="324" r:id="rId16"/>
-    <p:sldId id="327" r:id="rId17"/>
-    <p:sldId id="325" r:id="rId18"/>
-    <p:sldId id="326" r:id="rId19"/>
-    <p:sldId id="328" r:id="rId20"/>
-    <p:sldId id="306" r:id="rId21"/>
-    <p:sldId id="317" r:id="rId22"/>
-    <p:sldId id="329" r:id="rId23"/>
-    <p:sldId id="330" r:id="rId24"/>
-    <p:sldId id="331" r:id="rId25"/>
-    <p:sldId id="299" r:id="rId26"/>
-    <p:sldId id="300" r:id="rId27"/>
-    <p:sldId id="308" r:id="rId28"/>
+    <p:sldId id="336" r:id="rId7"/>
+    <p:sldId id="338" r:id="rId8"/>
+    <p:sldId id="340" r:id="rId9"/>
+    <p:sldId id="334" r:id="rId10"/>
+    <p:sldId id="339" r:id="rId11"/>
+    <p:sldId id="321" r:id="rId12"/>
+    <p:sldId id="280" r:id="rId13"/>
+    <p:sldId id="318" r:id="rId14"/>
+    <p:sldId id="324" r:id="rId15"/>
+    <p:sldId id="327" r:id="rId16"/>
+    <p:sldId id="325" r:id="rId17"/>
+    <p:sldId id="326" r:id="rId18"/>
+    <p:sldId id="328" r:id="rId19"/>
+    <p:sldId id="306" r:id="rId20"/>
+    <p:sldId id="317" r:id="rId21"/>
+    <p:sldId id="329" r:id="rId22"/>
+    <p:sldId id="330" r:id="rId23"/>
+    <p:sldId id="331" r:id="rId24"/>
+    <p:sldId id="299" r:id="rId25"/>
+    <p:sldId id="300" r:id="rId26"/>
+    <p:sldId id="308" r:id="rId27"/>
   </p:sldIdLst>
   <p:sldSz cx="18288000" cy="10288588"/>
   <p:notesSz cx="6858000" cy="9144000"/>
   <p:embeddedFontLst>
     <p:embeddedFont>
       <p:font typeface="Cambria Math" panose="02040503050406030204" pitchFamily="18" charset="0"/>
-      <p:regular r:id="rId30"/>
+      <p:regular r:id="rId29"/>
     </p:embeddedFont>
     <p:embeddedFont>
       <p:font typeface="Candara" panose="020E0502030303020204" pitchFamily="34" charset="0"/>
-      <p:regular r:id="rId31"/>
-      <p:bold r:id="rId32"/>
-      <p:italic r:id="rId33"/>
-      <p:boldItalic r:id="rId34"/>
+      <p:regular r:id="rId30"/>
+      <p:bold r:id="rId31"/>
+      <p:italic r:id="rId32"/>
+      <p:boldItalic r:id="rId33"/>
     </p:embeddedFont>
     <p:embeddedFont>
       <p:font typeface="DIN" panose="020B0604020202020204" charset="0"/>
-      <p:regular r:id="rId35"/>
-      <p:bold r:id="rId36"/>
-      <p:italic r:id="rId37"/>
-      <p:boldItalic r:id="rId38"/>
+      <p:regular r:id="rId34"/>
+      <p:bold r:id="rId35"/>
+      <p:italic r:id="rId36"/>
+      <p:boldItalic r:id="rId37"/>
     </p:embeddedFont>
   </p:embeddedFontLst>
   <p:defaultTextStyle>
@@ -174,12 +173,27 @@
   <pc:docChgLst>
     <pc:chgData name="Gonzalez Moyano, Ricardo" userId="5b44e8b1-3a70-41c8-8d8a-36b87a296b66" providerId="ADAL" clId="{61B78C06-3064-4BA3-A5B5-5B1559E6CA4F}"/>
     <pc:docChg chg="undo custSel addSld delSld modSld sldOrd">
-      <pc:chgData name="Gonzalez Moyano, Ricardo" userId="5b44e8b1-3a70-41c8-8d8a-36b87a296b66" providerId="ADAL" clId="{61B78C06-3064-4BA3-A5B5-5B1559E6CA4F}" dt="2024-09-02T11:50:41.054" v="449" actId="1076"/>
+      <pc:chgData name="Gonzalez Moyano, Ricardo" userId="5b44e8b1-3a70-41c8-8d8a-36b87a296b66" providerId="ADAL" clId="{61B78C06-3064-4BA3-A5B5-5B1559E6CA4F}" dt="2024-09-03T11:42:12.786" v="538" actId="20577"/>
       <pc:docMkLst>
         <pc:docMk/>
       </pc:docMkLst>
+      <pc:sldChg chg="modSp mod">
+        <pc:chgData name="Gonzalez Moyano, Ricardo" userId="5b44e8b1-3a70-41c8-8d8a-36b87a296b66" providerId="ADAL" clId="{61B78C06-3064-4BA3-A5B5-5B1559E6CA4F}" dt="2024-09-03T08:29:08.060" v="487" actId="27636"/>
+        <pc:sldMkLst>
+          <pc:docMk/>
+          <pc:sldMk cId="392837780" sldId="263"/>
+        </pc:sldMkLst>
+        <pc:spChg chg="mod">
+          <ac:chgData name="Gonzalez Moyano, Ricardo" userId="5b44e8b1-3a70-41c8-8d8a-36b87a296b66" providerId="ADAL" clId="{61B78C06-3064-4BA3-A5B5-5B1559E6CA4F}" dt="2024-09-03T08:29:08.060" v="487" actId="27636"/>
+          <ac:spMkLst>
+            <pc:docMk/>
+            <pc:sldMk cId="392837780" sldId="263"/>
+            <ac:spMk id="3" creationId="{92AD0A21-745E-4A0B-93F3-9909AF99A29B}"/>
+          </ac:spMkLst>
+        </pc:spChg>
+      </pc:sldChg>
       <pc:sldChg chg="modSp mod ord">
-        <pc:chgData name="Gonzalez Moyano, Ricardo" userId="5b44e8b1-3a70-41c8-8d8a-36b87a296b66" providerId="ADAL" clId="{61B78C06-3064-4BA3-A5B5-5B1559E6CA4F}" dt="2024-09-02T11:46:29.032" v="390" actId="948"/>
+        <pc:chgData name="Gonzalez Moyano, Ricardo" userId="5b44e8b1-3a70-41c8-8d8a-36b87a296b66" providerId="ADAL" clId="{61B78C06-3064-4BA3-A5B5-5B1559E6CA4F}" dt="2024-09-03T11:35:45.721" v="495"/>
         <pc:sldMkLst>
           <pc:docMk/>
           <pc:sldMk cId="2265105320" sldId="318"/>
@@ -192,6 +206,13 @@
             <ac:spMk id="3" creationId="{F2F9E890-B6DE-48DE-8F6A-A85504366140}"/>
           </ac:spMkLst>
         </pc:spChg>
+      </pc:sldChg>
+      <pc:sldChg chg="del">
+        <pc:chgData name="Gonzalez Moyano, Ricardo" userId="5b44e8b1-3a70-41c8-8d8a-36b87a296b66" providerId="ADAL" clId="{61B78C06-3064-4BA3-A5B5-5B1559E6CA4F}" dt="2024-09-03T11:35:39.091" v="493" actId="2696"/>
+        <pc:sldMkLst>
+          <pc:docMk/>
+          <pc:sldMk cId="1128900440" sldId="320"/>
+        </pc:sldMkLst>
       </pc:sldChg>
       <pc:sldChg chg="modSp mod">
         <pc:chgData name="Gonzalez Moyano, Ricardo" userId="5b44e8b1-3a70-41c8-8d8a-36b87a296b66" providerId="ADAL" clId="{61B78C06-3064-4BA3-A5B5-5B1559E6CA4F}" dt="2024-09-02T11:50:16.166" v="445" actId="1076"/>
@@ -227,6 +248,21 @@
           <ac:spMkLst>
             <pc:docMk/>
             <pc:sldMk cId="2054883912" sldId="325"/>
+            <ac:spMk id="3" creationId="{4494177C-73C9-19D2-B33F-3A421F270BD1}"/>
+          </ac:spMkLst>
+        </pc:spChg>
+      </pc:sldChg>
+      <pc:sldChg chg="modSp mod">
+        <pc:chgData name="Gonzalez Moyano, Ricardo" userId="5b44e8b1-3a70-41c8-8d8a-36b87a296b66" providerId="ADAL" clId="{61B78C06-3064-4BA3-A5B5-5B1559E6CA4F}" dt="2024-09-03T08:16:56.556" v="450" actId="1076"/>
+        <pc:sldMkLst>
+          <pc:docMk/>
+          <pc:sldMk cId="2087636463" sldId="326"/>
+        </pc:sldMkLst>
+        <pc:spChg chg="mod">
+          <ac:chgData name="Gonzalez Moyano, Ricardo" userId="5b44e8b1-3a70-41c8-8d8a-36b87a296b66" providerId="ADAL" clId="{61B78C06-3064-4BA3-A5B5-5B1559E6CA4F}" dt="2024-09-03T08:16:56.556" v="450" actId="1076"/>
+          <ac:spMkLst>
+            <pc:docMk/>
+            <pc:sldMk cId="2087636463" sldId="326"/>
             <ac:spMk id="3" creationId="{4494177C-73C9-19D2-B33F-3A421F270BD1}"/>
           </ac:spMkLst>
         </pc:spChg>
@@ -313,8 +349,8 @@
           <pc:sldMk cId="582248287" sldId="336"/>
         </pc:sldMkLst>
       </pc:sldChg>
-      <pc:sldChg chg="add">
-        <pc:chgData name="Gonzalez Moyano, Ricardo" userId="5b44e8b1-3a70-41c8-8d8a-36b87a296b66" providerId="ADAL" clId="{61B78C06-3064-4BA3-A5B5-5B1559E6CA4F}" dt="2024-09-02T10:02:45.229" v="79" actId="2890"/>
+      <pc:sldChg chg="add del">
+        <pc:chgData name="Gonzalez Moyano, Ricardo" userId="5b44e8b1-3a70-41c8-8d8a-36b87a296b66" providerId="ADAL" clId="{61B78C06-3064-4BA3-A5B5-5B1559E6CA4F}" dt="2024-09-03T11:28:35.270" v="488" actId="2696"/>
         <pc:sldMkLst>
           <pc:docMk/>
           <pc:sldMk cId="1727311440" sldId="337"/>
@@ -398,6 +434,37 @@
           </ac:picMkLst>
         </pc:picChg>
       </pc:sldChg>
+      <pc:sldChg chg="delSp modSp add mod">
+        <pc:chgData name="Gonzalez Moyano, Ricardo" userId="5b44e8b1-3a70-41c8-8d8a-36b87a296b66" providerId="ADAL" clId="{61B78C06-3064-4BA3-A5B5-5B1559E6CA4F}" dt="2024-09-03T11:42:12.786" v="538" actId="20577"/>
+        <pc:sldMkLst>
+          <pc:docMk/>
+          <pc:sldMk cId="3199241103" sldId="340"/>
+        </pc:sldMkLst>
+        <pc:spChg chg="mod">
+          <ac:chgData name="Gonzalez Moyano, Ricardo" userId="5b44e8b1-3a70-41c8-8d8a-36b87a296b66" providerId="ADAL" clId="{61B78C06-3064-4BA3-A5B5-5B1559E6CA4F}" dt="2024-09-03T11:42:12.786" v="538" actId="20577"/>
+          <ac:spMkLst>
+            <pc:docMk/>
+            <pc:sldMk cId="3199241103" sldId="340"/>
+            <ac:spMk id="3" creationId="{F2F9E890-B6DE-48DE-8F6A-A85504366140}"/>
+          </ac:spMkLst>
+        </pc:spChg>
+        <pc:picChg chg="del">
+          <ac:chgData name="Gonzalez Moyano, Ricardo" userId="5b44e8b1-3a70-41c8-8d8a-36b87a296b66" providerId="ADAL" clId="{61B78C06-3064-4BA3-A5B5-5B1559E6CA4F}" dt="2024-09-03T11:33:44.033" v="490" actId="478"/>
+          <ac:picMkLst>
+            <pc:docMk/>
+            <pc:sldMk cId="3199241103" sldId="340"/>
+            <ac:picMk id="8" creationId="{C0225E17-1CA2-D2C8-1E9C-29C9BAB9023B}"/>
+          </ac:picMkLst>
+        </pc:picChg>
+        <pc:picChg chg="del">
+          <ac:chgData name="Gonzalez Moyano, Ricardo" userId="5b44e8b1-3a70-41c8-8d8a-36b87a296b66" providerId="ADAL" clId="{61B78C06-3064-4BA3-A5B5-5B1559E6CA4F}" dt="2024-09-03T11:33:44.819" v="491" actId="478"/>
+          <ac:picMkLst>
+            <pc:docMk/>
+            <pc:sldMk cId="3199241103" sldId="340"/>
+            <ac:picMk id="10" creationId="{D8F0629C-2A7E-C704-828C-D2E9C7963E75}"/>
+          </ac:picMkLst>
+        </pc:picChg>
+      </pc:sldChg>
     </pc:docChg>
   </pc:docChgLst>
 </pc:chgInfo>
@@ -485,7 +552,7 @@
           <a:p>
             <a:fld id="{2DB79FB7-5658-4FB3-B98D-B463C580F970}" type="datetimeFigureOut">
               <a:rPr lang="es-ES" smtClean="0"/>
-              <a:t>02/09/2024</a:t>
+              <a:t>03/09/2024</a:t>
             </a:fld>
             <a:endParaRPr lang="es-ES"/>
           </a:p>
@@ -994,7 +1061,7 @@
           <a:p>
             <a:fld id="{CA6CDE8D-5C8C-4CEB-8086-70F298F6BBD0}" type="slidenum">
               <a:rPr lang="es-ES" smtClean="0"/>
-              <a:t>12</a:t>
+              <a:t>13</a:t>
             </a:fld>
             <a:endParaRPr lang="es-ES"/>
           </a:p>
@@ -1003,7 +1070,7 @@
     </p:spTree>
     <p:extLst>
       <p:ext uri="{BB962C8B-B14F-4D97-AF65-F5344CB8AC3E}">
-        <p14:creationId xmlns:p14="http://schemas.microsoft.com/office/powerpoint/2010/main" val="3998710986"/>
+        <p14:creationId xmlns:p14="http://schemas.microsoft.com/office/powerpoint/2010/main" val="577017419"/>
       </p:ext>
     </p:extLst>
   </p:cSld>
@@ -1148,7 +1215,7 @@
     </p:spTree>
     <p:extLst>
       <p:ext uri="{BB962C8B-B14F-4D97-AF65-F5344CB8AC3E}">
-        <p14:creationId xmlns:p14="http://schemas.microsoft.com/office/powerpoint/2010/main" val="542614095"/>
+        <p14:creationId xmlns:p14="http://schemas.microsoft.com/office/powerpoint/2010/main" val="949884267"/>
       </p:ext>
     </p:extLst>
   </p:cSld>
@@ -1293,7 +1360,7 @@
     </p:spTree>
     <p:extLst>
       <p:ext uri="{BB962C8B-B14F-4D97-AF65-F5344CB8AC3E}">
-        <p14:creationId xmlns:p14="http://schemas.microsoft.com/office/powerpoint/2010/main" val="949884267"/>
+        <p14:creationId xmlns:p14="http://schemas.microsoft.com/office/powerpoint/2010/main" val="1155460949"/>
       </p:ext>
     </p:extLst>
   </p:cSld>
@@ -1438,7 +1505,7 @@
     </p:spTree>
     <p:extLst>
       <p:ext uri="{BB962C8B-B14F-4D97-AF65-F5344CB8AC3E}">
-        <p14:creationId xmlns:p14="http://schemas.microsoft.com/office/powerpoint/2010/main" val="1155460949"/>
+        <p14:creationId xmlns:p14="http://schemas.microsoft.com/office/powerpoint/2010/main" val="1764142830"/>
       </p:ext>
     </p:extLst>
   </p:cSld>
@@ -1583,7 +1650,7 @@
     </p:spTree>
     <p:extLst>
       <p:ext uri="{BB962C8B-B14F-4D97-AF65-F5344CB8AC3E}">
-        <p14:creationId xmlns:p14="http://schemas.microsoft.com/office/powerpoint/2010/main" val="1764142830"/>
+        <p14:creationId xmlns:p14="http://schemas.microsoft.com/office/powerpoint/2010/main" val="945148138"/>
       </p:ext>
     </p:extLst>
   </p:cSld>
@@ -1728,7 +1795,7 @@
     </p:spTree>
     <p:extLst>
       <p:ext uri="{BB962C8B-B14F-4D97-AF65-F5344CB8AC3E}">
-        <p14:creationId xmlns:p14="http://schemas.microsoft.com/office/powerpoint/2010/main" val="945148138"/>
+        <p14:creationId xmlns:p14="http://schemas.microsoft.com/office/powerpoint/2010/main" val="2277142057"/>
       </p:ext>
     </p:extLst>
   </p:cSld>
@@ -1782,151 +1849,6 @@
           <a:bodyPr/>
           <a:lstStyle/>
           <a:p>
-            <a:pPr marL="0" marR="0" lvl="0" indent="0" algn="l" defTabSz="1371600" rtl="0" eaLnBrk="1" fontAlgn="auto" latinLnBrk="0" hangingPunct="1">
-              <a:lnSpc>
-                <a:spcPct val="100000"/>
-              </a:lnSpc>
-              <a:spcBef>
-                <a:spcPts val="0"/>
-              </a:spcBef>
-              <a:spcAft>
-                <a:spcPts val="0"/>
-              </a:spcAft>
-              <a:buClrTx/>
-              <a:buSzTx/>
-              <a:buFontTx/>
-              <a:buNone/>
-              <a:tabLst/>
-              <a:defRPr/>
-            </a:pPr>
-            <a:r>
-              <a:rPr lang="es-ES" sz="1800" dirty="0">
-                <a:effectLst/>
-                <a:latin typeface="Calibri" panose="020F0502020204030204" pitchFamily="34" charset="0"/>
-                <a:ea typeface="Calibri" panose="020F0502020204030204" pitchFamily="34" charset="0"/>
-                <a:cs typeface="Times New Roman" panose="02020603050405020304" pitchFamily="18" charset="0"/>
-              </a:rPr>
-              <a:t>En este caso, como hemos dicho, se escoge EAT como modelo, también limitando el número de nodos hoja como se hacía con CART. En este caso, como función de pérdidas se escoge el MSE y, de este modo, al sustituir la función de perdidas en la fórmula de los </a:t>
-            </a:r>
-            <a:r>
-              <a:rPr lang="es-ES" sz="1800" dirty="0" err="1">
-                <a:effectLst/>
-                <a:latin typeface="Calibri" panose="020F0502020204030204" pitchFamily="34" charset="0"/>
-                <a:ea typeface="Calibri" panose="020F0502020204030204" pitchFamily="34" charset="0"/>
-                <a:cs typeface="Times New Roman" panose="02020603050405020304" pitchFamily="18" charset="0"/>
-              </a:rPr>
-              <a:t>pseudo-residuos</a:t>
-            </a:r>
-            <a:r>
-              <a:rPr lang="es-ES" sz="1800" dirty="0">
-                <a:effectLst/>
-                <a:latin typeface="Calibri" panose="020F0502020204030204" pitchFamily="34" charset="0"/>
-                <a:ea typeface="Calibri" panose="020F0502020204030204" pitchFamily="34" charset="0"/>
-                <a:cs typeface="Times New Roman" panose="02020603050405020304" pitchFamily="18" charset="0"/>
-              </a:rPr>
-              <a:t> nos queda que estos son la diferencia entre el valor real y el valor observado. Es importante darse cuenta de que como la función de perdidas va a envolver los datos por arriba, la predicción siempre será mayor o igual que el valor real, por lo que los valores de </a:t>
-            </a:r>
-            <a:r>
-              <a:rPr lang="es-ES" sz="1800" dirty="0" err="1">
-                <a:effectLst/>
-                <a:latin typeface="Calibri" panose="020F0502020204030204" pitchFamily="34" charset="0"/>
-                <a:ea typeface="Calibri" panose="020F0502020204030204" pitchFamily="34" charset="0"/>
-                <a:cs typeface="Times New Roman" panose="02020603050405020304" pitchFamily="18" charset="0"/>
-              </a:rPr>
-              <a:t>pseudo-residuos</a:t>
-            </a:r>
-            <a:r>
-              <a:rPr lang="es-ES" sz="1800" dirty="0">
-                <a:effectLst/>
-                <a:latin typeface="Calibri" panose="020F0502020204030204" pitchFamily="34" charset="0"/>
-                <a:ea typeface="Calibri" panose="020F0502020204030204" pitchFamily="34" charset="0"/>
-                <a:cs typeface="Times New Roman" panose="02020603050405020304" pitchFamily="18" charset="0"/>
-              </a:rPr>
-              <a:t> siempre serán negativos o cero. </a:t>
-            </a:r>
-          </a:p>
-        </p:txBody>
-      </p:sp>
-      <p:sp>
-        <p:nvSpPr>
-          <p:cNvPr id="4" name="Marcador de número de diapositiva 3"/>
-          <p:cNvSpPr>
-            <a:spLocks noGrp="1"/>
-          </p:cNvSpPr>
-          <p:nvPr>
-            <p:ph type="sldNum" sz="quarter" idx="5"/>
-          </p:nvPr>
-        </p:nvSpPr>
-        <p:spPr/>
-        <p:txBody>
-          <a:bodyPr/>
-          <a:lstStyle/>
-          <a:p>
-            <a:fld id="{CA6CDE8D-5C8C-4CEB-8086-70F298F6BBD0}" type="slidenum">
-              <a:rPr lang="es-ES" smtClean="0"/>
-              <a:t>19</a:t>
-            </a:fld>
-            <a:endParaRPr lang="es-ES"/>
-          </a:p>
-        </p:txBody>
-      </p:sp>
-    </p:spTree>
-    <p:extLst>
-      <p:ext uri="{BB962C8B-B14F-4D97-AF65-F5344CB8AC3E}">
-        <p14:creationId xmlns:p14="http://schemas.microsoft.com/office/powerpoint/2010/main" val="2277142057"/>
-      </p:ext>
-    </p:extLst>
-  </p:cSld>
-  <p:clrMapOvr>
-    <a:masterClrMapping/>
-  </p:clrMapOvr>
-</p:notes>
-</file>
-
-<file path=ppt/notesSlides/notesSlide17.xml><?xml version="1.0" encoding="utf-8"?>
-<p:notes xmlns:a="http://schemas.openxmlformats.org/drawingml/2006/main" xmlns:r="http://schemas.openxmlformats.org/officeDocument/2006/relationships" xmlns:p="http://schemas.openxmlformats.org/presentationml/2006/main">
-  <p:cSld>
-    <p:spTree>
-      <p:nvGrpSpPr>
-        <p:cNvPr id="1" name=""/>
-        <p:cNvGrpSpPr/>
-        <p:nvPr/>
-      </p:nvGrpSpPr>
-      <p:grpSpPr>
-        <a:xfrm>
-          <a:off x="0" y="0"/>
-          <a:ext cx="0" cy="0"/>
-          <a:chOff x="0" y="0"/>
-          <a:chExt cx="0" cy="0"/>
-        </a:xfrm>
-      </p:grpSpPr>
-      <p:sp>
-        <p:nvSpPr>
-          <p:cNvPr id="2" name="Marcador de imagen de diapositiva 1"/>
-          <p:cNvSpPr>
-            <a:spLocks noGrp="1" noRot="1" noChangeAspect="1"/>
-          </p:cNvSpPr>
-          <p:nvPr>
-            <p:ph type="sldImg"/>
-          </p:nvPr>
-        </p:nvSpPr>
-        <p:spPr/>
-      </p:sp>
-      <p:sp>
-        <p:nvSpPr>
-          <p:cNvPr id="3" name="Marcador de notas 2"/>
-          <p:cNvSpPr>
-            <a:spLocks noGrp="1"/>
-          </p:cNvSpPr>
-          <p:nvPr>
-            <p:ph type="body" idx="1"/>
-          </p:nvPr>
-        </p:nvSpPr>
-        <p:spPr/>
-        <p:txBody>
-          <a:bodyPr/>
-          <a:lstStyle/>
-          <a:p>
             <a:pPr algn="just">
               <a:lnSpc>
                 <a:spcPct val="107000"/>
@@ -1961,7 +1883,7 @@
           <a:p>
             <a:fld id="{CA6CDE8D-5C8C-4CEB-8086-70F298F6BBD0}" type="slidenum">
               <a:rPr lang="es-ES" smtClean="0"/>
-              <a:t>26</a:t>
+              <a:t>25</a:t>
             </a:fld>
             <a:endParaRPr lang="es-ES"/>
           </a:p>
@@ -2288,7 +2210,7 @@
     </p:spTree>
     <p:extLst>
       <p:ext uri="{BB962C8B-B14F-4D97-AF65-F5344CB8AC3E}">
-        <p14:creationId xmlns:p14="http://schemas.microsoft.com/office/powerpoint/2010/main" val="4200510672"/>
+        <p14:creationId xmlns:p14="http://schemas.microsoft.com/office/powerpoint/2010/main" val="1797660148"/>
       </p:ext>
     </p:extLst>
   </p:cSld>
@@ -2394,7 +2316,7 @@
     </p:spTree>
     <p:extLst>
       <p:ext uri="{BB962C8B-B14F-4D97-AF65-F5344CB8AC3E}">
-        <p14:creationId xmlns:p14="http://schemas.microsoft.com/office/powerpoint/2010/main" val="2968179100"/>
+        <p14:creationId xmlns:p14="http://schemas.microsoft.com/office/powerpoint/2010/main" val="1712778961"/>
       </p:ext>
     </p:extLst>
   </p:cSld>
@@ -2465,83 +2387,12 @@
               <a:tabLst/>
               <a:defRPr/>
             </a:pPr>
-            <a:r>
-              <a:rPr lang="es-ES" dirty="0"/>
-              <a:t>Deterministicness: </a:t>
-            </a:r>
-            <a:r>
-              <a:rPr lang="es-ES" sz="1800" dirty="0">
-                <a:effectLst/>
-                <a:latin typeface="Calibri" panose="020F0502020204030204" pitchFamily="34" charset="0"/>
-                <a:ea typeface="Calibri" panose="020F0502020204030204" pitchFamily="34" charset="0"/>
-                <a:cs typeface="Times New Roman" panose="02020603050405020304" pitchFamily="18" charset="0"/>
-              </a:rPr>
-              <a:t> que contiene a todas las observaciones.</a:t>
-            </a:r>
-          </a:p>
-          <a:p>
-            <a:pPr marL="0" marR="0" lvl="0" indent="0" algn="l" defTabSz="1371600" rtl="0" eaLnBrk="1" fontAlgn="auto" latinLnBrk="0" hangingPunct="1">
-              <a:lnSpc>
-                <a:spcPct val="100000"/>
-              </a:lnSpc>
-              <a:spcBef>
-                <a:spcPts val="0"/>
-              </a:spcBef>
-              <a:spcAft>
-                <a:spcPts val="0"/>
-              </a:spcAft>
-              <a:buClrTx/>
-              <a:buSzTx/>
-              <a:buFontTx/>
-              <a:buNone/>
-              <a:tabLst/>
-              <a:defRPr/>
-            </a:pPr>
-            <a:r>
-              <a:rPr lang="en-GB" dirty="0"/>
-              <a:t>Free Disposability:</a:t>
-            </a:r>
-            <a:r>
-              <a:rPr lang="es-ES" sz="1800" dirty="0">
-                <a:effectLst/>
-                <a:latin typeface="Calibri" panose="020F0502020204030204" pitchFamily="34" charset="0"/>
-                <a:ea typeface="Calibri" panose="020F0502020204030204" pitchFamily="34" charset="0"/>
-                <a:cs typeface="Times New Roman" panose="02020603050405020304" pitchFamily="18" charset="0"/>
-              </a:rPr>
-              <a:t> que siempre es posible hacerlo peor</a:t>
-            </a:r>
-          </a:p>
-          <a:p>
-            <a:pPr marL="0" marR="0" lvl="0" indent="0" algn="l" defTabSz="1371600" rtl="0" eaLnBrk="1" fontAlgn="auto" latinLnBrk="0" hangingPunct="1">
-              <a:lnSpc>
-                <a:spcPct val="100000"/>
-              </a:lnSpc>
-              <a:spcBef>
-                <a:spcPts val="0"/>
-              </a:spcBef>
-              <a:spcAft>
-                <a:spcPts val="0"/>
-              </a:spcAft>
-              <a:buClrTx/>
-              <a:buSzTx/>
-              <a:buFontTx/>
-              <a:buNone/>
-              <a:tabLst/>
-              <a:defRPr/>
-            </a:pPr>
-            <a:r>
-              <a:rPr lang="en-GB" dirty="0"/>
-              <a:t>Convexity:</a:t>
-            </a:r>
-            <a:r>
-              <a:rPr lang="es-ES" sz="1800" dirty="0">
-                <a:effectLst/>
-                <a:latin typeface="Calibri" panose="020F0502020204030204" pitchFamily="34" charset="0"/>
-                <a:ea typeface="Calibri" panose="020F0502020204030204" pitchFamily="34" charset="0"/>
-                <a:cs typeface="Times New Roman" panose="02020603050405020304" pitchFamily="18" charset="0"/>
-              </a:rPr>
-              <a:t> que la función en cóncava </a:t>
-            </a:r>
+            <a:endParaRPr lang="es-ES" sz="1800" dirty="0">
+              <a:effectLst/>
+              <a:latin typeface="Calibri" panose="020F0502020204030204" pitchFamily="34" charset="0"/>
+              <a:ea typeface="Calibri" panose="020F0502020204030204" pitchFamily="34" charset="0"/>
+              <a:cs typeface="Times New Roman" panose="02020603050405020304" pitchFamily="18" charset="0"/>
+            </a:endParaRPr>
           </a:p>
         </p:txBody>
       </p:sp>
@@ -2571,7 +2422,7 @@
     </p:spTree>
     <p:extLst>
       <p:ext uri="{BB962C8B-B14F-4D97-AF65-F5344CB8AC3E}">
-        <p14:creationId xmlns:p14="http://schemas.microsoft.com/office/powerpoint/2010/main" val="577017419"/>
+        <p14:creationId xmlns:p14="http://schemas.microsoft.com/office/powerpoint/2010/main" val="773862478"/>
       </p:ext>
     </p:extLst>
   </p:cSld>
@@ -2642,12 +2493,83 @@
               <a:tabLst/>
               <a:defRPr/>
             </a:pPr>
-            <a:endParaRPr lang="es-ES" sz="1800" dirty="0">
-              <a:effectLst/>
-              <a:latin typeface="Calibri" panose="020F0502020204030204" pitchFamily="34" charset="0"/>
-              <a:ea typeface="Calibri" panose="020F0502020204030204" pitchFamily="34" charset="0"/>
-              <a:cs typeface="Times New Roman" panose="02020603050405020304" pitchFamily="18" charset="0"/>
-            </a:endParaRPr>
+            <a:r>
+              <a:rPr lang="es-ES" dirty="0"/>
+              <a:t>Deterministicness: </a:t>
+            </a:r>
+            <a:r>
+              <a:rPr lang="es-ES" sz="1800" dirty="0">
+                <a:effectLst/>
+                <a:latin typeface="Calibri" panose="020F0502020204030204" pitchFamily="34" charset="0"/>
+                <a:ea typeface="Calibri" panose="020F0502020204030204" pitchFamily="34" charset="0"/>
+                <a:cs typeface="Times New Roman" panose="02020603050405020304" pitchFamily="18" charset="0"/>
+              </a:rPr>
+              <a:t> que contiene a todas las observaciones.</a:t>
+            </a:r>
+          </a:p>
+          <a:p>
+            <a:pPr marL="0" marR="0" lvl="0" indent="0" algn="l" defTabSz="1371600" rtl="0" eaLnBrk="1" fontAlgn="auto" latinLnBrk="0" hangingPunct="1">
+              <a:lnSpc>
+                <a:spcPct val="100000"/>
+              </a:lnSpc>
+              <a:spcBef>
+                <a:spcPts val="0"/>
+              </a:spcBef>
+              <a:spcAft>
+                <a:spcPts val="0"/>
+              </a:spcAft>
+              <a:buClrTx/>
+              <a:buSzTx/>
+              <a:buFontTx/>
+              <a:buNone/>
+              <a:tabLst/>
+              <a:defRPr/>
+            </a:pPr>
+            <a:r>
+              <a:rPr lang="en-GB" dirty="0"/>
+              <a:t>Free Disposability:</a:t>
+            </a:r>
+            <a:r>
+              <a:rPr lang="es-ES" sz="1800" dirty="0">
+                <a:effectLst/>
+                <a:latin typeface="Calibri" panose="020F0502020204030204" pitchFamily="34" charset="0"/>
+                <a:ea typeface="Calibri" panose="020F0502020204030204" pitchFamily="34" charset="0"/>
+                <a:cs typeface="Times New Roman" panose="02020603050405020304" pitchFamily="18" charset="0"/>
+              </a:rPr>
+              <a:t> que siempre es posible hacerlo peor</a:t>
+            </a:r>
+          </a:p>
+          <a:p>
+            <a:pPr marL="0" marR="0" lvl="0" indent="0" algn="l" defTabSz="1371600" rtl="0" eaLnBrk="1" fontAlgn="auto" latinLnBrk="0" hangingPunct="1">
+              <a:lnSpc>
+                <a:spcPct val="100000"/>
+              </a:lnSpc>
+              <a:spcBef>
+                <a:spcPts val="0"/>
+              </a:spcBef>
+              <a:spcAft>
+                <a:spcPts val="0"/>
+              </a:spcAft>
+              <a:buClrTx/>
+              <a:buSzTx/>
+              <a:buFontTx/>
+              <a:buNone/>
+              <a:tabLst/>
+              <a:defRPr/>
+            </a:pPr>
+            <a:r>
+              <a:rPr lang="en-GB" dirty="0"/>
+              <a:t>Convexity:</a:t>
+            </a:r>
+            <a:r>
+              <a:rPr lang="es-ES" sz="1800" dirty="0">
+                <a:effectLst/>
+                <a:latin typeface="Calibri" panose="020F0502020204030204" pitchFamily="34" charset="0"/>
+                <a:ea typeface="Calibri" panose="020F0502020204030204" pitchFamily="34" charset="0"/>
+                <a:cs typeface="Times New Roman" panose="02020603050405020304" pitchFamily="18" charset="0"/>
+              </a:rPr>
+              <a:t> que la función en cóncava </a:t>
+            </a:r>
           </a:p>
         </p:txBody>
       </p:sp>
@@ -2677,7 +2599,7 @@
     </p:spTree>
     <p:extLst>
       <p:ext uri="{BB962C8B-B14F-4D97-AF65-F5344CB8AC3E}">
-        <p14:creationId xmlns:p14="http://schemas.microsoft.com/office/powerpoint/2010/main" val="1797660148"/>
+        <p14:creationId xmlns:p14="http://schemas.microsoft.com/office/powerpoint/2010/main" val="1386286804"/>
       </p:ext>
     </p:extLst>
   </p:cSld>
@@ -2748,12 +2670,83 @@
               <a:tabLst/>
               <a:defRPr/>
             </a:pPr>
-            <a:endParaRPr lang="es-ES" sz="1800" dirty="0">
-              <a:effectLst/>
-              <a:latin typeface="Calibri" panose="020F0502020204030204" pitchFamily="34" charset="0"/>
-              <a:ea typeface="Calibri" panose="020F0502020204030204" pitchFamily="34" charset="0"/>
-              <a:cs typeface="Times New Roman" panose="02020603050405020304" pitchFamily="18" charset="0"/>
-            </a:endParaRPr>
+            <a:r>
+              <a:rPr lang="es-ES" dirty="0"/>
+              <a:t>Deterministicness: </a:t>
+            </a:r>
+            <a:r>
+              <a:rPr lang="es-ES" sz="1800" dirty="0">
+                <a:effectLst/>
+                <a:latin typeface="Calibri" panose="020F0502020204030204" pitchFamily="34" charset="0"/>
+                <a:ea typeface="Calibri" panose="020F0502020204030204" pitchFamily="34" charset="0"/>
+                <a:cs typeface="Times New Roman" panose="02020603050405020304" pitchFamily="18" charset="0"/>
+              </a:rPr>
+              <a:t> que contiene a todas las observaciones.</a:t>
+            </a:r>
+          </a:p>
+          <a:p>
+            <a:pPr marL="0" marR="0" lvl="0" indent="0" algn="l" defTabSz="1371600" rtl="0" eaLnBrk="1" fontAlgn="auto" latinLnBrk="0" hangingPunct="1">
+              <a:lnSpc>
+                <a:spcPct val="100000"/>
+              </a:lnSpc>
+              <a:spcBef>
+                <a:spcPts val="0"/>
+              </a:spcBef>
+              <a:spcAft>
+                <a:spcPts val="0"/>
+              </a:spcAft>
+              <a:buClrTx/>
+              <a:buSzTx/>
+              <a:buFontTx/>
+              <a:buNone/>
+              <a:tabLst/>
+              <a:defRPr/>
+            </a:pPr>
+            <a:r>
+              <a:rPr lang="en-GB" dirty="0"/>
+              <a:t>Free Disposability:</a:t>
+            </a:r>
+            <a:r>
+              <a:rPr lang="es-ES" sz="1800" dirty="0">
+                <a:effectLst/>
+                <a:latin typeface="Calibri" panose="020F0502020204030204" pitchFamily="34" charset="0"/>
+                <a:ea typeface="Calibri" panose="020F0502020204030204" pitchFamily="34" charset="0"/>
+                <a:cs typeface="Times New Roman" panose="02020603050405020304" pitchFamily="18" charset="0"/>
+              </a:rPr>
+              <a:t> que siempre es posible hacerlo peor</a:t>
+            </a:r>
+          </a:p>
+          <a:p>
+            <a:pPr marL="0" marR="0" lvl="0" indent="0" algn="l" defTabSz="1371600" rtl="0" eaLnBrk="1" fontAlgn="auto" latinLnBrk="0" hangingPunct="1">
+              <a:lnSpc>
+                <a:spcPct val="100000"/>
+              </a:lnSpc>
+              <a:spcBef>
+                <a:spcPts val="0"/>
+              </a:spcBef>
+              <a:spcAft>
+                <a:spcPts val="0"/>
+              </a:spcAft>
+              <a:buClrTx/>
+              <a:buSzTx/>
+              <a:buFontTx/>
+              <a:buNone/>
+              <a:tabLst/>
+              <a:defRPr/>
+            </a:pPr>
+            <a:r>
+              <a:rPr lang="en-GB" dirty="0"/>
+              <a:t>Convexity:</a:t>
+            </a:r>
+            <a:r>
+              <a:rPr lang="es-ES" sz="1800" dirty="0">
+                <a:effectLst/>
+                <a:latin typeface="Calibri" panose="020F0502020204030204" pitchFamily="34" charset="0"/>
+                <a:ea typeface="Calibri" panose="020F0502020204030204" pitchFamily="34" charset="0"/>
+                <a:cs typeface="Times New Roman" panose="02020603050405020304" pitchFamily="18" charset="0"/>
+              </a:rPr>
+              <a:t> que la función en cóncava </a:t>
+            </a:r>
           </a:p>
         </p:txBody>
       </p:sp>
@@ -2783,7 +2776,7 @@
     </p:spTree>
     <p:extLst>
       <p:ext uri="{BB962C8B-B14F-4D97-AF65-F5344CB8AC3E}">
-        <p14:creationId xmlns:p14="http://schemas.microsoft.com/office/powerpoint/2010/main" val="1712778961"/>
+        <p14:creationId xmlns:p14="http://schemas.microsoft.com/office/powerpoint/2010/main" val="3998710986"/>
       </p:ext>
     </p:extLst>
   </p:cSld>
@@ -2855,40 +2848,22 @@
               <a:defRPr/>
             </a:pPr>
             <a:r>
-              <a:rPr lang="es-ES" dirty="0"/>
-              <a:t>Deterministicness: </a:t>
-            </a:r>
-            <a:r>
               <a:rPr lang="es-ES" sz="1800" dirty="0">
                 <a:effectLst/>
                 <a:latin typeface="Calibri" panose="020F0502020204030204" pitchFamily="34" charset="0"/>
                 <a:ea typeface="Calibri" panose="020F0502020204030204" pitchFamily="34" charset="0"/>
                 <a:cs typeface="Times New Roman" panose="02020603050405020304" pitchFamily="18" charset="0"/>
               </a:rPr>
-              <a:t> que contiene a todas las observaciones.</a:t>
-            </a:r>
-          </a:p>
-          <a:p>
-            <a:pPr marL="0" marR="0" lvl="0" indent="0" algn="l" defTabSz="1371600" rtl="0" eaLnBrk="1" fontAlgn="auto" latinLnBrk="0" hangingPunct="1">
-              <a:lnSpc>
-                <a:spcPct val="100000"/>
-              </a:lnSpc>
-              <a:spcBef>
-                <a:spcPts val="0"/>
-              </a:spcBef>
-              <a:spcAft>
-                <a:spcPts val="0"/>
-              </a:spcAft>
-              <a:buClrTx/>
-              <a:buSzTx/>
-              <a:buFontTx/>
-              <a:buNone/>
-              <a:tabLst/>
-              <a:defRPr/>
-            </a:pPr>
-            <a:r>
-              <a:rPr lang="en-GB" dirty="0"/>
-              <a:t>Free Disposability:</a:t>
+              <a:t>En este caso, como hemos dicho, se escoge EAT como modelo, también limitando el número de nodos hoja como se hacía con CART. En este caso, como función de pérdidas se escoge el MSE y, de este modo, al sustituir la función de perdidas en la fórmula de los </a:t>
+            </a:r>
+            <a:r>
+              <a:rPr lang="es-ES" sz="1800" dirty="0" err="1">
+                <a:effectLst/>
+                <a:latin typeface="Calibri" panose="020F0502020204030204" pitchFamily="34" charset="0"/>
+                <a:ea typeface="Calibri" panose="020F0502020204030204" pitchFamily="34" charset="0"/>
+                <a:cs typeface="Times New Roman" panose="02020603050405020304" pitchFamily="18" charset="0"/>
+              </a:rPr>
+              <a:t>pseudo-residuos</a:t>
             </a:r>
             <a:r>
               <a:rPr lang="es-ES" sz="1800" dirty="0">
@@ -2897,30 +2872,16 @@
                 <a:ea typeface="Calibri" panose="020F0502020204030204" pitchFamily="34" charset="0"/>
                 <a:cs typeface="Times New Roman" panose="02020603050405020304" pitchFamily="18" charset="0"/>
               </a:rPr>
-              <a:t> que siempre es posible hacerlo peor</a:t>
-            </a:r>
-          </a:p>
-          <a:p>
-            <a:pPr marL="0" marR="0" lvl="0" indent="0" algn="l" defTabSz="1371600" rtl="0" eaLnBrk="1" fontAlgn="auto" latinLnBrk="0" hangingPunct="1">
-              <a:lnSpc>
-                <a:spcPct val="100000"/>
-              </a:lnSpc>
-              <a:spcBef>
-                <a:spcPts val="0"/>
-              </a:spcBef>
-              <a:spcAft>
-                <a:spcPts val="0"/>
-              </a:spcAft>
-              <a:buClrTx/>
-              <a:buSzTx/>
-              <a:buFontTx/>
-              <a:buNone/>
-              <a:tabLst/>
-              <a:defRPr/>
-            </a:pPr>
-            <a:r>
-              <a:rPr lang="en-GB" dirty="0"/>
-              <a:t>Convexity:</a:t>
+              <a:t> nos queda que estos son la diferencia entre el valor real y el valor observado. Es importante darse cuenta de que como la función de perdidas va a envolver los datos por arriba, la predicción siempre será mayor o igual que el valor real, por lo que los valores de </a:t>
+            </a:r>
+            <a:r>
+              <a:rPr lang="es-ES" sz="1800" dirty="0" err="1">
+                <a:effectLst/>
+                <a:latin typeface="Calibri" panose="020F0502020204030204" pitchFamily="34" charset="0"/>
+                <a:ea typeface="Calibri" panose="020F0502020204030204" pitchFamily="34" charset="0"/>
+                <a:cs typeface="Times New Roman" panose="02020603050405020304" pitchFamily="18" charset="0"/>
+              </a:rPr>
+              <a:t>pseudo-residuos</a:t>
             </a:r>
             <a:r>
               <a:rPr lang="es-ES" sz="1800" dirty="0">
@@ -2929,7 +2890,7 @@
                 <a:ea typeface="Calibri" panose="020F0502020204030204" pitchFamily="34" charset="0"/>
                 <a:cs typeface="Times New Roman" panose="02020603050405020304" pitchFamily="18" charset="0"/>
               </a:rPr>
-              <a:t> que la función en cóncava </a:t>
+              <a:t> siempre serán negativos o cero. </a:t>
             </a:r>
           </a:p>
         </p:txBody>
@@ -2951,7 +2912,7 @@
           <a:p>
             <a:fld id="{CA6CDE8D-5C8C-4CEB-8086-70F298F6BBD0}" type="slidenum">
               <a:rPr lang="es-ES" smtClean="0"/>
-              <a:t>11</a:t>
+              <a:t>12</a:t>
             </a:fld>
             <a:endParaRPr lang="es-ES"/>
           </a:p>
@@ -2960,7 +2921,7 @@
     </p:spTree>
     <p:extLst>
       <p:ext uri="{BB962C8B-B14F-4D97-AF65-F5344CB8AC3E}">
-        <p14:creationId xmlns:p14="http://schemas.microsoft.com/office/powerpoint/2010/main" val="1386286804"/>
+        <p14:creationId xmlns:p14="http://schemas.microsoft.com/office/powerpoint/2010/main" val="542614095"/>
       </p:ext>
     </p:extLst>
   </p:cSld>
@@ -8160,154 +8121,22 @@
             <p:ph type="title"/>
           </p:nvPr>
         </p:nvSpPr>
-        <p:spPr/>
-        <p:txBody>
-          <a:bodyPr/>
-          <a:lstStyle/>
-          <a:p>
-            <a:r>
-              <a:rPr lang="en-AU" dirty="0"/>
-              <a:t>Introduction</a:t>
-            </a:r>
-          </a:p>
-        </p:txBody>
-      </p:sp>
-      <p:sp>
-        <p:nvSpPr>
-          <p:cNvPr id="3" name="Marcador de contenido 2">
-            <a:extLst>
-              <a:ext uri="{FF2B5EF4-FFF2-40B4-BE49-F238E27FC236}">
-                <a16:creationId xmlns:a16="http://schemas.microsoft.com/office/drawing/2014/main" id="{F2F9E890-B6DE-48DE-8F6A-A85504366140}"/>
-              </a:ext>
-            </a:extLst>
-          </p:cNvPr>
-          <p:cNvSpPr>
-            <a:spLocks noGrp="1"/>
-          </p:cNvSpPr>
-          <p:nvPr>
-            <p:ph idx="1"/>
-          </p:nvPr>
-        </p:nvSpPr>
         <p:spPr>
           <a:xfrm>
-            <a:off x="1257300" y="2993880"/>
-            <a:ext cx="16595985" cy="5850074"/>
+            <a:off x="1257300" y="547773"/>
+            <a:ext cx="15773400" cy="1988651"/>
           </a:xfrm>
         </p:spPr>
         <p:txBody>
-          <a:bodyPr>
+          <a:bodyPr anchor="ctr">
             <a:normAutofit/>
           </a:bodyPr>
           <a:lstStyle/>
           <a:p>
             <a:r>
-              <a:rPr lang="es-ES" dirty="0" err="1"/>
-              <a:t>Types</a:t>
-            </a:r>
-            <a:r>
-              <a:rPr lang="es-ES" dirty="0"/>
-              <a:t> </a:t>
-            </a:r>
-            <a:r>
-              <a:rPr lang="es-ES" dirty="0" err="1"/>
-              <a:t>of</a:t>
-            </a:r>
-            <a:r>
-              <a:rPr lang="es-ES" dirty="0"/>
-              <a:t> machine </a:t>
-            </a:r>
-            <a:r>
-              <a:rPr lang="es-ES" dirty="0" err="1"/>
-              <a:t>learning</a:t>
-            </a:r>
-            <a:r>
-              <a:rPr lang="es-ES" dirty="0"/>
-              <a:t>:</a:t>
-            </a:r>
-          </a:p>
-          <a:p>
-            <a:pPr marL="0" indent="0" algn="ctr">
-              <a:buNone/>
-            </a:pPr>
-            <a:r>
-              <a:rPr lang="es-ES" dirty="0" err="1"/>
-              <a:t>Supervised</a:t>
-            </a:r>
-            <a:r>
-              <a:rPr lang="es-ES" dirty="0"/>
-              <a:t> </a:t>
-            </a:r>
-            <a:r>
-              <a:rPr lang="es-ES" dirty="0" err="1"/>
-              <a:t>Learning</a:t>
-            </a:r>
-            <a:r>
-              <a:rPr lang="es-ES" dirty="0"/>
-              <a:t>			</a:t>
-            </a:r>
-            <a:r>
-              <a:rPr lang="es-ES" dirty="0" err="1"/>
-              <a:t>Unsupervised</a:t>
-            </a:r>
-            <a:r>
-              <a:rPr lang="es-ES" dirty="0"/>
-              <a:t> </a:t>
-            </a:r>
-            <a:r>
-              <a:rPr lang="es-ES" dirty="0" err="1"/>
-              <a:t>Learning</a:t>
-            </a:r>
-            <a:r>
-              <a:rPr lang="es-ES" dirty="0"/>
-              <a:t> </a:t>
-            </a:r>
-          </a:p>
-        </p:txBody>
-      </p:sp>
-      <p:sp>
-        <p:nvSpPr>
-          <p:cNvPr id="4" name="Marcador de pie de página 3">
-            <a:extLst>
-              <a:ext uri="{FF2B5EF4-FFF2-40B4-BE49-F238E27FC236}">
-                <a16:creationId xmlns:a16="http://schemas.microsoft.com/office/drawing/2014/main" id="{81FA2410-67CF-428A-9DF6-97A560DA85A1}"/>
-              </a:ext>
-            </a:extLst>
-          </p:cNvPr>
-          <p:cNvSpPr>
-            <a:spLocks noGrp="1"/>
-          </p:cNvSpPr>
-          <p:nvPr>
-            <p:ph type="ftr" sz="quarter" idx="11"/>
-          </p:nvPr>
-        </p:nvSpPr>
-        <p:spPr/>
-        <p:txBody>
-          <a:bodyPr/>
-          <a:lstStyle/>
-          <a:p>
-            <a:pPr algn="ctr">
-              <a:lnSpc>
-                <a:spcPct val="150000"/>
-              </a:lnSpc>
-              <a:spcAft>
-                <a:spcPts val="800"/>
-              </a:spcAft>
-            </a:pPr>
-            <a:r>
-              <a:rPr lang="en-US" sz="1800" b="1" kern="100" dirty="0">
-                <a:effectLst/>
-                <a:latin typeface="Times New Roman" panose="02020603050405020304" pitchFamily="18" charset="0"/>
-                <a:ea typeface="Aptos" panose="020B0004020202020204" pitchFamily="34" charset="0"/>
-                <a:cs typeface="Times New Roman" panose="02020603050405020304" pitchFamily="18" charset="0"/>
-              </a:rPr>
-              <a:t>A novel approach for efficiency evaluation through the integration of standard Machine Learning classification models and Data Envelopment Analysis</a:t>
-            </a:r>
-            <a:endParaRPr lang="es-ES" sz="1600" kern="100" dirty="0">
-              <a:effectLst/>
-              <a:latin typeface="Times New Roman" panose="02020603050405020304" pitchFamily="18" charset="0"/>
-              <a:ea typeface="Aptos" panose="020B0004020202020204" pitchFamily="34" charset="0"/>
-              <a:cs typeface="Times New Roman" panose="02020603050405020304" pitchFamily="18" charset="0"/>
-            </a:endParaRPr>
+              <a:rPr lang="en-AU" dirty="0"/>
+              <a:t>Introduction</a:t>
+            </a:r>
           </a:p>
         </p:txBody>
       </p:sp>
@@ -8327,17 +8156,33 @@
             <p:ph type="sldNum" sz="quarter" idx="12"/>
           </p:nvPr>
         </p:nvSpPr>
-        <p:spPr/>
-        <p:txBody>
-          <a:bodyPr/>
+        <p:spPr>
+          <a:xfrm>
+            <a:off x="264428" y="9628939"/>
+            <a:ext cx="1134184" cy="547772"/>
+          </a:xfrm>
+        </p:spPr>
+        <p:txBody>
+          <a:bodyPr anchor="ctr">
+            <a:normAutofit/>
+          </a:bodyPr>
           <a:lstStyle/>
           <a:p>
+            <a:pPr>
+              <a:spcAft>
+                <a:spcPts val="600"/>
+              </a:spcAft>
+            </a:pPr>
             <a:fld id="{DBFF9636-A71C-488A-89F8-02E08556F10C}" type="slidenum">
               <a:rPr lang="es-ES" smtClean="0"/>
-              <a:pPr/>
+              <a:pPr>
+                <a:spcAft>
+                  <a:spcPts val="600"/>
+                </a:spcAft>
+              </a:pPr>
               <a:t>10</a:t>
             </a:fld>
-            <a:endParaRPr lang="es-ES" dirty="0"/>
+            <a:endParaRPr lang="es-ES"/>
           </a:p>
         </p:txBody>
       </p:sp>
@@ -8410,795 +8255,6 @@
           </a:p>
         </p:txBody>
       </p:sp>
-      <p:pic>
-        <p:nvPicPr>
-          <p:cNvPr id="8" name="Imagen 7" descr="Gráfico, Gráfico de dispersión&#10;&#10;Descripción generada automáticamente">
-            <a:extLst>
-              <a:ext uri="{FF2B5EF4-FFF2-40B4-BE49-F238E27FC236}">
-                <a16:creationId xmlns:a16="http://schemas.microsoft.com/office/drawing/2014/main" id="{C0225E17-1CA2-D2C8-1E9C-29C9BAB9023B}"/>
-              </a:ext>
-            </a:extLst>
-          </p:cNvPr>
-          <p:cNvPicPr>
-            <a:picLocks noChangeAspect="1"/>
-          </p:cNvPicPr>
-          <p:nvPr/>
-        </p:nvPicPr>
-        <p:blipFill>
-          <a:blip r:embed="rId3">
-            <a:extLst>
-              <a:ext uri="{28A0092B-C50C-407E-A947-70E740481C1C}">
-                <a14:useLocalDpi xmlns:a14="http://schemas.microsoft.com/office/drawing/2010/main" val="0"/>
-              </a:ext>
-            </a:extLst>
-          </a:blip>
-          <a:stretch>
-            <a:fillRect/>
-          </a:stretch>
-        </p:blipFill>
-        <p:spPr>
-          <a:xfrm>
-            <a:off x="1257300" y="4436837"/>
-            <a:ext cx="7380747" cy="4942342"/>
-          </a:xfrm>
-          <a:prstGeom prst="rect">
-            <a:avLst/>
-          </a:prstGeom>
-        </p:spPr>
-      </p:pic>
-      <p:pic>
-        <p:nvPicPr>
-          <p:cNvPr id="10" name="Imagen 9" descr="Gráfico, Gráfico de dispersión&#10;&#10;Descripción generada automáticamente">
-            <a:extLst>
-              <a:ext uri="{FF2B5EF4-FFF2-40B4-BE49-F238E27FC236}">
-                <a16:creationId xmlns:a16="http://schemas.microsoft.com/office/drawing/2014/main" id="{D8F0629C-2A7E-C704-828C-D2E9C7963E75}"/>
-              </a:ext>
-            </a:extLst>
-          </p:cNvPr>
-          <p:cNvPicPr>
-            <a:picLocks noChangeAspect="1"/>
-          </p:cNvPicPr>
-          <p:nvPr/>
-        </p:nvPicPr>
-        <p:blipFill>
-          <a:blip r:embed="rId4">
-            <a:extLst>
-              <a:ext uri="{28A0092B-C50C-407E-A947-70E740481C1C}">
-                <a14:useLocalDpi xmlns:a14="http://schemas.microsoft.com/office/drawing/2010/main" val="0"/>
-              </a:ext>
-            </a:extLst>
-          </a:blip>
-          <a:stretch>
-            <a:fillRect/>
-          </a:stretch>
-        </p:blipFill>
-        <p:spPr>
-          <a:xfrm>
-            <a:off x="9649953" y="4436837"/>
-            <a:ext cx="7537957" cy="4407117"/>
-          </a:xfrm>
-          <a:prstGeom prst="rect">
-            <a:avLst/>
-          </a:prstGeom>
-        </p:spPr>
-      </p:pic>
-    </p:spTree>
-    <p:extLst>
-      <p:ext uri="{BB962C8B-B14F-4D97-AF65-F5344CB8AC3E}">
-        <p14:creationId xmlns:p14="http://schemas.microsoft.com/office/powerpoint/2010/main" val="680328324"/>
-      </p:ext>
-    </p:extLst>
-  </p:cSld>
-  <p:clrMapOvr>
-    <a:masterClrMapping/>
-  </p:clrMapOvr>
-</p:sld>
-</file>
-
-<file path=ppt/slides/slide11.xml><?xml version="1.0" encoding="utf-8"?>
-<p:sld xmlns:a="http://schemas.openxmlformats.org/drawingml/2006/main" xmlns:r="http://schemas.openxmlformats.org/officeDocument/2006/relationships" xmlns:p="http://schemas.openxmlformats.org/presentationml/2006/main">
-  <p:cSld>
-    <p:spTree>
-      <p:nvGrpSpPr>
-        <p:cNvPr id="1" name=""/>
-        <p:cNvGrpSpPr/>
-        <p:nvPr/>
-      </p:nvGrpSpPr>
-      <p:grpSpPr>
-        <a:xfrm>
-          <a:off x="0" y="0"/>
-          <a:ext cx="0" cy="0"/>
-          <a:chOff x="0" y="0"/>
-          <a:chExt cx="0" cy="0"/>
-        </a:xfrm>
-      </p:grpSpPr>
-      <p:sp>
-        <p:nvSpPr>
-          <p:cNvPr id="2" name="Título 1">
-            <a:extLst>
-              <a:ext uri="{FF2B5EF4-FFF2-40B4-BE49-F238E27FC236}">
-                <a16:creationId xmlns:a16="http://schemas.microsoft.com/office/drawing/2014/main" id="{90750DB4-7407-420E-84B6-A10D2F3B9D3E}"/>
-              </a:ext>
-            </a:extLst>
-          </p:cNvPr>
-          <p:cNvSpPr>
-            <a:spLocks noGrp="1"/>
-          </p:cNvSpPr>
-          <p:nvPr>
-            <p:ph type="title"/>
-          </p:nvPr>
-        </p:nvSpPr>
-        <p:spPr>
-          <a:xfrm>
-            <a:off x="1257300" y="547773"/>
-            <a:ext cx="15773400" cy="1988651"/>
-          </a:xfrm>
-        </p:spPr>
-        <p:txBody>
-          <a:bodyPr anchor="ctr">
-            <a:normAutofit/>
-          </a:bodyPr>
-          <a:lstStyle/>
-          <a:p>
-            <a:r>
-              <a:rPr lang="en-AU" dirty="0"/>
-              <a:t>Introduction</a:t>
-            </a:r>
-          </a:p>
-        </p:txBody>
-      </p:sp>
-      <p:pic>
-        <p:nvPicPr>
-          <p:cNvPr id="13" name="Imagen 12" descr="Gráfico, Gráfico de dispersión&#10;&#10;Descripción generada automáticamente">
-            <a:extLst>
-              <a:ext uri="{FF2B5EF4-FFF2-40B4-BE49-F238E27FC236}">
-                <a16:creationId xmlns:a16="http://schemas.microsoft.com/office/drawing/2014/main" id="{BE6530E3-3E81-A902-D80D-C50F91FDE002}"/>
-              </a:ext>
-            </a:extLst>
-          </p:cNvPr>
-          <p:cNvPicPr>
-            <a:picLocks noChangeAspect="1"/>
-          </p:cNvPicPr>
-          <p:nvPr/>
-        </p:nvPicPr>
-        <p:blipFill>
-          <a:blip r:embed="rId3" cstate="print">
-            <a:extLst>
-              <a:ext uri="{28A0092B-C50C-407E-A947-70E740481C1C}">
-                <a14:useLocalDpi xmlns:a14="http://schemas.microsoft.com/office/drawing/2010/main" val="0"/>
-              </a:ext>
-            </a:extLst>
-          </a:blip>
-          <a:stretch>
-            <a:fillRect/>
-          </a:stretch>
-        </p:blipFill>
-        <p:spPr>
-          <a:xfrm>
-            <a:off x="8665281" y="2818674"/>
-            <a:ext cx="9004157" cy="6528015"/>
-          </a:xfrm>
-          <a:prstGeom prst="rect">
-            <a:avLst/>
-          </a:prstGeom>
-          <a:noFill/>
-        </p:spPr>
-      </p:pic>
-      <p:sp>
-        <p:nvSpPr>
-          <p:cNvPr id="5" name="Marcador de número de diapositiva 4">
-            <a:extLst>
-              <a:ext uri="{FF2B5EF4-FFF2-40B4-BE49-F238E27FC236}">
-                <a16:creationId xmlns:a16="http://schemas.microsoft.com/office/drawing/2014/main" id="{D760CE8D-9EC8-4E3A-9555-8CAAD8E66448}"/>
-              </a:ext>
-            </a:extLst>
-          </p:cNvPr>
-          <p:cNvSpPr>
-            <a:spLocks noGrp="1"/>
-          </p:cNvSpPr>
-          <p:nvPr>
-            <p:ph type="sldNum" sz="quarter" idx="12"/>
-          </p:nvPr>
-        </p:nvSpPr>
-        <p:spPr>
-          <a:xfrm>
-            <a:off x="264428" y="9628939"/>
-            <a:ext cx="1134184" cy="547772"/>
-          </a:xfrm>
-        </p:spPr>
-        <p:txBody>
-          <a:bodyPr anchor="ctr">
-            <a:normAutofit/>
-          </a:bodyPr>
-          <a:lstStyle/>
-          <a:p>
-            <a:pPr>
-              <a:spcAft>
-                <a:spcPts val="600"/>
-              </a:spcAft>
-            </a:pPr>
-            <a:fld id="{DBFF9636-A71C-488A-89F8-02E08556F10C}" type="slidenum">
-              <a:rPr lang="es-ES" smtClean="0"/>
-              <a:pPr>
-                <a:spcAft>
-                  <a:spcPts val="600"/>
-                </a:spcAft>
-              </a:pPr>
-              <a:t>11</a:t>
-            </a:fld>
-            <a:endParaRPr lang="es-ES"/>
-          </a:p>
-        </p:txBody>
-      </p:sp>
-      <p:sp>
-        <p:nvSpPr>
-          <p:cNvPr id="6" name="Rectangle 2">
-            <a:extLst>
-              <a:ext uri="{FF2B5EF4-FFF2-40B4-BE49-F238E27FC236}">
-                <a16:creationId xmlns:a16="http://schemas.microsoft.com/office/drawing/2014/main" id="{D42C99F7-B18C-5766-7C71-09326CDDA514}"/>
-              </a:ext>
-            </a:extLst>
-          </p:cNvPr>
-          <p:cNvSpPr>
-            <a:spLocks noChangeArrowheads="1"/>
-          </p:cNvSpPr>
-          <p:nvPr/>
-        </p:nvSpPr>
-        <p:spPr bwMode="auto">
-          <a:xfrm>
-            <a:off x="0" y="0"/>
-            <a:ext cx="18288000" cy="0"/>
-          </a:xfrm>
-          <a:prstGeom prst="rect">
-            <a:avLst/>
-          </a:prstGeom>
-          <a:noFill/>
-          <a:ln>
-            <a:noFill/>
-          </a:ln>
-          <a:effectLst/>
-          <a:extLst>
-            <a:ext uri="{909E8E84-426E-40DD-AFC4-6F175D3DCCD1}">
-              <a14:hiddenFill xmlns:a14="http://schemas.microsoft.com/office/drawing/2010/main">
-                <a:solidFill>
-                  <a:schemeClr val="accent1"/>
-                </a:solidFill>
-              </a14:hiddenFill>
-            </a:ext>
-            <a:ext uri="{91240B29-F687-4F45-9708-019B960494DF}">
-              <a14:hiddenLine xmlns:a14="http://schemas.microsoft.com/office/drawing/2010/main" w="9525">
-                <a:solidFill>
-                  <a:schemeClr val="tx1"/>
-                </a:solidFill>
-                <a:miter lim="800000"/>
-                <a:headEnd/>
-                <a:tailEnd/>
-              </a14:hiddenLine>
-            </a:ext>
-            <a:ext uri="{AF507438-7753-43E0-B8FC-AC1667EBCBE1}">
-              <a14:hiddenEffects xmlns:a14="http://schemas.microsoft.com/office/drawing/2010/main">
-                <a:effectLst>
-                  <a:outerShdw dist="35921" dir="2700000" algn="ctr" rotWithShape="0">
-                    <a:schemeClr val="bg2"/>
-                  </a:outerShdw>
-                </a:effectLst>
-              </a14:hiddenEffects>
-            </a:ext>
-          </a:extLst>
-        </p:spPr>
-        <p:txBody>
-          <a:bodyPr vert="horz" wrap="none" lIns="91440" tIns="45720" rIns="91440" bIns="45720" numCol="1" anchor="ctr" anchorCtr="0" compatLnSpc="1">
-            <a:prstTxWarp prst="textNoShape">
-              <a:avLst/>
-            </a:prstTxWarp>
-            <a:spAutoFit/>
-          </a:bodyPr>
-          <a:lstStyle/>
-          <a:p>
-            <a:endParaRPr lang="es-ES"/>
-          </a:p>
-        </p:txBody>
-      </p:sp>
-      <mc:AlternateContent xmlns:mc="http://schemas.openxmlformats.org/markup-compatibility/2006">
-        <mc:Choice xmlns:a14="http://schemas.microsoft.com/office/drawing/2010/main" Requires="a14">
-          <p:sp>
-            <p:nvSpPr>
-              <p:cNvPr id="16" name="Marcador de contenido 2">
-                <a:extLst>
-                  <a:ext uri="{FF2B5EF4-FFF2-40B4-BE49-F238E27FC236}">
-                    <a16:creationId xmlns:a16="http://schemas.microsoft.com/office/drawing/2014/main" id="{6BED3FB9-4FD3-12F9-6FFE-ACF0F320D934}"/>
-                  </a:ext>
-                </a:extLst>
-              </p:cNvPr>
-              <p:cNvSpPr>
-                <a:spLocks noGrp="1"/>
-              </p:cNvSpPr>
-              <p:nvPr>
-                <p:ph idx="1"/>
-              </p:nvPr>
-            </p:nvSpPr>
-            <p:spPr>
-              <a:xfrm>
-                <a:off x="423111" y="3084196"/>
-                <a:ext cx="8720889" cy="5850074"/>
-              </a:xfrm>
-            </p:spPr>
-            <p:txBody>
-              <a:bodyPr>
-                <a:normAutofit/>
-              </a:bodyPr>
-              <a:lstStyle/>
-              <a:p>
-                <a:pPr>
-                  <a:lnSpc>
-                    <a:spcPct val="150000"/>
-                  </a:lnSpc>
-                </a:pPr>
-                <a:r>
-                  <a:rPr lang="es-ES" dirty="0"/>
-                  <a:t>Support Vector Machines.</a:t>
-                </a:r>
-              </a:p>
-              <a:p>
-                <a:pPr lvl="1">
-                  <a:lnSpc>
-                    <a:spcPct val="150000"/>
-                  </a:lnSpc>
-                </a:pPr>
-                <a:r>
-                  <a:rPr lang="es-ES" dirty="0"/>
-                  <a:t>Tries </a:t>
-                </a:r>
-                <a:r>
-                  <a:rPr lang="es-ES" dirty="0" err="1"/>
-                  <a:t>to</a:t>
-                </a:r>
-                <a:r>
-                  <a:rPr lang="es-ES" dirty="0"/>
-                  <a:t> </a:t>
-                </a:r>
-                <a:r>
-                  <a:rPr lang="es-ES" dirty="0" err="1"/>
-                  <a:t>find</a:t>
-                </a:r>
-                <a:r>
-                  <a:rPr lang="es-ES" dirty="0"/>
-                  <a:t> </a:t>
-                </a:r>
-                <a:r>
-                  <a:rPr lang="es-ES" dirty="0" err="1"/>
-                  <a:t>the</a:t>
-                </a:r>
-                <a:r>
-                  <a:rPr lang="es-ES" dirty="0"/>
-                  <a:t> </a:t>
-                </a:r>
-                <a:r>
-                  <a:rPr lang="es-ES" dirty="0" err="1"/>
-                  <a:t>best</a:t>
-                </a:r>
-                <a:r>
-                  <a:rPr lang="es-ES" dirty="0"/>
-                  <a:t> </a:t>
-                </a:r>
-                <a:r>
-                  <a:rPr lang="es-ES" dirty="0" err="1"/>
-                  <a:t>hyperplane</a:t>
-                </a:r>
-                <a:r>
-                  <a:rPr lang="es-ES" dirty="0"/>
-                  <a:t>.</a:t>
-                </a:r>
-              </a:p>
-              <a:p>
-                <a:pPr lvl="1">
-                  <a:lnSpc>
-                    <a:spcPct val="150000"/>
-                  </a:lnSpc>
-                </a:pPr>
-                <a:r>
-                  <a:rPr lang="es-ES" dirty="0" err="1"/>
-                  <a:t>Depends</a:t>
-                </a:r>
-                <a:r>
-                  <a:rPr lang="es-ES" dirty="0"/>
-                  <a:t> </a:t>
-                </a:r>
-                <a:r>
-                  <a:rPr lang="es-ES" dirty="0" err="1"/>
-                  <a:t>on</a:t>
-                </a:r>
-                <a:r>
-                  <a:rPr lang="es-ES" dirty="0"/>
-                  <a:t>:</a:t>
-                </a:r>
-              </a:p>
-              <a:p>
-                <a:pPr lvl="2">
-                  <a:lnSpc>
-                    <a:spcPct val="150000"/>
-                  </a:lnSpc>
-                </a:pPr>
-                <a:r>
-                  <a:rPr lang="es-ES" dirty="0" err="1"/>
-                  <a:t>selection</a:t>
-                </a:r>
-                <a:r>
-                  <a:rPr lang="es-ES" dirty="0"/>
-                  <a:t> </a:t>
-                </a:r>
-                <a:r>
-                  <a:rPr lang="es-ES" dirty="0" err="1"/>
-                  <a:t>of</a:t>
-                </a:r>
-                <a:r>
-                  <a:rPr lang="es-ES" dirty="0"/>
-                  <a:t> </a:t>
-                </a:r>
-                <a:r>
-                  <a:rPr lang="es-ES" dirty="0" err="1"/>
-                  <a:t>hyperparameters</a:t>
-                </a:r>
-                <a:endParaRPr lang="es-ES" dirty="0"/>
-              </a:p>
-              <a:p>
-                <a:pPr marL="1371600" lvl="2" indent="0">
-                  <a:lnSpc>
-                    <a:spcPct val="150000"/>
-                  </a:lnSpc>
-                  <a:buNone/>
-                </a:pPr>
-                <a:r>
-                  <a:rPr lang="es-ES" dirty="0"/>
-                  <a:t>	</a:t>
-                </a:r>
-                <a:r>
-                  <a:rPr lang="es-ES" dirty="0" err="1"/>
-                  <a:t>regularization</a:t>
-                </a:r>
-                <a:r>
-                  <a:rPr lang="es-ES" dirty="0"/>
-                  <a:t> </a:t>
-                </a:r>
-                <a:r>
-                  <a:rPr lang="es-ES" dirty="0" err="1"/>
-                  <a:t>parameter</a:t>
-                </a:r>
-                <a:r>
-                  <a:rPr lang="es-ES" dirty="0"/>
-                  <a:t> (</a:t>
-                </a:r>
-                <a14:m>
-                  <m:oMath xmlns:m="http://schemas.openxmlformats.org/officeDocument/2006/math">
-                    <m:r>
-                      <a:rPr lang="es-ES" b="0" i="1" smtClean="0">
-                        <a:latin typeface="Cambria Math" panose="02040503050406030204" pitchFamily="18" charset="0"/>
-                      </a:rPr>
-                      <m:t>𝐶</m:t>
-                    </m:r>
-                  </m:oMath>
-                </a14:m>
-                <a:r>
-                  <a:rPr lang="es-ES" dirty="0"/>
-                  <a:t>)</a:t>
-                </a:r>
-              </a:p>
-              <a:p>
-                <a:pPr marL="1371600" lvl="2" indent="0">
-                  <a:lnSpc>
-                    <a:spcPct val="150000"/>
-                  </a:lnSpc>
-                  <a:buNone/>
-                </a:pPr>
-                <a:r>
-                  <a:rPr lang="es-ES" dirty="0"/>
-                  <a:t>	</a:t>
-                </a:r>
-                <a:r>
-                  <a:rPr lang="es-ES" dirty="0" err="1"/>
-                  <a:t>Kernel</a:t>
-                </a:r>
-                <a:r>
-                  <a:rPr lang="es-ES" dirty="0"/>
-                  <a:t> </a:t>
-                </a:r>
-                <a:r>
-                  <a:rPr lang="es-ES" dirty="0" err="1"/>
-                  <a:t>function</a:t>
-                </a:r>
-                <a:r>
-                  <a:rPr lang="es-ES" dirty="0"/>
-                  <a:t> </a:t>
-                </a:r>
-              </a:p>
-              <a:p>
-                <a:pPr marL="1371600" lvl="2" indent="0">
-                  <a:buNone/>
-                </a:pPr>
-                <a:endParaRPr lang="es-ES" dirty="0"/>
-              </a:p>
-              <a:p>
-                <a:endParaRPr lang="en-GB" dirty="0"/>
-              </a:p>
-            </p:txBody>
-          </p:sp>
-        </mc:Choice>
-        <mc:Fallback>
-          <p:sp>
-            <p:nvSpPr>
-              <p:cNvPr id="16" name="Marcador de contenido 2">
-                <a:extLst>
-                  <a:ext uri="{FF2B5EF4-FFF2-40B4-BE49-F238E27FC236}">
-                    <a16:creationId xmlns:a16="http://schemas.microsoft.com/office/drawing/2014/main" id="{6BED3FB9-4FD3-12F9-6FFE-ACF0F320D934}"/>
-                  </a:ext>
-                </a:extLst>
-              </p:cNvPr>
-              <p:cNvSpPr>
-                <a:spLocks noGrp="1" noRot="1" noChangeAspect="1" noMove="1" noResize="1" noEditPoints="1" noAdjustHandles="1" noChangeArrowheads="1" noChangeShapeType="1" noTextEdit="1"/>
-              </p:cNvSpPr>
-              <p:nvPr>
-                <p:ph idx="1"/>
-              </p:nvPr>
-            </p:nvSpPr>
-            <p:spPr>
-              <a:xfrm>
-                <a:off x="423111" y="3084196"/>
-                <a:ext cx="8720889" cy="5850074"/>
-              </a:xfrm>
-              <a:blipFill>
-                <a:blip r:embed="rId4"/>
-                <a:stretch>
-                  <a:fillRect l="-2446"/>
-                </a:stretch>
-              </a:blipFill>
-            </p:spPr>
-            <p:txBody>
-              <a:bodyPr/>
-              <a:lstStyle/>
-              <a:p>
-                <a:r>
-                  <a:rPr lang="es-ES">
-                    <a:noFill/>
-                  </a:rPr>
-                  <a:t> </a:t>
-                </a:r>
-              </a:p>
-            </p:txBody>
-          </p:sp>
-        </mc:Fallback>
-      </mc:AlternateContent>
-      <p:sp>
-        <p:nvSpPr>
-          <p:cNvPr id="3" name="Marcador de pie de página 3">
-            <a:extLst>
-              <a:ext uri="{FF2B5EF4-FFF2-40B4-BE49-F238E27FC236}">
-                <a16:creationId xmlns:a16="http://schemas.microsoft.com/office/drawing/2014/main" id="{DBE322D2-E919-4ED2-DD3E-BF7D2B7EF39D}"/>
-              </a:ext>
-            </a:extLst>
-          </p:cNvPr>
-          <p:cNvSpPr>
-            <a:spLocks noGrp="1"/>
-          </p:cNvSpPr>
-          <p:nvPr>
-            <p:ph type="ftr" sz="quarter" idx="11"/>
-          </p:nvPr>
-        </p:nvSpPr>
-        <p:spPr>
-          <a:xfrm>
-            <a:off x="1653085" y="9628939"/>
-            <a:ext cx="13031905" cy="547772"/>
-          </a:xfrm>
-        </p:spPr>
-        <p:txBody>
-          <a:bodyPr/>
-          <a:lstStyle/>
-          <a:p>
-            <a:pPr algn="ctr">
-              <a:lnSpc>
-                <a:spcPct val="150000"/>
-              </a:lnSpc>
-              <a:spcAft>
-                <a:spcPts val="800"/>
-              </a:spcAft>
-            </a:pPr>
-            <a:r>
-              <a:rPr lang="en-US" sz="1800" b="1" kern="100" dirty="0">
-                <a:effectLst/>
-                <a:latin typeface="Times New Roman" panose="02020603050405020304" pitchFamily="18" charset="0"/>
-                <a:ea typeface="Aptos" panose="020B0004020202020204" pitchFamily="34" charset="0"/>
-                <a:cs typeface="Times New Roman" panose="02020603050405020304" pitchFamily="18" charset="0"/>
-              </a:rPr>
-              <a:t>A novel approach for efficiency evaluation through the integration of standard Machine Learning classification models and Data Envelopment Analysis</a:t>
-            </a:r>
-            <a:endParaRPr lang="es-ES" sz="1600" kern="100" dirty="0">
-              <a:effectLst/>
-              <a:latin typeface="Times New Roman" panose="02020603050405020304" pitchFamily="18" charset="0"/>
-              <a:ea typeface="Aptos" panose="020B0004020202020204" pitchFamily="34" charset="0"/>
-              <a:cs typeface="Times New Roman" panose="02020603050405020304" pitchFamily="18" charset="0"/>
-            </a:endParaRPr>
-          </a:p>
-        </p:txBody>
-      </p:sp>
-    </p:spTree>
-    <p:extLst>
-      <p:ext uri="{BB962C8B-B14F-4D97-AF65-F5344CB8AC3E}">
-        <p14:creationId xmlns:p14="http://schemas.microsoft.com/office/powerpoint/2010/main" val="330661727"/>
-      </p:ext>
-    </p:extLst>
-  </p:cSld>
-  <p:clrMapOvr>
-    <a:masterClrMapping/>
-  </p:clrMapOvr>
-</p:sld>
-</file>
-
-<file path=ppt/slides/slide12.xml><?xml version="1.0" encoding="utf-8"?>
-<p:sld xmlns:a="http://schemas.openxmlformats.org/drawingml/2006/main" xmlns:r="http://schemas.openxmlformats.org/officeDocument/2006/relationships" xmlns:p="http://schemas.openxmlformats.org/presentationml/2006/main">
-  <p:cSld>
-    <p:spTree>
-      <p:nvGrpSpPr>
-        <p:cNvPr id="1" name=""/>
-        <p:cNvGrpSpPr/>
-        <p:nvPr/>
-      </p:nvGrpSpPr>
-      <p:grpSpPr>
-        <a:xfrm>
-          <a:off x="0" y="0"/>
-          <a:ext cx="0" cy="0"/>
-          <a:chOff x="0" y="0"/>
-          <a:chExt cx="0" cy="0"/>
-        </a:xfrm>
-      </p:grpSpPr>
-      <p:sp>
-        <p:nvSpPr>
-          <p:cNvPr id="2" name="Título 1">
-            <a:extLst>
-              <a:ext uri="{FF2B5EF4-FFF2-40B4-BE49-F238E27FC236}">
-                <a16:creationId xmlns:a16="http://schemas.microsoft.com/office/drawing/2014/main" id="{90750DB4-7407-420E-84B6-A10D2F3B9D3E}"/>
-              </a:ext>
-            </a:extLst>
-          </p:cNvPr>
-          <p:cNvSpPr>
-            <a:spLocks noGrp="1"/>
-          </p:cNvSpPr>
-          <p:nvPr>
-            <p:ph type="title"/>
-          </p:nvPr>
-        </p:nvSpPr>
-        <p:spPr>
-          <a:xfrm>
-            <a:off x="1257300" y="547773"/>
-            <a:ext cx="15773400" cy="1988651"/>
-          </a:xfrm>
-        </p:spPr>
-        <p:txBody>
-          <a:bodyPr anchor="ctr">
-            <a:normAutofit/>
-          </a:bodyPr>
-          <a:lstStyle/>
-          <a:p>
-            <a:r>
-              <a:rPr lang="en-AU" dirty="0"/>
-              <a:t>Introduction</a:t>
-            </a:r>
-          </a:p>
-        </p:txBody>
-      </p:sp>
-      <p:sp>
-        <p:nvSpPr>
-          <p:cNvPr id="5" name="Marcador de número de diapositiva 4">
-            <a:extLst>
-              <a:ext uri="{FF2B5EF4-FFF2-40B4-BE49-F238E27FC236}">
-                <a16:creationId xmlns:a16="http://schemas.microsoft.com/office/drawing/2014/main" id="{D760CE8D-9EC8-4E3A-9555-8CAAD8E66448}"/>
-              </a:ext>
-            </a:extLst>
-          </p:cNvPr>
-          <p:cNvSpPr>
-            <a:spLocks noGrp="1"/>
-          </p:cNvSpPr>
-          <p:nvPr>
-            <p:ph type="sldNum" sz="quarter" idx="12"/>
-          </p:nvPr>
-        </p:nvSpPr>
-        <p:spPr>
-          <a:xfrm>
-            <a:off x="264428" y="9628939"/>
-            <a:ext cx="1134184" cy="547772"/>
-          </a:xfrm>
-        </p:spPr>
-        <p:txBody>
-          <a:bodyPr anchor="ctr">
-            <a:normAutofit/>
-          </a:bodyPr>
-          <a:lstStyle/>
-          <a:p>
-            <a:pPr>
-              <a:spcAft>
-                <a:spcPts val="600"/>
-              </a:spcAft>
-            </a:pPr>
-            <a:fld id="{DBFF9636-A71C-488A-89F8-02E08556F10C}" type="slidenum">
-              <a:rPr lang="es-ES" smtClean="0"/>
-              <a:pPr>
-                <a:spcAft>
-                  <a:spcPts val="600"/>
-                </a:spcAft>
-              </a:pPr>
-              <a:t>12</a:t>
-            </a:fld>
-            <a:endParaRPr lang="es-ES"/>
-          </a:p>
-        </p:txBody>
-      </p:sp>
-      <p:sp>
-        <p:nvSpPr>
-          <p:cNvPr id="6" name="Rectangle 2">
-            <a:extLst>
-              <a:ext uri="{FF2B5EF4-FFF2-40B4-BE49-F238E27FC236}">
-                <a16:creationId xmlns:a16="http://schemas.microsoft.com/office/drawing/2014/main" id="{D42C99F7-B18C-5766-7C71-09326CDDA514}"/>
-              </a:ext>
-            </a:extLst>
-          </p:cNvPr>
-          <p:cNvSpPr>
-            <a:spLocks noChangeArrowheads="1"/>
-          </p:cNvSpPr>
-          <p:nvPr/>
-        </p:nvSpPr>
-        <p:spPr bwMode="auto">
-          <a:xfrm>
-            <a:off x="0" y="0"/>
-            <a:ext cx="18288000" cy="0"/>
-          </a:xfrm>
-          <a:prstGeom prst="rect">
-            <a:avLst/>
-          </a:prstGeom>
-          <a:noFill/>
-          <a:ln>
-            <a:noFill/>
-          </a:ln>
-          <a:effectLst/>
-          <a:extLst>
-            <a:ext uri="{909E8E84-426E-40DD-AFC4-6F175D3DCCD1}">
-              <a14:hiddenFill xmlns:a14="http://schemas.microsoft.com/office/drawing/2010/main">
-                <a:solidFill>
-                  <a:schemeClr val="accent1"/>
-                </a:solidFill>
-              </a14:hiddenFill>
-            </a:ext>
-            <a:ext uri="{91240B29-F687-4F45-9708-019B960494DF}">
-              <a14:hiddenLine xmlns:a14="http://schemas.microsoft.com/office/drawing/2010/main" w="9525">
-                <a:solidFill>
-                  <a:schemeClr val="tx1"/>
-                </a:solidFill>
-                <a:miter lim="800000"/>
-                <a:headEnd/>
-                <a:tailEnd/>
-              </a14:hiddenLine>
-            </a:ext>
-            <a:ext uri="{AF507438-7753-43E0-B8FC-AC1667EBCBE1}">
-              <a14:hiddenEffects xmlns:a14="http://schemas.microsoft.com/office/drawing/2010/main">
-                <a:effectLst>
-                  <a:outerShdw dist="35921" dir="2700000" algn="ctr" rotWithShape="0">
-                    <a:schemeClr val="bg2"/>
-                  </a:outerShdw>
-                </a:effectLst>
-              </a14:hiddenEffects>
-            </a:ext>
-          </a:extLst>
-        </p:spPr>
-        <p:txBody>
-          <a:bodyPr vert="horz" wrap="none" lIns="91440" tIns="45720" rIns="91440" bIns="45720" numCol="1" anchor="ctr" anchorCtr="0" compatLnSpc="1">
-            <a:prstTxWarp prst="textNoShape">
-              <a:avLst/>
-            </a:prstTxWarp>
-            <a:spAutoFit/>
-          </a:bodyPr>
-          <a:lstStyle/>
-          <a:p>
-            <a:endParaRPr lang="es-ES"/>
-          </a:p>
-        </p:txBody>
-      </p:sp>
       <p:sp>
         <p:nvSpPr>
           <p:cNvPr id="16" name="Marcador de contenido 2">
@@ -9409,7 +8465,7 @@
 </p:sld>
 </file>
 
-<file path=ppt/slides/slide13.xml><?xml version="1.0" encoding="utf-8"?>
+<file path=ppt/slides/slide11.xml><?xml version="1.0" encoding="utf-8"?>
 <p:sld xmlns:a="http://schemas.openxmlformats.org/drawingml/2006/main" xmlns:r="http://schemas.openxmlformats.org/officeDocument/2006/relationships" xmlns:p="http://schemas.openxmlformats.org/presentationml/2006/main">
   <p:cSld>
     <p:spTree>
@@ -9553,7 +8609,7 @@
             <a:fld id="{DBFF9636-A71C-488A-89F8-02E08556F10C}" type="slidenum">
               <a:rPr lang="es-ES" smtClean="0"/>
               <a:pPr/>
-              <a:t>13</a:t>
+              <a:t>11</a:t>
             </a:fld>
             <a:endParaRPr lang="es-ES" dirty="0"/>
           </a:p>
@@ -9572,7 +8628,7 @@
 </p:sld>
 </file>
 
-<file path=ppt/slides/slide14.xml><?xml version="1.0" encoding="utf-8"?>
+<file path=ppt/slides/slide12.xml><?xml version="1.0" encoding="utf-8"?>
 <p:sld xmlns:a="http://schemas.openxmlformats.org/drawingml/2006/main" xmlns:r="http://schemas.openxmlformats.org/officeDocument/2006/relationships" xmlns:p="http://schemas.openxmlformats.org/presentationml/2006/main">
   <p:cSld>
     <p:spTree>
@@ -9704,7 +8760,7 @@
             <a:fld id="{DBFF9636-A71C-488A-89F8-02E08556F10C}" type="slidenum">
               <a:rPr lang="es-ES" smtClean="0"/>
               <a:pPr/>
-              <a:t>14</a:t>
+              <a:t>12</a:t>
             </a:fld>
             <a:endParaRPr lang="es-ES" dirty="0"/>
           </a:p>
@@ -10460,7 +9516,603 @@
 </p:sld>
 </file>
 
-<file path=ppt/slides/slide15.xml><?xml version="1.0" encoding="utf-8"?>
+<file path=ppt/slides/slide13.xml><?xml version="1.0" encoding="utf-8"?>
+<p:sld xmlns:a="http://schemas.openxmlformats.org/drawingml/2006/main" xmlns:r="http://schemas.openxmlformats.org/officeDocument/2006/relationships" xmlns:p="http://schemas.openxmlformats.org/presentationml/2006/main">
+  <p:cSld>
+    <p:spTree>
+      <p:nvGrpSpPr>
+        <p:cNvPr id="1" name=""/>
+        <p:cNvGrpSpPr/>
+        <p:nvPr/>
+      </p:nvGrpSpPr>
+      <p:grpSpPr>
+        <a:xfrm>
+          <a:off x="0" y="0"/>
+          <a:ext cx="0" cy="0"/>
+          <a:chOff x="0" y="0"/>
+          <a:chExt cx="0" cy="0"/>
+        </a:xfrm>
+      </p:grpSpPr>
+      <p:sp>
+        <p:nvSpPr>
+          <p:cNvPr id="2" name="Título 1">
+            <a:extLst>
+              <a:ext uri="{FF2B5EF4-FFF2-40B4-BE49-F238E27FC236}">
+                <a16:creationId xmlns:a16="http://schemas.microsoft.com/office/drawing/2014/main" id="{90750DB4-7407-420E-84B6-A10D2F3B9D3E}"/>
+              </a:ext>
+            </a:extLst>
+          </p:cNvPr>
+          <p:cNvSpPr>
+            <a:spLocks noGrp="1"/>
+          </p:cNvSpPr>
+          <p:nvPr>
+            <p:ph type="title"/>
+          </p:nvPr>
+        </p:nvSpPr>
+        <p:spPr/>
+        <p:txBody>
+          <a:bodyPr/>
+          <a:lstStyle/>
+          <a:p>
+            <a:r>
+              <a:rPr lang="en-AU" dirty="0"/>
+              <a:t>Introduction</a:t>
+            </a:r>
+          </a:p>
+        </p:txBody>
+      </p:sp>
+      <mc:AlternateContent xmlns:mc="http://schemas.openxmlformats.org/markup-compatibility/2006" xmlns:a14="http://schemas.microsoft.com/office/drawing/2010/main">
+        <mc:Choice Requires="a14">
+          <p:sp>
+            <p:nvSpPr>
+              <p:cNvPr id="3" name="Marcador de contenido 2">
+                <a:extLst>
+                  <a:ext uri="{FF2B5EF4-FFF2-40B4-BE49-F238E27FC236}">
+                    <a16:creationId xmlns:a16="http://schemas.microsoft.com/office/drawing/2014/main" id="{F2F9E890-B6DE-48DE-8F6A-A85504366140}"/>
+                  </a:ext>
+                </a:extLst>
+              </p:cNvPr>
+              <p:cNvSpPr>
+                <a:spLocks noGrp="1"/>
+              </p:cNvSpPr>
+              <p:nvPr>
+                <p:ph idx="1"/>
+              </p:nvPr>
+            </p:nvSpPr>
+            <p:spPr>
+              <a:xfrm>
+                <a:off x="837580" y="3778865"/>
+                <a:ext cx="8720889" cy="5850074"/>
+              </a:xfrm>
+            </p:spPr>
+            <p:txBody>
+              <a:bodyPr>
+                <a:normAutofit/>
+              </a:bodyPr>
+              <a:lstStyle/>
+              <a:p>
+                <a:r>
+                  <a:rPr lang="en-GB" dirty="0"/>
+                  <a:t>Estimation of production frontiers</a:t>
+                </a:r>
+              </a:p>
+              <a:p>
+                <a:r>
+                  <a:rPr lang="en-GB" dirty="0"/>
+                  <a:t>Technology:</a:t>
+                </a:r>
+              </a:p>
+              <a:p>
+                <a:r>
+                  <a:rPr lang="en-GB" dirty="0"/>
+                  <a:t>Usual Axioms </a:t>
+                </a:r>
+              </a:p>
+              <a:p>
+                <a:pPr lvl="1"/>
+                <a:r>
+                  <a:rPr lang="es-ES" dirty="0"/>
+                  <a:t>Deterministicness (</a:t>
+                </a:r>
+                <a14:m>
+                  <m:oMath xmlns:m="http://schemas.openxmlformats.org/officeDocument/2006/math">
+                    <m:r>
+                      <a:rPr lang="es-ES" b="0" i="1" smtClean="0">
+                        <a:latin typeface="Cambria Math" panose="02040503050406030204" pitchFamily="18" charset="0"/>
+                      </a:rPr>
+                      <m:t>𝑓</m:t>
+                    </m:r>
+                    <m:d>
+                      <m:dPr>
+                        <m:ctrlPr>
+                          <a:rPr lang="es-ES" b="0" i="1" smtClean="0">
+                            <a:latin typeface="Cambria Math" panose="02040503050406030204" pitchFamily="18" charset="0"/>
+                          </a:rPr>
+                        </m:ctrlPr>
+                      </m:dPr>
+                      <m:e>
+                        <m:sSub>
+                          <m:sSubPr>
+                            <m:ctrlPr>
+                              <a:rPr lang="es-ES" b="0" i="1" smtClean="0">
+                                <a:latin typeface="Cambria Math" panose="02040503050406030204" pitchFamily="18" charset="0"/>
+                              </a:rPr>
+                            </m:ctrlPr>
+                          </m:sSubPr>
+                          <m:e>
+                            <m:r>
+                              <a:rPr lang="es-ES" b="1" i="1" smtClean="0">
+                                <a:latin typeface="Cambria Math" panose="02040503050406030204" pitchFamily="18" charset="0"/>
+                              </a:rPr>
+                              <m:t>𝒙</m:t>
+                            </m:r>
+                          </m:e>
+                          <m:sub>
+                            <m:r>
+                              <a:rPr lang="es-ES" b="0" i="1" smtClean="0">
+                                <a:latin typeface="Cambria Math" panose="02040503050406030204" pitchFamily="18" charset="0"/>
+                              </a:rPr>
+                              <m:t>𝑖</m:t>
+                            </m:r>
+                          </m:sub>
+                        </m:sSub>
+                      </m:e>
+                    </m:d>
+                    <m:r>
+                      <a:rPr lang="es-ES" b="0" i="1" smtClean="0">
+                        <a:latin typeface="Cambria Math" panose="02040503050406030204" pitchFamily="18" charset="0"/>
+                      </a:rPr>
+                      <m:t>≥ </m:t>
+                    </m:r>
+                    <m:sSub>
+                      <m:sSubPr>
+                        <m:ctrlPr>
+                          <a:rPr lang="es-ES" i="1">
+                            <a:latin typeface="Cambria Math" panose="02040503050406030204" pitchFamily="18" charset="0"/>
+                          </a:rPr>
+                        </m:ctrlPr>
+                      </m:sSubPr>
+                      <m:e>
+                        <m:r>
+                          <a:rPr lang="es-ES" b="1" i="1" smtClean="0">
+                            <a:latin typeface="Cambria Math" panose="02040503050406030204" pitchFamily="18" charset="0"/>
+                          </a:rPr>
+                          <m:t>𝒚</m:t>
+                        </m:r>
+                      </m:e>
+                      <m:sub>
+                        <m:r>
+                          <a:rPr lang="es-ES" i="1">
+                            <a:latin typeface="Cambria Math" panose="02040503050406030204" pitchFamily="18" charset="0"/>
+                          </a:rPr>
+                          <m:t>𝑖</m:t>
+                        </m:r>
+                      </m:sub>
+                    </m:sSub>
+                    <m:r>
+                      <a:rPr lang="es-ES" i="1">
+                        <a:latin typeface="Cambria Math" panose="02040503050406030204" pitchFamily="18" charset="0"/>
+                      </a:rPr>
+                      <m:t> </m:t>
+                    </m:r>
+                  </m:oMath>
+                </a14:m>
+                <a:r>
+                  <a:rPr lang="es-ES" dirty="0"/>
+                  <a:t>)</a:t>
+                </a:r>
+                <a:endParaRPr lang="en-GB" dirty="0"/>
+              </a:p>
+              <a:p>
+                <a:pPr lvl="1"/>
+                <a:r>
+                  <a:rPr lang="en-GB" dirty="0"/>
+                  <a:t>Free Disposability set (monotonic function)</a:t>
+                </a:r>
+              </a:p>
+              <a:p>
+                <a:pPr lvl="1"/>
+                <a:r>
+                  <a:rPr lang="en-GB" dirty="0"/>
+                  <a:t>Convexity set (concave function)</a:t>
+                </a:r>
+              </a:p>
+            </p:txBody>
+          </p:sp>
+        </mc:Choice>
+        <mc:Fallback xmlns="">
+          <p:sp>
+            <p:nvSpPr>
+              <p:cNvPr id="3" name="Marcador de contenido 2">
+                <a:extLst>
+                  <a:ext uri="{FF2B5EF4-FFF2-40B4-BE49-F238E27FC236}">
+                    <a16:creationId xmlns:a16="http://schemas.microsoft.com/office/drawing/2014/main" id="{F2F9E890-B6DE-48DE-8F6A-A85504366140}"/>
+                  </a:ext>
+                </a:extLst>
+              </p:cNvPr>
+              <p:cNvSpPr>
+                <a:spLocks noGrp="1" noRot="1" noChangeAspect="1" noMove="1" noResize="1" noEditPoints="1" noAdjustHandles="1" noChangeArrowheads="1" noChangeShapeType="1" noTextEdit="1"/>
+              </p:cNvSpPr>
+              <p:nvPr>
+                <p:ph idx="1"/>
+              </p:nvPr>
+            </p:nvSpPr>
+            <p:spPr>
+              <a:xfrm>
+                <a:off x="837580" y="3778865"/>
+                <a:ext cx="8720889" cy="5850074"/>
+              </a:xfrm>
+              <a:blipFill>
+                <a:blip r:embed="rId3"/>
+                <a:stretch>
+                  <a:fillRect l="-2446" t="-3229" r="-1398"/>
+                </a:stretch>
+              </a:blipFill>
+            </p:spPr>
+            <p:txBody>
+              <a:bodyPr/>
+              <a:lstStyle/>
+              <a:p>
+                <a:r>
+                  <a:rPr lang="es-ES">
+                    <a:noFill/>
+                  </a:rPr>
+                  <a:t> </a:t>
+                </a:r>
+              </a:p>
+            </p:txBody>
+          </p:sp>
+        </mc:Fallback>
+      </mc:AlternateContent>
+      <p:sp>
+        <p:nvSpPr>
+          <p:cNvPr id="5" name="Marcador de número de diapositiva 4">
+            <a:extLst>
+              <a:ext uri="{FF2B5EF4-FFF2-40B4-BE49-F238E27FC236}">
+                <a16:creationId xmlns:a16="http://schemas.microsoft.com/office/drawing/2014/main" id="{D760CE8D-9EC8-4E3A-9555-8CAAD8E66448}"/>
+              </a:ext>
+            </a:extLst>
+          </p:cNvPr>
+          <p:cNvSpPr>
+            <a:spLocks noGrp="1"/>
+          </p:cNvSpPr>
+          <p:nvPr>
+            <p:ph type="sldNum" sz="quarter" idx="12"/>
+          </p:nvPr>
+        </p:nvSpPr>
+        <p:spPr/>
+        <p:txBody>
+          <a:bodyPr/>
+          <a:lstStyle/>
+          <a:p>
+            <a:fld id="{DBFF9636-A71C-488A-89F8-02E08556F10C}" type="slidenum">
+              <a:rPr lang="es-ES" smtClean="0"/>
+              <a:pPr/>
+              <a:t>13</a:t>
+            </a:fld>
+            <a:endParaRPr lang="es-ES" dirty="0"/>
+          </a:p>
+        </p:txBody>
+      </p:sp>
+      <p:sp>
+        <p:nvSpPr>
+          <p:cNvPr id="6" name="Rectangle 2">
+            <a:extLst>
+              <a:ext uri="{FF2B5EF4-FFF2-40B4-BE49-F238E27FC236}">
+                <a16:creationId xmlns:a16="http://schemas.microsoft.com/office/drawing/2014/main" id="{D42C99F7-B18C-5766-7C71-09326CDDA514}"/>
+              </a:ext>
+            </a:extLst>
+          </p:cNvPr>
+          <p:cNvSpPr>
+            <a:spLocks noChangeArrowheads="1"/>
+          </p:cNvSpPr>
+          <p:nvPr/>
+        </p:nvSpPr>
+        <p:spPr bwMode="auto">
+          <a:xfrm>
+            <a:off x="0" y="0"/>
+            <a:ext cx="18288000" cy="0"/>
+          </a:xfrm>
+          <a:prstGeom prst="rect">
+            <a:avLst/>
+          </a:prstGeom>
+          <a:noFill/>
+          <a:ln>
+            <a:noFill/>
+          </a:ln>
+          <a:effectLst/>
+          <a:extLst>
+            <a:ext uri="{909E8E84-426E-40DD-AFC4-6F175D3DCCD1}">
+              <a14:hiddenFill xmlns:a14="http://schemas.microsoft.com/office/drawing/2010/main">
+                <a:solidFill>
+                  <a:schemeClr val="accent1"/>
+                </a:solidFill>
+              </a14:hiddenFill>
+            </a:ext>
+            <a:ext uri="{91240B29-F687-4F45-9708-019B960494DF}">
+              <a14:hiddenLine xmlns:a14="http://schemas.microsoft.com/office/drawing/2010/main" w="9525">
+                <a:solidFill>
+                  <a:schemeClr val="tx1"/>
+                </a:solidFill>
+                <a:miter lim="800000"/>
+                <a:headEnd/>
+                <a:tailEnd/>
+              </a14:hiddenLine>
+            </a:ext>
+            <a:ext uri="{AF507438-7753-43E0-B8FC-AC1667EBCBE1}">
+              <a14:hiddenEffects xmlns:a14="http://schemas.microsoft.com/office/drawing/2010/main">
+                <a:effectLst>
+                  <a:outerShdw dist="35921" dir="2700000" algn="ctr" rotWithShape="0">
+                    <a:schemeClr val="bg2"/>
+                  </a:outerShdw>
+                </a:effectLst>
+              </a14:hiddenEffects>
+            </a:ext>
+          </a:extLst>
+        </p:spPr>
+        <p:txBody>
+          <a:bodyPr vert="horz" wrap="none" lIns="91440" tIns="45720" rIns="91440" bIns="45720" numCol="1" anchor="ctr" anchorCtr="0" compatLnSpc="1">
+            <a:prstTxWarp prst="textNoShape">
+              <a:avLst/>
+            </a:prstTxWarp>
+            <a:spAutoFit/>
+          </a:bodyPr>
+          <a:lstStyle/>
+          <a:p>
+            <a:endParaRPr lang="es-ES"/>
+          </a:p>
+        </p:txBody>
+      </p:sp>
+      <p:graphicFrame>
+        <p:nvGraphicFramePr>
+          <p:cNvPr id="7" name="Objeto 6">
+            <a:extLst>
+              <a:ext uri="{FF2B5EF4-FFF2-40B4-BE49-F238E27FC236}">
+                <a16:creationId xmlns:a16="http://schemas.microsoft.com/office/drawing/2014/main" id="{A866B906-A4B6-DA1C-F3BC-115ECA168C92}"/>
+              </a:ext>
+            </a:extLst>
+          </p:cNvPr>
+          <p:cNvGraphicFramePr>
+            <a:graphicFrameLocks noChangeAspect="1"/>
+          </p:cNvGraphicFramePr>
+          <p:nvPr>
+            <p:extLst>
+              <p:ext uri="{D42A27DB-BD31-4B8C-83A1-F6EECF244321}">
+                <p14:modId xmlns:p14="http://schemas.microsoft.com/office/powerpoint/2010/main" val="3005426667"/>
+              </p:ext>
+            </p:extLst>
+          </p:nvPr>
+        </p:nvGraphicFramePr>
+        <p:xfrm>
+          <a:off x="4258141" y="4569664"/>
+          <a:ext cx="6667957" cy="848649"/>
+        </p:xfrm>
+        <a:graphic>
+          <a:graphicData uri="http://schemas.openxmlformats.org/presentationml/2006/ole">
+            <mc:AlternateContent xmlns:mc="http://schemas.openxmlformats.org/markup-compatibility/2006">
+              <mc:Choice xmlns:v="urn:schemas-microsoft-com:vml" Requires="v">
+                <p:oleObj name="Equation" r:id="rId4" imgW="2108200" imgH="266700" progId="Equation.DSMT4">
+                  <p:embed/>
+                </p:oleObj>
+              </mc:Choice>
+              <mc:Fallback>
+                <p:oleObj name="Equation" r:id="rId4" imgW="2108200" imgH="266700" progId="Equation.DSMT4">
+                  <p:embed/>
+                  <p:pic>
+                    <p:nvPicPr>
+                      <p:cNvPr id="7" name="Objeto 6">
+                        <a:extLst>
+                          <a:ext uri="{FF2B5EF4-FFF2-40B4-BE49-F238E27FC236}">
+                            <a16:creationId xmlns:a16="http://schemas.microsoft.com/office/drawing/2014/main" id="{A866B906-A4B6-DA1C-F3BC-115ECA168C92}"/>
+                          </a:ext>
+                        </a:extLst>
+                      </p:cNvPr>
+                      <p:cNvPicPr>
+                        <a:picLocks noChangeAspect="1" noChangeArrowheads="1"/>
+                      </p:cNvPicPr>
+                      <p:nvPr/>
+                    </p:nvPicPr>
+                    <p:blipFill>
+                      <a:blip r:embed="rId5">
+                        <a:extLst>
+                          <a:ext uri="{28A0092B-C50C-407E-A947-70E740481C1C}">
+                            <a14:useLocalDpi xmlns:a14="http://schemas.microsoft.com/office/drawing/2010/main" val="0"/>
+                          </a:ext>
+                        </a:extLst>
+                      </a:blip>
+                      <a:srcRect/>
+                      <a:stretch>
+                        <a:fillRect/>
+                      </a:stretch>
+                    </p:blipFill>
+                    <p:spPr bwMode="auto">
+                      <a:xfrm>
+                        <a:off x="4258141" y="4569664"/>
+                        <a:ext cx="6667957" cy="848649"/>
+                      </a:xfrm>
+                      <a:prstGeom prst="rect">
+                        <a:avLst/>
+                      </a:prstGeom>
+                      <a:noFill/>
+                    </p:spPr>
+                  </p:pic>
+                </p:oleObj>
+              </mc:Fallback>
+            </mc:AlternateContent>
+          </a:graphicData>
+        </a:graphic>
+      </p:graphicFrame>
+      <p:grpSp>
+        <p:nvGrpSpPr>
+          <p:cNvPr id="10" name="Grupo 9">
+            <a:extLst>
+              <a:ext uri="{FF2B5EF4-FFF2-40B4-BE49-F238E27FC236}">
+                <a16:creationId xmlns:a16="http://schemas.microsoft.com/office/drawing/2014/main" id="{6DF5652C-EB23-9F9F-6C56-5FCE87E1DE78}"/>
+              </a:ext>
+            </a:extLst>
+          </p:cNvPr>
+          <p:cNvGrpSpPr/>
+          <p:nvPr/>
+        </p:nvGrpSpPr>
+        <p:grpSpPr>
+          <a:xfrm>
+            <a:off x="11608415" y="3618829"/>
+            <a:ext cx="6153150" cy="5467350"/>
+            <a:chOff x="11035522" y="3441842"/>
+            <a:chExt cx="6153150" cy="5467350"/>
+          </a:xfrm>
+        </p:grpSpPr>
+        <p:pic>
+          <p:nvPicPr>
+            <p:cNvPr id="9" name="Imagen 8">
+              <a:extLst>
+                <a:ext uri="{FF2B5EF4-FFF2-40B4-BE49-F238E27FC236}">
+                  <a16:creationId xmlns:a16="http://schemas.microsoft.com/office/drawing/2014/main" id="{72898720-D1F3-5E93-439C-CE876B2019A8}"/>
+                </a:ext>
+              </a:extLst>
+            </p:cNvPr>
+            <p:cNvPicPr>
+              <a:picLocks noChangeAspect="1"/>
+            </p:cNvPicPr>
+            <p:nvPr/>
+          </p:nvPicPr>
+          <p:blipFill>
+            <a:blip r:embed="rId6"/>
+            <a:stretch>
+              <a:fillRect/>
+            </a:stretch>
+          </p:blipFill>
+          <p:spPr>
+            <a:xfrm>
+              <a:off x="11035522" y="3441842"/>
+              <a:ext cx="6153150" cy="5467350"/>
+            </a:xfrm>
+            <a:prstGeom prst="rect">
+              <a:avLst/>
+            </a:prstGeom>
+          </p:spPr>
+        </p:pic>
+        <p:sp>
+          <p:nvSpPr>
+            <p:cNvPr id="8" name="Rectángulo 7">
+              <a:extLst>
+                <a:ext uri="{FF2B5EF4-FFF2-40B4-BE49-F238E27FC236}">
+                  <a16:creationId xmlns:a16="http://schemas.microsoft.com/office/drawing/2014/main" id="{1EA4DC4B-A701-C204-7FA1-230C26BD6608}"/>
+                </a:ext>
+              </a:extLst>
+            </p:cNvPr>
+            <p:cNvSpPr/>
+            <p:nvPr/>
+          </p:nvSpPr>
+          <p:spPr>
+            <a:xfrm>
+              <a:off x="16114426" y="5576341"/>
+              <a:ext cx="916274" cy="374754"/>
+            </a:xfrm>
+            <a:prstGeom prst="rect">
+              <a:avLst/>
+            </a:prstGeom>
+            <a:solidFill>
+              <a:schemeClr val="bg1"/>
+            </a:solidFill>
+            <a:ln>
+              <a:solidFill>
+                <a:schemeClr val="bg1"/>
+              </a:solidFill>
+            </a:ln>
+          </p:spPr>
+          <p:style>
+            <a:lnRef idx="2">
+              <a:schemeClr val="accent1">
+                <a:shade val="50000"/>
+              </a:schemeClr>
+            </a:lnRef>
+            <a:fillRef idx="1">
+              <a:schemeClr val="accent1"/>
+            </a:fillRef>
+            <a:effectRef idx="0">
+              <a:schemeClr val="accent1"/>
+            </a:effectRef>
+            <a:fontRef idx="minor">
+              <a:schemeClr val="lt1"/>
+            </a:fontRef>
+          </p:style>
+          <p:txBody>
+            <a:bodyPr rtlCol="0" anchor="ctr"/>
+            <a:lstStyle/>
+            <a:p>
+              <a:pPr algn="ctr"/>
+              <a:endParaRPr lang="es-ES"/>
+            </a:p>
+          </p:txBody>
+        </p:sp>
+      </p:grpSp>
+      <p:sp>
+        <p:nvSpPr>
+          <p:cNvPr id="11" name="Marcador de pie de página 3">
+            <a:extLst>
+              <a:ext uri="{FF2B5EF4-FFF2-40B4-BE49-F238E27FC236}">
+                <a16:creationId xmlns:a16="http://schemas.microsoft.com/office/drawing/2014/main" id="{69537818-1D26-F354-3BFC-26FAE23CDE3A}"/>
+              </a:ext>
+            </a:extLst>
+          </p:cNvPr>
+          <p:cNvSpPr>
+            <a:spLocks noGrp="1"/>
+          </p:cNvSpPr>
+          <p:nvPr>
+            <p:ph type="ftr" sz="quarter" idx="11"/>
+          </p:nvPr>
+        </p:nvSpPr>
+        <p:spPr>
+          <a:xfrm>
+            <a:off x="1653085" y="9628939"/>
+            <a:ext cx="13031905" cy="547772"/>
+          </a:xfrm>
+        </p:spPr>
+        <p:txBody>
+          <a:bodyPr/>
+          <a:lstStyle/>
+          <a:p>
+            <a:pPr algn="ctr">
+              <a:lnSpc>
+                <a:spcPct val="150000"/>
+              </a:lnSpc>
+              <a:spcAft>
+                <a:spcPts val="800"/>
+              </a:spcAft>
+            </a:pPr>
+            <a:r>
+              <a:rPr lang="en-US" sz="1800" b="1" kern="100" dirty="0">
+                <a:effectLst/>
+                <a:latin typeface="Times New Roman" panose="02020603050405020304" pitchFamily="18" charset="0"/>
+                <a:ea typeface="Aptos" panose="020B0004020202020204" pitchFamily="34" charset="0"/>
+                <a:cs typeface="Times New Roman" panose="02020603050405020304" pitchFamily="18" charset="0"/>
+              </a:rPr>
+              <a:t>A novel approach for efficiency evaluation through the integration of standard Machine Learning classification models and Data Envelopment Analysis</a:t>
+            </a:r>
+            <a:endParaRPr lang="es-ES" sz="1600" kern="100" dirty="0">
+              <a:effectLst/>
+              <a:latin typeface="Times New Roman" panose="02020603050405020304" pitchFamily="18" charset="0"/>
+              <a:ea typeface="Aptos" panose="020B0004020202020204" pitchFamily="34" charset="0"/>
+              <a:cs typeface="Times New Roman" panose="02020603050405020304" pitchFamily="18" charset="0"/>
+            </a:endParaRPr>
+          </a:p>
+        </p:txBody>
+      </p:sp>
+    </p:spTree>
+    <p:extLst>
+      <p:ext uri="{BB962C8B-B14F-4D97-AF65-F5344CB8AC3E}">
+        <p14:creationId xmlns:p14="http://schemas.microsoft.com/office/powerpoint/2010/main" val="2265105320"/>
+      </p:ext>
+    </p:extLst>
+  </p:cSld>
+  <p:clrMapOvr>
+    <a:masterClrMapping/>
+  </p:clrMapOvr>
+</p:sld>
+</file>
+
+<file path=ppt/slides/slide14.xml><?xml version="1.0" encoding="utf-8"?>
 <p:sld xmlns:a="http://schemas.openxmlformats.org/drawingml/2006/main" xmlns:r="http://schemas.openxmlformats.org/officeDocument/2006/relationships" xmlns:p="http://schemas.openxmlformats.org/presentationml/2006/main">
   <p:cSld>
     <p:spTree>
@@ -10592,7 +10244,7 @@
                   <a:spcPts val="600"/>
                 </a:spcAft>
               </a:pPr>
-              <a:t>15</a:t>
+              <a:t>14</a:t>
             </a:fld>
             <a:endParaRPr lang="es-ES"/>
           </a:p>
@@ -10734,7 +10386,7 @@
 </p:sld>
 </file>
 
-<file path=ppt/slides/slide16.xml><?xml version="1.0" encoding="utf-8"?>
+<file path=ppt/slides/slide15.xml><?xml version="1.0" encoding="utf-8"?>
 <p:sld xmlns:a="http://schemas.openxmlformats.org/drawingml/2006/main" xmlns:r="http://schemas.openxmlformats.org/officeDocument/2006/relationships" xmlns:p="http://schemas.openxmlformats.org/presentationml/2006/main">
   <p:cSld>
     <p:spTree>
@@ -10879,7 +10531,7 @@
                   <a:spcPts val="600"/>
                 </a:spcAft>
               </a:pPr>
-              <a:t>16</a:t>
+              <a:t>15</a:t>
             </a:fld>
             <a:endParaRPr lang="es-ES"/>
           </a:p>
@@ -11007,7 +10659,7 @@
 </p:sld>
 </file>
 
-<file path=ppt/slides/slide17.xml><?xml version="1.0" encoding="utf-8"?>
+<file path=ppt/slides/slide16.xml><?xml version="1.0" encoding="utf-8"?>
 <p:sld xmlns:a="http://schemas.openxmlformats.org/drawingml/2006/main" xmlns:r="http://schemas.openxmlformats.org/officeDocument/2006/relationships" xmlns:p="http://schemas.openxmlformats.org/presentationml/2006/main">
   <p:cSld>
     <p:spTree>
@@ -11193,7 +10845,7 @@
                   <a:spcPts val="600"/>
                 </a:spcAft>
               </a:pPr>
-              <a:t>17</a:t>
+              <a:t>16</a:t>
             </a:fld>
             <a:endParaRPr lang="es-ES"/>
           </a:p>
@@ -11280,7 +10932,7 @@
 </p:sld>
 </file>
 
-<file path=ppt/slides/slide18.xml><?xml version="1.0" encoding="utf-8"?>
+<file path=ppt/slides/slide17.xml><?xml version="1.0" encoding="utf-8"?>
 <p:sld xmlns:a="http://schemas.openxmlformats.org/drawingml/2006/main" xmlns:r="http://schemas.openxmlformats.org/officeDocument/2006/relationships" xmlns:p="http://schemas.openxmlformats.org/presentationml/2006/main">
   <p:cSld>
     <p:spTree>
@@ -11356,7 +11008,7 @@
         </p:nvSpPr>
         <p:spPr>
           <a:xfrm>
-            <a:off x="1257300" y="2738860"/>
+            <a:off x="1257300" y="3100924"/>
             <a:ext cx="7772400" cy="6528015"/>
           </a:xfrm>
         </p:spPr>
@@ -11466,7 +11118,7 @@
                   <a:spcPts val="600"/>
                 </a:spcAft>
               </a:pPr>
-              <a:t>18</a:t>
+              <a:t>17</a:t>
             </a:fld>
             <a:endParaRPr lang="es-ES"/>
           </a:p>
@@ -11553,7 +11205,7 @@
 </p:sld>
 </file>
 
-<file path=ppt/slides/slide19.xml><?xml version="1.0" encoding="utf-8"?>
+<file path=ppt/slides/slide18.xml><?xml version="1.0" encoding="utf-8"?>
 <p:sld xmlns:a="http://schemas.openxmlformats.org/drawingml/2006/main" xmlns:r="http://schemas.openxmlformats.org/officeDocument/2006/relationships" xmlns:p="http://schemas.openxmlformats.org/presentationml/2006/main">
   <p:cSld>
     <p:spTree>
@@ -11748,7 +11400,7 @@
                   <a:spcPts val="600"/>
                 </a:spcAft>
               </a:pPr>
-              <a:t>19</a:t>
+              <a:t>18</a:t>
             </a:fld>
             <a:endParaRPr lang="es-ES"/>
           </a:p>
@@ -11826,6 +11478,186 @@
     <p:extLst>
       <p:ext uri="{BB962C8B-B14F-4D97-AF65-F5344CB8AC3E}">
         <p14:creationId xmlns:p14="http://schemas.microsoft.com/office/powerpoint/2010/main" val="2615375903"/>
+      </p:ext>
+    </p:extLst>
+  </p:cSld>
+  <p:clrMapOvr>
+    <a:masterClrMapping/>
+  </p:clrMapOvr>
+</p:sld>
+</file>
+
+<file path=ppt/slides/slide19.xml><?xml version="1.0" encoding="utf-8"?>
+<p:sld xmlns:a="http://schemas.openxmlformats.org/drawingml/2006/main" xmlns:r="http://schemas.openxmlformats.org/officeDocument/2006/relationships" xmlns:p="http://schemas.openxmlformats.org/presentationml/2006/main">
+  <p:cSld>
+    <p:spTree>
+      <p:nvGrpSpPr>
+        <p:cNvPr id="1" name=""/>
+        <p:cNvGrpSpPr/>
+        <p:nvPr/>
+      </p:nvGrpSpPr>
+      <p:grpSpPr>
+        <a:xfrm>
+          <a:off x="0" y="0"/>
+          <a:ext cx="0" cy="0"/>
+          <a:chOff x="0" y="0"/>
+          <a:chExt cx="0" cy="0"/>
+        </a:xfrm>
+      </p:grpSpPr>
+      <p:sp>
+        <p:nvSpPr>
+          <p:cNvPr id="2" name="Título 1">
+            <a:extLst>
+              <a:ext uri="{FF2B5EF4-FFF2-40B4-BE49-F238E27FC236}">
+                <a16:creationId xmlns:a16="http://schemas.microsoft.com/office/drawing/2014/main" id="{2F7626E3-0388-9608-3847-B8CEC112678B}"/>
+              </a:ext>
+            </a:extLst>
+          </p:cNvPr>
+          <p:cNvSpPr>
+            <a:spLocks noGrp="1"/>
+          </p:cNvSpPr>
+          <p:nvPr>
+            <p:ph type="ctrTitle"/>
+          </p:nvPr>
+        </p:nvSpPr>
+        <p:spPr/>
+        <p:txBody>
+          <a:bodyPr/>
+          <a:lstStyle/>
+          <a:p>
+            <a:r>
+              <a:rPr lang="en-US" sz="8800" b="1" dirty="0">
+                <a:effectLst/>
+                <a:latin typeface="Times New Roman" panose="02020603050405020304" pitchFamily="18" charset="0"/>
+                <a:ea typeface="Aptos" panose="020B0004020202020204" pitchFamily="34" charset="0"/>
+              </a:rPr>
+              <a:t>An empirical application</a:t>
+            </a:r>
+            <a:endParaRPr lang="en-GB" dirty="0"/>
+          </a:p>
+        </p:txBody>
+      </p:sp>
+      <p:sp>
+        <p:nvSpPr>
+          <p:cNvPr id="3" name="Subtítulo 2">
+            <a:extLst>
+              <a:ext uri="{FF2B5EF4-FFF2-40B4-BE49-F238E27FC236}">
+                <a16:creationId xmlns:a16="http://schemas.microsoft.com/office/drawing/2014/main" id="{36619A00-8555-1F56-5114-7E37288780D1}"/>
+              </a:ext>
+            </a:extLst>
+          </p:cNvPr>
+          <p:cNvSpPr>
+            <a:spLocks noGrp="1"/>
+          </p:cNvSpPr>
+          <p:nvPr>
+            <p:ph type="subTitle" idx="1"/>
+          </p:nvPr>
+        </p:nvSpPr>
+        <p:spPr/>
+        <p:txBody>
+          <a:bodyPr/>
+          <a:lstStyle/>
+          <a:p>
+            <a:r>
+              <a:rPr lang="en-US" b="1" dirty="0">
+                <a:latin typeface="Times New Roman" panose="02020603050405020304" pitchFamily="18" charset="0"/>
+                <a:ea typeface="Aptos" panose="020B0004020202020204" pitchFamily="34" charset="0"/>
+              </a:rPr>
+              <a:t>T</a:t>
+            </a:r>
+            <a:r>
+              <a:rPr lang="en-US" sz="3600" b="1" dirty="0">
+                <a:effectLst/>
+                <a:latin typeface="Times New Roman" panose="02020603050405020304" pitchFamily="18" charset="0"/>
+                <a:ea typeface="Aptos" panose="020B0004020202020204" pitchFamily="34" charset="0"/>
+              </a:rPr>
+              <a:t>he efficiency assessment of the Spanish educational sector</a:t>
+            </a:r>
+            <a:endParaRPr lang="en-GB" dirty="0"/>
+          </a:p>
+        </p:txBody>
+      </p:sp>
+      <p:sp>
+        <p:nvSpPr>
+          <p:cNvPr id="4" name="Marcador de pie de página 3">
+            <a:extLst>
+              <a:ext uri="{FF2B5EF4-FFF2-40B4-BE49-F238E27FC236}">
+                <a16:creationId xmlns:a16="http://schemas.microsoft.com/office/drawing/2014/main" id="{6FA23063-CED7-6B45-8B5E-953BB1742DC6}"/>
+              </a:ext>
+            </a:extLst>
+          </p:cNvPr>
+          <p:cNvSpPr>
+            <a:spLocks noGrp="1"/>
+          </p:cNvSpPr>
+          <p:nvPr>
+            <p:ph type="ftr" sz="quarter" idx="11"/>
+          </p:nvPr>
+        </p:nvSpPr>
+        <p:spPr/>
+        <p:txBody>
+          <a:bodyPr/>
+          <a:lstStyle/>
+          <a:p>
+            <a:pPr algn="ctr">
+              <a:lnSpc>
+                <a:spcPct val="150000"/>
+              </a:lnSpc>
+              <a:spcAft>
+                <a:spcPts val="800"/>
+              </a:spcAft>
+            </a:pPr>
+            <a:r>
+              <a:rPr lang="en-US" sz="1800" b="1" kern="100" dirty="0">
+                <a:effectLst/>
+                <a:latin typeface="Times New Roman" panose="02020603050405020304" pitchFamily="18" charset="0"/>
+                <a:ea typeface="Aptos" panose="020B0004020202020204" pitchFamily="34" charset="0"/>
+                <a:cs typeface="Times New Roman" panose="02020603050405020304" pitchFamily="18" charset="0"/>
+              </a:rPr>
+              <a:t>A novel approach for efficiency evaluation through the integration of standard Machine Learning classification models and Data Envelopment Analysis</a:t>
+            </a:r>
+            <a:endParaRPr lang="es-ES" sz="1600" kern="100" dirty="0">
+              <a:effectLst/>
+              <a:latin typeface="Times New Roman" panose="02020603050405020304" pitchFamily="18" charset="0"/>
+              <a:ea typeface="Aptos" panose="020B0004020202020204" pitchFamily="34" charset="0"/>
+              <a:cs typeface="Times New Roman" panose="02020603050405020304" pitchFamily="18" charset="0"/>
+            </a:endParaRPr>
+          </a:p>
+        </p:txBody>
+      </p:sp>
+      <p:sp>
+        <p:nvSpPr>
+          <p:cNvPr id="5" name="Marcador de número de diapositiva 4">
+            <a:extLst>
+              <a:ext uri="{FF2B5EF4-FFF2-40B4-BE49-F238E27FC236}">
+                <a16:creationId xmlns:a16="http://schemas.microsoft.com/office/drawing/2014/main" id="{2EC2EDA7-1224-188B-553C-E559B86C96D4}"/>
+              </a:ext>
+            </a:extLst>
+          </p:cNvPr>
+          <p:cNvSpPr>
+            <a:spLocks noGrp="1"/>
+          </p:cNvSpPr>
+          <p:nvPr>
+            <p:ph type="sldNum" sz="quarter" idx="12"/>
+          </p:nvPr>
+        </p:nvSpPr>
+        <p:spPr/>
+        <p:txBody>
+          <a:bodyPr/>
+          <a:lstStyle/>
+          <a:p>
+            <a:fld id="{DBFF9636-A71C-488A-89F8-02E08556F10C}" type="slidenum">
+              <a:rPr lang="es-ES" smtClean="0"/>
+              <a:pPr/>
+              <a:t>19</a:t>
+            </a:fld>
+            <a:endParaRPr lang="es-ES" dirty="0"/>
+          </a:p>
+        </p:txBody>
+      </p:sp>
+    </p:spTree>
+    <p:extLst>
+      <p:ext uri="{BB962C8B-B14F-4D97-AF65-F5344CB8AC3E}">
+        <p14:creationId xmlns:p14="http://schemas.microsoft.com/office/powerpoint/2010/main" val="3071165109"/>
       </p:ext>
     </p:extLst>
   </p:cSld>
@@ -11899,91 +11731,46 @@
         <p:spPr/>
         <p:txBody>
           <a:bodyPr>
-            <a:normAutofit/>
+            <a:normAutofit lnSpcReduction="10000"/>
           </a:bodyPr>
           <a:lstStyle/>
           <a:p>
             <a:r>
-              <a:rPr lang="en-AU" dirty="0"/>
+              <a:rPr lang="en-AU" sz="7200" dirty="0"/>
               <a:t>Introduction</a:t>
             </a:r>
           </a:p>
           <a:p>
             <a:pPr lvl="1"/>
             <a:r>
-              <a:rPr lang="en-AU" dirty="0"/>
+              <a:rPr lang="en-AU" sz="6600" dirty="0"/>
               <a:t>DEA</a:t>
             </a:r>
           </a:p>
           <a:p>
             <a:pPr lvl="1"/>
             <a:r>
-              <a:rPr lang="en-AU" dirty="0"/>
+              <a:rPr lang="en-AU" sz="6600" dirty="0"/>
               <a:t>Machine Learning (ML)</a:t>
             </a:r>
           </a:p>
           <a:p>
             <a:r>
-              <a:rPr lang="en-AU" dirty="0"/>
+              <a:rPr lang="en-AU" sz="7200" dirty="0"/>
               <a:t>Methodology</a:t>
             </a:r>
           </a:p>
           <a:p>
             <a:r>
-              <a:rPr lang="en-AU" dirty="0"/>
-              <a:t>Measuring technical efficiency</a:t>
-            </a:r>
-          </a:p>
-          <a:p>
-            <a:pPr lvl="1"/>
-            <a:r>
-              <a:rPr lang="en-AU" dirty="0"/>
-              <a:t>Exact efficiency measures</a:t>
-            </a:r>
-          </a:p>
-          <a:p>
-            <a:pPr lvl="1"/>
-            <a:r>
-              <a:rPr lang="en-AU" dirty="0"/>
-              <a:t>Heuristic approach</a:t>
-            </a:r>
-          </a:p>
-          <a:p>
-            <a:r>
-              <a:rPr lang="en-AU" dirty="0"/>
-              <a:t>Caso </a:t>
-            </a:r>
-            <a:r>
-              <a:rPr lang="en-AU" dirty="0" err="1"/>
-              <a:t>práctico</a:t>
-            </a:r>
-            <a:r>
-              <a:rPr lang="en-AU" dirty="0"/>
-              <a:t>: Pisa 2018</a:t>
-            </a:r>
-          </a:p>
-          <a:p>
-            <a:r>
-              <a:rPr lang="en-AU" dirty="0" err="1"/>
-              <a:t>Conclusiones</a:t>
-            </a:r>
-            <a:r>
-              <a:rPr lang="en-AU" dirty="0"/>
-              <a:t> e </a:t>
-            </a:r>
-            <a:r>
-              <a:rPr lang="en-AU" dirty="0" err="1"/>
-              <a:t>investigaciones</a:t>
-            </a:r>
-            <a:r>
-              <a:rPr lang="en-AU" dirty="0"/>
-              <a:t> </a:t>
-            </a:r>
-            <a:r>
-              <a:rPr lang="en-AU" dirty="0" err="1"/>
-              <a:t>futuras</a:t>
-            </a:r>
-            <a:endParaRPr lang="en-AU" dirty="0"/>
+              <a:rPr lang="en-AU" sz="7200" dirty="0"/>
+              <a:t>An empirical application</a:t>
+            </a:r>
+          </a:p>
+          <a:p>
+            <a:r>
+              <a:rPr lang="en-AU" sz="7200" dirty="0"/>
+              <a:t>Conclusions</a:t>
+            </a:r>
           </a:p>
         </p:txBody>
       </p:sp>
@@ -12099,7 +11886,7 @@
           <p:cNvPr id="2" name="Título 1">
             <a:extLst>
               <a:ext uri="{FF2B5EF4-FFF2-40B4-BE49-F238E27FC236}">
-                <a16:creationId xmlns:a16="http://schemas.microsoft.com/office/drawing/2014/main" id="{2F7626E3-0388-9608-3847-B8CEC112678B}"/>
+                <a16:creationId xmlns:a16="http://schemas.microsoft.com/office/drawing/2014/main" id="{8DA03B8B-503C-2AD5-0C58-C6F2AD684972}"/>
               </a:ext>
             </a:extLst>
           </p:cNvPr>
@@ -12107,40 +11894,7 @@
             <a:spLocks noGrp="1"/>
           </p:cNvSpPr>
           <p:nvPr>
-            <p:ph type="ctrTitle"/>
-          </p:nvPr>
-        </p:nvSpPr>
-        <p:spPr/>
-        <p:txBody>
-          <a:bodyPr/>
-          <a:lstStyle/>
-          <a:p>
-            <a:r>
-              <a:rPr lang="en-US" sz="8800" b="1" dirty="0">
-                <a:effectLst/>
-                <a:latin typeface="Times New Roman" panose="02020603050405020304" pitchFamily="18" charset="0"/>
-                <a:ea typeface="Aptos" panose="020B0004020202020204" pitchFamily="34" charset="0"/>
-              </a:rPr>
-              <a:t>An empirical application</a:t>
-            </a:r>
-            <a:endParaRPr lang="en-GB" dirty="0"/>
-          </a:p>
-        </p:txBody>
-      </p:sp>
-      <p:sp>
-        <p:nvSpPr>
-          <p:cNvPr id="3" name="Subtítulo 2">
-            <a:extLst>
-              <a:ext uri="{FF2B5EF4-FFF2-40B4-BE49-F238E27FC236}">
-                <a16:creationId xmlns:a16="http://schemas.microsoft.com/office/drawing/2014/main" id="{36619A00-8555-1F56-5114-7E37288780D1}"/>
-              </a:ext>
-            </a:extLst>
-          </p:cNvPr>
-          <p:cNvSpPr>
-            <a:spLocks noGrp="1"/>
-          </p:cNvSpPr>
-          <p:nvPr>
-            <p:ph type="subTitle" idx="1"/>
+            <p:ph type="title"/>
           </p:nvPr>
         </p:nvSpPr>
         <p:spPr/>
@@ -12156,7 +11910,7 @@
               <a:t>T</a:t>
             </a:r>
             <a:r>
-              <a:rPr lang="en-US" sz="3600" b="1" dirty="0">
+              <a:rPr lang="en-US" sz="6600" b="1" dirty="0">
                 <a:effectLst/>
                 <a:latin typeface="Times New Roman" panose="02020603050405020304" pitchFamily="18" charset="0"/>
                 <a:ea typeface="Aptos" panose="020B0004020202020204" pitchFamily="34" charset="0"/>
@@ -12172,7 +11926,7 @@
           <p:cNvPr id="4" name="Marcador de pie de página 3">
             <a:extLst>
               <a:ext uri="{FF2B5EF4-FFF2-40B4-BE49-F238E27FC236}">
-                <a16:creationId xmlns:a16="http://schemas.microsoft.com/office/drawing/2014/main" id="{6FA23063-CED7-6B45-8B5E-953BB1742DC6}"/>
+                <a16:creationId xmlns:a16="http://schemas.microsoft.com/office/drawing/2014/main" id="{87703923-EE12-C293-D06F-AFF34520FABA}"/>
               </a:ext>
             </a:extLst>
           </p:cNvPr>
@@ -12219,7 +11973,7 @@
           <p:cNvPr id="5" name="Marcador de número de diapositiva 4">
             <a:extLst>
               <a:ext uri="{FF2B5EF4-FFF2-40B4-BE49-F238E27FC236}">
-                <a16:creationId xmlns:a16="http://schemas.microsoft.com/office/drawing/2014/main" id="{2EC2EDA7-1224-188B-553C-E559B86C96D4}"/>
+                <a16:creationId xmlns:a16="http://schemas.microsoft.com/office/drawing/2014/main" id="{0C3F2C01-39A2-4C46-9D03-67A37C26B66E}"/>
               </a:ext>
             </a:extLst>
           </p:cNvPr>
@@ -12244,10 +11998,133 @@
           </a:p>
         </p:txBody>
       </p:sp>
+      <p:sp>
+        <p:nvSpPr>
+          <p:cNvPr id="3" name="Marcador de contenido 2">
+            <a:extLst>
+              <a:ext uri="{FF2B5EF4-FFF2-40B4-BE49-F238E27FC236}">
+                <a16:creationId xmlns:a16="http://schemas.microsoft.com/office/drawing/2014/main" id="{6DFA8D77-6114-5058-4500-99FF53E70859}"/>
+              </a:ext>
+            </a:extLst>
+          </p:cNvPr>
+          <p:cNvSpPr>
+            <a:spLocks noGrp="1"/>
+          </p:cNvSpPr>
+          <p:nvPr>
+            <p:ph idx="1"/>
+          </p:nvPr>
+        </p:nvSpPr>
+        <p:spPr>
+          <a:xfrm>
+            <a:off x="831520" y="3097269"/>
+            <a:ext cx="16595985" cy="5850074"/>
+          </a:xfrm>
+        </p:spPr>
+        <p:txBody>
+          <a:bodyPr>
+            <a:normAutofit/>
+          </a:bodyPr>
+          <a:lstStyle/>
+          <a:p>
+            <a:r>
+              <a:rPr lang="es-ES" dirty="0"/>
+              <a:t>A </a:t>
+            </a:r>
+            <a:r>
+              <a:rPr lang="es-ES" dirty="0" err="1"/>
+              <a:t>dataset</a:t>
+            </a:r>
+            <a:r>
+              <a:rPr lang="es-ES" dirty="0"/>
+              <a:t> </a:t>
+            </a:r>
+            <a:r>
+              <a:rPr lang="es-ES" dirty="0" err="1"/>
+              <a:t>obtained</a:t>
+            </a:r>
+            <a:r>
+              <a:rPr lang="es-ES" dirty="0"/>
+              <a:t> </a:t>
+            </a:r>
+            <a:r>
+              <a:rPr lang="es-ES" dirty="0" err="1"/>
+              <a:t>from</a:t>
+            </a:r>
+            <a:r>
+              <a:rPr lang="es-ES" dirty="0"/>
+              <a:t> </a:t>
+            </a:r>
+            <a:r>
+              <a:rPr lang="es-ES" dirty="0" err="1"/>
+              <a:t>the</a:t>
+            </a:r>
+            <a:r>
+              <a:rPr lang="es-ES" dirty="0"/>
+              <a:t> </a:t>
+            </a:r>
+            <a:r>
+              <a:rPr lang="es-ES" dirty="0" err="1"/>
+              <a:t>Programme</a:t>
+            </a:r>
+            <a:r>
+              <a:rPr lang="es-ES" dirty="0"/>
+              <a:t> </a:t>
+            </a:r>
+            <a:r>
+              <a:rPr lang="es-ES" dirty="0" err="1"/>
+              <a:t>for</a:t>
+            </a:r>
+            <a:r>
+              <a:rPr lang="es-ES" dirty="0"/>
+              <a:t> International </a:t>
+            </a:r>
+            <a:r>
+              <a:rPr lang="es-ES" dirty="0" err="1"/>
+              <a:t>Student</a:t>
+            </a:r>
+            <a:r>
+              <a:rPr lang="es-ES" dirty="0"/>
+              <a:t> </a:t>
+            </a:r>
+            <a:r>
+              <a:rPr lang="es-ES" dirty="0" err="1"/>
+              <a:t>Assessment</a:t>
+            </a:r>
+            <a:r>
+              <a:rPr lang="es-ES" dirty="0"/>
+              <a:t> (PISA).</a:t>
+            </a:r>
+          </a:p>
+          <a:p>
+            <a:r>
+              <a:rPr lang="en-US" dirty="0"/>
+              <a:t>The dataset utilized encompasses data from the year 2018, comprising anonymized records from 999 Spanish schools randomly selected by the OECD.</a:t>
+            </a:r>
+          </a:p>
+          <a:p>
+            <a:r>
+              <a:rPr lang="en-GB" dirty="0"/>
+              <a:t>Input variables: EDUQUAL, ESCS and TSRATIO.</a:t>
+            </a:r>
+          </a:p>
+          <a:p>
+            <a:r>
+              <a:rPr lang="en-GB" dirty="0"/>
+              <a:t>Output variables: PVMATH, PVREAD and PVSCIE.</a:t>
+            </a:r>
+          </a:p>
+          <a:p>
+            <a:r>
+              <a:rPr lang="en-GB" dirty="0"/>
+              <a:t>Contextual variables: REGION and SCHLTYPE.</a:t>
+            </a:r>
+          </a:p>
+        </p:txBody>
+      </p:sp>
     </p:spTree>
     <p:extLst>
       <p:ext uri="{BB962C8B-B14F-4D97-AF65-F5344CB8AC3E}">
-        <p14:creationId xmlns:p14="http://schemas.microsoft.com/office/powerpoint/2010/main" val="3071165109"/>
+        <p14:creationId xmlns:p14="http://schemas.microsoft.com/office/powerpoint/2010/main" val="842433755"/>
       </p:ext>
     </p:extLst>
   </p:cSld>
@@ -12386,276 +12263,6 @@
               <a:rPr lang="es-ES" smtClean="0"/>
               <a:pPr/>
               <a:t>21</a:t>
-            </a:fld>
-            <a:endParaRPr lang="es-ES" dirty="0"/>
-          </a:p>
-        </p:txBody>
-      </p:sp>
-      <p:sp>
-        <p:nvSpPr>
-          <p:cNvPr id="3" name="Marcador de contenido 2">
-            <a:extLst>
-              <a:ext uri="{FF2B5EF4-FFF2-40B4-BE49-F238E27FC236}">
-                <a16:creationId xmlns:a16="http://schemas.microsoft.com/office/drawing/2014/main" id="{6DFA8D77-6114-5058-4500-99FF53E70859}"/>
-              </a:ext>
-            </a:extLst>
-          </p:cNvPr>
-          <p:cNvSpPr>
-            <a:spLocks noGrp="1"/>
-          </p:cNvSpPr>
-          <p:nvPr>
-            <p:ph idx="1"/>
-          </p:nvPr>
-        </p:nvSpPr>
-        <p:spPr>
-          <a:xfrm>
-            <a:off x="831520" y="3097269"/>
-            <a:ext cx="16595985" cy="5850074"/>
-          </a:xfrm>
-        </p:spPr>
-        <p:txBody>
-          <a:bodyPr>
-            <a:normAutofit/>
-          </a:bodyPr>
-          <a:lstStyle/>
-          <a:p>
-            <a:r>
-              <a:rPr lang="es-ES" dirty="0"/>
-              <a:t>A </a:t>
-            </a:r>
-            <a:r>
-              <a:rPr lang="es-ES" dirty="0" err="1"/>
-              <a:t>dataset</a:t>
-            </a:r>
-            <a:r>
-              <a:rPr lang="es-ES" dirty="0"/>
-              <a:t> </a:t>
-            </a:r>
-            <a:r>
-              <a:rPr lang="es-ES" dirty="0" err="1"/>
-              <a:t>obtained</a:t>
-            </a:r>
-            <a:r>
-              <a:rPr lang="es-ES" dirty="0"/>
-              <a:t> </a:t>
-            </a:r>
-            <a:r>
-              <a:rPr lang="es-ES" dirty="0" err="1"/>
-              <a:t>from</a:t>
-            </a:r>
-            <a:r>
-              <a:rPr lang="es-ES" dirty="0"/>
-              <a:t> </a:t>
-            </a:r>
-            <a:r>
-              <a:rPr lang="es-ES" dirty="0" err="1"/>
-              <a:t>the</a:t>
-            </a:r>
-            <a:r>
-              <a:rPr lang="es-ES" dirty="0"/>
-              <a:t> </a:t>
-            </a:r>
-            <a:r>
-              <a:rPr lang="es-ES" dirty="0" err="1"/>
-              <a:t>Programme</a:t>
-            </a:r>
-            <a:r>
-              <a:rPr lang="es-ES" dirty="0"/>
-              <a:t> </a:t>
-            </a:r>
-            <a:r>
-              <a:rPr lang="es-ES" dirty="0" err="1"/>
-              <a:t>for</a:t>
-            </a:r>
-            <a:r>
-              <a:rPr lang="es-ES" dirty="0"/>
-              <a:t> International </a:t>
-            </a:r>
-            <a:r>
-              <a:rPr lang="es-ES" dirty="0" err="1"/>
-              <a:t>Student</a:t>
-            </a:r>
-            <a:r>
-              <a:rPr lang="es-ES" dirty="0"/>
-              <a:t> </a:t>
-            </a:r>
-            <a:r>
-              <a:rPr lang="es-ES" dirty="0" err="1"/>
-              <a:t>Assessment</a:t>
-            </a:r>
-            <a:r>
-              <a:rPr lang="es-ES" dirty="0"/>
-              <a:t> (PISA).</a:t>
-            </a:r>
-          </a:p>
-          <a:p>
-            <a:r>
-              <a:rPr lang="en-US" dirty="0"/>
-              <a:t>The dataset utilized encompasses data from the year 2018, comprising anonymized records from 999 Spanish schools randomly selected by the OECD.</a:t>
-            </a:r>
-          </a:p>
-          <a:p>
-            <a:r>
-              <a:rPr lang="en-GB" dirty="0"/>
-              <a:t>Input variables: EDUQUAL, ESCS and TSRATIO.</a:t>
-            </a:r>
-          </a:p>
-          <a:p>
-            <a:r>
-              <a:rPr lang="en-GB" dirty="0"/>
-              <a:t>Output variables: PVMATH, PVREAD and PVSCIE.</a:t>
-            </a:r>
-          </a:p>
-          <a:p>
-            <a:r>
-              <a:rPr lang="en-GB" dirty="0"/>
-              <a:t>Contextual variables: REGION and SCHLTYPE.</a:t>
-            </a:r>
-          </a:p>
-        </p:txBody>
-      </p:sp>
-    </p:spTree>
-    <p:extLst>
-      <p:ext uri="{BB962C8B-B14F-4D97-AF65-F5344CB8AC3E}">
-        <p14:creationId xmlns:p14="http://schemas.microsoft.com/office/powerpoint/2010/main" val="842433755"/>
-      </p:ext>
-    </p:extLst>
-  </p:cSld>
-  <p:clrMapOvr>
-    <a:masterClrMapping/>
-  </p:clrMapOvr>
-</p:sld>
-</file>
-
-<file path=ppt/slides/slide22.xml><?xml version="1.0" encoding="utf-8"?>
-<p:sld xmlns:a="http://schemas.openxmlformats.org/drawingml/2006/main" xmlns:r="http://schemas.openxmlformats.org/officeDocument/2006/relationships" xmlns:p="http://schemas.openxmlformats.org/presentationml/2006/main">
-  <p:cSld>
-    <p:spTree>
-      <p:nvGrpSpPr>
-        <p:cNvPr id="1" name=""/>
-        <p:cNvGrpSpPr/>
-        <p:nvPr/>
-      </p:nvGrpSpPr>
-      <p:grpSpPr>
-        <a:xfrm>
-          <a:off x="0" y="0"/>
-          <a:ext cx="0" cy="0"/>
-          <a:chOff x="0" y="0"/>
-          <a:chExt cx="0" cy="0"/>
-        </a:xfrm>
-      </p:grpSpPr>
-      <p:sp>
-        <p:nvSpPr>
-          <p:cNvPr id="2" name="Título 1">
-            <a:extLst>
-              <a:ext uri="{FF2B5EF4-FFF2-40B4-BE49-F238E27FC236}">
-                <a16:creationId xmlns:a16="http://schemas.microsoft.com/office/drawing/2014/main" id="{8DA03B8B-503C-2AD5-0C58-C6F2AD684972}"/>
-              </a:ext>
-            </a:extLst>
-          </p:cNvPr>
-          <p:cNvSpPr>
-            <a:spLocks noGrp="1"/>
-          </p:cNvSpPr>
-          <p:nvPr>
-            <p:ph type="title"/>
-          </p:nvPr>
-        </p:nvSpPr>
-        <p:spPr/>
-        <p:txBody>
-          <a:bodyPr/>
-          <a:lstStyle/>
-          <a:p>
-            <a:r>
-              <a:rPr lang="en-US" b="1" dirty="0">
-                <a:latin typeface="Times New Roman" panose="02020603050405020304" pitchFamily="18" charset="0"/>
-                <a:ea typeface="Aptos" panose="020B0004020202020204" pitchFamily="34" charset="0"/>
-              </a:rPr>
-              <a:t>T</a:t>
-            </a:r>
-            <a:r>
-              <a:rPr lang="en-US" sz="6600" b="1" dirty="0">
-                <a:effectLst/>
-                <a:latin typeface="Times New Roman" panose="02020603050405020304" pitchFamily="18" charset="0"/>
-                <a:ea typeface="Aptos" panose="020B0004020202020204" pitchFamily="34" charset="0"/>
-              </a:rPr>
-              <a:t>he efficiency assessment of the Spanish educational sector</a:t>
-            </a:r>
-            <a:endParaRPr lang="en-GB" dirty="0"/>
-          </a:p>
-        </p:txBody>
-      </p:sp>
-      <p:sp>
-        <p:nvSpPr>
-          <p:cNvPr id="4" name="Marcador de pie de página 3">
-            <a:extLst>
-              <a:ext uri="{FF2B5EF4-FFF2-40B4-BE49-F238E27FC236}">
-                <a16:creationId xmlns:a16="http://schemas.microsoft.com/office/drawing/2014/main" id="{87703923-EE12-C293-D06F-AFF34520FABA}"/>
-              </a:ext>
-            </a:extLst>
-          </p:cNvPr>
-          <p:cNvSpPr>
-            <a:spLocks noGrp="1"/>
-          </p:cNvSpPr>
-          <p:nvPr>
-            <p:ph type="ftr" sz="quarter" idx="11"/>
-          </p:nvPr>
-        </p:nvSpPr>
-        <p:spPr/>
-        <p:txBody>
-          <a:bodyPr/>
-          <a:lstStyle/>
-          <a:p>
-            <a:pPr algn="ctr">
-              <a:lnSpc>
-                <a:spcPct val="150000"/>
-              </a:lnSpc>
-              <a:spcAft>
-                <a:spcPts val="800"/>
-              </a:spcAft>
-            </a:pPr>
-            <a:r>
-              <a:rPr lang="en-US" sz="1800" b="1" kern="100" dirty="0">
-                <a:effectLst/>
-                <a:latin typeface="Times New Roman" panose="02020603050405020304" pitchFamily="18" charset="0"/>
-                <a:ea typeface="Aptos" panose="020B0004020202020204" pitchFamily="34" charset="0"/>
-                <a:cs typeface="Times New Roman" panose="02020603050405020304" pitchFamily="18" charset="0"/>
-              </a:rPr>
-              <a:t>A novel approach for efficiency evaluation through the integration of standard Machine Learning classification models and Data Envelopment Analysis</a:t>
-            </a:r>
-            <a:endParaRPr lang="es-ES" sz="1600" kern="100" dirty="0">
-              <a:effectLst/>
-              <a:latin typeface="Times New Roman" panose="02020603050405020304" pitchFamily="18" charset="0"/>
-              <a:ea typeface="Aptos" panose="020B0004020202020204" pitchFamily="34" charset="0"/>
-              <a:cs typeface="Times New Roman" panose="02020603050405020304" pitchFamily="18" charset="0"/>
-            </a:endParaRPr>
-          </a:p>
-        </p:txBody>
-      </p:sp>
-      <p:sp>
-        <p:nvSpPr>
-          <p:cNvPr id="5" name="Marcador de número de diapositiva 4">
-            <a:extLst>
-              <a:ext uri="{FF2B5EF4-FFF2-40B4-BE49-F238E27FC236}">
-                <a16:creationId xmlns:a16="http://schemas.microsoft.com/office/drawing/2014/main" id="{0C3F2C01-39A2-4C46-9D03-67A37C26B66E}"/>
-              </a:ext>
-            </a:extLst>
-          </p:cNvPr>
-          <p:cNvSpPr>
-            <a:spLocks noGrp="1"/>
-          </p:cNvSpPr>
-          <p:nvPr>
-            <p:ph type="sldNum" sz="quarter" idx="12"/>
-          </p:nvPr>
-        </p:nvSpPr>
-        <p:spPr/>
-        <p:txBody>
-          <a:bodyPr/>
-          <a:lstStyle/>
-          <a:p>
-            <a:fld id="{DBFF9636-A71C-488A-89F8-02E08556F10C}" type="slidenum">
-              <a:rPr lang="es-ES" smtClean="0"/>
-              <a:pPr/>
-              <a:t>22</a:t>
             </a:fld>
             <a:endParaRPr lang="es-ES" dirty="0"/>
           </a:p>
@@ -12704,7 +12311,7 @@
 </p:sld>
 </file>
 
-<file path=ppt/slides/slide23.xml><?xml version="1.0" encoding="utf-8"?>
+<file path=ppt/slides/slide22.xml><?xml version="1.0" encoding="utf-8"?>
 <p:sld xmlns:a="http://schemas.openxmlformats.org/drawingml/2006/main" xmlns:r="http://schemas.openxmlformats.org/officeDocument/2006/relationships" xmlns:p="http://schemas.openxmlformats.org/presentationml/2006/main">
   <p:cSld>
     <p:spTree>
@@ -12832,7 +12439,7 @@
             <a:fld id="{DBFF9636-A71C-488A-89F8-02E08556F10C}" type="slidenum">
               <a:rPr lang="es-ES" smtClean="0"/>
               <a:pPr/>
-              <a:t>23</a:t>
+              <a:t>22</a:t>
             </a:fld>
             <a:endParaRPr lang="es-ES" dirty="0"/>
           </a:p>
@@ -12881,7 +12488,7 @@
 </p:sld>
 </file>
 
-<file path=ppt/slides/slide24.xml><?xml version="1.0" encoding="utf-8"?>
+<file path=ppt/slides/slide23.xml><?xml version="1.0" encoding="utf-8"?>
 <p:sld xmlns:a="http://schemas.openxmlformats.org/drawingml/2006/main" xmlns:r="http://schemas.openxmlformats.org/officeDocument/2006/relationships" xmlns:p="http://schemas.openxmlformats.org/presentationml/2006/main">
   <p:cSld>
     <p:spTree>
@@ -13009,7 +12616,7 @@
             <a:fld id="{DBFF9636-A71C-488A-89F8-02E08556F10C}" type="slidenum">
               <a:rPr lang="es-ES" smtClean="0"/>
               <a:pPr/>
-              <a:t>24</a:t>
+              <a:t>23</a:t>
             </a:fld>
             <a:endParaRPr lang="es-ES" dirty="0"/>
           </a:p>
@@ -13670,6 +13277,174 @@
 </p:sld>
 </file>
 
+<file path=ppt/slides/slide24.xml><?xml version="1.0" encoding="utf-8"?>
+<p:sld xmlns:a="http://schemas.openxmlformats.org/drawingml/2006/main" xmlns:r="http://schemas.openxmlformats.org/officeDocument/2006/relationships" xmlns:p="http://schemas.openxmlformats.org/presentationml/2006/main">
+  <p:cSld>
+    <p:spTree>
+      <p:nvGrpSpPr>
+        <p:cNvPr id="1" name=""/>
+        <p:cNvGrpSpPr/>
+        <p:nvPr/>
+      </p:nvGrpSpPr>
+      <p:grpSpPr>
+        <a:xfrm>
+          <a:off x="0" y="0"/>
+          <a:ext cx="0" cy="0"/>
+          <a:chOff x="0" y="0"/>
+          <a:chExt cx="0" cy="0"/>
+        </a:xfrm>
+      </p:grpSpPr>
+      <p:sp>
+        <p:nvSpPr>
+          <p:cNvPr id="2" name="Título 1">
+            <a:extLst>
+              <a:ext uri="{FF2B5EF4-FFF2-40B4-BE49-F238E27FC236}">
+                <a16:creationId xmlns:a16="http://schemas.microsoft.com/office/drawing/2014/main" id="{7E6F7C6D-E0AF-490E-9E5A-F4C048143A84}"/>
+              </a:ext>
+            </a:extLst>
+          </p:cNvPr>
+          <p:cNvSpPr>
+            <a:spLocks noGrp="1"/>
+          </p:cNvSpPr>
+          <p:nvPr>
+            <p:ph type="ctrTitle"/>
+          </p:nvPr>
+        </p:nvSpPr>
+        <p:spPr/>
+        <p:txBody>
+          <a:bodyPr/>
+          <a:lstStyle/>
+          <a:p>
+            <a:r>
+              <a:rPr lang="en-AU" dirty="0"/>
+              <a:t>Conclusions</a:t>
+            </a:r>
+          </a:p>
+        </p:txBody>
+      </p:sp>
+      <p:sp>
+        <p:nvSpPr>
+          <p:cNvPr id="3" name="Subtítulo 2">
+            <a:extLst>
+              <a:ext uri="{FF2B5EF4-FFF2-40B4-BE49-F238E27FC236}">
+                <a16:creationId xmlns:a16="http://schemas.microsoft.com/office/drawing/2014/main" id="{0007DEAC-7696-4173-A148-816E4E3A13EC}"/>
+              </a:ext>
+            </a:extLst>
+          </p:cNvPr>
+          <p:cNvSpPr>
+            <a:spLocks noGrp="1"/>
+          </p:cNvSpPr>
+          <p:nvPr>
+            <p:ph type="subTitle" idx="1"/>
+          </p:nvPr>
+        </p:nvSpPr>
+        <p:spPr/>
+        <p:txBody>
+          <a:bodyPr/>
+          <a:lstStyle/>
+          <a:p>
+            <a:r>
+              <a:rPr lang="en-AU" dirty="0"/>
+              <a:t>…and future work</a:t>
+            </a:r>
+          </a:p>
+        </p:txBody>
+      </p:sp>
+      <p:sp>
+        <p:nvSpPr>
+          <p:cNvPr id="5" name="Marcador de número de diapositiva 4">
+            <a:extLst>
+              <a:ext uri="{FF2B5EF4-FFF2-40B4-BE49-F238E27FC236}">
+                <a16:creationId xmlns:a16="http://schemas.microsoft.com/office/drawing/2014/main" id="{5251A515-BDA9-4865-AD11-9A33425E6455}"/>
+              </a:ext>
+            </a:extLst>
+          </p:cNvPr>
+          <p:cNvSpPr>
+            <a:spLocks noGrp="1"/>
+          </p:cNvSpPr>
+          <p:nvPr>
+            <p:ph type="sldNum" sz="quarter" idx="12"/>
+          </p:nvPr>
+        </p:nvSpPr>
+        <p:spPr/>
+        <p:txBody>
+          <a:bodyPr/>
+          <a:lstStyle/>
+          <a:p>
+            <a:fld id="{DBFF9636-A71C-488A-89F8-02E08556F10C}" type="slidenum">
+              <a:rPr lang="es-ES" smtClean="0"/>
+              <a:pPr/>
+              <a:t>24</a:t>
+            </a:fld>
+            <a:endParaRPr lang="es-ES" dirty="0"/>
+          </a:p>
+        </p:txBody>
+      </p:sp>
+      <p:sp>
+        <p:nvSpPr>
+          <p:cNvPr id="8" name="Marcador de pie de página 3">
+            <a:extLst>
+              <a:ext uri="{FF2B5EF4-FFF2-40B4-BE49-F238E27FC236}">
+                <a16:creationId xmlns:a16="http://schemas.microsoft.com/office/drawing/2014/main" id="{753E6566-2BAD-B1B0-3212-B01DCE02F350}"/>
+              </a:ext>
+            </a:extLst>
+          </p:cNvPr>
+          <p:cNvSpPr>
+            <a:spLocks noGrp="1"/>
+          </p:cNvSpPr>
+          <p:nvPr>
+            <p:ph type="ftr" sz="quarter" idx="11"/>
+          </p:nvPr>
+        </p:nvSpPr>
+        <p:spPr>
+          <a:xfrm>
+            <a:off x="1653085" y="9628939"/>
+            <a:ext cx="13031905" cy="547772"/>
+          </a:xfrm>
+        </p:spPr>
+        <p:txBody>
+          <a:bodyPr/>
+          <a:lstStyle/>
+          <a:p>
+            <a:pPr algn="ctr">
+              <a:lnSpc>
+                <a:spcPct val="150000"/>
+              </a:lnSpc>
+              <a:spcAft>
+                <a:spcPts val="800"/>
+              </a:spcAft>
+            </a:pPr>
+            <a:r>
+              <a:rPr lang="en-US" sz="1800" b="1" kern="100" dirty="0">
+                <a:effectLst/>
+                <a:latin typeface="Times New Roman" panose="02020603050405020304" pitchFamily="18" charset="0"/>
+                <a:ea typeface="Aptos" panose="020B0004020202020204" pitchFamily="34" charset="0"/>
+                <a:cs typeface="Times New Roman" panose="02020603050405020304" pitchFamily="18" charset="0"/>
+              </a:rPr>
+              <a:t>A novel approach for efficiency evaluation through the integration of standard Machine Learning classification models and Data Envelopment Analysis</a:t>
+            </a:r>
+            <a:endParaRPr lang="es-ES" sz="1600" kern="100" dirty="0">
+              <a:effectLst/>
+              <a:latin typeface="Times New Roman" panose="02020603050405020304" pitchFamily="18" charset="0"/>
+              <a:ea typeface="Aptos" panose="020B0004020202020204" pitchFamily="34" charset="0"/>
+              <a:cs typeface="Times New Roman" panose="02020603050405020304" pitchFamily="18" charset="0"/>
+            </a:endParaRPr>
+          </a:p>
+        </p:txBody>
+      </p:sp>
+    </p:spTree>
+    <p:extLst>
+      <p:ext uri="{BB962C8B-B14F-4D97-AF65-F5344CB8AC3E}">
+        <p14:creationId xmlns:p14="http://schemas.microsoft.com/office/powerpoint/2010/main" val="4150142494"/>
+      </p:ext>
+    </p:extLst>
+  </p:cSld>
+  <p:clrMapOvr>
+    <a:masterClrMapping/>
+  </p:clrMapOvr>
+</p:sld>
+</file>
+
 <file path=ppt/slides/slide25.xml><?xml version="1.0" encoding="utf-8"?>
 <p:sld xmlns:a="http://schemas.openxmlformats.org/drawingml/2006/main" xmlns:r="http://schemas.openxmlformats.org/officeDocument/2006/relationships" xmlns:p="http://schemas.openxmlformats.org/presentationml/2006/main">
   <p:cSld>
@@ -13692,174 +13467,6 @@
           <p:cNvPr id="2" name="Título 1">
             <a:extLst>
               <a:ext uri="{FF2B5EF4-FFF2-40B4-BE49-F238E27FC236}">
-                <a16:creationId xmlns:a16="http://schemas.microsoft.com/office/drawing/2014/main" id="{7E6F7C6D-E0AF-490E-9E5A-F4C048143A84}"/>
-              </a:ext>
-            </a:extLst>
-          </p:cNvPr>
-          <p:cNvSpPr>
-            <a:spLocks noGrp="1"/>
-          </p:cNvSpPr>
-          <p:nvPr>
-            <p:ph type="ctrTitle"/>
-          </p:nvPr>
-        </p:nvSpPr>
-        <p:spPr/>
-        <p:txBody>
-          <a:bodyPr/>
-          <a:lstStyle/>
-          <a:p>
-            <a:r>
-              <a:rPr lang="en-AU" dirty="0"/>
-              <a:t>Conclusions</a:t>
-            </a:r>
-          </a:p>
-        </p:txBody>
-      </p:sp>
-      <p:sp>
-        <p:nvSpPr>
-          <p:cNvPr id="3" name="Subtítulo 2">
-            <a:extLst>
-              <a:ext uri="{FF2B5EF4-FFF2-40B4-BE49-F238E27FC236}">
-                <a16:creationId xmlns:a16="http://schemas.microsoft.com/office/drawing/2014/main" id="{0007DEAC-7696-4173-A148-816E4E3A13EC}"/>
-              </a:ext>
-            </a:extLst>
-          </p:cNvPr>
-          <p:cNvSpPr>
-            <a:spLocks noGrp="1"/>
-          </p:cNvSpPr>
-          <p:nvPr>
-            <p:ph type="subTitle" idx="1"/>
-          </p:nvPr>
-        </p:nvSpPr>
-        <p:spPr/>
-        <p:txBody>
-          <a:bodyPr/>
-          <a:lstStyle/>
-          <a:p>
-            <a:r>
-              <a:rPr lang="en-AU" dirty="0"/>
-              <a:t>…and future work</a:t>
-            </a:r>
-          </a:p>
-        </p:txBody>
-      </p:sp>
-      <p:sp>
-        <p:nvSpPr>
-          <p:cNvPr id="5" name="Marcador de número de diapositiva 4">
-            <a:extLst>
-              <a:ext uri="{FF2B5EF4-FFF2-40B4-BE49-F238E27FC236}">
-                <a16:creationId xmlns:a16="http://schemas.microsoft.com/office/drawing/2014/main" id="{5251A515-BDA9-4865-AD11-9A33425E6455}"/>
-              </a:ext>
-            </a:extLst>
-          </p:cNvPr>
-          <p:cNvSpPr>
-            <a:spLocks noGrp="1"/>
-          </p:cNvSpPr>
-          <p:nvPr>
-            <p:ph type="sldNum" sz="quarter" idx="12"/>
-          </p:nvPr>
-        </p:nvSpPr>
-        <p:spPr/>
-        <p:txBody>
-          <a:bodyPr/>
-          <a:lstStyle/>
-          <a:p>
-            <a:fld id="{DBFF9636-A71C-488A-89F8-02E08556F10C}" type="slidenum">
-              <a:rPr lang="es-ES" smtClean="0"/>
-              <a:pPr/>
-              <a:t>25</a:t>
-            </a:fld>
-            <a:endParaRPr lang="es-ES" dirty="0"/>
-          </a:p>
-        </p:txBody>
-      </p:sp>
-      <p:sp>
-        <p:nvSpPr>
-          <p:cNvPr id="8" name="Marcador de pie de página 3">
-            <a:extLst>
-              <a:ext uri="{FF2B5EF4-FFF2-40B4-BE49-F238E27FC236}">
-                <a16:creationId xmlns:a16="http://schemas.microsoft.com/office/drawing/2014/main" id="{753E6566-2BAD-B1B0-3212-B01DCE02F350}"/>
-              </a:ext>
-            </a:extLst>
-          </p:cNvPr>
-          <p:cNvSpPr>
-            <a:spLocks noGrp="1"/>
-          </p:cNvSpPr>
-          <p:nvPr>
-            <p:ph type="ftr" sz="quarter" idx="11"/>
-          </p:nvPr>
-        </p:nvSpPr>
-        <p:spPr>
-          <a:xfrm>
-            <a:off x="1653085" y="9628939"/>
-            <a:ext cx="13031905" cy="547772"/>
-          </a:xfrm>
-        </p:spPr>
-        <p:txBody>
-          <a:bodyPr/>
-          <a:lstStyle/>
-          <a:p>
-            <a:pPr algn="ctr">
-              <a:lnSpc>
-                <a:spcPct val="150000"/>
-              </a:lnSpc>
-              <a:spcAft>
-                <a:spcPts val="800"/>
-              </a:spcAft>
-            </a:pPr>
-            <a:r>
-              <a:rPr lang="en-US" sz="1800" b="1" kern="100" dirty="0">
-                <a:effectLst/>
-                <a:latin typeface="Times New Roman" panose="02020603050405020304" pitchFamily="18" charset="0"/>
-                <a:ea typeface="Aptos" panose="020B0004020202020204" pitchFamily="34" charset="0"/>
-                <a:cs typeface="Times New Roman" panose="02020603050405020304" pitchFamily="18" charset="0"/>
-              </a:rPr>
-              <a:t>A novel approach for efficiency evaluation through the integration of standard Machine Learning classification models and Data Envelopment Analysis</a:t>
-            </a:r>
-            <a:endParaRPr lang="es-ES" sz="1600" kern="100" dirty="0">
-              <a:effectLst/>
-              <a:latin typeface="Times New Roman" panose="02020603050405020304" pitchFamily="18" charset="0"/>
-              <a:ea typeface="Aptos" panose="020B0004020202020204" pitchFamily="34" charset="0"/>
-              <a:cs typeface="Times New Roman" panose="02020603050405020304" pitchFamily="18" charset="0"/>
-            </a:endParaRPr>
-          </a:p>
-        </p:txBody>
-      </p:sp>
-    </p:spTree>
-    <p:extLst>
-      <p:ext uri="{BB962C8B-B14F-4D97-AF65-F5344CB8AC3E}">
-        <p14:creationId xmlns:p14="http://schemas.microsoft.com/office/powerpoint/2010/main" val="4150142494"/>
-      </p:ext>
-    </p:extLst>
-  </p:cSld>
-  <p:clrMapOvr>
-    <a:masterClrMapping/>
-  </p:clrMapOvr>
-</p:sld>
-</file>
-
-<file path=ppt/slides/slide26.xml><?xml version="1.0" encoding="utf-8"?>
-<p:sld xmlns:a="http://schemas.openxmlformats.org/drawingml/2006/main" xmlns:r="http://schemas.openxmlformats.org/officeDocument/2006/relationships" xmlns:p="http://schemas.openxmlformats.org/presentationml/2006/main">
-  <p:cSld>
-    <p:spTree>
-      <p:nvGrpSpPr>
-        <p:cNvPr id="1" name=""/>
-        <p:cNvGrpSpPr/>
-        <p:nvPr/>
-      </p:nvGrpSpPr>
-      <p:grpSpPr>
-        <a:xfrm>
-          <a:off x="0" y="0"/>
-          <a:ext cx="0" cy="0"/>
-          <a:chOff x="0" y="0"/>
-          <a:chExt cx="0" cy="0"/>
-        </a:xfrm>
-      </p:grpSpPr>
-      <p:sp>
-        <p:nvSpPr>
-          <p:cNvPr id="2" name="Título 1">
-            <a:extLst>
-              <a:ext uri="{FF2B5EF4-FFF2-40B4-BE49-F238E27FC236}">
                 <a16:creationId xmlns:a16="http://schemas.microsoft.com/office/drawing/2014/main" id="{7F54F64B-6833-45E8-996B-E75CA3ABD804}"/>
               </a:ext>
             </a:extLst>
@@ -13907,7 +13514,7 @@
             <a:fld id="{DBFF9636-A71C-488A-89F8-02E08556F10C}" type="slidenum">
               <a:rPr lang="es-ES" smtClean="0"/>
               <a:pPr/>
-              <a:t>26</a:t>
+              <a:t>25</a:t>
             </a:fld>
             <a:endParaRPr lang="es-ES" dirty="0"/>
           </a:p>
@@ -14266,7 +13873,7 @@
 </p:sld>
 </file>
 
-<file path=ppt/slides/slide27.xml><?xml version="1.0" encoding="utf-8"?>
+<file path=ppt/slides/slide26.xml><?xml version="1.0" encoding="utf-8"?>
 <p:sld xmlns:a="http://schemas.openxmlformats.org/drawingml/2006/main" xmlns:r="http://schemas.openxmlformats.org/officeDocument/2006/relationships" xmlns:p="http://schemas.openxmlformats.org/presentationml/2006/main">
   <p:cSld>
     <p:spTree>
@@ -15331,7 +14938,7 @@
     </p:spTree>
     <p:extLst>
       <p:ext uri="{BB962C8B-B14F-4D97-AF65-F5344CB8AC3E}">
-        <p14:creationId xmlns:p14="http://schemas.microsoft.com/office/powerpoint/2010/main" val="1727311440"/>
+        <p14:creationId xmlns:p14="http://schemas.microsoft.com/office/powerpoint/2010/main" val="582248287"/>
       </p:ext>
     </p:extLst>
   </p:cSld>
@@ -15386,743 +14993,145 @@
           </a:p>
         </p:txBody>
       </p:sp>
-      <mc:AlternateContent xmlns:mc="http://schemas.openxmlformats.org/markup-compatibility/2006" xmlns:a14="http://schemas.microsoft.com/office/drawing/2010/main">
-        <mc:Choice Requires="a14">
-          <p:sp>
-            <p:nvSpPr>
-              <p:cNvPr id="3" name="Marcador de contenido 2">
-                <a:extLst>
-                  <a:ext uri="{FF2B5EF4-FFF2-40B4-BE49-F238E27FC236}">
-                    <a16:creationId xmlns:a16="http://schemas.microsoft.com/office/drawing/2014/main" id="{F2F9E890-B6DE-48DE-8F6A-A85504366140}"/>
-                  </a:ext>
-                </a:extLst>
-              </p:cNvPr>
-              <p:cNvSpPr>
-                <a:spLocks noGrp="1"/>
-              </p:cNvSpPr>
-              <p:nvPr>
-                <p:ph idx="1"/>
-              </p:nvPr>
-            </p:nvSpPr>
-            <p:spPr>
-              <a:xfrm>
-                <a:off x="1257300" y="3382494"/>
-                <a:ext cx="16595985" cy="5850074"/>
-              </a:xfrm>
-            </p:spPr>
-            <p:txBody>
-              <a:bodyPr>
-                <a:normAutofit/>
-              </a:bodyPr>
-              <a:lstStyle/>
-              <a:p>
-                <a:r>
-                  <a:rPr lang="en-GB" dirty="0"/>
-                  <a:t>Set of Decision Making Units (DMUs), where </a:t>
-                </a:r>
-                <a14:m>
-                  <m:oMath xmlns:m="http://schemas.openxmlformats.org/officeDocument/2006/math">
-                    <m:sSub>
-                      <m:sSubPr>
-                        <m:ctrlPr>
-                          <a:rPr lang="es-ES" b="0" i="1" smtClean="0">
-                            <a:latin typeface="Cambria Math" panose="02040503050406030204" pitchFamily="18" charset="0"/>
-                          </a:rPr>
-                        </m:ctrlPr>
-                      </m:sSubPr>
-                      <m:e>
-                        <m:r>
-                          <a:rPr lang="es-ES" b="0" i="1" smtClean="0">
-                            <a:latin typeface="Cambria Math" panose="02040503050406030204" pitchFamily="18" charset="0"/>
-                          </a:rPr>
-                          <m:t>𝐷𝑀𝑈</m:t>
-                        </m:r>
-                      </m:e>
-                      <m:sub>
-                        <m:r>
-                          <a:rPr lang="es-ES" b="0" i="1" smtClean="0">
-                            <a:latin typeface="Cambria Math" panose="02040503050406030204" pitchFamily="18" charset="0"/>
-                          </a:rPr>
-                          <m:t>𝑘</m:t>
-                        </m:r>
-                      </m:sub>
-                    </m:sSub>
-                  </m:oMath>
-                </a14:m>
-                <a:r>
-                  <a:rPr lang="es-ES" b="0" i="1" dirty="0">
-                    <a:latin typeface="Cambria Math" panose="02040503050406030204" pitchFamily="18" charset="0"/>
-                  </a:rPr>
-                  <a:t> </a:t>
-                </a:r>
-                <a:r>
-                  <a:rPr lang="es-ES" dirty="0"/>
-                  <a:t>consumes    </a:t>
-                </a:r>
-                <a14:m>
-                  <m:oMath xmlns:m="http://schemas.openxmlformats.org/officeDocument/2006/math">
-                    <m:sSub>
-                      <m:sSubPr>
-                        <m:ctrlPr>
-                          <a:rPr lang="es-ES" b="0" i="1" smtClean="0">
-                            <a:latin typeface="Cambria Math" panose="02040503050406030204" pitchFamily="18" charset="0"/>
-                          </a:rPr>
-                        </m:ctrlPr>
-                      </m:sSubPr>
-                      <m:e>
-                        <m:r>
-                          <a:rPr lang="es-ES" b="1" i="1" smtClean="0">
-                            <a:latin typeface="Cambria Math" panose="02040503050406030204" pitchFamily="18" charset="0"/>
-                          </a:rPr>
-                          <m:t>𝒙</m:t>
-                        </m:r>
-                      </m:e>
-                      <m:sub>
-                        <m:r>
-                          <a:rPr lang="es-ES" b="0" i="1" smtClean="0">
-                            <a:latin typeface="Cambria Math" panose="02040503050406030204" pitchFamily="18" charset="0"/>
-                          </a:rPr>
-                          <m:t>𝑘</m:t>
-                        </m:r>
-                      </m:sub>
-                    </m:sSub>
-                    <m:r>
-                      <a:rPr lang="es-ES" b="0" i="1" smtClean="0">
-                        <a:latin typeface="Cambria Math" panose="02040503050406030204" pitchFamily="18" charset="0"/>
-                      </a:rPr>
-                      <m:t>=(</m:t>
-                    </m:r>
-                    <m:sSubSup>
-                      <m:sSubSupPr>
-                        <m:ctrlPr>
-                          <a:rPr lang="es-ES" b="0" i="1" smtClean="0">
-                            <a:latin typeface="Cambria Math" panose="02040503050406030204" pitchFamily="18" charset="0"/>
-                          </a:rPr>
-                        </m:ctrlPr>
-                      </m:sSubSupPr>
-                      <m:e>
-                        <m:r>
-                          <a:rPr lang="es-ES" b="0" i="1" smtClean="0">
-                            <a:latin typeface="Cambria Math" panose="02040503050406030204" pitchFamily="18" charset="0"/>
-                          </a:rPr>
-                          <m:t>𝑥</m:t>
-                        </m:r>
-                      </m:e>
-                      <m:sub>
-                        <m:r>
-                          <a:rPr lang="es-ES" b="0" i="1" smtClean="0">
-                            <a:latin typeface="Cambria Math" panose="02040503050406030204" pitchFamily="18" charset="0"/>
-                          </a:rPr>
-                          <m:t>𝑘</m:t>
-                        </m:r>
-                      </m:sub>
-                      <m:sup>
-                        <m:d>
-                          <m:dPr>
-                            <m:ctrlPr>
-                              <a:rPr lang="es-ES" b="0" i="1" smtClean="0">
-                                <a:latin typeface="Cambria Math" panose="02040503050406030204" pitchFamily="18" charset="0"/>
-                              </a:rPr>
-                            </m:ctrlPr>
-                          </m:dPr>
-                          <m:e>
-                            <m:r>
-                              <a:rPr lang="es-ES" b="0" i="1" smtClean="0">
-                                <a:latin typeface="Cambria Math" panose="02040503050406030204" pitchFamily="18" charset="0"/>
-                              </a:rPr>
-                              <m:t>1</m:t>
-                            </m:r>
-                          </m:e>
-                        </m:d>
-                      </m:sup>
-                    </m:sSubSup>
-                    <m:r>
-                      <a:rPr lang="es-ES" b="0" i="1" smtClean="0">
-                        <a:latin typeface="Cambria Math" panose="02040503050406030204" pitchFamily="18" charset="0"/>
-                      </a:rPr>
-                      <m:t>,…,</m:t>
-                    </m:r>
-                    <m:sSubSup>
-                      <m:sSubSupPr>
-                        <m:ctrlPr>
-                          <a:rPr lang="es-ES" i="1">
-                            <a:latin typeface="Cambria Math" panose="02040503050406030204" pitchFamily="18" charset="0"/>
-                          </a:rPr>
-                        </m:ctrlPr>
-                      </m:sSubSupPr>
-                      <m:e>
-                        <m:r>
-                          <a:rPr lang="es-ES" i="1">
-                            <a:latin typeface="Cambria Math" panose="02040503050406030204" pitchFamily="18" charset="0"/>
-                          </a:rPr>
-                          <m:t>𝑥</m:t>
-                        </m:r>
-                      </m:e>
-                      <m:sub>
-                        <m:r>
-                          <a:rPr lang="es-ES" i="1">
-                            <a:latin typeface="Cambria Math" panose="02040503050406030204" pitchFamily="18" charset="0"/>
-                          </a:rPr>
-                          <m:t>𝑘</m:t>
-                        </m:r>
-                      </m:sub>
-                      <m:sup>
-                        <m:d>
-                          <m:dPr>
-                            <m:ctrlPr>
-                              <a:rPr lang="es-ES" i="1">
-                                <a:latin typeface="Cambria Math" panose="02040503050406030204" pitchFamily="18" charset="0"/>
-                              </a:rPr>
-                            </m:ctrlPr>
-                          </m:dPr>
-                          <m:e>
-                            <m:r>
-                              <a:rPr lang="es-ES" b="0" i="1" smtClean="0">
-                                <a:latin typeface="Cambria Math" panose="02040503050406030204" pitchFamily="18" charset="0"/>
-                              </a:rPr>
-                              <m:t>𝑚</m:t>
-                            </m:r>
-                          </m:e>
-                        </m:d>
-                      </m:sup>
-                    </m:sSubSup>
-                    <m:r>
-                      <a:rPr lang="es-ES" b="0" i="1" smtClean="0">
-                        <a:latin typeface="Cambria Math" panose="02040503050406030204" pitchFamily="18" charset="0"/>
-                      </a:rPr>
-                      <m:t>)</m:t>
-                    </m:r>
-                    <m:r>
-                      <a:rPr lang="es-ES" b="0" i="1" smtClean="0">
-                        <a:latin typeface="Cambria Math" panose="02040503050406030204" pitchFamily="18" charset="0"/>
-                        <a:ea typeface="Cambria Math" panose="02040503050406030204" pitchFamily="18" charset="0"/>
-                      </a:rPr>
-                      <m:t>∈</m:t>
-                    </m:r>
-                    <m:sSubSup>
-                      <m:sSubSupPr>
-                        <m:ctrlPr>
-                          <a:rPr lang="es-ES" b="0" i="1" smtClean="0">
-                            <a:latin typeface="Cambria Math" panose="02040503050406030204" pitchFamily="18" charset="0"/>
-                            <a:ea typeface="Cambria Math" panose="02040503050406030204" pitchFamily="18" charset="0"/>
-                          </a:rPr>
-                        </m:ctrlPr>
-                      </m:sSubSupPr>
-                      <m:e>
-                        <m:r>
-                          <a:rPr lang="es-ES" b="0" i="1" smtClean="0">
-                            <a:latin typeface="Cambria Math" panose="02040503050406030204" pitchFamily="18" charset="0"/>
-                            <a:ea typeface="Cambria Math" panose="02040503050406030204" pitchFamily="18" charset="0"/>
-                          </a:rPr>
-                          <m:t>𝑅</m:t>
-                        </m:r>
-                      </m:e>
-                      <m:sub>
-                        <m:r>
-                          <a:rPr lang="es-ES" b="0" i="1" smtClean="0">
-                            <a:latin typeface="Cambria Math" panose="02040503050406030204" pitchFamily="18" charset="0"/>
-                            <a:ea typeface="Cambria Math" panose="02040503050406030204" pitchFamily="18" charset="0"/>
-                          </a:rPr>
-                          <m:t>+</m:t>
-                        </m:r>
-                      </m:sub>
-                      <m:sup>
-                        <m:r>
-                          <a:rPr lang="es-ES" b="0" i="1" smtClean="0">
-                            <a:latin typeface="Cambria Math" panose="02040503050406030204" pitchFamily="18" charset="0"/>
-                            <a:ea typeface="Cambria Math" panose="02040503050406030204" pitchFamily="18" charset="0"/>
-                          </a:rPr>
-                          <m:t>𝑚</m:t>
-                        </m:r>
-                      </m:sup>
-                    </m:sSubSup>
-                  </m:oMath>
-                </a14:m>
-                <a:r>
-                  <a:rPr lang="en-GB" dirty="0"/>
-                  <a:t> to produce</a:t>
-                </a:r>
-                <a14:m>
-                  <m:oMath xmlns:m="http://schemas.openxmlformats.org/officeDocument/2006/math">
-                    <m:sSub>
-                      <m:sSubPr>
-                        <m:ctrlPr>
-                          <a:rPr lang="es-ES" i="1">
-                            <a:latin typeface="Cambria Math" panose="02040503050406030204" pitchFamily="18" charset="0"/>
-                          </a:rPr>
-                        </m:ctrlPr>
-                      </m:sSubPr>
-                      <m:e>
-                        <m:r>
-                          <a:rPr lang="es-ES" b="1" i="1" smtClean="0">
-                            <a:latin typeface="Cambria Math" panose="02040503050406030204" pitchFamily="18" charset="0"/>
-                          </a:rPr>
-                          <m:t> </m:t>
-                        </m:r>
-                        <m:r>
-                          <a:rPr lang="es-ES" b="1" i="1" smtClean="0">
-                            <a:latin typeface="Cambria Math" panose="02040503050406030204" pitchFamily="18" charset="0"/>
-                          </a:rPr>
-                          <m:t>𝒚</m:t>
-                        </m:r>
-                      </m:e>
-                      <m:sub>
-                        <m:r>
-                          <a:rPr lang="es-ES" i="1">
-                            <a:latin typeface="Cambria Math" panose="02040503050406030204" pitchFamily="18" charset="0"/>
-                          </a:rPr>
-                          <m:t>𝑘</m:t>
-                        </m:r>
-                      </m:sub>
-                    </m:sSub>
-                    <m:r>
-                      <a:rPr lang="es-ES" i="1">
-                        <a:latin typeface="Cambria Math" panose="02040503050406030204" pitchFamily="18" charset="0"/>
-                      </a:rPr>
-                      <m:t>=(</m:t>
-                    </m:r>
-                    <m:sSubSup>
-                      <m:sSubSupPr>
-                        <m:ctrlPr>
-                          <a:rPr lang="es-ES" i="1">
-                            <a:latin typeface="Cambria Math" panose="02040503050406030204" pitchFamily="18" charset="0"/>
-                          </a:rPr>
-                        </m:ctrlPr>
-                      </m:sSubSupPr>
-                      <m:e>
-                        <m:r>
-                          <a:rPr lang="es-ES" b="0" i="1" smtClean="0">
-                            <a:latin typeface="Cambria Math" panose="02040503050406030204" pitchFamily="18" charset="0"/>
-                          </a:rPr>
-                          <m:t>𝑦</m:t>
-                        </m:r>
-                      </m:e>
-                      <m:sub>
-                        <m:r>
-                          <a:rPr lang="es-ES" i="1">
-                            <a:latin typeface="Cambria Math" panose="02040503050406030204" pitchFamily="18" charset="0"/>
-                          </a:rPr>
-                          <m:t>𝑘</m:t>
-                        </m:r>
-                      </m:sub>
-                      <m:sup>
-                        <m:d>
-                          <m:dPr>
-                            <m:ctrlPr>
-                              <a:rPr lang="es-ES" i="1">
-                                <a:latin typeface="Cambria Math" panose="02040503050406030204" pitchFamily="18" charset="0"/>
-                              </a:rPr>
-                            </m:ctrlPr>
-                          </m:dPr>
-                          <m:e>
-                            <m:r>
-                              <a:rPr lang="es-ES" i="1">
-                                <a:latin typeface="Cambria Math" panose="02040503050406030204" pitchFamily="18" charset="0"/>
-                              </a:rPr>
-                              <m:t>1</m:t>
-                            </m:r>
-                          </m:e>
-                        </m:d>
-                      </m:sup>
-                    </m:sSubSup>
-                    <m:r>
-                      <a:rPr lang="es-ES" i="1">
-                        <a:latin typeface="Cambria Math" panose="02040503050406030204" pitchFamily="18" charset="0"/>
-                      </a:rPr>
-                      <m:t>,…,</m:t>
-                    </m:r>
-                    <m:sSubSup>
-                      <m:sSubSupPr>
-                        <m:ctrlPr>
-                          <a:rPr lang="es-ES" i="1">
-                            <a:latin typeface="Cambria Math" panose="02040503050406030204" pitchFamily="18" charset="0"/>
-                          </a:rPr>
-                        </m:ctrlPr>
-                      </m:sSubSupPr>
-                      <m:e>
-                        <m:r>
-                          <a:rPr lang="es-ES" b="0" i="1" smtClean="0">
-                            <a:latin typeface="Cambria Math" panose="02040503050406030204" pitchFamily="18" charset="0"/>
-                          </a:rPr>
-                          <m:t>𝑦</m:t>
-                        </m:r>
-                      </m:e>
-                      <m:sub>
-                        <m:r>
-                          <a:rPr lang="es-ES" i="1">
-                            <a:latin typeface="Cambria Math" panose="02040503050406030204" pitchFamily="18" charset="0"/>
-                          </a:rPr>
-                          <m:t>𝑘</m:t>
-                        </m:r>
-                      </m:sub>
-                      <m:sup>
-                        <m:d>
-                          <m:dPr>
-                            <m:ctrlPr>
-                              <a:rPr lang="es-ES" i="1">
-                                <a:latin typeface="Cambria Math" panose="02040503050406030204" pitchFamily="18" charset="0"/>
-                              </a:rPr>
-                            </m:ctrlPr>
-                          </m:dPr>
-                          <m:e>
-                            <m:r>
-                              <a:rPr lang="es-ES" b="0" i="1" smtClean="0">
-                                <a:latin typeface="Cambria Math" panose="02040503050406030204" pitchFamily="18" charset="0"/>
-                              </a:rPr>
-                              <m:t>𝑠</m:t>
-                            </m:r>
-                          </m:e>
-                        </m:d>
-                      </m:sup>
-                    </m:sSubSup>
-                    <m:r>
-                      <a:rPr lang="es-ES" i="1">
-                        <a:latin typeface="Cambria Math" panose="02040503050406030204" pitchFamily="18" charset="0"/>
-                      </a:rPr>
-                      <m:t>)</m:t>
-                    </m:r>
-                    <m:r>
-                      <a:rPr lang="es-ES" i="1">
-                        <a:latin typeface="Cambria Math" panose="02040503050406030204" pitchFamily="18" charset="0"/>
-                        <a:ea typeface="Cambria Math" panose="02040503050406030204" pitchFamily="18" charset="0"/>
-                      </a:rPr>
-                      <m:t>∈</m:t>
-                    </m:r>
-                    <m:sSubSup>
-                      <m:sSubSupPr>
-                        <m:ctrlPr>
-                          <a:rPr lang="es-ES" i="1">
-                            <a:latin typeface="Cambria Math" panose="02040503050406030204" pitchFamily="18" charset="0"/>
-                            <a:ea typeface="Cambria Math" panose="02040503050406030204" pitchFamily="18" charset="0"/>
-                          </a:rPr>
-                        </m:ctrlPr>
-                      </m:sSubSupPr>
-                      <m:e>
-                        <m:r>
-                          <a:rPr lang="es-ES" i="1">
-                            <a:latin typeface="Cambria Math" panose="02040503050406030204" pitchFamily="18" charset="0"/>
-                            <a:ea typeface="Cambria Math" panose="02040503050406030204" pitchFamily="18" charset="0"/>
-                          </a:rPr>
-                          <m:t>𝑅</m:t>
-                        </m:r>
-                      </m:e>
-                      <m:sub>
-                        <m:r>
-                          <a:rPr lang="es-ES" i="1">
-                            <a:latin typeface="Cambria Math" panose="02040503050406030204" pitchFamily="18" charset="0"/>
-                            <a:ea typeface="Cambria Math" panose="02040503050406030204" pitchFamily="18" charset="0"/>
-                          </a:rPr>
-                          <m:t>+</m:t>
-                        </m:r>
-                      </m:sub>
-                      <m:sup>
-                        <m:r>
-                          <a:rPr lang="es-ES" b="0" i="1" smtClean="0">
-                            <a:latin typeface="Cambria Math" panose="02040503050406030204" pitchFamily="18" charset="0"/>
-                            <a:ea typeface="Cambria Math" panose="02040503050406030204" pitchFamily="18" charset="0"/>
-                          </a:rPr>
-                          <m:t>𝑠</m:t>
-                        </m:r>
-                      </m:sup>
-                    </m:sSubSup>
-                  </m:oMath>
-                </a14:m>
-                <a:endParaRPr lang="en-GB" dirty="0"/>
-              </a:p>
-              <a:p>
-                <a:endParaRPr lang="en-GB" sz="1000" dirty="0"/>
-              </a:p>
-              <a:p>
-                <a:r>
-                  <a:rPr lang="en-GB" dirty="0"/>
-                  <a:t>DMUs are generated from some Data Generation Process (DPG) with the form of an unknown </a:t>
-                </a:r>
-                <a:r>
-                  <a:rPr lang="en-GB" u="sng" dirty="0"/>
-                  <a:t>non-decreasing function</a:t>
-                </a:r>
-                <a:r>
-                  <a:rPr lang="en-GB" dirty="0"/>
-                  <a:t> (usually   also </a:t>
-                </a:r>
-                <a:r>
-                  <a:rPr lang="en-GB" u="sng" dirty="0"/>
-                  <a:t>concave</a:t>
-                </a:r>
-                <a:r>
-                  <a:rPr lang="en-GB" dirty="0"/>
-                  <a:t>)    </a:t>
-                </a:r>
-                <a14:m>
-                  <m:oMath xmlns:m="http://schemas.openxmlformats.org/officeDocument/2006/math">
-                    <m:sSubSup>
-                      <m:sSubSupPr>
-                        <m:ctrlPr>
-                          <a:rPr lang="es-ES" i="1" smtClean="0">
-                            <a:latin typeface="Cambria Math" panose="02040503050406030204" pitchFamily="18" charset="0"/>
-                            <a:ea typeface="Cambria Math" panose="02040503050406030204" pitchFamily="18" charset="0"/>
-                          </a:rPr>
-                        </m:ctrlPr>
-                      </m:sSubSupPr>
-                      <m:e>
-                        <m:r>
-                          <a:rPr lang="es-ES" b="0" i="1" smtClean="0">
-                            <a:latin typeface="Cambria Math" panose="02040503050406030204" pitchFamily="18" charset="0"/>
-                            <a:ea typeface="Cambria Math" panose="02040503050406030204" pitchFamily="18" charset="0"/>
-                          </a:rPr>
-                          <m:t>𝑓</m:t>
-                        </m:r>
-                        <m:d>
-                          <m:dPr>
-                            <m:ctrlPr>
-                              <a:rPr lang="es-ES" b="0" i="1" smtClean="0">
-                                <a:latin typeface="Cambria Math" panose="02040503050406030204" pitchFamily="18" charset="0"/>
-                                <a:ea typeface="Cambria Math" panose="02040503050406030204" pitchFamily="18" charset="0"/>
-                              </a:rPr>
-                            </m:ctrlPr>
-                          </m:dPr>
-                          <m:e>
-                            <m:r>
-                              <a:rPr lang="es-ES" b="1" i="1" smtClean="0">
-                                <a:latin typeface="Cambria Math" panose="02040503050406030204" pitchFamily="18" charset="0"/>
-                                <a:ea typeface="Cambria Math" panose="02040503050406030204" pitchFamily="18" charset="0"/>
-                              </a:rPr>
-                              <m:t>𝒙</m:t>
-                            </m:r>
-                          </m:e>
-                        </m:d>
-                        <m:r>
-                          <a:rPr lang="es-ES" b="0" i="1" smtClean="0">
-                            <a:latin typeface="Cambria Math" panose="02040503050406030204" pitchFamily="18" charset="0"/>
-                            <a:ea typeface="Cambria Math" panose="02040503050406030204" pitchFamily="18" charset="0"/>
-                          </a:rPr>
-                          <m:t>: </m:t>
-                        </m:r>
-                        <m:r>
-                          <a:rPr lang="es-ES" i="1">
-                            <a:latin typeface="Cambria Math" panose="02040503050406030204" pitchFamily="18" charset="0"/>
-                            <a:ea typeface="Cambria Math" panose="02040503050406030204" pitchFamily="18" charset="0"/>
-                          </a:rPr>
-                          <m:t>𝑅</m:t>
-                        </m:r>
-                      </m:e>
-                      <m:sub>
-                        <m:r>
-                          <a:rPr lang="es-ES" i="1">
-                            <a:latin typeface="Cambria Math" panose="02040503050406030204" pitchFamily="18" charset="0"/>
-                            <a:ea typeface="Cambria Math" panose="02040503050406030204" pitchFamily="18" charset="0"/>
-                          </a:rPr>
-                          <m:t>+</m:t>
-                        </m:r>
-                      </m:sub>
-                      <m:sup>
-                        <m:r>
-                          <a:rPr lang="es-ES" i="1">
-                            <a:latin typeface="Cambria Math" panose="02040503050406030204" pitchFamily="18" charset="0"/>
-                            <a:ea typeface="Cambria Math" panose="02040503050406030204" pitchFamily="18" charset="0"/>
-                          </a:rPr>
-                          <m:t>𝑚</m:t>
-                        </m:r>
-                      </m:sup>
-                    </m:sSubSup>
-                    <m:r>
-                      <a:rPr lang="es-ES" b="0" i="1" smtClean="0">
-                        <a:latin typeface="Cambria Math" panose="02040503050406030204" pitchFamily="18" charset="0"/>
-                        <a:ea typeface="Cambria Math" panose="02040503050406030204" pitchFamily="18" charset="0"/>
-                      </a:rPr>
-                      <m:t>→</m:t>
-                    </m:r>
-                    <m:sSubSup>
-                      <m:sSubSupPr>
-                        <m:ctrlPr>
-                          <a:rPr lang="es-ES" i="1">
-                            <a:latin typeface="Cambria Math" panose="02040503050406030204" pitchFamily="18" charset="0"/>
-                            <a:ea typeface="Cambria Math" panose="02040503050406030204" pitchFamily="18" charset="0"/>
-                          </a:rPr>
-                        </m:ctrlPr>
-                      </m:sSubSupPr>
-                      <m:e>
-                        <m:r>
-                          <a:rPr lang="es-ES" i="1">
-                            <a:latin typeface="Cambria Math" panose="02040503050406030204" pitchFamily="18" charset="0"/>
-                            <a:ea typeface="Cambria Math" panose="02040503050406030204" pitchFamily="18" charset="0"/>
-                          </a:rPr>
-                          <m:t>𝑅</m:t>
-                        </m:r>
-                      </m:e>
-                      <m:sub>
-                        <m:r>
-                          <a:rPr lang="es-ES" i="1">
-                            <a:latin typeface="Cambria Math" panose="02040503050406030204" pitchFamily="18" charset="0"/>
-                            <a:ea typeface="Cambria Math" panose="02040503050406030204" pitchFamily="18" charset="0"/>
-                          </a:rPr>
-                          <m:t>+</m:t>
-                        </m:r>
-                      </m:sub>
-                      <m:sup>
-                        <m:r>
-                          <a:rPr lang="es-ES" b="0" i="1" smtClean="0">
-                            <a:latin typeface="Cambria Math" panose="02040503050406030204" pitchFamily="18" charset="0"/>
-                            <a:ea typeface="Cambria Math" panose="02040503050406030204" pitchFamily="18" charset="0"/>
-                          </a:rPr>
-                          <m:t>𝑠</m:t>
-                        </m:r>
-                      </m:sup>
-                    </m:sSubSup>
-                  </m:oMath>
-                </a14:m>
-                <a:endParaRPr lang="en-GB" dirty="0"/>
-              </a:p>
-              <a:p>
-                <a:endParaRPr lang="en-GB" sz="1000" dirty="0"/>
-              </a:p>
-              <a:p>
-                <a:r>
-                  <a:rPr lang="en-GB" dirty="0"/>
-                  <a:t>Technical inefficiency occurs  </a:t>
-                </a:r>
-                <a:r>
-                  <a:rPr lang="en-GB" dirty="0">
-                    <a:sym typeface="Wingdings" panose="05000000000000000000" pitchFamily="2" charset="2"/>
-                  </a:rPr>
-                  <a:t>      </a:t>
-                </a:r>
-                <a14:m>
-                  <m:oMath xmlns:m="http://schemas.openxmlformats.org/officeDocument/2006/math">
-                    <m:r>
-                      <a:rPr lang="es-ES" b="1" i="1" smtClean="0">
-                        <a:latin typeface="Cambria Math" panose="02040503050406030204" pitchFamily="18" charset="0"/>
-                        <a:sym typeface="Wingdings" panose="05000000000000000000" pitchFamily="2" charset="2"/>
-                      </a:rPr>
-                      <m:t>𝒚</m:t>
-                    </m:r>
-                    <m:r>
-                      <a:rPr lang="es-ES" b="0" i="1" smtClean="0">
-                        <a:latin typeface="Cambria Math" panose="02040503050406030204" pitchFamily="18" charset="0"/>
-                        <a:sym typeface="Wingdings" panose="05000000000000000000" pitchFamily="2" charset="2"/>
-                      </a:rPr>
-                      <m:t>=</m:t>
-                    </m:r>
-                    <m:r>
-                      <a:rPr lang="es-ES" b="0" i="1" smtClean="0">
-                        <a:latin typeface="Cambria Math" panose="02040503050406030204" pitchFamily="18" charset="0"/>
-                        <a:sym typeface="Wingdings" panose="05000000000000000000" pitchFamily="2" charset="2"/>
-                      </a:rPr>
-                      <m:t>𝑓</m:t>
-                    </m:r>
-                    <m:d>
-                      <m:dPr>
-                        <m:ctrlPr>
-                          <a:rPr lang="es-ES" b="0" i="1" smtClean="0">
-                            <a:latin typeface="Cambria Math" panose="02040503050406030204" pitchFamily="18" charset="0"/>
-                            <a:sym typeface="Wingdings" panose="05000000000000000000" pitchFamily="2" charset="2"/>
-                          </a:rPr>
-                        </m:ctrlPr>
-                      </m:dPr>
-                      <m:e>
-                        <m:r>
-                          <a:rPr lang="es-ES" b="1" i="1" smtClean="0">
-                            <a:latin typeface="Cambria Math" panose="02040503050406030204" pitchFamily="18" charset="0"/>
-                            <a:sym typeface="Wingdings" panose="05000000000000000000" pitchFamily="2" charset="2"/>
-                          </a:rPr>
-                          <m:t>𝒙</m:t>
-                        </m:r>
-                      </m:e>
-                    </m:d>
-                    <m:r>
-                      <a:rPr lang="es-ES" b="0" i="1" smtClean="0">
-                        <a:latin typeface="Cambria Math" panose="02040503050406030204" pitchFamily="18" charset="0"/>
-                        <a:sym typeface="Wingdings" panose="05000000000000000000" pitchFamily="2" charset="2"/>
-                      </a:rPr>
-                      <m:t>−</m:t>
-                    </m:r>
-                    <m:r>
-                      <a:rPr lang="es-ES" b="1" i="1" smtClean="0">
-                        <a:latin typeface="Cambria Math" panose="02040503050406030204" pitchFamily="18" charset="0"/>
-                        <a:sym typeface="Wingdings" panose="05000000000000000000" pitchFamily="2" charset="2"/>
-                      </a:rPr>
-                      <m:t>𝒖</m:t>
-                    </m:r>
-                  </m:oMath>
-                </a14:m>
-                <a:r>
-                  <a:rPr lang="en-GB" dirty="0"/>
-                  <a:t>, </a:t>
-                </a:r>
-                <a14:m>
-                  <m:oMath xmlns:m="http://schemas.openxmlformats.org/officeDocument/2006/math">
-                    <m:r>
-                      <a:rPr lang="es-ES" b="1" i="1">
-                        <a:latin typeface="Cambria Math" panose="02040503050406030204" pitchFamily="18" charset="0"/>
-                        <a:sym typeface="Wingdings" panose="05000000000000000000" pitchFamily="2" charset="2"/>
-                      </a:rPr>
-                      <m:t>𝒖</m:t>
-                    </m:r>
-                    <m:r>
-                      <a:rPr lang="es-ES" b="1" i="1" smtClean="0">
-                        <a:latin typeface="Cambria Math" panose="02040503050406030204" pitchFamily="18" charset="0"/>
-                        <a:sym typeface="Wingdings" panose="05000000000000000000" pitchFamily="2" charset="2"/>
-                      </a:rPr>
-                      <m:t>≥</m:t>
-                    </m:r>
-                    <m:r>
-                      <a:rPr lang="es-ES" b="1" i="1" smtClean="0">
-                        <a:latin typeface="Cambria Math" panose="02040503050406030204" pitchFamily="18" charset="0"/>
-                        <a:sym typeface="Wingdings" panose="05000000000000000000" pitchFamily="2" charset="2"/>
-                      </a:rPr>
-                      <m:t>𝟎</m:t>
-                    </m:r>
-                  </m:oMath>
-                </a14:m>
-                <a:endParaRPr lang="en-GB" dirty="0"/>
-              </a:p>
-            </p:txBody>
-          </p:sp>
-        </mc:Choice>
-        <mc:Fallback xmlns="">
-          <p:sp>
-            <p:nvSpPr>
-              <p:cNvPr id="3" name="Marcador de contenido 2">
-                <a:extLst>
-                  <a:ext uri="{FF2B5EF4-FFF2-40B4-BE49-F238E27FC236}">
-                    <a16:creationId xmlns:a16="http://schemas.microsoft.com/office/drawing/2014/main" id="{F2F9E890-B6DE-48DE-8F6A-A85504366140}"/>
-                  </a:ext>
-                </a:extLst>
-              </p:cNvPr>
-              <p:cNvSpPr>
-                <a:spLocks noGrp="1" noRot="1" noChangeAspect="1" noMove="1" noResize="1" noEditPoints="1" noAdjustHandles="1" noChangeArrowheads="1" noChangeShapeType="1" noTextEdit="1"/>
-              </p:cNvSpPr>
-              <p:nvPr>
-                <p:ph idx="1"/>
-              </p:nvPr>
-            </p:nvSpPr>
-            <p:spPr>
-              <a:xfrm>
-                <a:off x="1257300" y="3382494"/>
-                <a:ext cx="16595985" cy="5850074"/>
-              </a:xfrm>
-              <a:blipFill>
-                <a:blip r:embed="rId3"/>
-                <a:stretch>
-                  <a:fillRect l="-1285" t="-3333"/>
-                </a:stretch>
-              </a:blipFill>
-            </p:spPr>
-            <p:txBody>
-              <a:bodyPr/>
-              <a:lstStyle/>
-              <a:p>
-                <a:r>
-                  <a:rPr lang="es-ES">
-                    <a:noFill/>
-                  </a:rPr>
-                  <a:t> </a:t>
-                </a:r>
-              </a:p>
-            </p:txBody>
-          </p:sp>
-        </mc:Fallback>
-      </mc:AlternateContent>
+      <p:sp>
+        <p:nvSpPr>
+          <p:cNvPr id="3" name="Marcador de contenido 2">
+            <a:extLst>
+              <a:ext uri="{FF2B5EF4-FFF2-40B4-BE49-F238E27FC236}">
+                <a16:creationId xmlns:a16="http://schemas.microsoft.com/office/drawing/2014/main" id="{F2F9E890-B6DE-48DE-8F6A-A85504366140}"/>
+              </a:ext>
+            </a:extLst>
+          </p:cNvPr>
+          <p:cNvSpPr>
+            <a:spLocks noGrp="1"/>
+          </p:cNvSpPr>
+          <p:nvPr>
+            <p:ph idx="1"/>
+          </p:nvPr>
+        </p:nvSpPr>
+        <p:spPr>
+          <a:xfrm>
+            <a:off x="1257300" y="2993880"/>
+            <a:ext cx="16595985" cy="5850074"/>
+          </a:xfrm>
+        </p:spPr>
+        <p:txBody>
+          <a:bodyPr>
+            <a:normAutofit/>
+          </a:bodyPr>
+          <a:lstStyle/>
+          <a:p>
+            <a:r>
+              <a:rPr lang="es-ES" dirty="0" err="1"/>
+              <a:t>Types</a:t>
+            </a:r>
+            <a:r>
+              <a:rPr lang="es-ES" dirty="0"/>
+              <a:t> </a:t>
+            </a:r>
+            <a:r>
+              <a:rPr lang="es-ES" dirty="0" err="1"/>
+              <a:t>of</a:t>
+            </a:r>
+            <a:r>
+              <a:rPr lang="es-ES" dirty="0"/>
+              <a:t> machine </a:t>
+            </a:r>
+            <a:r>
+              <a:rPr lang="es-ES" dirty="0" err="1"/>
+              <a:t>learning</a:t>
+            </a:r>
+            <a:r>
+              <a:rPr lang="es-ES" dirty="0"/>
+              <a:t>:</a:t>
+            </a:r>
+          </a:p>
+          <a:p>
+            <a:pPr marL="0" indent="0" algn="ctr">
+              <a:buNone/>
+            </a:pPr>
+            <a:r>
+              <a:rPr lang="es-ES" dirty="0" err="1"/>
+              <a:t>Supervised</a:t>
+            </a:r>
+            <a:r>
+              <a:rPr lang="es-ES" dirty="0"/>
+              <a:t> </a:t>
+            </a:r>
+            <a:r>
+              <a:rPr lang="es-ES" dirty="0" err="1"/>
+              <a:t>Learning</a:t>
+            </a:r>
+            <a:r>
+              <a:rPr lang="es-ES" dirty="0"/>
+              <a:t>			</a:t>
+            </a:r>
+            <a:r>
+              <a:rPr lang="es-ES" dirty="0" err="1"/>
+              <a:t>Unsupervised</a:t>
+            </a:r>
+            <a:r>
+              <a:rPr lang="es-ES" dirty="0"/>
+              <a:t> </a:t>
+            </a:r>
+            <a:r>
+              <a:rPr lang="es-ES" dirty="0" err="1"/>
+              <a:t>Learning</a:t>
+            </a:r>
+            <a:r>
+              <a:rPr lang="es-ES" dirty="0"/>
+              <a:t> </a:t>
+            </a:r>
+          </a:p>
+        </p:txBody>
+      </p:sp>
+      <p:sp>
+        <p:nvSpPr>
+          <p:cNvPr id="4" name="Marcador de pie de página 3">
+            <a:extLst>
+              <a:ext uri="{FF2B5EF4-FFF2-40B4-BE49-F238E27FC236}">
+                <a16:creationId xmlns:a16="http://schemas.microsoft.com/office/drawing/2014/main" id="{81FA2410-67CF-428A-9DF6-97A560DA85A1}"/>
+              </a:ext>
+            </a:extLst>
+          </p:cNvPr>
+          <p:cNvSpPr>
+            <a:spLocks noGrp="1"/>
+          </p:cNvSpPr>
+          <p:nvPr>
+            <p:ph type="ftr" sz="quarter" idx="11"/>
+          </p:nvPr>
+        </p:nvSpPr>
+        <p:spPr/>
+        <p:txBody>
+          <a:bodyPr/>
+          <a:lstStyle/>
+          <a:p>
+            <a:pPr algn="ctr">
+              <a:lnSpc>
+                <a:spcPct val="150000"/>
+              </a:lnSpc>
+              <a:spcAft>
+                <a:spcPts val="800"/>
+              </a:spcAft>
+            </a:pPr>
+            <a:r>
+              <a:rPr lang="en-US" sz="1800" b="1" kern="100" dirty="0">
+                <a:effectLst/>
+                <a:latin typeface="Times New Roman" panose="02020603050405020304" pitchFamily="18" charset="0"/>
+                <a:ea typeface="Aptos" panose="020B0004020202020204" pitchFamily="34" charset="0"/>
+                <a:cs typeface="Times New Roman" panose="02020603050405020304" pitchFamily="18" charset="0"/>
+              </a:rPr>
+              <a:t>A novel approach for efficiency evaluation through the integration of standard Machine Learning classification models and Data Envelopment Analysis</a:t>
+            </a:r>
+            <a:endParaRPr lang="es-ES" sz="1600" kern="100" dirty="0">
+              <a:effectLst/>
+              <a:latin typeface="Times New Roman" panose="02020603050405020304" pitchFamily="18" charset="0"/>
+              <a:ea typeface="Aptos" panose="020B0004020202020204" pitchFamily="34" charset="0"/>
+              <a:cs typeface="Times New Roman" panose="02020603050405020304" pitchFamily="18" charset="0"/>
+            </a:endParaRPr>
+          </a:p>
+        </p:txBody>
+      </p:sp>
       <p:sp>
         <p:nvSpPr>
           <p:cNvPr id="5" name="Marcador de número de diapositiva 4">
@@ -16222,168 +15231,82 @@
           </a:p>
         </p:txBody>
       </p:sp>
-      <p:sp>
-        <p:nvSpPr>
-          <p:cNvPr id="12" name="Flecha: a la derecha 11">
+      <p:pic>
+        <p:nvPicPr>
+          <p:cNvPr id="8" name="Imagen 7" descr="Gráfico, Gráfico de dispersión&#10;&#10;Descripción generada automáticamente">
             <a:extLst>
               <a:ext uri="{FF2B5EF4-FFF2-40B4-BE49-F238E27FC236}">
-                <a16:creationId xmlns:a16="http://schemas.microsoft.com/office/drawing/2014/main" id="{52BA2C83-8610-A306-41E2-550DF7EBF5A7}"/>
+                <a16:creationId xmlns:a16="http://schemas.microsoft.com/office/drawing/2014/main" id="{C0225E17-1CA2-D2C8-1E9C-29C9BAB9023B}"/>
               </a:ext>
             </a:extLst>
           </p:cNvPr>
-          <p:cNvSpPr/>
+          <p:cNvPicPr>
+            <a:picLocks noChangeAspect="1"/>
+          </p:cNvPicPr>
           <p:nvPr/>
-        </p:nvSpPr>
+        </p:nvPicPr>
+        <p:blipFill>
+          <a:blip r:embed="rId3">
+            <a:extLst>
+              <a:ext uri="{28A0092B-C50C-407E-A947-70E740481C1C}">
+                <a14:useLocalDpi xmlns:a14="http://schemas.microsoft.com/office/drawing/2010/main" val="0"/>
+              </a:ext>
+            </a:extLst>
+          </a:blip>
+          <a:stretch>
+            <a:fillRect/>
+          </a:stretch>
+        </p:blipFill>
         <p:spPr>
           <a:xfrm>
-            <a:off x="8824623" y="7689949"/>
-            <a:ext cx="405006" cy="280176"/>
-          </a:xfrm>
-          <a:prstGeom prst="rightArrow">
-            <a:avLst/>
-          </a:prstGeom>
-          <a:solidFill>
-            <a:srgbClr val="921F30"/>
-          </a:solidFill>
-          <a:ln>
-            <a:solidFill>
-              <a:srgbClr val="921F30"/>
-            </a:solidFill>
-          </a:ln>
-        </p:spPr>
-        <p:style>
-          <a:lnRef idx="2">
-            <a:schemeClr val="accent1">
-              <a:shade val="50000"/>
-            </a:schemeClr>
-          </a:lnRef>
-          <a:fillRef idx="1">
-            <a:schemeClr val="accent1"/>
-          </a:fillRef>
-          <a:effectRef idx="0">
-            <a:schemeClr val="accent1"/>
-          </a:effectRef>
-          <a:fontRef idx="minor">
-            <a:schemeClr val="lt1"/>
-          </a:fontRef>
-        </p:style>
-        <p:txBody>
-          <a:bodyPr rtlCol="0" anchor="ctr"/>
-          <a:lstStyle/>
-          <a:p>
-            <a:pPr algn="ctr"/>
-            <a:endParaRPr lang="es-ES"/>
-          </a:p>
-        </p:txBody>
-      </p:sp>
-      <p:sp>
-        <p:nvSpPr>
-          <p:cNvPr id="7" name="Rectángulo 6">
-            <a:extLst>
-              <a:ext uri="{FF2B5EF4-FFF2-40B4-BE49-F238E27FC236}">
-                <a16:creationId xmlns:a16="http://schemas.microsoft.com/office/drawing/2014/main" id="{C7737883-6405-7F8E-FBD1-37277DE1F137}"/>
-              </a:ext>
-            </a:extLst>
-          </p:cNvPr>
-          <p:cNvSpPr/>
-          <p:nvPr/>
-        </p:nvSpPr>
-        <p:spPr>
-          <a:xfrm>
-            <a:off x="12764021" y="7478038"/>
-            <a:ext cx="1603332" cy="638828"/>
+            <a:off x="1257300" y="4436837"/>
+            <a:ext cx="7380747" cy="4942342"/>
           </a:xfrm>
           <a:prstGeom prst="rect">
             <a:avLst/>
           </a:prstGeom>
-          <a:noFill/>
-          <a:ln w="38100">
-            <a:solidFill>
-              <a:srgbClr val="921F30"/>
-            </a:solidFill>
-          </a:ln>
         </p:spPr>
-        <p:style>
-          <a:lnRef idx="2">
-            <a:schemeClr val="accent1">
-              <a:shade val="50000"/>
-            </a:schemeClr>
-          </a:lnRef>
-          <a:fillRef idx="1">
-            <a:schemeClr val="accent1"/>
-          </a:fillRef>
-          <a:effectRef idx="0">
-            <a:schemeClr val="accent1"/>
-          </a:effectRef>
-          <a:fontRef idx="minor">
-            <a:schemeClr val="lt1"/>
-          </a:fontRef>
-        </p:style>
-        <p:txBody>
-          <a:bodyPr rtlCol="0" anchor="ctr"/>
-          <a:lstStyle/>
-          <a:p>
-            <a:pPr algn="ctr"/>
-            <a:endParaRPr lang="es-ES"/>
-          </a:p>
-        </p:txBody>
-      </p:sp>
-      <p:sp>
-        <p:nvSpPr>
-          <p:cNvPr id="8" name="Marcador de pie de página 3">
+      </p:pic>
+      <p:pic>
+        <p:nvPicPr>
+          <p:cNvPr id="10" name="Imagen 9" descr="Gráfico, Gráfico de dispersión&#10;&#10;Descripción generada automáticamente">
             <a:extLst>
               <a:ext uri="{FF2B5EF4-FFF2-40B4-BE49-F238E27FC236}">
-                <a16:creationId xmlns:a16="http://schemas.microsoft.com/office/drawing/2014/main" id="{BB0B1756-267D-D3F5-1329-7E02BC58DF58}"/>
+                <a16:creationId xmlns:a16="http://schemas.microsoft.com/office/drawing/2014/main" id="{D8F0629C-2A7E-C704-828C-D2E9C7963E75}"/>
               </a:ext>
             </a:extLst>
           </p:cNvPr>
-          <p:cNvSpPr>
-            <a:spLocks noGrp="1"/>
-          </p:cNvSpPr>
-          <p:nvPr>
-            <p:ph type="ftr" sz="quarter" idx="11"/>
-          </p:nvPr>
-        </p:nvSpPr>
+          <p:cNvPicPr>
+            <a:picLocks noChangeAspect="1"/>
+          </p:cNvPicPr>
+          <p:nvPr/>
+        </p:nvPicPr>
+        <p:blipFill>
+          <a:blip r:embed="rId4">
+            <a:extLst>
+              <a:ext uri="{28A0092B-C50C-407E-A947-70E740481C1C}">
+                <a14:useLocalDpi xmlns:a14="http://schemas.microsoft.com/office/drawing/2010/main" val="0"/>
+              </a:ext>
+            </a:extLst>
+          </a:blip>
+          <a:stretch>
+            <a:fillRect/>
+          </a:stretch>
+        </p:blipFill>
         <p:spPr>
           <a:xfrm>
-            <a:off x="1653085" y="9628939"/>
-            <a:ext cx="13031905" cy="547772"/>
+            <a:off x="9649953" y="4436837"/>
+            <a:ext cx="7537957" cy="4407117"/>
           </a:xfrm>
+          <a:prstGeom prst="rect">
+            <a:avLst/>
+          </a:prstGeom>
         </p:spPr>
-        <p:txBody>
-          <a:bodyPr/>
-          <a:lstStyle/>
-          <a:p>
-            <a:pPr algn="ctr">
-              <a:lnSpc>
-                <a:spcPct val="150000"/>
-              </a:lnSpc>
-              <a:spcAft>
-                <a:spcPts val="800"/>
-              </a:spcAft>
-            </a:pPr>
-            <a:r>
-              <a:rPr lang="en-US" sz="1800" b="1" kern="100" dirty="0">
-                <a:effectLst/>
-                <a:latin typeface="Times New Roman" panose="02020603050405020304" pitchFamily="18" charset="0"/>
-                <a:ea typeface="Aptos" panose="020B0004020202020204" pitchFamily="34" charset="0"/>
-                <a:cs typeface="Times New Roman" panose="02020603050405020304" pitchFamily="18" charset="0"/>
-              </a:rPr>
-              <a:t>A novel approach for efficiency evaluation through the integration of standard Machine Learning classification models and Data Envelopment Analysis</a:t>
-            </a:r>
-            <a:endParaRPr lang="es-ES" sz="1600" kern="100" dirty="0">
-              <a:effectLst/>
-              <a:latin typeface="Times New Roman" panose="02020603050405020304" pitchFamily="18" charset="0"/>
-              <a:ea typeface="Aptos" panose="020B0004020202020204" pitchFamily="34" charset="0"/>
-              <a:cs typeface="Times New Roman" panose="02020603050405020304" pitchFamily="18" charset="0"/>
-            </a:endParaRPr>
-          </a:p>
-        </p:txBody>
-      </p:sp>
+      </p:pic>
     </p:spTree>
     <p:extLst>
       <p:ext uri="{BB962C8B-B14F-4D97-AF65-F5344CB8AC3E}">
-        <p14:creationId xmlns:p14="http://schemas.microsoft.com/office/powerpoint/2010/main" val="1128900440"/>
+        <p14:creationId xmlns:p14="http://schemas.microsoft.com/office/powerpoint/2010/main" val="680328324"/>
       </p:ext>
     </p:extLst>
   </p:cSld>
@@ -16438,209 +15361,103 @@
           </a:p>
         </p:txBody>
       </p:sp>
-      <mc:AlternateContent xmlns:mc="http://schemas.openxmlformats.org/markup-compatibility/2006">
-        <mc:Choice xmlns:a14="http://schemas.microsoft.com/office/drawing/2010/main" Requires="a14">
-          <p:sp>
-            <p:nvSpPr>
-              <p:cNvPr id="3" name="Marcador de contenido 2">
-                <a:extLst>
-                  <a:ext uri="{FF2B5EF4-FFF2-40B4-BE49-F238E27FC236}">
-                    <a16:creationId xmlns:a16="http://schemas.microsoft.com/office/drawing/2014/main" id="{F2F9E890-B6DE-48DE-8F6A-A85504366140}"/>
-                  </a:ext>
-                </a:extLst>
-              </p:cNvPr>
-              <p:cNvSpPr>
-                <a:spLocks noGrp="1"/>
-              </p:cNvSpPr>
-              <p:nvPr>
-                <p:ph idx="1"/>
-              </p:nvPr>
-            </p:nvSpPr>
-            <p:spPr>
-              <a:xfrm>
-                <a:off x="837580" y="3778865"/>
-                <a:ext cx="8720889" cy="5850074"/>
-              </a:xfrm>
-            </p:spPr>
-            <p:txBody>
-              <a:bodyPr>
-                <a:normAutofit/>
-              </a:bodyPr>
-              <a:lstStyle/>
-              <a:p>
-                <a:r>
-                  <a:rPr lang="en-GB" dirty="0"/>
-                  <a:t>Estimation of production frontiers</a:t>
-                </a:r>
-              </a:p>
-              <a:p>
-                <a:r>
-                  <a:rPr lang="en-GB" dirty="0"/>
-                  <a:t>Technology:</a:t>
-                </a:r>
-              </a:p>
-              <a:p>
-                <a:r>
-                  <a:rPr lang="en-GB" dirty="0"/>
-                  <a:t>Usual Axioms </a:t>
-                </a:r>
-              </a:p>
-              <a:p>
-                <a:pPr lvl="1"/>
-                <a:r>
-                  <a:rPr lang="es-ES" dirty="0"/>
-                  <a:t>Deterministicness (</a:t>
-                </a:r>
-                <a14:m>
-                  <m:oMath xmlns:m="http://schemas.openxmlformats.org/officeDocument/2006/math">
-                    <m:r>
-                      <a:rPr lang="es-ES" b="0" i="1" smtClean="0">
-                        <a:latin typeface="Cambria Math" panose="02040503050406030204" pitchFamily="18" charset="0"/>
-                      </a:rPr>
-                      <m:t>𝑓</m:t>
-                    </m:r>
-                    <m:d>
-                      <m:dPr>
-                        <m:ctrlPr>
-                          <a:rPr lang="es-ES" b="0" i="1" smtClean="0">
-                            <a:latin typeface="Cambria Math" panose="02040503050406030204" pitchFamily="18" charset="0"/>
-                          </a:rPr>
-                        </m:ctrlPr>
-                      </m:dPr>
-                      <m:e>
-                        <m:sSub>
-                          <m:sSubPr>
-                            <m:ctrlPr>
-                              <a:rPr lang="es-ES" b="0" i="1" smtClean="0">
-                                <a:latin typeface="Cambria Math" panose="02040503050406030204" pitchFamily="18" charset="0"/>
-                              </a:rPr>
-                            </m:ctrlPr>
-                          </m:sSubPr>
-                          <m:e>
-                            <m:r>
-                              <a:rPr lang="es-ES" b="1" i="1" smtClean="0">
-                                <a:latin typeface="Cambria Math" panose="02040503050406030204" pitchFamily="18" charset="0"/>
-                              </a:rPr>
-                              <m:t>𝒙</m:t>
-                            </m:r>
-                          </m:e>
-                          <m:sub>
-                            <m:r>
-                              <a:rPr lang="es-ES" b="0" i="1" smtClean="0">
-                                <a:latin typeface="Cambria Math" panose="02040503050406030204" pitchFamily="18" charset="0"/>
-                              </a:rPr>
-                              <m:t>𝑖</m:t>
-                            </m:r>
-                          </m:sub>
-                        </m:sSub>
-                      </m:e>
-                    </m:d>
-                    <m:r>
-                      <a:rPr lang="es-ES" b="0" i="1" smtClean="0">
-                        <a:latin typeface="Cambria Math" panose="02040503050406030204" pitchFamily="18" charset="0"/>
-                      </a:rPr>
-                      <m:t>≥ </m:t>
-                    </m:r>
-                    <m:sSub>
-                      <m:sSubPr>
-                        <m:ctrlPr>
-                          <a:rPr lang="es-ES" i="1">
-                            <a:latin typeface="Cambria Math" panose="02040503050406030204" pitchFamily="18" charset="0"/>
-                          </a:rPr>
-                        </m:ctrlPr>
-                      </m:sSubPr>
-                      <m:e>
-                        <m:r>
-                          <a:rPr lang="es-ES" b="1" i="1" smtClean="0">
-                            <a:latin typeface="Cambria Math" panose="02040503050406030204" pitchFamily="18" charset="0"/>
-                          </a:rPr>
-                          <m:t>𝒚</m:t>
-                        </m:r>
-                      </m:e>
-                      <m:sub>
-                        <m:r>
-                          <a:rPr lang="es-ES" i="1">
-                            <a:latin typeface="Cambria Math" panose="02040503050406030204" pitchFamily="18" charset="0"/>
-                          </a:rPr>
-                          <m:t>𝑖</m:t>
-                        </m:r>
-                      </m:sub>
-                    </m:sSub>
-                    <m:r>
-                      <a:rPr lang="es-ES" i="1">
-                        <a:latin typeface="Cambria Math" panose="02040503050406030204" pitchFamily="18" charset="0"/>
-                      </a:rPr>
-                      <m:t> </m:t>
-                    </m:r>
-                  </m:oMath>
-                </a14:m>
-                <a:r>
-                  <a:rPr lang="es-ES" dirty="0"/>
-                  <a:t>)</a:t>
-                </a:r>
-                <a:endParaRPr lang="en-GB" dirty="0"/>
-              </a:p>
-              <a:p>
-                <a:pPr lvl="1"/>
-                <a:r>
-                  <a:rPr lang="en-GB" dirty="0"/>
-                  <a:t>Free Disposability set (monotonic function)</a:t>
-                </a:r>
-              </a:p>
-              <a:p>
-                <a:pPr lvl="1"/>
-                <a:r>
-                  <a:rPr lang="en-GB" dirty="0"/>
-                  <a:t>Convexity set (concave function)</a:t>
-                </a:r>
-              </a:p>
-            </p:txBody>
-          </p:sp>
-        </mc:Choice>
-        <mc:Fallback>
-          <p:sp>
-            <p:nvSpPr>
-              <p:cNvPr id="3" name="Marcador de contenido 2">
-                <a:extLst>
-                  <a:ext uri="{FF2B5EF4-FFF2-40B4-BE49-F238E27FC236}">
-                    <a16:creationId xmlns:a16="http://schemas.microsoft.com/office/drawing/2014/main" id="{F2F9E890-B6DE-48DE-8F6A-A85504366140}"/>
-                  </a:ext>
-                </a:extLst>
-              </p:cNvPr>
-              <p:cNvSpPr>
-                <a:spLocks noGrp="1" noRot="1" noChangeAspect="1" noMove="1" noResize="1" noEditPoints="1" noAdjustHandles="1" noChangeArrowheads="1" noChangeShapeType="1" noTextEdit="1"/>
-              </p:cNvSpPr>
-              <p:nvPr>
-                <p:ph idx="1"/>
-              </p:nvPr>
-            </p:nvSpPr>
-            <p:spPr>
-              <a:xfrm>
-                <a:off x="837580" y="3778865"/>
-                <a:ext cx="8720889" cy="5850074"/>
-              </a:xfrm>
-              <a:blipFill>
-                <a:blip r:embed="rId3"/>
-                <a:stretch>
-                  <a:fillRect l="-2446" t="-3229" r="-1398"/>
-                </a:stretch>
-              </a:blipFill>
-            </p:spPr>
-            <p:txBody>
-              <a:bodyPr/>
-              <a:lstStyle/>
-              <a:p>
-                <a:r>
-                  <a:rPr lang="es-ES">
-                    <a:noFill/>
-                  </a:rPr>
-                  <a:t> </a:t>
-                </a:r>
-              </a:p>
-            </p:txBody>
-          </p:sp>
-        </mc:Fallback>
-      </mc:AlternateContent>
+      <p:sp>
+        <p:nvSpPr>
+          <p:cNvPr id="3" name="Marcador de contenido 2">
+            <a:extLst>
+              <a:ext uri="{FF2B5EF4-FFF2-40B4-BE49-F238E27FC236}">
+                <a16:creationId xmlns:a16="http://schemas.microsoft.com/office/drawing/2014/main" id="{F2F9E890-B6DE-48DE-8F6A-A85504366140}"/>
+              </a:ext>
+            </a:extLst>
+          </p:cNvPr>
+          <p:cNvSpPr>
+            <a:spLocks noGrp="1"/>
+          </p:cNvSpPr>
+          <p:nvPr>
+            <p:ph idx="1"/>
+          </p:nvPr>
+        </p:nvSpPr>
+        <p:spPr>
+          <a:xfrm>
+            <a:off x="1257300" y="2993880"/>
+            <a:ext cx="16595985" cy="5850074"/>
+          </a:xfrm>
+        </p:spPr>
+        <p:txBody>
+          <a:bodyPr>
+            <a:normAutofit/>
+          </a:bodyPr>
+          <a:lstStyle/>
+          <a:p>
+            <a:r>
+              <a:rPr lang="en-US" dirty="0"/>
+              <a:t>The efficiency score will be calculated using an </a:t>
+            </a:r>
+            <a:r>
+              <a:rPr lang="en-US" dirty="0" err="1"/>
+              <a:t>eXplainable</a:t>
+            </a:r>
+            <a:r>
+              <a:rPr lang="en-US" dirty="0"/>
+              <a:t> Artificial Intelligence (XAI) method based on the use of </a:t>
+            </a:r>
+            <a:r>
+              <a:rPr lang="en-US"/>
+              <a:t>a counterfactual.</a:t>
+            </a:r>
+          </a:p>
+          <a:p>
+            <a:endParaRPr lang="es-ES" dirty="0"/>
+          </a:p>
+        </p:txBody>
+      </p:sp>
+      <p:sp>
+        <p:nvSpPr>
+          <p:cNvPr id="4" name="Marcador de pie de página 3">
+            <a:extLst>
+              <a:ext uri="{FF2B5EF4-FFF2-40B4-BE49-F238E27FC236}">
+                <a16:creationId xmlns:a16="http://schemas.microsoft.com/office/drawing/2014/main" id="{81FA2410-67CF-428A-9DF6-97A560DA85A1}"/>
+              </a:ext>
+            </a:extLst>
+          </p:cNvPr>
+          <p:cNvSpPr>
+            <a:spLocks noGrp="1"/>
+          </p:cNvSpPr>
+          <p:nvPr>
+            <p:ph type="ftr" sz="quarter" idx="11"/>
+          </p:nvPr>
+        </p:nvSpPr>
+        <p:spPr/>
+        <p:txBody>
+          <a:bodyPr/>
+          <a:lstStyle/>
+          <a:p>
+            <a:pPr algn="ctr">
+              <a:lnSpc>
+                <a:spcPct val="150000"/>
+              </a:lnSpc>
+              <a:spcAft>
+                <a:spcPts val="800"/>
+              </a:spcAft>
+            </a:pPr>
+            <a:r>
+              <a:rPr lang="en-US" sz="1800" b="1" kern="100" dirty="0">
+                <a:effectLst/>
+                <a:latin typeface="Times New Roman" panose="02020603050405020304" pitchFamily="18" charset="0"/>
+                <a:ea typeface="Aptos" panose="020B0004020202020204" pitchFamily="34" charset="0"/>
+                <a:cs typeface="Times New Roman" panose="02020603050405020304" pitchFamily="18" charset="0"/>
+              </a:rPr>
+              <a:t>A novel approach for efficiency evaluation through the integration of standard Machine Learning classification models and Data Envelopment Analysis</a:t>
+            </a:r>
+            <a:endParaRPr lang="es-ES" sz="1600" kern="100" dirty="0">
+              <a:effectLst/>
+              <a:latin typeface="Times New Roman" panose="02020603050405020304" pitchFamily="18" charset="0"/>
+              <a:ea typeface="Aptos" panose="020B0004020202020204" pitchFamily="34" charset="0"/>
+              <a:cs typeface="Times New Roman" panose="02020603050405020304" pitchFamily="18" charset="0"/>
+            </a:endParaRPr>
+          </a:p>
+        </p:txBody>
+      </p:sp>
       <p:sp>
         <p:nvSpPr>
           <p:cNvPr id="5" name="Marcador de número de diapositiva 4">
@@ -16740,246 +15557,10 @@
           </a:p>
         </p:txBody>
       </p:sp>
-      <p:graphicFrame>
-        <p:nvGraphicFramePr>
-          <p:cNvPr id="7" name="Objeto 6">
-            <a:extLst>
-              <a:ext uri="{FF2B5EF4-FFF2-40B4-BE49-F238E27FC236}">
-                <a16:creationId xmlns:a16="http://schemas.microsoft.com/office/drawing/2014/main" id="{A866B906-A4B6-DA1C-F3BC-115ECA168C92}"/>
-              </a:ext>
-            </a:extLst>
-          </p:cNvPr>
-          <p:cNvGraphicFramePr>
-            <a:graphicFrameLocks noChangeAspect="1"/>
-          </p:cNvGraphicFramePr>
-          <p:nvPr>
-            <p:extLst>
-              <p:ext uri="{D42A27DB-BD31-4B8C-83A1-F6EECF244321}">
-                <p14:modId xmlns:p14="http://schemas.microsoft.com/office/powerpoint/2010/main" val="3005426667"/>
-              </p:ext>
-            </p:extLst>
-          </p:nvPr>
-        </p:nvGraphicFramePr>
-        <p:xfrm>
-          <a:off x="4258141" y="4569664"/>
-          <a:ext cx="6667957" cy="848649"/>
-        </p:xfrm>
-        <a:graphic>
-          <a:graphicData uri="http://schemas.openxmlformats.org/presentationml/2006/ole">
-            <mc:AlternateContent xmlns:mc="http://schemas.openxmlformats.org/markup-compatibility/2006">
-              <mc:Choice xmlns:v="urn:schemas-microsoft-com:vml" Requires="v">
-                <p:oleObj name="Equation" r:id="rId4" imgW="2108200" imgH="266700" progId="Equation.DSMT4">
-                  <p:embed/>
-                </p:oleObj>
-              </mc:Choice>
-              <mc:Fallback>
-                <p:oleObj name="Equation" r:id="rId4" imgW="2108200" imgH="266700" progId="Equation.DSMT4">
-                  <p:embed/>
-                  <p:pic>
-                    <p:nvPicPr>
-                      <p:cNvPr id="7" name="Objeto 6">
-                        <a:extLst>
-                          <a:ext uri="{FF2B5EF4-FFF2-40B4-BE49-F238E27FC236}">
-                            <a16:creationId xmlns:a16="http://schemas.microsoft.com/office/drawing/2014/main" id="{A866B906-A4B6-DA1C-F3BC-115ECA168C92}"/>
-                          </a:ext>
-                        </a:extLst>
-                      </p:cNvPr>
-                      <p:cNvPicPr>
-                        <a:picLocks noChangeAspect="1" noChangeArrowheads="1"/>
-                      </p:cNvPicPr>
-                      <p:nvPr/>
-                    </p:nvPicPr>
-                    <p:blipFill>
-                      <a:blip r:embed="rId5">
-                        <a:extLst>
-                          <a:ext uri="{28A0092B-C50C-407E-A947-70E740481C1C}">
-                            <a14:useLocalDpi xmlns:a14="http://schemas.microsoft.com/office/drawing/2010/main" val="0"/>
-                          </a:ext>
-                        </a:extLst>
-                      </a:blip>
-                      <a:srcRect/>
-                      <a:stretch>
-                        <a:fillRect/>
-                      </a:stretch>
-                    </p:blipFill>
-                    <p:spPr bwMode="auto">
-                      <a:xfrm>
-                        <a:off x="4258141" y="4569664"/>
-                        <a:ext cx="6667957" cy="848649"/>
-                      </a:xfrm>
-                      <a:prstGeom prst="rect">
-                        <a:avLst/>
-                      </a:prstGeom>
-                      <a:noFill/>
-                    </p:spPr>
-                  </p:pic>
-                </p:oleObj>
-              </mc:Fallback>
-            </mc:AlternateContent>
-          </a:graphicData>
-        </a:graphic>
-      </p:graphicFrame>
-      <p:grpSp>
-        <p:nvGrpSpPr>
-          <p:cNvPr id="10" name="Grupo 9">
-            <a:extLst>
-              <a:ext uri="{FF2B5EF4-FFF2-40B4-BE49-F238E27FC236}">
-                <a16:creationId xmlns:a16="http://schemas.microsoft.com/office/drawing/2014/main" id="{6DF5652C-EB23-9F9F-6C56-5FCE87E1DE78}"/>
-              </a:ext>
-            </a:extLst>
-          </p:cNvPr>
-          <p:cNvGrpSpPr/>
-          <p:nvPr/>
-        </p:nvGrpSpPr>
-        <p:grpSpPr>
-          <a:xfrm>
-            <a:off x="11608415" y="3618829"/>
-            <a:ext cx="6153150" cy="5467350"/>
-            <a:chOff x="11035522" y="3441842"/>
-            <a:chExt cx="6153150" cy="5467350"/>
-          </a:xfrm>
-        </p:grpSpPr>
-        <p:pic>
-          <p:nvPicPr>
-            <p:cNvPr id="9" name="Imagen 8">
-              <a:extLst>
-                <a:ext uri="{FF2B5EF4-FFF2-40B4-BE49-F238E27FC236}">
-                  <a16:creationId xmlns:a16="http://schemas.microsoft.com/office/drawing/2014/main" id="{72898720-D1F3-5E93-439C-CE876B2019A8}"/>
-                </a:ext>
-              </a:extLst>
-            </p:cNvPr>
-            <p:cNvPicPr>
-              <a:picLocks noChangeAspect="1"/>
-            </p:cNvPicPr>
-            <p:nvPr/>
-          </p:nvPicPr>
-          <p:blipFill>
-            <a:blip r:embed="rId6"/>
-            <a:stretch>
-              <a:fillRect/>
-            </a:stretch>
-          </p:blipFill>
-          <p:spPr>
-            <a:xfrm>
-              <a:off x="11035522" y="3441842"/>
-              <a:ext cx="6153150" cy="5467350"/>
-            </a:xfrm>
-            <a:prstGeom prst="rect">
-              <a:avLst/>
-            </a:prstGeom>
-          </p:spPr>
-        </p:pic>
-        <p:sp>
-          <p:nvSpPr>
-            <p:cNvPr id="8" name="Rectángulo 7">
-              <a:extLst>
-                <a:ext uri="{FF2B5EF4-FFF2-40B4-BE49-F238E27FC236}">
-                  <a16:creationId xmlns:a16="http://schemas.microsoft.com/office/drawing/2014/main" id="{1EA4DC4B-A701-C204-7FA1-230C26BD6608}"/>
-                </a:ext>
-              </a:extLst>
-            </p:cNvPr>
-            <p:cNvSpPr/>
-            <p:nvPr/>
-          </p:nvSpPr>
-          <p:spPr>
-            <a:xfrm>
-              <a:off x="16114426" y="5576341"/>
-              <a:ext cx="916274" cy="374754"/>
-            </a:xfrm>
-            <a:prstGeom prst="rect">
-              <a:avLst/>
-            </a:prstGeom>
-            <a:solidFill>
-              <a:schemeClr val="bg1"/>
-            </a:solidFill>
-            <a:ln>
-              <a:solidFill>
-                <a:schemeClr val="bg1"/>
-              </a:solidFill>
-            </a:ln>
-          </p:spPr>
-          <p:style>
-            <a:lnRef idx="2">
-              <a:schemeClr val="accent1">
-                <a:shade val="50000"/>
-              </a:schemeClr>
-            </a:lnRef>
-            <a:fillRef idx="1">
-              <a:schemeClr val="accent1"/>
-            </a:fillRef>
-            <a:effectRef idx="0">
-              <a:schemeClr val="accent1"/>
-            </a:effectRef>
-            <a:fontRef idx="minor">
-              <a:schemeClr val="lt1"/>
-            </a:fontRef>
-          </p:style>
-          <p:txBody>
-            <a:bodyPr rtlCol="0" anchor="ctr"/>
-            <a:lstStyle/>
-            <a:p>
-              <a:pPr algn="ctr"/>
-              <a:endParaRPr lang="es-ES"/>
-            </a:p>
-          </p:txBody>
-        </p:sp>
-      </p:grpSp>
-      <p:sp>
-        <p:nvSpPr>
-          <p:cNvPr id="11" name="Marcador de pie de página 3">
-            <a:extLst>
-              <a:ext uri="{FF2B5EF4-FFF2-40B4-BE49-F238E27FC236}">
-                <a16:creationId xmlns:a16="http://schemas.microsoft.com/office/drawing/2014/main" id="{69537818-1D26-F354-3BFC-26FAE23CDE3A}"/>
-              </a:ext>
-            </a:extLst>
-          </p:cNvPr>
-          <p:cNvSpPr>
-            <a:spLocks noGrp="1"/>
-          </p:cNvSpPr>
-          <p:nvPr>
-            <p:ph type="ftr" sz="quarter" idx="11"/>
-          </p:nvPr>
-        </p:nvSpPr>
-        <p:spPr>
-          <a:xfrm>
-            <a:off x="1653085" y="9628939"/>
-            <a:ext cx="13031905" cy="547772"/>
-          </a:xfrm>
-        </p:spPr>
-        <p:txBody>
-          <a:bodyPr/>
-          <a:lstStyle/>
-          <a:p>
-            <a:pPr algn="ctr">
-              <a:lnSpc>
-                <a:spcPct val="150000"/>
-              </a:lnSpc>
-              <a:spcAft>
-                <a:spcPts val="800"/>
-              </a:spcAft>
-            </a:pPr>
-            <a:r>
-              <a:rPr lang="en-US" sz="1800" b="1" kern="100" dirty="0">
-                <a:effectLst/>
-                <a:latin typeface="Times New Roman" panose="02020603050405020304" pitchFamily="18" charset="0"/>
-                <a:ea typeface="Aptos" panose="020B0004020202020204" pitchFamily="34" charset="0"/>
-                <a:cs typeface="Times New Roman" panose="02020603050405020304" pitchFamily="18" charset="0"/>
-              </a:rPr>
-              <a:t>A novel approach for efficiency evaluation through the integration of standard Machine Learning classification models and Data Envelopment Analysis</a:t>
-            </a:r>
-            <a:endParaRPr lang="es-ES" sz="1600" kern="100" dirty="0">
-              <a:effectLst/>
-              <a:latin typeface="Times New Roman" panose="02020603050405020304" pitchFamily="18" charset="0"/>
-              <a:ea typeface="Aptos" panose="020B0004020202020204" pitchFamily="34" charset="0"/>
-              <a:cs typeface="Times New Roman" panose="02020603050405020304" pitchFamily="18" charset="0"/>
-            </a:endParaRPr>
-          </a:p>
-        </p:txBody>
-      </p:sp>
     </p:spTree>
     <p:extLst>
       <p:ext uri="{BB962C8B-B14F-4D97-AF65-F5344CB8AC3E}">
-        <p14:creationId xmlns:p14="http://schemas.microsoft.com/office/powerpoint/2010/main" val="2265105320"/>
+        <p14:creationId xmlns:p14="http://schemas.microsoft.com/office/powerpoint/2010/main" val="3199241103"/>
       </p:ext>
     </p:extLst>
   </p:cSld>
@@ -17022,9 +15603,16 @@
             <p:ph type="title"/>
           </p:nvPr>
         </p:nvSpPr>
-        <p:spPr/>
-        <p:txBody>
-          <a:bodyPr/>
+        <p:spPr>
+          <a:xfrm>
+            <a:off x="1257300" y="547773"/>
+            <a:ext cx="15773400" cy="1988651"/>
+          </a:xfrm>
+        </p:spPr>
+        <p:txBody>
+          <a:bodyPr anchor="ctr">
+            <a:normAutofit/>
+          </a:bodyPr>
           <a:lstStyle/>
           <a:p>
             <a:r>
@@ -17034,119 +15622,43 @@
           </a:p>
         </p:txBody>
       </p:sp>
-      <p:sp>
-        <p:nvSpPr>
-          <p:cNvPr id="3" name="Marcador de contenido 2">
+      <p:pic>
+        <p:nvPicPr>
+          <p:cNvPr id="13" name="Imagen 12" descr="Gráfico, Gráfico de dispersión&#10;&#10;Descripción generada automáticamente">
             <a:extLst>
               <a:ext uri="{FF2B5EF4-FFF2-40B4-BE49-F238E27FC236}">
-                <a16:creationId xmlns:a16="http://schemas.microsoft.com/office/drawing/2014/main" id="{F2F9E890-B6DE-48DE-8F6A-A85504366140}"/>
+                <a16:creationId xmlns:a16="http://schemas.microsoft.com/office/drawing/2014/main" id="{BE6530E3-3E81-A902-D80D-C50F91FDE002}"/>
               </a:ext>
             </a:extLst>
           </p:cNvPr>
-          <p:cNvSpPr>
-            <a:spLocks noGrp="1"/>
-          </p:cNvSpPr>
-          <p:nvPr>
-            <p:ph idx="1"/>
-          </p:nvPr>
-        </p:nvSpPr>
+          <p:cNvPicPr>
+            <a:picLocks noChangeAspect="1"/>
+          </p:cNvPicPr>
+          <p:nvPr/>
+        </p:nvPicPr>
+        <p:blipFill>
+          <a:blip r:embed="rId3" cstate="print">
+            <a:extLst>
+              <a:ext uri="{28A0092B-C50C-407E-A947-70E740481C1C}">
+                <a14:useLocalDpi xmlns:a14="http://schemas.microsoft.com/office/drawing/2010/main" val="0"/>
+              </a:ext>
+            </a:extLst>
+          </a:blip>
+          <a:stretch>
+            <a:fillRect/>
+          </a:stretch>
+        </p:blipFill>
         <p:spPr>
           <a:xfrm>
-            <a:off x="1257300" y="3382494"/>
-            <a:ext cx="16595985" cy="5850074"/>
+            <a:off x="8665281" y="2818674"/>
+            <a:ext cx="9004157" cy="6528015"/>
           </a:xfrm>
+          <a:prstGeom prst="rect">
+            <a:avLst/>
+          </a:prstGeom>
+          <a:noFill/>
         </p:spPr>
-        <p:txBody>
-          <a:bodyPr>
-            <a:normAutofit/>
-          </a:bodyPr>
-          <a:lstStyle/>
-          <a:p>
-            <a:r>
-              <a:rPr lang="en-GB" dirty="0"/>
-              <a:t>We propose Machine Learning techniques </a:t>
-            </a:r>
-            <a:r>
-              <a:rPr lang="en-US" dirty="0"/>
-              <a:t>to enhance the capabilities of DEA.</a:t>
-            </a:r>
-            <a:endParaRPr lang="en-GB" dirty="0"/>
-          </a:p>
-          <a:p>
-            <a:endParaRPr lang="en-US" dirty="0"/>
-          </a:p>
-          <a:p>
-            <a:r>
-              <a:rPr lang="en-US" dirty="0"/>
-              <a:t>Two predominant streams of research:</a:t>
-            </a:r>
-          </a:p>
-          <a:p>
-            <a:endParaRPr lang="en-US" dirty="0"/>
-          </a:p>
-          <a:p>
-            <a:pPr lvl="1"/>
-            <a:r>
-              <a:rPr lang="en-US" dirty="0"/>
-              <a:t>Adapting existing ML techniques to ensure that the predictive function.</a:t>
-            </a:r>
-          </a:p>
-          <a:p>
-            <a:pPr lvl="1"/>
-            <a:r>
-              <a:rPr lang="en-US" dirty="0"/>
-              <a:t>A two-stage approach to integrate DEA with ML techniques.</a:t>
-            </a:r>
-          </a:p>
-        </p:txBody>
-      </p:sp>
-      <p:sp>
-        <p:nvSpPr>
-          <p:cNvPr id="4" name="Marcador de pie de página 3">
-            <a:extLst>
-              <a:ext uri="{FF2B5EF4-FFF2-40B4-BE49-F238E27FC236}">
-                <a16:creationId xmlns:a16="http://schemas.microsoft.com/office/drawing/2014/main" id="{81FA2410-67CF-428A-9DF6-97A560DA85A1}"/>
-              </a:ext>
-            </a:extLst>
-          </p:cNvPr>
-          <p:cNvSpPr>
-            <a:spLocks noGrp="1"/>
-          </p:cNvSpPr>
-          <p:nvPr>
-            <p:ph type="ftr" sz="quarter" idx="11"/>
-          </p:nvPr>
-        </p:nvSpPr>
-        <p:spPr/>
-        <p:txBody>
-          <a:bodyPr/>
-          <a:lstStyle/>
-          <a:p>
-            <a:pPr algn="ctr">
-              <a:lnSpc>
-                <a:spcPct val="150000"/>
-              </a:lnSpc>
-              <a:spcAft>
-                <a:spcPts val="800"/>
-              </a:spcAft>
-            </a:pPr>
-            <a:r>
-              <a:rPr lang="en-US" sz="1800" b="1" kern="100" dirty="0">
-                <a:effectLst/>
-                <a:latin typeface="Times New Roman" panose="02020603050405020304" pitchFamily="18" charset="0"/>
-                <a:ea typeface="Aptos" panose="020B0004020202020204" pitchFamily="34" charset="0"/>
-                <a:cs typeface="Times New Roman" panose="02020603050405020304" pitchFamily="18" charset="0"/>
-              </a:rPr>
-              <a:t>A novel approach for efficiency evaluation through the integration of standard Machine Learning classification models and Data Envelopment Analysis</a:t>
-            </a:r>
-            <a:endParaRPr lang="es-ES" sz="1600" kern="100" dirty="0">
-              <a:effectLst/>
-              <a:latin typeface="Times New Roman" panose="02020603050405020304" pitchFamily="18" charset="0"/>
-              <a:ea typeface="Aptos" panose="020B0004020202020204" pitchFamily="34" charset="0"/>
-              <a:cs typeface="Times New Roman" panose="02020603050405020304" pitchFamily="18" charset="0"/>
-            </a:endParaRPr>
-          </a:p>
-        </p:txBody>
-      </p:sp>
+      </p:pic>
       <p:sp>
         <p:nvSpPr>
           <p:cNvPr id="5" name="Marcador de número de diapositiva 4">
@@ -17163,17 +15675,33 @@
             <p:ph type="sldNum" sz="quarter" idx="12"/>
           </p:nvPr>
         </p:nvSpPr>
-        <p:spPr/>
-        <p:txBody>
-          <a:bodyPr/>
+        <p:spPr>
+          <a:xfrm>
+            <a:off x="264428" y="9628939"/>
+            <a:ext cx="1134184" cy="547772"/>
+          </a:xfrm>
+        </p:spPr>
+        <p:txBody>
+          <a:bodyPr anchor="ctr">
+            <a:normAutofit/>
+          </a:bodyPr>
           <a:lstStyle/>
           <a:p>
+            <a:pPr>
+              <a:spcAft>
+                <a:spcPts val="600"/>
+              </a:spcAft>
+            </a:pPr>
             <a:fld id="{DBFF9636-A71C-488A-89F8-02E08556F10C}" type="slidenum">
               <a:rPr lang="es-ES" smtClean="0"/>
-              <a:pPr/>
+              <a:pPr>
+                <a:spcAft>
+                  <a:spcPts val="600"/>
+                </a:spcAft>
+              </a:pPr>
               <a:t>9</a:t>
             </a:fld>
-            <a:endParaRPr lang="es-ES" dirty="0"/>
+            <a:endParaRPr lang="es-ES"/>
           </a:p>
         </p:txBody>
       </p:sp>
@@ -17246,10 +15774,330 @@
           </a:p>
         </p:txBody>
       </p:sp>
+      <mc:AlternateContent xmlns:mc="http://schemas.openxmlformats.org/markup-compatibility/2006" xmlns:a14="http://schemas.microsoft.com/office/drawing/2010/main">
+        <mc:Choice Requires="a14">
+          <p:sp>
+            <p:nvSpPr>
+              <p:cNvPr id="16" name="Marcador de contenido 2">
+                <a:extLst>
+                  <a:ext uri="{FF2B5EF4-FFF2-40B4-BE49-F238E27FC236}">
+                    <a16:creationId xmlns:a16="http://schemas.microsoft.com/office/drawing/2014/main" id="{6BED3FB9-4FD3-12F9-6FFE-ACF0F320D934}"/>
+                  </a:ext>
+                </a:extLst>
+              </p:cNvPr>
+              <p:cNvSpPr>
+                <a:spLocks noGrp="1"/>
+              </p:cNvSpPr>
+              <p:nvPr>
+                <p:ph idx="1"/>
+              </p:nvPr>
+            </p:nvSpPr>
+            <p:spPr>
+              <a:xfrm>
+                <a:off x="423111" y="3084196"/>
+                <a:ext cx="8720889" cy="5850074"/>
+              </a:xfrm>
+            </p:spPr>
+            <p:txBody>
+              <a:bodyPr>
+                <a:normAutofit/>
+              </a:bodyPr>
+              <a:lstStyle/>
+              <a:p>
+                <a:pPr>
+                  <a:lnSpc>
+                    <a:spcPct val="150000"/>
+                  </a:lnSpc>
+                </a:pPr>
+                <a:r>
+                  <a:rPr lang="es-ES" dirty="0"/>
+                  <a:t>Support Vector Machines.</a:t>
+                </a:r>
+              </a:p>
+              <a:p>
+                <a:pPr lvl="1">
+                  <a:lnSpc>
+                    <a:spcPct val="150000"/>
+                  </a:lnSpc>
+                </a:pPr>
+                <a:r>
+                  <a:rPr lang="es-ES" dirty="0"/>
+                  <a:t>Tries </a:t>
+                </a:r>
+                <a:r>
+                  <a:rPr lang="es-ES" dirty="0" err="1"/>
+                  <a:t>to</a:t>
+                </a:r>
+                <a:r>
+                  <a:rPr lang="es-ES" dirty="0"/>
+                  <a:t> </a:t>
+                </a:r>
+                <a:r>
+                  <a:rPr lang="es-ES" dirty="0" err="1"/>
+                  <a:t>find</a:t>
+                </a:r>
+                <a:r>
+                  <a:rPr lang="es-ES" dirty="0"/>
+                  <a:t> </a:t>
+                </a:r>
+                <a:r>
+                  <a:rPr lang="es-ES" dirty="0" err="1"/>
+                  <a:t>the</a:t>
+                </a:r>
+                <a:r>
+                  <a:rPr lang="es-ES" dirty="0"/>
+                  <a:t> </a:t>
+                </a:r>
+                <a:r>
+                  <a:rPr lang="es-ES" dirty="0" err="1"/>
+                  <a:t>best</a:t>
+                </a:r>
+                <a:r>
+                  <a:rPr lang="es-ES" dirty="0"/>
+                  <a:t> </a:t>
+                </a:r>
+                <a:r>
+                  <a:rPr lang="es-ES" dirty="0" err="1"/>
+                  <a:t>hyperplane</a:t>
+                </a:r>
+                <a:r>
+                  <a:rPr lang="es-ES" dirty="0"/>
+                  <a:t>.</a:t>
+                </a:r>
+              </a:p>
+              <a:p>
+                <a:pPr lvl="1">
+                  <a:lnSpc>
+                    <a:spcPct val="150000"/>
+                  </a:lnSpc>
+                </a:pPr>
+                <a:r>
+                  <a:rPr lang="es-ES" dirty="0" err="1"/>
+                  <a:t>Depends</a:t>
+                </a:r>
+                <a:r>
+                  <a:rPr lang="es-ES" dirty="0"/>
+                  <a:t> </a:t>
+                </a:r>
+                <a:r>
+                  <a:rPr lang="es-ES" dirty="0" err="1"/>
+                  <a:t>on</a:t>
+                </a:r>
+                <a:r>
+                  <a:rPr lang="es-ES" dirty="0"/>
+                  <a:t>:</a:t>
+                </a:r>
+              </a:p>
+              <a:p>
+                <a:pPr lvl="2">
+                  <a:lnSpc>
+                    <a:spcPct val="150000"/>
+                  </a:lnSpc>
+                </a:pPr>
+                <a:r>
+                  <a:rPr lang="es-ES" dirty="0" err="1"/>
+                  <a:t>selection</a:t>
+                </a:r>
+                <a:r>
+                  <a:rPr lang="es-ES" dirty="0"/>
+                  <a:t> </a:t>
+                </a:r>
+                <a:r>
+                  <a:rPr lang="es-ES" dirty="0" err="1"/>
+                  <a:t>of</a:t>
+                </a:r>
+                <a:r>
+                  <a:rPr lang="es-ES" dirty="0"/>
+                  <a:t> </a:t>
+                </a:r>
+                <a:r>
+                  <a:rPr lang="es-ES" dirty="0" err="1"/>
+                  <a:t>hyperparameters</a:t>
+                </a:r>
+                <a:endParaRPr lang="es-ES" dirty="0"/>
+              </a:p>
+              <a:p>
+                <a:pPr marL="1371600" lvl="2" indent="0">
+                  <a:lnSpc>
+                    <a:spcPct val="150000"/>
+                  </a:lnSpc>
+                  <a:buNone/>
+                </a:pPr>
+                <a:r>
+                  <a:rPr lang="es-ES" dirty="0"/>
+                  <a:t>	</a:t>
+                </a:r>
+                <a:r>
+                  <a:rPr lang="es-ES" dirty="0" err="1"/>
+                  <a:t>regularization</a:t>
+                </a:r>
+                <a:r>
+                  <a:rPr lang="es-ES" dirty="0"/>
+                  <a:t> </a:t>
+                </a:r>
+                <a:r>
+                  <a:rPr lang="es-ES" dirty="0" err="1"/>
+                  <a:t>parameter</a:t>
+                </a:r>
+                <a:r>
+                  <a:rPr lang="es-ES" dirty="0"/>
+                  <a:t> (</a:t>
+                </a:r>
+                <a14:m>
+                  <m:oMath xmlns:m="http://schemas.openxmlformats.org/officeDocument/2006/math">
+                    <m:r>
+                      <a:rPr lang="es-ES" b="0" i="1" smtClean="0">
+                        <a:latin typeface="Cambria Math" panose="02040503050406030204" pitchFamily="18" charset="0"/>
+                      </a:rPr>
+                      <m:t>𝐶</m:t>
+                    </m:r>
+                  </m:oMath>
+                </a14:m>
+                <a:r>
+                  <a:rPr lang="es-ES" dirty="0"/>
+                  <a:t>)</a:t>
+                </a:r>
+              </a:p>
+              <a:p>
+                <a:pPr marL="1371600" lvl="2" indent="0">
+                  <a:lnSpc>
+                    <a:spcPct val="150000"/>
+                  </a:lnSpc>
+                  <a:buNone/>
+                </a:pPr>
+                <a:r>
+                  <a:rPr lang="es-ES" dirty="0"/>
+                  <a:t>	</a:t>
+                </a:r>
+                <a:r>
+                  <a:rPr lang="es-ES" dirty="0" err="1"/>
+                  <a:t>Kernel</a:t>
+                </a:r>
+                <a:r>
+                  <a:rPr lang="es-ES" dirty="0"/>
+                  <a:t> </a:t>
+                </a:r>
+                <a:r>
+                  <a:rPr lang="es-ES" dirty="0" err="1"/>
+                  <a:t>function</a:t>
+                </a:r>
+                <a:r>
+                  <a:rPr lang="es-ES" dirty="0"/>
+                  <a:t> </a:t>
+                </a:r>
+              </a:p>
+              <a:p>
+                <a:pPr marL="1371600" lvl="2" indent="0">
+                  <a:buNone/>
+                </a:pPr>
+                <a:endParaRPr lang="es-ES" dirty="0"/>
+              </a:p>
+              <a:p>
+                <a:endParaRPr lang="en-GB" dirty="0"/>
+              </a:p>
+            </p:txBody>
+          </p:sp>
+        </mc:Choice>
+        <mc:Fallback xmlns="">
+          <p:sp>
+            <p:nvSpPr>
+              <p:cNvPr id="16" name="Marcador de contenido 2">
+                <a:extLst>
+                  <a:ext uri="{FF2B5EF4-FFF2-40B4-BE49-F238E27FC236}">
+                    <a16:creationId xmlns:a16="http://schemas.microsoft.com/office/drawing/2014/main" id="{6BED3FB9-4FD3-12F9-6FFE-ACF0F320D934}"/>
+                  </a:ext>
+                </a:extLst>
+              </p:cNvPr>
+              <p:cNvSpPr>
+                <a:spLocks noGrp="1" noRot="1" noChangeAspect="1" noMove="1" noResize="1" noEditPoints="1" noAdjustHandles="1" noChangeArrowheads="1" noChangeShapeType="1" noTextEdit="1"/>
+              </p:cNvSpPr>
+              <p:nvPr>
+                <p:ph idx="1"/>
+              </p:nvPr>
+            </p:nvSpPr>
+            <p:spPr>
+              <a:xfrm>
+                <a:off x="423111" y="3084196"/>
+                <a:ext cx="8720889" cy="5850074"/>
+              </a:xfrm>
+              <a:blipFill>
+                <a:blip r:embed="rId4"/>
+                <a:stretch>
+                  <a:fillRect l="-2446"/>
+                </a:stretch>
+              </a:blipFill>
+            </p:spPr>
+            <p:txBody>
+              <a:bodyPr/>
+              <a:lstStyle/>
+              <a:p>
+                <a:r>
+                  <a:rPr lang="es-ES">
+                    <a:noFill/>
+                  </a:rPr>
+                  <a:t> </a:t>
+                </a:r>
+              </a:p>
+            </p:txBody>
+          </p:sp>
+        </mc:Fallback>
+      </mc:AlternateContent>
+      <p:sp>
+        <p:nvSpPr>
+          <p:cNvPr id="3" name="Marcador de pie de página 3">
+            <a:extLst>
+              <a:ext uri="{FF2B5EF4-FFF2-40B4-BE49-F238E27FC236}">
+                <a16:creationId xmlns:a16="http://schemas.microsoft.com/office/drawing/2014/main" id="{DBE322D2-E919-4ED2-DD3E-BF7D2B7EF39D}"/>
+              </a:ext>
+            </a:extLst>
+          </p:cNvPr>
+          <p:cNvSpPr>
+            <a:spLocks noGrp="1"/>
+          </p:cNvSpPr>
+          <p:nvPr>
+            <p:ph type="ftr" sz="quarter" idx="11"/>
+          </p:nvPr>
+        </p:nvSpPr>
+        <p:spPr>
+          <a:xfrm>
+            <a:off x="1653085" y="9628939"/>
+            <a:ext cx="13031905" cy="547772"/>
+          </a:xfrm>
+        </p:spPr>
+        <p:txBody>
+          <a:bodyPr/>
+          <a:lstStyle/>
+          <a:p>
+            <a:pPr algn="ctr">
+              <a:lnSpc>
+                <a:spcPct val="150000"/>
+              </a:lnSpc>
+              <a:spcAft>
+                <a:spcPts val="800"/>
+              </a:spcAft>
+            </a:pPr>
+            <a:r>
+              <a:rPr lang="en-US" sz="1800" b="1" kern="100" dirty="0">
+                <a:effectLst/>
+                <a:latin typeface="Times New Roman" panose="02020603050405020304" pitchFamily="18" charset="0"/>
+                <a:ea typeface="Aptos" panose="020B0004020202020204" pitchFamily="34" charset="0"/>
+                <a:cs typeface="Times New Roman" panose="02020603050405020304" pitchFamily="18" charset="0"/>
+              </a:rPr>
+              <a:t>A novel approach for efficiency evaluation through the integration of standard Machine Learning classification models and Data Envelopment Analysis</a:t>
+            </a:r>
+            <a:endParaRPr lang="es-ES" sz="1600" kern="100" dirty="0">
+              <a:effectLst/>
+              <a:latin typeface="Times New Roman" panose="02020603050405020304" pitchFamily="18" charset="0"/>
+              <a:ea typeface="Aptos" panose="020B0004020202020204" pitchFamily="34" charset="0"/>
+              <a:cs typeface="Times New Roman" panose="02020603050405020304" pitchFamily="18" charset="0"/>
+            </a:endParaRPr>
+          </a:p>
+        </p:txBody>
+      </p:sp>
     </p:spTree>
     <p:extLst>
       <p:ext uri="{BB962C8B-B14F-4D97-AF65-F5344CB8AC3E}">
-        <p14:creationId xmlns:p14="http://schemas.microsoft.com/office/powerpoint/2010/main" val="582248287"/>
+        <p14:creationId xmlns:p14="http://schemas.microsoft.com/office/powerpoint/2010/main" val="330661727"/>
       </p:ext>
     </p:extLst>
   </p:cSld>
